--- a/Pamphlet.pptx
+++ b/Pamphlet.pptx
@@ -2,18 +2,22 @@
 <file path=ppt/presentation.xml><?xml version="1.0" encoding="utf-8"?>
 <p:presentation xmlns:a="http://schemas.openxmlformats.org/drawingml/2006/main" xmlns:r="http://schemas.openxmlformats.org/officeDocument/2006/relationships" xmlns:p="http://schemas.openxmlformats.org/presentationml/2006/main" saveSubsetFonts="1">
   <p:sldMasterIdLst>
-    <p:sldMasterId id="2147483648" r:id="rId1"/>
+    <p:sldMasterId id="2147483660" r:id="rId1"/>
   </p:sldMasterIdLst>
   <p:sldIdLst>
-    <p:sldId id="256" r:id="rId2"/>
+    <p:sldId id="259" r:id="rId2"/>
+    <p:sldId id="256" r:id="rId3"/>
+    <p:sldId id="261" r:id="rId4"/>
+    <p:sldId id="258" r:id="rId5"/>
+    <p:sldId id="257" r:id="rId6"/>
   </p:sldIdLst>
-  <p:sldSz cx="12192000" cy="6858000"/>
-  <p:notesSz cx="6858000" cy="9144000"/>
+  <p:sldSz cx="9906000" cy="6858000" type="A4"/>
+  <p:notesSz cx="9144000" cy="6858000"/>
   <p:defaultTextStyle>
     <a:defPPr>
-      <a:defRPr lang="ko-KR"/>
+      <a:defRPr lang="en-US"/>
     </a:defPPr>
-    <a:lvl1pPr marL="0" algn="l" defTabSz="914400" rtl="0" eaLnBrk="1" latinLnBrk="1" hangingPunct="1">
+    <a:lvl1pPr marL="0" algn="l" defTabSz="457200" rtl="0" eaLnBrk="1" latinLnBrk="0" hangingPunct="1">
       <a:defRPr sz="1800" kern="1200">
         <a:solidFill>
           <a:schemeClr val="tx1"/>
@@ -23,7 +27,7 @@
         <a:cs typeface="+mn-cs"/>
       </a:defRPr>
     </a:lvl1pPr>
-    <a:lvl2pPr marL="457200" algn="l" defTabSz="914400" rtl="0" eaLnBrk="1" latinLnBrk="1" hangingPunct="1">
+    <a:lvl2pPr marL="457200" algn="l" defTabSz="457200" rtl="0" eaLnBrk="1" latinLnBrk="0" hangingPunct="1">
       <a:defRPr sz="1800" kern="1200">
         <a:solidFill>
           <a:schemeClr val="tx1"/>
@@ -33,7 +37,7 @@
         <a:cs typeface="+mn-cs"/>
       </a:defRPr>
     </a:lvl2pPr>
-    <a:lvl3pPr marL="914400" algn="l" defTabSz="914400" rtl="0" eaLnBrk="1" latinLnBrk="1" hangingPunct="1">
+    <a:lvl3pPr marL="914400" algn="l" defTabSz="457200" rtl="0" eaLnBrk="1" latinLnBrk="0" hangingPunct="1">
       <a:defRPr sz="1800" kern="1200">
         <a:solidFill>
           <a:schemeClr val="tx1"/>
@@ -43,7 +47,7 @@
         <a:cs typeface="+mn-cs"/>
       </a:defRPr>
     </a:lvl3pPr>
-    <a:lvl4pPr marL="1371600" algn="l" defTabSz="914400" rtl="0" eaLnBrk="1" latinLnBrk="1" hangingPunct="1">
+    <a:lvl4pPr marL="1371600" algn="l" defTabSz="457200" rtl="0" eaLnBrk="1" latinLnBrk="0" hangingPunct="1">
       <a:defRPr sz="1800" kern="1200">
         <a:solidFill>
           <a:schemeClr val="tx1"/>
@@ -53,7 +57,7 @@
         <a:cs typeface="+mn-cs"/>
       </a:defRPr>
     </a:lvl4pPr>
-    <a:lvl5pPr marL="1828800" algn="l" defTabSz="914400" rtl="0" eaLnBrk="1" latinLnBrk="1" hangingPunct="1">
+    <a:lvl5pPr marL="1828800" algn="l" defTabSz="457200" rtl="0" eaLnBrk="1" latinLnBrk="0" hangingPunct="1">
       <a:defRPr sz="1800" kern="1200">
         <a:solidFill>
           <a:schemeClr val="tx1"/>
@@ -63,7 +67,7 @@
         <a:cs typeface="+mn-cs"/>
       </a:defRPr>
     </a:lvl5pPr>
-    <a:lvl6pPr marL="2286000" algn="l" defTabSz="914400" rtl="0" eaLnBrk="1" latinLnBrk="1" hangingPunct="1">
+    <a:lvl6pPr marL="2286000" algn="l" defTabSz="457200" rtl="0" eaLnBrk="1" latinLnBrk="0" hangingPunct="1">
       <a:defRPr sz="1800" kern="1200">
         <a:solidFill>
           <a:schemeClr val="tx1"/>
@@ -73,7 +77,7 @@
         <a:cs typeface="+mn-cs"/>
       </a:defRPr>
     </a:lvl6pPr>
-    <a:lvl7pPr marL="2743200" algn="l" defTabSz="914400" rtl="0" eaLnBrk="1" latinLnBrk="1" hangingPunct="1">
+    <a:lvl7pPr marL="2743200" algn="l" defTabSz="457200" rtl="0" eaLnBrk="1" latinLnBrk="0" hangingPunct="1">
       <a:defRPr sz="1800" kern="1200">
         <a:solidFill>
           <a:schemeClr val="tx1"/>
@@ -83,7 +87,7 @@
         <a:cs typeface="+mn-cs"/>
       </a:defRPr>
     </a:lvl7pPr>
-    <a:lvl8pPr marL="3200400" algn="l" defTabSz="914400" rtl="0" eaLnBrk="1" latinLnBrk="1" hangingPunct="1">
+    <a:lvl8pPr marL="3200400" algn="l" defTabSz="457200" rtl="0" eaLnBrk="1" latinLnBrk="0" hangingPunct="1">
       <a:defRPr sz="1800" kern="1200">
         <a:solidFill>
           <a:schemeClr val="tx1"/>
@@ -93,7 +97,7 @@
         <a:cs typeface="+mn-cs"/>
       </a:defRPr>
     </a:lvl8pPr>
-    <a:lvl9pPr marL="3657600" algn="l" defTabSz="914400" rtl="0" eaLnBrk="1" latinLnBrk="1" hangingPunct="1">
+    <a:lvl9pPr marL="3657600" algn="l" defTabSz="457200" rtl="0" eaLnBrk="1" latinLnBrk="0" hangingPunct="1">
       <a:defRPr sz="1800" kern="1200">
         <a:solidFill>
           <a:schemeClr val="tx1"/>
@@ -104,6 +108,22 @@
       </a:defRPr>
     </a:lvl9pPr>
   </p:defaultTextStyle>
+  <p:extLst>
+    <p:ext uri="{EFAFB233-063F-42B5-8137-9DF3F51BA10A}">
+      <p15:sldGuideLst xmlns:p15="http://schemas.microsoft.com/office/powerpoint/2012/main">
+        <p15:guide id="1" orient="horz" pos="2160" userDrawn="1">
+          <p15:clr>
+            <a:srgbClr val="A4A3A4"/>
+          </p15:clr>
+        </p15:guide>
+        <p15:guide id="2" pos="3120" userDrawn="1">
+          <p15:clr>
+            <a:srgbClr val="A4A3A4"/>
+          </p15:clr>
+        </p15:guide>
+      </p15:sldGuideLst>
+    </p:ext>
+  </p:extLst>
 </p:presentation>
 </file>
 
@@ -126,13 +146,7 @@
       </p:grpSpPr>
       <p:sp>
         <p:nvSpPr>
-          <p:cNvPr id="2" name="제목 1">
-            <a:extLst>
-              <a:ext uri="{FF2B5EF4-FFF2-40B4-BE49-F238E27FC236}">
-                <a16:creationId xmlns:a16="http://schemas.microsoft.com/office/drawing/2014/main" id="{90DBD33A-C1E5-A489-AA14-6D3B017B5ABB}"/>
-              </a:ext>
-            </a:extLst>
-          </p:cNvPr>
+          <p:cNvPr id="2" name="Title 1"/>
           <p:cNvSpPr>
             <a:spLocks noGrp="1"/>
           </p:cNvSpPr>
@@ -142,8 +156,8 @@
         </p:nvSpPr>
         <p:spPr>
           <a:xfrm>
-            <a:off x="1524000" y="1122363"/>
-            <a:ext cx="9144000" cy="2387600"/>
+            <a:off x="742950" y="1122363"/>
+            <a:ext cx="8420100" cy="2387600"/>
           </a:xfrm>
         </p:spPr>
         <p:txBody>
@@ -158,18 +172,13 @@
               <a:rPr lang="ko-KR" altLang="en-US"/>
               <a:t>마스터 제목 스타일 편집</a:t>
             </a:r>
-          </a:p>
-        </p:txBody>
-      </p:sp>
-      <p:sp>
-        <p:nvSpPr>
-          <p:cNvPr id="3" name="부제목 2">
-            <a:extLst>
-              <a:ext uri="{FF2B5EF4-FFF2-40B4-BE49-F238E27FC236}">
-                <a16:creationId xmlns:a16="http://schemas.microsoft.com/office/drawing/2014/main" id="{00A36C97-4634-FC47-FD34-02504237158B}"/>
-              </a:ext>
-            </a:extLst>
-          </p:cNvPr>
+            <a:endParaRPr lang="en-US" dirty="0"/>
+          </a:p>
+        </p:txBody>
+      </p:sp>
+      <p:sp>
+        <p:nvSpPr>
+          <p:cNvPr id="3" name="Subtitle 2"/>
           <p:cNvSpPr>
             <a:spLocks noGrp="1"/>
           </p:cNvSpPr>
@@ -179,8 +188,8 @@
         </p:nvSpPr>
         <p:spPr>
           <a:xfrm>
-            <a:off x="1524000" y="3602038"/>
-            <a:ext cx="9144000" cy="1655762"/>
+            <a:off x="1238250" y="3602038"/>
+            <a:ext cx="7429500" cy="1655762"/>
           </a:xfrm>
         </p:spPr>
         <p:txBody>
@@ -228,18 +237,13 @@
               <a:rPr lang="ko-KR" altLang="en-US"/>
               <a:t>클릭하여 마스터 부제목 스타일 편집</a:t>
             </a:r>
-          </a:p>
-        </p:txBody>
-      </p:sp>
-      <p:sp>
-        <p:nvSpPr>
-          <p:cNvPr id="4" name="날짜 개체 틀 3">
-            <a:extLst>
-              <a:ext uri="{FF2B5EF4-FFF2-40B4-BE49-F238E27FC236}">
-                <a16:creationId xmlns:a16="http://schemas.microsoft.com/office/drawing/2014/main" id="{DEFF39D2-20A9-D471-E8B7-C93A0F413F9B}"/>
-              </a:ext>
-            </a:extLst>
-          </p:cNvPr>
+            <a:endParaRPr lang="en-US" dirty="0"/>
+          </a:p>
+        </p:txBody>
+      </p:sp>
+      <p:sp>
+        <p:nvSpPr>
+          <p:cNvPr id="4" name="Date Placeholder 3"/>
           <p:cNvSpPr>
             <a:spLocks noGrp="1"/>
           </p:cNvSpPr>
@@ -262,13 +266,7 @@
       </p:sp>
       <p:sp>
         <p:nvSpPr>
-          <p:cNvPr id="5" name="바닥글 개체 틀 4">
-            <a:extLst>
-              <a:ext uri="{FF2B5EF4-FFF2-40B4-BE49-F238E27FC236}">
-                <a16:creationId xmlns:a16="http://schemas.microsoft.com/office/drawing/2014/main" id="{D6F34DEF-A875-E464-731D-9D8C3F7A506B}"/>
-              </a:ext>
-            </a:extLst>
-          </p:cNvPr>
+          <p:cNvPr id="5" name="Footer Placeholder 4"/>
           <p:cNvSpPr>
             <a:spLocks noGrp="1"/>
           </p:cNvSpPr>
@@ -287,13 +285,7 @@
       </p:sp>
       <p:sp>
         <p:nvSpPr>
-          <p:cNvPr id="6" name="슬라이드 번호 개체 틀 5">
-            <a:extLst>
-              <a:ext uri="{FF2B5EF4-FFF2-40B4-BE49-F238E27FC236}">
-                <a16:creationId xmlns:a16="http://schemas.microsoft.com/office/drawing/2014/main" id="{61C96139-85DB-4C50-7744-6D062E8572F7}"/>
-              </a:ext>
-            </a:extLst>
-          </p:cNvPr>
+          <p:cNvPr id="6" name="Slide Number Placeholder 5"/>
           <p:cNvSpPr>
             <a:spLocks noGrp="1"/>
           </p:cNvSpPr>
@@ -317,7 +309,7 @@
     </p:spTree>
     <p:extLst>
       <p:ext uri="{BB962C8B-B14F-4D97-AF65-F5344CB8AC3E}">
-        <p14:creationId xmlns:p14="http://schemas.microsoft.com/office/powerpoint/2010/main" val="2938257728"/>
+        <p14:creationId xmlns:p14="http://schemas.microsoft.com/office/powerpoint/2010/main" val="3447044776"/>
       </p:ext>
     </p:extLst>
   </p:cSld>
@@ -346,13 +338,7 @@
       </p:grpSpPr>
       <p:sp>
         <p:nvSpPr>
-          <p:cNvPr id="2" name="제목 1">
-            <a:extLst>
-              <a:ext uri="{FF2B5EF4-FFF2-40B4-BE49-F238E27FC236}">
-                <a16:creationId xmlns:a16="http://schemas.microsoft.com/office/drawing/2014/main" id="{A465AE02-20C8-8FB2-28BB-5D7A1C0AE0FD}"/>
-              </a:ext>
-            </a:extLst>
-          </p:cNvPr>
+          <p:cNvPr id="2" name="Title 1"/>
           <p:cNvSpPr>
             <a:spLocks noGrp="1"/>
           </p:cNvSpPr>
@@ -369,18 +355,13 @@
               <a:rPr lang="ko-KR" altLang="en-US"/>
               <a:t>마스터 제목 스타일 편집</a:t>
             </a:r>
-          </a:p>
-        </p:txBody>
-      </p:sp>
-      <p:sp>
-        <p:nvSpPr>
-          <p:cNvPr id="3" name="세로 텍스트 개체 틀 2">
-            <a:extLst>
-              <a:ext uri="{FF2B5EF4-FFF2-40B4-BE49-F238E27FC236}">
-                <a16:creationId xmlns:a16="http://schemas.microsoft.com/office/drawing/2014/main" id="{2220FF1F-D174-7559-F39D-93FD905E3B2F}"/>
-              </a:ext>
-            </a:extLst>
-          </p:cNvPr>
+            <a:endParaRPr lang="en-US" dirty="0"/>
+          </a:p>
+        </p:txBody>
+      </p:sp>
+      <p:sp>
+        <p:nvSpPr>
+          <p:cNvPr id="3" name="Vertical Text Placeholder 2"/>
           <p:cNvSpPr>
             <a:spLocks noGrp="1"/>
           </p:cNvSpPr>
@@ -426,18 +407,13 @@
               <a:rPr lang="ko-KR" altLang="en-US"/>
               <a:t>다섯 번째 수준</a:t>
             </a:r>
-          </a:p>
-        </p:txBody>
-      </p:sp>
-      <p:sp>
-        <p:nvSpPr>
-          <p:cNvPr id="4" name="날짜 개체 틀 3">
-            <a:extLst>
-              <a:ext uri="{FF2B5EF4-FFF2-40B4-BE49-F238E27FC236}">
-                <a16:creationId xmlns:a16="http://schemas.microsoft.com/office/drawing/2014/main" id="{E6AE67D4-2EBA-0CF4-19A0-334AC7941B1A}"/>
-              </a:ext>
-            </a:extLst>
-          </p:cNvPr>
+            <a:endParaRPr lang="en-US" dirty="0"/>
+          </a:p>
+        </p:txBody>
+      </p:sp>
+      <p:sp>
+        <p:nvSpPr>
+          <p:cNvPr id="4" name="Date Placeholder 3"/>
           <p:cNvSpPr>
             <a:spLocks noGrp="1"/>
           </p:cNvSpPr>
@@ -460,13 +436,7 @@
       </p:sp>
       <p:sp>
         <p:nvSpPr>
-          <p:cNvPr id="5" name="바닥글 개체 틀 4">
-            <a:extLst>
-              <a:ext uri="{FF2B5EF4-FFF2-40B4-BE49-F238E27FC236}">
-                <a16:creationId xmlns:a16="http://schemas.microsoft.com/office/drawing/2014/main" id="{EE17A279-9C10-E027-8F4E-4CE5D8AF2625}"/>
-              </a:ext>
-            </a:extLst>
-          </p:cNvPr>
+          <p:cNvPr id="5" name="Footer Placeholder 4"/>
           <p:cNvSpPr>
             <a:spLocks noGrp="1"/>
           </p:cNvSpPr>
@@ -485,13 +455,7 @@
       </p:sp>
       <p:sp>
         <p:nvSpPr>
-          <p:cNvPr id="6" name="슬라이드 번호 개체 틀 5">
-            <a:extLst>
-              <a:ext uri="{FF2B5EF4-FFF2-40B4-BE49-F238E27FC236}">
-                <a16:creationId xmlns:a16="http://schemas.microsoft.com/office/drawing/2014/main" id="{D1BC99A2-2011-B076-3CA7-8A6FD288CEE1}"/>
-              </a:ext>
-            </a:extLst>
-          </p:cNvPr>
+          <p:cNvPr id="6" name="Slide Number Placeholder 5"/>
           <p:cNvSpPr>
             <a:spLocks noGrp="1"/>
           </p:cNvSpPr>
@@ -515,7 +479,7 @@
     </p:spTree>
     <p:extLst>
       <p:ext uri="{BB962C8B-B14F-4D97-AF65-F5344CB8AC3E}">
-        <p14:creationId xmlns:p14="http://schemas.microsoft.com/office/powerpoint/2010/main" val="3054711650"/>
+        <p14:creationId xmlns:p14="http://schemas.microsoft.com/office/powerpoint/2010/main" val="2299233491"/>
       </p:ext>
     </p:extLst>
   </p:cSld>
@@ -544,13 +508,7 @@
       </p:grpSpPr>
       <p:sp>
         <p:nvSpPr>
-          <p:cNvPr id="2" name="세로 제목 1">
-            <a:extLst>
-              <a:ext uri="{FF2B5EF4-FFF2-40B4-BE49-F238E27FC236}">
-                <a16:creationId xmlns:a16="http://schemas.microsoft.com/office/drawing/2014/main" id="{EF852B28-A09B-F103-F968-39F2A208470E}"/>
-              </a:ext>
-            </a:extLst>
-          </p:cNvPr>
+          <p:cNvPr id="2" name="Vertical Title 1"/>
           <p:cNvSpPr>
             <a:spLocks noGrp="1"/>
           </p:cNvSpPr>
@@ -560,8 +518,8 @@
         </p:nvSpPr>
         <p:spPr>
           <a:xfrm>
-            <a:off x="8724900" y="365125"/>
-            <a:ext cx="2628900" cy="5811838"/>
+            <a:off x="7088982" y="365125"/>
+            <a:ext cx="2135981" cy="5811838"/>
           </a:xfrm>
         </p:spPr>
         <p:txBody>
@@ -572,18 +530,13 @@
               <a:rPr lang="ko-KR" altLang="en-US"/>
               <a:t>마스터 제목 스타일 편집</a:t>
             </a:r>
-          </a:p>
-        </p:txBody>
-      </p:sp>
-      <p:sp>
-        <p:nvSpPr>
-          <p:cNvPr id="3" name="세로 텍스트 개체 틀 2">
-            <a:extLst>
-              <a:ext uri="{FF2B5EF4-FFF2-40B4-BE49-F238E27FC236}">
-                <a16:creationId xmlns:a16="http://schemas.microsoft.com/office/drawing/2014/main" id="{3AE0B194-ED3C-6F9F-41F5-A30A9900B63A}"/>
-              </a:ext>
-            </a:extLst>
-          </p:cNvPr>
+            <a:endParaRPr lang="en-US" dirty="0"/>
+          </a:p>
+        </p:txBody>
+      </p:sp>
+      <p:sp>
+        <p:nvSpPr>
+          <p:cNvPr id="3" name="Vertical Text Placeholder 2"/>
           <p:cNvSpPr>
             <a:spLocks noGrp="1"/>
           </p:cNvSpPr>
@@ -593,8 +546,8 @@
         </p:nvSpPr>
         <p:spPr>
           <a:xfrm>
-            <a:off x="838200" y="365125"/>
-            <a:ext cx="7734300" cy="5811838"/>
+            <a:off x="681038" y="365125"/>
+            <a:ext cx="6284119" cy="5811838"/>
           </a:xfrm>
         </p:spPr>
         <p:txBody>
@@ -634,18 +587,13 @@
               <a:rPr lang="ko-KR" altLang="en-US"/>
               <a:t>다섯 번째 수준</a:t>
             </a:r>
-          </a:p>
-        </p:txBody>
-      </p:sp>
-      <p:sp>
-        <p:nvSpPr>
-          <p:cNvPr id="4" name="날짜 개체 틀 3">
-            <a:extLst>
-              <a:ext uri="{FF2B5EF4-FFF2-40B4-BE49-F238E27FC236}">
-                <a16:creationId xmlns:a16="http://schemas.microsoft.com/office/drawing/2014/main" id="{1625A2DA-6998-B223-1952-432943627C1B}"/>
-              </a:ext>
-            </a:extLst>
-          </p:cNvPr>
+            <a:endParaRPr lang="en-US" dirty="0"/>
+          </a:p>
+        </p:txBody>
+      </p:sp>
+      <p:sp>
+        <p:nvSpPr>
+          <p:cNvPr id="4" name="Date Placeholder 3"/>
           <p:cNvSpPr>
             <a:spLocks noGrp="1"/>
           </p:cNvSpPr>
@@ -668,13 +616,7 @@
       </p:sp>
       <p:sp>
         <p:nvSpPr>
-          <p:cNvPr id="5" name="바닥글 개체 틀 4">
-            <a:extLst>
-              <a:ext uri="{FF2B5EF4-FFF2-40B4-BE49-F238E27FC236}">
-                <a16:creationId xmlns:a16="http://schemas.microsoft.com/office/drawing/2014/main" id="{594C14D9-87E4-2E0F-C829-8BB716A14B2D}"/>
-              </a:ext>
-            </a:extLst>
-          </p:cNvPr>
+          <p:cNvPr id="5" name="Footer Placeholder 4"/>
           <p:cNvSpPr>
             <a:spLocks noGrp="1"/>
           </p:cNvSpPr>
@@ -693,13 +635,7 @@
       </p:sp>
       <p:sp>
         <p:nvSpPr>
-          <p:cNvPr id="6" name="슬라이드 번호 개체 틀 5">
-            <a:extLst>
-              <a:ext uri="{FF2B5EF4-FFF2-40B4-BE49-F238E27FC236}">
-                <a16:creationId xmlns:a16="http://schemas.microsoft.com/office/drawing/2014/main" id="{1A3FDC38-8FCA-2EC6-997B-A815BCD6578B}"/>
-              </a:ext>
-            </a:extLst>
-          </p:cNvPr>
+          <p:cNvPr id="6" name="Slide Number Placeholder 5"/>
           <p:cNvSpPr>
             <a:spLocks noGrp="1"/>
           </p:cNvSpPr>
@@ -723,7 +659,7 @@
     </p:spTree>
     <p:extLst>
       <p:ext uri="{BB962C8B-B14F-4D97-AF65-F5344CB8AC3E}">
-        <p14:creationId xmlns:p14="http://schemas.microsoft.com/office/powerpoint/2010/main" val="3533017407"/>
+        <p14:creationId xmlns:p14="http://schemas.microsoft.com/office/powerpoint/2010/main" val="842233797"/>
       </p:ext>
     </p:extLst>
   </p:cSld>
@@ -752,13 +688,7 @@
       </p:grpSpPr>
       <p:sp>
         <p:nvSpPr>
-          <p:cNvPr id="2" name="제목 1">
-            <a:extLst>
-              <a:ext uri="{FF2B5EF4-FFF2-40B4-BE49-F238E27FC236}">
-                <a16:creationId xmlns:a16="http://schemas.microsoft.com/office/drawing/2014/main" id="{98F1F11D-7E5A-7A60-D242-F4E3B7967C6B}"/>
-              </a:ext>
-            </a:extLst>
-          </p:cNvPr>
+          <p:cNvPr id="2" name="Title 1"/>
           <p:cNvSpPr>
             <a:spLocks noGrp="1"/>
           </p:cNvSpPr>
@@ -775,18 +705,13 @@
               <a:rPr lang="ko-KR" altLang="en-US"/>
               <a:t>마스터 제목 스타일 편집</a:t>
             </a:r>
-          </a:p>
-        </p:txBody>
-      </p:sp>
-      <p:sp>
-        <p:nvSpPr>
-          <p:cNvPr id="3" name="내용 개체 틀 2">
-            <a:extLst>
-              <a:ext uri="{FF2B5EF4-FFF2-40B4-BE49-F238E27FC236}">
-                <a16:creationId xmlns:a16="http://schemas.microsoft.com/office/drawing/2014/main" id="{3180B88F-B7E7-48F0-6D43-5AF562F30CD4}"/>
-              </a:ext>
-            </a:extLst>
-          </p:cNvPr>
+            <a:endParaRPr lang="en-US" dirty="0"/>
+          </a:p>
+        </p:txBody>
+      </p:sp>
+      <p:sp>
+        <p:nvSpPr>
+          <p:cNvPr id="3" name="Content Placeholder 2"/>
           <p:cNvSpPr>
             <a:spLocks noGrp="1"/>
           </p:cNvSpPr>
@@ -832,18 +757,13 @@
               <a:rPr lang="ko-KR" altLang="en-US"/>
               <a:t>다섯 번째 수준</a:t>
             </a:r>
-          </a:p>
-        </p:txBody>
-      </p:sp>
-      <p:sp>
-        <p:nvSpPr>
-          <p:cNvPr id="4" name="날짜 개체 틀 3">
-            <a:extLst>
-              <a:ext uri="{FF2B5EF4-FFF2-40B4-BE49-F238E27FC236}">
-                <a16:creationId xmlns:a16="http://schemas.microsoft.com/office/drawing/2014/main" id="{E58DDD97-B752-508F-5AB8-8EFD5EEBDA8B}"/>
-              </a:ext>
-            </a:extLst>
-          </p:cNvPr>
+            <a:endParaRPr lang="en-US" dirty="0"/>
+          </a:p>
+        </p:txBody>
+      </p:sp>
+      <p:sp>
+        <p:nvSpPr>
+          <p:cNvPr id="4" name="Date Placeholder 3"/>
           <p:cNvSpPr>
             <a:spLocks noGrp="1"/>
           </p:cNvSpPr>
@@ -866,13 +786,7 @@
       </p:sp>
       <p:sp>
         <p:nvSpPr>
-          <p:cNvPr id="5" name="바닥글 개체 틀 4">
-            <a:extLst>
-              <a:ext uri="{FF2B5EF4-FFF2-40B4-BE49-F238E27FC236}">
-                <a16:creationId xmlns:a16="http://schemas.microsoft.com/office/drawing/2014/main" id="{032149E1-B6F0-66B9-4D8B-209EF8A77138}"/>
-              </a:ext>
-            </a:extLst>
-          </p:cNvPr>
+          <p:cNvPr id="5" name="Footer Placeholder 4"/>
           <p:cNvSpPr>
             <a:spLocks noGrp="1"/>
           </p:cNvSpPr>
@@ -891,13 +805,7 @@
       </p:sp>
       <p:sp>
         <p:nvSpPr>
-          <p:cNvPr id="6" name="슬라이드 번호 개체 틀 5">
-            <a:extLst>
-              <a:ext uri="{FF2B5EF4-FFF2-40B4-BE49-F238E27FC236}">
-                <a16:creationId xmlns:a16="http://schemas.microsoft.com/office/drawing/2014/main" id="{77C31B48-8501-B003-FD64-E9C919048ADE}"/>
-              </a:ext>
-            </a:extLst>
-          </p:cNvPr>
+          <p:cNvPr id="6" name="Slide Number Placeholder 5"/>
           <p:cNvSpPr>
             <a:spLocks noGrp="1"/>
           </p:cNvSpPr>
@@ -921,7 +829,7 @@
     </p:spTree>
     <p:extLst>
       <p:ext uri="{BB962C8B-B14F-4D97-AF65-F5344CB8AC3E}">
-        <p14:creationId xmlns:p14="http://schemas.microsoft.com/office/powerpoint/2010/main" val="4191572987"/>
+        <p14:creationId xmlns:p14="http://schemas.microsoft.com/office/powerpoint/2010/main" val="4125775361"/>
       </p:ext>
     </p:extLst>
   </p:cSld>
@@ -950,13 +858,7 @@
       </p:grpSpPr>
       <p:sp>
         <p:nvSpPr>
-          <p:cNvPr id="2" name="제목 1">
-            <a:extLst>
-              <a:ext uri="{FF2B5EF4-FFF2-40B4-BE49-F238E27FC236}">
-                <a16:creationId xmlns:a16="http://schemas.microsoft.com/office/drawing/2014/main" id="{B33F272E-65DF-5321-E163-D7DB6BD4DC30}"/>
-              </a:ext>
-            </a:extLst>
-          </p:cNvPr>
+          <p:cNvPr id="2" name="Title 1"/>
           <p:cNvSpPr>
             <a:spLocks noGrp="1"/>
           </p:cNvSpPr>
@@ -966,8 +868,8 @@
         </p:nvSpPr>
         <p:spPr>
           <a:xfrm>
-            <a:off x="831850" y="1709738"/>
-            <a:ext cx="10515600" cy="2852737"/>
+            <a:off x="675879" y="1709740"/>
+            <a:ext cx="8543925" cy="2852737"/>
           </a:xfrm>
         </p:spPr>
         <p:txBody>
@@ -982,18 +884,13 @@
               <a:rPr lang="ko-KR" altLang="en-US"/>
               <a:t>마스터 제목 스타일 편집</a:t>
             </a:r>
-          </a:p>
-        </p:txBody>
-      </p:sp>
-      <p:sp>
-        <p:nvSpPr>
-          <p:cNvPr id="3" name="텍스트 개체 틀 2">
-            <a:extLst>
-              <a:ext uri="{FF2B5EF4-FFF2-40B4-BE49-F238E27FC236}">
-                <a16:creationId xmlns:a16="http://schemas.microsoft.com/office/drawing/2014/main" id="{2E09F039-AE99-F58F-6220-92A9718E2B3E}"/>
-              </a:ext>
-            </a:extLst>
-          </p:cNvPr>
+            <a:endParaRPr lang="en-US" dirty="0"/>
+          </a:p>
+        </p:txBody>
+      </p:sp>
+      <p:sp>
+        <p:nvSpPr>
+          <p:cNvPr id="3" name="Text Placeholder 2"/>
           <p:cNvSpPr>
             <a:spLocks noGrp="1"/>
           </p:cNvSpPr>
@@ -1003,8 +900,8 @@
         </p:nvSpPr>
         <p:spPr>
           <a:xfrm>
-            <a:off x="831850" y="4589463"/>
-            <a:ext cx="10515600" cy="1500187"/>
+            <a:off x="675879" y="4589465"/>
+            <a:ext cx="8543925" cy="1500187"/>
           </a:xfrm>
         </p:spPr>
         <p:txBody>
@@ -1014,9 +911,7 @@
               <a:buNone/>
               <a:defRPr sz="2400">
                 <a:solidFill>
-                  <a:schemeClr val="tx1">
-                    <a:tint val="75000"/>
-                  </a:schemeClr>
+                  <a:schemeClr val="tx1"/>
                 </a:solidFill>
               </a:defRPr>
             </a:lvl1pPr>
@@ -1112,13 +1007,7 @@
       </p:sp>
       <p:sp>
         <p:nvSpPr>
-          <p:cNvPr id="4" name="날짜 개체 틀 3">
-            <a:extLst>
-              <a:ext uri="{FF2B5EF4-FFF2-40B4-BE49-F238E27FC236}">
-                <a16:creationId xmlns:a16="http://schemas.microsoft.com/office/drawing/2014/main" id="{A5BEFE2C-9292-0516-B687-D1D91DE8081C}"/>
-              </a:ext>
-            </a:extLst>
-          </p:cNvPr>
+          <p:cNvPr id="4" name="Date Placeholder 3"/>
           <p:cNvSpPr>
             <a:spLocks noGrp="1"/>
           </p:cNvSpPr>
@@ -1141,13 +1030,7 @@
       </p:sp>
       <p:sp>
         <p:nvSpPr>
-          <p:cNvPr id="5" name="바닥글 개체 틀 4">
-            <a:extLst>
-              <a:ext uri="{FF2B5EF4-FFF2-40B4-BE49-F238E27FC236}">
-                <a16:creationId xmlns:a16="http://schemas.microsoft.com/office/drawing/2014/main" id="{329F5013-D085-6081-E671-B382A66F9CC3}"/>
-              </a:ext>
-            </a:extLst>
-          </p:cNvPr>
+          <p:cNvPr id="5" name="Footer Placeholder 4"/>
           <p:cNvSpPr>
             <a:spLocks noGrp="1"/>
           </p:cNvSpPr>
@@ -1166,13 +1049,7 @@
       </p:sp>
       <p:sp>
         <p:nvSpPr>
-          <p:cNvPr id="6" name="슬라이드 번호 개체 틀 5">
-            <a:extLst>
-              <a:ext uri="{FF2B5EF4-FFF2-40B4-BE49-F238E27FC236}">
-                <a16:creationId xmlns:a16="http://schemas.microsoft.com/office/drawing/2014/main" id="{4F31CA6A-5333-0301-C806-457F55E55547}"/>
-              </a:ext>
-            </a:extLst>
-          </p:cNvPr>
+          <p:cNvPr id="6" name="Slide Number Placeholder 5"/>
           <p:cNvSpPr>
             <a:spLocks noGrp="1"/>
           </p:cNvSpPr>
@@ -1196,7 +1073,7 @@
     </p:spTree>
     <p:extLst>
       <p:ext uri="{BB962C8B-B14F-4D97-AF65-F5344CB8AC3E}">
-        <p14:creationId xmlns:p14="http://schemas.microsoft.com/office/powerpoint/2010/main" val="2488653890"/>
+        <p14:creationId xmlns:p14="http://schemas.microsoft.com/office/powerpoint/2010/main" val="1005509380"/>
       </p:ext>
     </p:extLst>
   </p:cSld>
@@ -1225,13 +1102,7 @@
       </p:grpSpPr>
       <p:sp>
         <p:nvSpPr>
-          <p:cNvPr id="2" name="제목 1">
-            <a:extLst>
-              <a:ext uri="{FF2B5EF4-FFF2-40B4-BE49-F238E27FC236}">
-                <a16:creationId xmlns:a16="http://schemas.microsoft.com/office/drawing/2014/main" id="{4D98139B-64DD-4453-1B1D-724DBB3BB0DE}"/>
-              </a:ext>
-            </a:extLst>
-          </p:cNvPr>
+          <p:cNvPr id="2" name="Title 1"/>
           <p:cNvSpPr>
             <a:spLocks noGrp="1"/>
           </p:cNvSpPr>
@@ -1248,18 +1119,13 @@
               <a:rPr lang="ko-KR" altLang="en-US"/>
               <a:t>마스터 제목 스타일 편집</a:t>
             </a:r>
-          </a:p>
-        </p:txBody>
-      </p:sp>
-      <p:sp>
-        <p:nvSpPr>
-          <p:cNvPr id="3" name="내용 개체 틀 2">
-            <a:extLst>
-              <a:ext uri="{FF2B5EF4-FFF2-40B4-BE49-F238E27FC236}">
-                <a16:creationId xmlns:a16="http://schemas.microsoft.com/office/drawing/2014/main" id="{C91907F1-577A-CCB0-D8A2-34A4D096E2F3}"/>
-              </a:ext>
-            </a:extLst>
-          </p:cNvPr>
+            <a:endParaRPr lang="en-US" dirty="0"/>
+          </a:p>
+        </p:txBody>
+      </p:sp>
+      <p:sp>
+        <p:nvSpPr>
+          <p:cNvPr id="3" name="Content Placeholder 2"/>
           <p:cNvSpPr>
             <a:spLocks noGrp="1"/>
           </p:cNvSpPr>
@@ -1269,8 +1135,8 @@
         </p:nvSpPr>
         <p:spPr>
           <a:xfrm>
-            <a:off x="838200" y="1825625"/>
-            <a:ext cx="5181600" cy="4351338"/>
+            <a:off x="681038" y="1825625"/>
+            <a:ext cx="4210050" cy="4351338"/>
           </a:xfrm>
         </p:spPr>
         <p:txBody>
@@ -1310,18 +1176,13 @@
               <a:rPr lang="ko-KR" altLang="en-US"/>
               <a:t>다섯 번째 수준</a:t>
             </a:r>
-          </a:p>
-        </p:txBody>
-      </p:sp>
-      <p:sp>
-        <p:nvSpPr>
-          <p:cNvPr id="4" name="내용 개체 틀 3">
-            <a:extLst>
-              <a:ext uri="{FF2B5EF4-FFF2-40B4-BE49-F238E27FC236}">
-                <a16:creationId xmlns:a16="http://schemas.microsoft.com/office/drawing/2014/main" id="{12830689-23C0-869D-326C-8718BF8C7002}"/>
-              </a:ext>
-            </a:extLst>
-          </p:cNvPr>
+            <a:endParaRPr lang="en-US" dirty="0"/>
+          </a:p>
+        </p:txBody>
+      </p:sp>
+      <p:sp>
+        <p:nvSpPr>
+          <p:cNvPr id="4" name="Content Placeholder 3"/>
           <p:cNvSpPr>
             <a:spLocks noGrp="1"/>
           </p:cNvSpPr>
@@ -1331,8 +1192,8 @@
         </p:nvSpPr>
         <p:spPr>
           <a:xfrm>
-            <a:off x="6172200" y="1825625"/>
-            <a:ext cx="5181600" cy="4351338"/>
+            <a:off x="5014913" y="1825625"/>
+            <a:ext cx="4210050" cy="4351338"/>
           </a:xfrm>
         </p:spPr>
         <p:txBody>
@@ -1372,18 +1233,13 @@
               <a:rPr lang="ko-KR" altLang="en-US"/>
               <a:t>다섯 번째 수준</a:t>
             </a:r>
-          </a:p>
-        </p:txBody>
-      </p:sp>
-      <p:sp>
-        <p:nvSpPr>
-          <p:cNvPr id="5" name="날짜 개체 틀 4">
-            <a:extLst>
-              <a:ext uri="{FF2B5EF4-FFF2-40B4-BE49-F238E27FC236}">
-                <a16:creationId xmlns:a16="http://schemas.microsoft.com/office/drawing/2014/main" id="{0C11DF3C-7F38-E8BB-7E1C-24178EE41D2D}"/>
-              </a:ext>
-            </a:extLst>
-          </p:cNvPr>
+            <a:endParaRPr lang="en-US" dirty="0"/>
+          </a:p>
+        </p:txBody>
+      </p:sp>
+      <p:sp>
+        <p:nvSpPr>
+          <p:cNvPr id="5" name="Date Placeholder 4"/>
           <p:cNvSpPr>
             <a:spLocks noGrp="1"/>
           </p:cNvSpPr>
@@ -1406,13 +1262,7 @@
       </p:sp>
       <p:sp>
         <p:nvSpPr>
-          <p:cNvPr id="6" name="바닥글 개체 틀 5">
-            <a:extLst>
-              <a:ext uri="{FF2B5EF4-FFF2-40B4-BE49-F238E27FC236}">
-                <a16:creationId xmlns:a16="http://schemas.microsoft.com/office/drawing/2014/main" id="{E9A073BC-029F-0C00-4342-26D45E1F3B34}"/>
-              </a:ext>
-            </a:extLst>
-          </p:cNvPr>
+          <p:cNvPr id="6" name="Footer Placeholder 5"/>
           <p:cNvSpPr>
             <a:spLocks noGrp="1"/>
           </p:cNvSpPr>
@@ -1431,13 +1281,7 @@
       </p:sp>
       <p:sp>
         <p:nvSpPr>
-          <p:cNvPr id="7" name="슬라이드 번호 개체 틀 6">
-            <a:extLst>
-              <a:ext uri="{FF2B5EF4-FFF2-40B4-BE49-F238E27FC236}">
-                <a16:creationId xmlns:a16="http://schemas.microsoft.com/office/drawing/2014/main" id="{B4145D68-F9B1-B89F-EECD-B7E4532C4C29}"/>
-              </a:ext>
-            </a:extLst>
-          </p:cNvPr>
+          <p:cNvPr id="7" name="Slide Number Placeholder 6"/>
           <p:cNvSpPr>
             <a:spLocks noGrp="1"/>
           </p:cNvSpPr>
@@ -1461,7 +1305,7 @@
     </p:spTree>
     <p:extLst>
       <p:ext uri="{BB962C8B-B14F-4D97-AF65-F5344CB8AC3E}">
-        <p14:creationId xmlns:p14="http://schemas.microsoft.com/office/powerpoint/2010/main" val="29206633"/>
+        <p14:creationId xmlns:p14="http://schemas.microsoft.com/office/powerpoint/2010/main" val="480518540"/>
       </p:ext>
     </p:extLst>
   </p:cSld>
@@ -1490,13 +1334,7 @@
       </p:grpSpPr>
       <p:sp>
         <p:nvSpPr>
-          <p:cNvPr id="2" name="제목 1">
-            <a:extLst>
-              <a:ext uri="{FF2B5EF4-FFF2-40B4-BE49-F238E27FC236}">
-                <a16:creationId xmlns:a16="http://schemas.microsoft.com/office/drawing/2014/main" id="{8A2C3821-DA6D-D92F-8D0C-F7D3CE3E9F90}"/>
-              </a:ext>
-            </a:extLst>
-          </p:cNvPr>
+          <p:cNvPr id="2" name="Title 1"/>
           <p:cNvSpPr>
             <a:spLocks noGrp="1"/>
           </p:cNvSpPr>
@@ -1506,8 +1344,8 @@
         </p:nvSpPr>
         <p:spPr>
           <a:xfrm>
-            <a:off x="839788" y="365125"/>
-            <a:ext cx="10515600" cy="1325563"/>
+            <a:off x="682328" y="365127"/>
+            <a:ext cx="8543925" cy="1325563"/>
           </a:xfrm>
         </p:spPr>
         <p:txBody>
@@ -1518,18 +1356,13 @@
               <a:rPr lang="ko-KR" altLang="en-US"/>
               <a:t>마스터 제목 스타일 편집</a:t>
             </a:r>
-          </a:p>
-        </p:txBody>
-      </p:sp>
-      <p:sp>
-        <p:nvSpPr>
-          <p:cNvPr id="3" name="텍스트 개체 틀 2">
-            <a:extLst>
-              <a:ext uri="{FF2B5EF4-FFF2-40B4-BE49-F238E27FC236}">
-                <a16:creationId xmlns:a16="http://schemas.microsoft.com/office/drawing/2014/main" id="{74AE39CB-DEE8-5390-4077-2B478A21F102}"/>
-              </a:ext>
-            </a:extLst>
-          </p:cNvPr>
+            <a:endParaRPr lang="en-US" dirty="0"/>
+          </a:p>
+        </p:txBody>
+      </p:sp>
+      <p:sp>
+        <p:nvSpPr>
+          <p:cNvPr id="3" name="Text Placeholder 2"/>
           <p:cNvSpPr>
             <a:spLocks noGrp="1"/>
           </p:cNvSpPr>
@@ -1539,8 +1372,8 @@
         </p:nvSpPr>
         <p:spPr>
           <a:xfrm>
-            <a:off x="839788" y="1681163"/>
-            <a:ext cx="5157787" cy="823912"/>
+            <a:off x="682329" y="1681163"/>
+            <a:ext cx="4190702" cy="823912"/>
           </a:xfrm>
         </p:spPr>
         <p:txBody>
@@ -1594,13 +1427,7 @@
       </p:sp>
       <p:sp>
         <p:nvSpPr>
-          <p:cNvPr id="4" name="내용 개체 틀 3">
-            <a:extLst>
-              <a:ext uri="{FF2B5EF4-FFF2-40B4-BE49-F238E27FC236}">
-                <a16:creationId xmlns:a16="http://schemas.microsoft.com/office/drawing/2014/main" id="{947DE990-DD8E-B95A-E0B4-17C5993AB80B}"/>
-              </a:ext>
-            </a:extLst>
-          </p:cNvPr>
+          <p:cNvPr id="4" name="Content Placeholder 3"/>
           <p:cNvSpPr>
             <a:spLocks noGrp="1"/>
           </p:cNvSpPr>
@@ -1610,8 +1437,8 @@
         </p:nvSpPr>
         <p:spPr>
           <a:xfrm>
-            <a:off x="839788" y="2505075"/>
-            <a:ext cx="5157787" cy="3684588"/>
+            <a:off x="682329" y="2505075"/>
+            <a:ext cx="4190702" cy="3684588"/>
           </a:xfrm>
         </p:spPr>
         <p:txBody>
@@ -1651,18 +1478,13 @@
               <a:rPr lang="ko-KR" altLang="en-US"/>
               <a:t>다섯 번째 수준</a:t>
             </a:r>
-          </a:p>
-        </p:txBody>
-      </p:sp>
-      <p:sp>
-        <p:nvSpPr>
-          <p:cNvPr id="5" name="텍스트 개체 틀 4">
-            <a:extLst>
-              <a:ext uri="{FF2B5EF4-FFF2-40B4-BE49-F238E27FC236}">
-                <a16:creationId xmlns:a16="http://schemas.microsoft.com/office/drawing/2014/main" id="{24AADCFF-2252-DF6D-18F9-05D9EAEA0929}"/>
-              </a:ext>
-            </a:extLst>
-          </p:cNvPr>
+            <a:endParaRPr lang="en-US" dirty="0"/>
+          </a:p>
+        </p:txBody>
+      </p:sp>
+      <p:sp>
+        <p:nvSpPr>
+          <p:cNvPr id="5" name="Text Placeholder 4"/>
           <p:cNvSpPr>
             <a:spLocks noGrp="1"/>
           </p:cNvSpPr>
@@ -1672,8 +1494,8 @@
         </p:nvSpPr>
         <p:spPr>
           <a:xfrm>
-            <a:off x="6172200" y="1681163"/>
-            <a:ext cx="5183188" cy="823912"/>
+            <a:off x="5014913" y="1681163"/>
+            <a:ext cx="4211340" cy="823912"/>
           </a:xfrm>
         </p:spPr>
         <p:txBody>
@@ -1727,13 +1549,7 @@
       </p:sp>
       <p:sp>
         <p:nvSpPr>
-          <p:cNvPr id="6" name="내용 개체 틀 5">
-            <a:extLst>
-              <a:ext uri="{FF2B5EF4-FFF2-40B4-BE49-F238E27FC236}">
-                <a16:creationId xmlns:a16="http://schemas.microsoft.com/office/drawing/2014/main" id="{E27C84DC-F5DA-D5FB-2650-64A68175C31C}"/>
-              </a:ext>
-            </a:extLst>
-          </p:cNvPr>
+          <p:cNvPr id="6" name="Content Placeholder 5"/>
           <p:cNvSpPr>
             <a:spLocks noGrp="1"/>
           </p:cNvSpPr>
@@ -1743,8 +1559,8 @@
         </p:nvSpPr>
         <p:spPr>
           <a:xfrm>
-            <a:off x="6172200" y="2505075"/>
-            <a:ext cx="5183188" cy="3684588"/>
+            <a:off x="5014913" y="2505075"/>
+            <a:ext cx="4211340" cy="3684588"/>
           </a:xfrm>
         </p:spPr>
         <p:txBody>
@@ -1784,18 +1600,13 @@
               <a:rPr lang="ko-KR" altLang="en-US"/>
               <a:t>다섯 번째 수준</a:t>
             </a:r>
-          </a:p>
-        </p:txBody>
-      </p:sp>
-      <p:sp>
-        <p:nvSpPr>
-          <p:cNvPr id="7" name="날짜 개체 틀 6">
-            <a:extLst>
-              <a:ext uri="{FF2B5EF4-FFF2-40B4-BE49-F238E27FC236}">
-                <a16:creationId xmlns:a16="http://schemas.microsoft.com/office/drawing/2014/main" id="{4E3C5D42-8D37-62D5-AA02-18B7A2FDE4BA}"/>
-              </a:ext>
-            </a:extLst>
-          </p:cNvPr>
+            <a:endParaRPr lang="en-US" dirty="0"/>
+          </a:p>
+        </p:txBody>
+      </p:sp>
+      <p:sp>
+        <p:nvSpPr>
+          <p:cNvPr id="7" name="Date Placeholder 6"/>
           <p:cNvSpPr>
             <a:spLocks noGrp="1"/>
           </p:cNvSpPr>
@@ -1818,13 +1629,7 @@
       </p:sp>
       <p:sp>
         <p:nvSpPr>
-          <p:cNvPr id="8" name="바닥글 개체 틀 7">
-            <a:extLst>
-              <a:ext uri="{FF2B5EF4-FFF2-40B4-BE49-F238E27FC236}">
-                <a16:creationId xmlns:a16="http://schemas.microsoft.com/office/drawing/2014/main" id="{1703C1AF-467D-6E42-E8C9-C8C02FD074DC}"/>
-              </a:ext>
-            </a:extLst>
-          </p:cNvPr>
+          <p:cNvPr id="8" name="Footer Placeholder 7"/>
           <p:cNvSpPr>
             <a:spLocks noGrp="1"/>
           </p:cNvSpPr>
@@ -1843,13 +1648,7 @@
       </p:sp>
       <p:sp>
         <p:nvSpPr>
-          <p:cNvPr id="9" name="슬라이드 번호 개체 틀 8">
-            <a:extLst>
-              <a:ext uri="{FF2B5EF4-FFF2-40B4-BE49-F238E27FC236}">
-                <a16:creationId xmlns:a16="http://schemas.microsoft.com/office/drawing/2014/main" id="{F44B4E14-2654-D6C2-6B10-BF80A4F1B7BE}"/>
-              </a:ext>
-            </a:extLst>
-          </p:cNvPr>
+          <p:cNvPr id="9" name="Slide Number Placeholder 8"/>
           <p:cNvSpPr>
             <a:spLocks noGrp="1"/>
           </p:cNvSpPr>
@@ -1873,7 +1672,7 @@
     </p:spTree>
     <p:extLst>
       <p:ext uri="{BB962C8B-B14F-4D97-AF65-F5344CB8AC3E}">
-        <p14:creationId xmlns:p14="http://schemas.microsoft.com/office/powerpoint/2010/main" val="1085811669"/>
+        <p14:creationId xmlns:p14="http://schemas.microsoft.com/office/powerpoint/2010/main" val="1257356290"/>
       </p:ext>
     </p:extLst>
   </p:cSld>
@@ -1902,13 +1701,7 @@
       </p:grpSpPr>
       <p:sp>
         <p:nvSpPr>
-          <p:cNvPr id="2" name="제목 1">
-            <a:extLst>
-              <a:ext uri="{FF2B5EF4-FFF2-40B4-BE49-F238E27FC236}">
-                <a16:creationId xmlns:a16="http://schemas.microsoft.com/office/drawing/2014/main" id="{351498D8-F42E-FE46-6CE7-E1F3C79FFCE2}"/>
-              </a:ext>
-            </a:extLst>
-          </p:cNvPr>
+          <p:cNvPr id="2" name="Title 1"/>
           <p:cNvSpPr>
             <a:spLocks noGrp="1"/>
           </p:cNvSpPr>
@@ -1925,18 +1718,13 @@
               <a:rPr lang="ko-KR" altLang="en-US"/>
               <a:t>마스터 제목 스타일 편집</a:t>
             </a:r>
-          </a:p>
-        </p:txBody>
-      </p:sp>
-      <p:sp>
-        <p:nvSpPr>
-          <p:cNvPr id="3" name="날짜 개체 틀 2">
-            <a:extLst>
-              <a:ext uri="{FF2B5EF4-FFF2-40B4-BE49-F238E27FC236}">
-                <a16:creationId xmlns:a16="http://schemas.microsoft.com/office/drawing/2014/main" id="{3A0EE015-6E6C-3B60-26A9-1C867BDAA265}"/>
-              </a:ext>
-            </a:extLst>
-          </p:cNvPr>
+            <a:endParaRPr lang="en-US" dirty="0"/>
+          </a:p>
+        </p:txBody>
+      </p:sp>
+      <p:sp>
+        <p:nvSpPr>
+          <p:cNvPr id="3" name="Date Placeholder 2"/>
           <p:cNvSpPr>
             <a:spLocks noGrp="1"/>
           </p:cNvSpPr>
@@ -1959,13 +1747,7 @@
       </p:sp>
       <p:sp>
         <p:nvSpPr>
-          <p:cNvPr id="4" name="바닥글 개체 틀 3">
-            <a:extLst>
-              <a:ext uri="{FF2B5EF4-FFF2-40B4-BE49-F238E27FC236}">
-                <a16:creationId xmlns:a16="http://schemas.microsoft.com/office/drawing/2014/main" id="{E44D39BA-115F-2F16-1D8F-D294C8A1CA9F}"/>
-              </a:ext>
-            </a:extLst>
-          </p:cNvPr>
+          <p:cNvPr id="4" name="Footer Placeholder 3"/>
           <p:cNvSpPr>
             <a:spLocks noGrp="1"/>
           </p:cNvSpPr>
@@ -1984,13 +1766,7 @@
       </p:sp>
       <p:sp>
         <p:nvSpPr>
-          <p:cNvPr id="5" name="슬라이드 번호 개체 틀 4">
-            <a:extLst>
-              <a:ext uri="{FF2B5EF4-FFF2-40B4-BE49-F238E27FC236}">
-                <a16:creationId xmlns:a16="http://schemas.microsoft.com/office/drawing/2014/main" id="{EBAEEF6F-B14B-5D4F-9CF3-ABC00FF715A1}"/>
-              </a:ext>
-            </a:extLst>
-          </p:cNvPr>
+          <p:cNvPr id="5" name="Slide Number Placeholder 4"/>
           <p:cNvSpPr>
             <a:spLocks noGrp="1"/>
           </p:cNvSpPr>
@@ -2014,7 +1790,7 @@
     </p:spTree>
     <p:extLst>
       <p:ext uri="{BB962C8B-B14F-4D97-AF65-F5344CB8AC3E}">
-        <p14:creationId xmlns:p14="http://schemas.microsoft.com/office/powerpoint/2010/main" val="2872234912"/>
+        <p14:creationId xmlns:p14="http://schemas.microsoft.com/office/powerpoint/2010/main" val="3451291742"/>
       </p:ext>
     </p:extLst>
   </p:cSld>
@@ -2043,13 +1819,7 @@
       </p:grpSpPr>
       <p:sp>
         <p:nvSpPr>
-          <p:cNvPr id="2" name="날짜 개체 틀 1">
-            <a:extLst>
-              <a:ext uri="{FF2B5EF4-FFF2-40B4-BE49-F238E27FC236}">
-                <a16:creationId xmlns:a16="http://schemas.microsoft.com/office/drawing/2014/main" id="{2EFFEB67-FDF9-619E-6B6E-D7FC7F4F9EEE}"/>
-              </a:ext>
-            </a:extLst>
-          </p:cNvPr>
+          <p:cNvPr id="2" name="Date Placeholder 1"/>
           <p:cNvSpPr>
             <a:spLocks noGrp="1"/>
           </p:cNvSpPr>
@@ -2072,13 +1842,7 @@
       </p:sp>
       <p:sp>
         <p:nvSpPr>
-          <p:cNvPr id="3" name="바닥글 개체 틀 2">
-            <a:extLst>
-              <a:ext uri="{FF2B5EF4-FFF2-40B4-BE49-F238E27FC236}">
-                <a16:creationId xmlns:a16="http://schemas.microsoft.com/office/drawing/2014/main" id="{656B739E-2BFA-30D4-4335-87577D964534}"/>
-              </a:ext>
-            </a:extLst>
-          </p:cNvPr>
+          <p:cNvPr id="3" name="Footer Placeholder 2"/>
           <p:cNvSpPr>
             <a:spLocks noGrp="1"/>
           </p:cNvSpPr>
@@ -2097,13 +1861,7 @@
       </p:sp>
       <p:sp>
         <p:nvSpPr>
-          <p:cNvPr id="4" name="슬라이드 번호 개체 틀 3">
-            <a:extLst>
-              <a:ext uri="{FF2B5EF4-FFF2-40B4-BE49-F238E27FC236}">
-                <a16:creationId xmlns:a16="http://schemas.microsoft.com/office/drawing/2014/main" id="{A5090F4E-24B5-AF24-8ED9-86CE44BC1BBF}"/>
-              </a:ext>
-            </a:extLst>
-          </p:cNvPr>
+          <p:cNvPr id="4" name="Slide Number Placeholder 3"/>
           <p:cNvSpPr>
             <a:spLocks noGrp="1"/>
           </p:cNvSpPr>
@@ -2127,7 +1885,7 @@
     </p:spTree>
     <p:extLst>
       <p:ext uri="{BB962C8B-B14F-4D97-AF65-F5344CB8AC3E}">
-        <p14:creationId xmlns:p14="http://schemas.microsoft.com/office/powerpoint/2010/main" val="3849691187"/>
+        <p14:creationId xmlns:p14="http://schemas.microsoft.com/office/powerpoint/2010/main" val="213716428"/>
       </p:ext>
     </p:extLst>
   </p:cSld>
@@ -2156,13 +1914,7 @@
       </p:grpSpPr>
       <p:sp>
         <p:nvSpPr>
-          <p:cNvPr id="2" name="제목 1">
-            <a:extLst>
-              <a:ext uri="{FF2B5EF4-FFF2-40B4-BE49-F238E27FC236}">
-                <a16:creationId xmlns:a16="http://schemas.microsoft.com/office/drawing/2014/main" id="{C51C0410-6F2A-A199-8BD1-9ECAC72E1581}"/>
-              </a:ext>
-            </a:extLst>
-          </p:cNvPr>
+          <p:cNvPr id="2" name="Title 1"/>
           <p:cNvSpPr>
             <a:spLocks noGrp="1"/>
           </p:cNvSpPr>
@@ -2172,8 +1924,8 @@
         </p:nvSpPr>
         <p:spPr>
           <a:xfrm>
-            <a:off x="839788" y="457200"/>
-            <a:ext cx="3932237" cy="1600200"/>
+            <a:off x="682328" y="457200"/>
+            <a:ext cx="3194943" cy="1600200"/>
           </a:xfrm>
         </p:spPr>
         <p:txBody>
@@ -2188,18 +1940,13 @@
               <a:rPr lang="ko-KR" altLang="en-US"/>
               <a:t>마스터 제목 스타일 편집</a:t>
             </a:r>
-          </a:p>
-        </p:txBody>
-      </p:sp>
-      <p:sp>
-        <p:nvSpPr>
-          <p:cNvPr id="3" name="내용 개체 틀 2">
-            <a:extLst>
-              <a:ext uri="{FF2B5EF4-FFF2-40B4-BE49-F238E27FC236}">
-                <a16:creationId xmlns:a16="http://schemas.microsoft.com/office/drawing/2014/main" id="{1E8A079A-66E7-DC72-8CCB-D29552DB9990}"/>
-              </a:ext>
-            </a:extLst>
-          </p:cNvPr>
+            <a:endParaRPr lang="en-US" dirty="0"/>
+          </a:p>
+        </p:txBody>
+      </p:sp>
+      <p:sp>
+        <p:nvSpPr>
+          <p:cNvPr id="3" name="Content Placeholder 2"/>
           <p:cNvSpPr>
             <a:spLocks noGrp="1"/>
           </p:cNvSpPr>
@@ -2209,8 +1956,8 @@
         </p:nvSpPr>
         <p:spPr>
           <a:xfrm>
-            <a:off x="5183188" y="987425"/>
-            <a:ext cx="6172200" cy="4873625"/>
+            <a:off x="4211340" y="987427"/>
+            <a:ext cx="5014913" cy="4873625"/>
           </a:xfrm>
         </p:spPr>
         <p:txBody>
@@ -2278,18 +2025,13 @@
               <a:rPr lang="ko-KR" altLang="en-US"/>
               <a:t>다섯 번째 수준</a:t>
             </a:r>
-          </a:p>
-        </p:txBody>
-      </p:sp>
-      <p:sp>
-        <p:nvSpPr>
-          <p:cNvPr id="4" name="텍스트 개체 틀 3">
-            <a:extLst>
-              <a:ext uri="{FF2B5EF4-FFF2-40B4-BE49-F238E27FC236}">
-                <a16:creationId xmlns:a16="http://schemas.microsoft.com/office/drawing/2014/main" id="{1B20465D-2605-47CD-8E6A-2B97486DCC74}"/>
-              </a:ext>
-            </a:extLst>
-          </p:cNvPr>
+            <a:endParaRPr lang="en-US" dirty="0"/>
+          </a:p>
+        </p:txBody>
+      </p:sp>
+      <p:sp>
+        <p:nvSpPr>
+          <p:cNvPr id="4" name="Text Placeholder 3"/>
           <p:cNvSpPr>
             <a:spLocks noGrp="1"/>
           </p:cNvSpPr>
@@ -2299,8 +2041,8 @@
         </p:nvSpPr>
         <p:spPr>
           <a:xfrm>
-            <a:off x="839788" y="2057400"/>
-            <a:ext cx="3932237" cy="3811588"/>
+            <a:off x="682328" y="2057400"/>
+            <a:ext cx="3194943" cy="3811588"/>
           </a:xfrm>
         </p:spPr>
         <p:txBody>
@@ -2354,13 +2096,7 @@
       </p:sp>
       <p:sp>
         <p:nvSpPr>
-          <p:cNvPr id="5" name="날짜 개체 틀 4">
-            <a:extLst>
-              <a:ext uri="{FF2B5EF4-FFF2-40B4-BE49-F238E27FC236}">
-                <a16:creationId xmlns:a16="http://schemas.microsoft.com/office/drawing/2014/main" id="{994AA8A7-05ED-6AD4-EE17-9A16CEC79B2B}"/>
-              </a:ext>
-            </a:extLst>
-          </p:cNvPr>
+          <p:cNvPr id="5" name="Date Placeholder 4"/>
           <p:cNvSpPr>
             <a:spLocks noGrp="1"/>
           </p:cNvSpPr>
@@ -2383,13 +2119,7 @@
       </p:sp>
       <p:sp>
         <p:nvSpPr>
-          <p:cNvPr id="6" name="바닥글 개체 틀 5">
-            <a:extLst>
-              <a:ext uri="{FF2B5EF4-FFF2-40B4-BE49-F238E27FC236}">
-                <a16:creationId xmlns:a16="http://schemas.microsoft.com/office/drawing/2014/main" id="{57A4EA9F-93A1-9570-3D9B-6BB13386A884}"/>
-              </a:ext>
-            </a:extLst>
-          </p:cNvPr>
+          <p:cNvPr id="6" name="Footer Placeholder 5"/>
           <p:cNvSpPr>
             <a:spLocks noGrp="1"/>
           </p:cNvSpPr>
@@ -2408,13 +2138,7 @@
       </p:sp>
       <p:sp>
         <p:nvSpPr>
-          <p:cNvPr id="7" name="슬라이드 번호 개체 틀 6">
-            <a:extLst>
-              <a:ext uri="{FF2B5EF4-FFF2-40B4-BE49-F238E27FC236}">
-                <a16:creationId xmlns:a16="http://schemas.microsoft.com/office/drawing/2014/main" id="{1633F19E-D577-BED4-DE3D-F7A164C11095}"/>
-              </a:ext>
-            </a:extLst>
-          </p:cNvPr>
+          <p:cNvPr id="7" name="Slide Number Placeholder 6"/>
           <p:cNvSpPr>
             <a:spLocks noGrp="1"/>
           </p:cNvSpPr>
@@ -2438,7 +2162,7 @@
     </p:spTree>
     <p:extLst>
       <p:ext uri="{BB962C8B-B14F-4D97-AF65-F5344CB8AC3E}">
-        <p14:creationId xmlns:p14="http://schemas.microsoft.com/office/powerpoint/2010/main" val="1472812784"/>
+        <p14:creationId xmlns:p14="http://schemas.microsoft.com/office/powerpoint/2010/main" val="3671518273"/>
       </p:ext>
     </p:extLst>
   </p:cSld>
@@ -2467,13 +2191,7 @@
       </p:grpSpPr>
       <p:sp>
         <p:nvSpPr>
-          <p:cNvPr id="2" name="제목 1">
-            <a:extLst>
-              <a:ext uri="{FF2B5EF4-FFF2-40B4-BE49-F238E27FC236}">
-                <a16:creationId xmlns:a16="http://schemas.microsoft.com/office/drawing/2014/main" id="{5D034DEA-D29C-2593-B9CC-A4A6DDB4DCF9}"/>
-              </a:ext>
-            </a:extLst>
-          </p:cNvPr>
+          <p:cNvPr id="2" name="Title 1"/>
           <p:cNvSpPr>
             <a:spLocks noGrp="1"/>
           </p:cNvSpPr>
@@ -2483,8 +2201,8 @@
         </p:nvSpPr>
         <p:spPr>
           <a:xfrm>
-            <a:off x="839788" y="457200"/>
-            <a:ext cx="3932237" cy="1600200"/>
+            <a:off x="682328" y="457200"/>
+            <a:ext cx="3194943" cy="1600200"/>
           </a:xfrm>
         </p:spPr>
         <p:txBody>
@@ -2499,20 +2217,15 @@
               <a:rPr lang="ko-KR" altLang="en-US"/>
               <a:t>마스터 제목 스타일 편집</a:t>
             </a:r>
-          </a:p>
-        </p:txBody>
-      </p:sp>
-      <p:sp>
-        <p:nvSpPr>
-          <p:cNvPr id="3" name="그림 개체 틀 2">
-            <a:extLst>
-              <a:ext uri="{FF2B5EF4-FFF2-40B4-BE49-F238E27FC236}">
-                <a16:creationId xmlns:a16="http://schemas.microsoft.com/office/drawing/2014/main" id="{4210A74D-EDF3-B81B-9E96-040B498A15FE}"/>
-              </a:ext>
-            </a:extLst>
-          </p:cNvPr>
-          <p:cNvSpPr>
-            <a:spLocks noGrp="1"/>
+            <a:endParaRPr lang="en-US" dirty="0"/>
+          </a:p>
+        </p:txBody>
+      </p:sp>
+      <p:sp>
+        <p:nvSpPr>
+          <p:cNvPr id="3" name="Picture Placeholder 2"/>
+          <p:cNvSpPr>
+            <a:spLocks noGrp="1" noChangeAspect="1"/>
           </p:cNvSpPr>
           <p:nvPr>
             <p:ph type="pic" idx="1"/>
@@ -2520,12 +2233,12 @@
         </p:nvSpPr>
         <p:spPr>
           <a:xfrm>
-            <a:off x="5183188" y="987425"/>
-            <a:ext cx="6172200" cy="4873625"/>
+            <a:off x="4211340" y="987427"/>
+            <a:ext cx="5014913" cy="4873625"/>
           </a:xfrm>
         </p:spPr>
         <p:txBody>
-          <a:bodyPr/>
+          <a:bodyPr anchor="t"/>
           <a:lstStyle>
             <a:lvl1pPr marL="0" indent="0">
               <a:buNone/>
@@ -2565,19 +2278,17 @@
             </a:lvl9pPr>
           </a:lstStyle>
           <a:p>
-            <a:endParaRPr lang="ko-KR" altLang="en-US"/>
-          </a:p>
-        </p:txBody>
-      </p:sp>
-      <p:sp>
-        <p:nvSpPr>
-          <p:cNvPr id="4" name="텍스트 개체 틀 3">
-            <a:extLst>
-              <a:ext uri="{FF2B5EF4-FFF2-40B4-BE49-F238E27FC236}">
-                <a16:creationId xmlns:a16="http://schemas.microsoft.com/office/drawing/2014/main" id="{0D83BA2F-CB25-A41D-3203-79E879A5E715}"/>
-              </a:ext>
-            </a:extLst>
-          </p:cNvPr>
+            <a:r>
+              <a:rPr lang="ko-KR" altLang="en-US"/>
+              <a:t>그림을 추가하려면 아이콘을 클릭하십시오</a:t>
+            </a:r>
+            <a:endParaRPr lang="en-US" dirty="0"/>
+          </a:p>
+        </p:txBody>
+      </p:sp>
+      <p:sp>
+        <p:nvSpPr>
+          <p:cNvPr id="4" name="Text Placeholder 3"/>
           <p:cNvSpPr>
             <a:spLocks noGrp="1"/>
           </p:cNvSpPr>
@@ -2587,8 +2298,8 @@
         </p:nvSpPr>
         <p:spPr>
           <a:xfrm>
-            <a:off x="839788" y="2057400"/>
-            <a:ext cx="3932237" cy="3811588"/>
+            <a:off x="682328" y="2057400"/>
+            <a:ext cx="3194943" cy="3811588"/>
           </a:xfrm>
         </p:spPr>
         <p:txBody>
@@ -2642,13 +2353,7 @@
       </p:sp>
       <p:sp>
         <p:nvSpPr>
-          <p:cNvPr id="5" name="날짜 개체 틀 4">
-            <a:extLst>
-              <a:ext uri="{FF2B5EF4-FFF2-40B4-BE49-F238E27FC236}">
-                <a16:creationId xmlns:a16="http://schemas.microsoft.com/office/drawing/2014/main" id="{2FF98922-6708-FD1B-91AD-E63F802F7979}"/>
-              </a:ext>
-            </a:extLst>
-          </p:cNvPr>
+          <p:cNvPr id="5" name="Date Placeholder 4"/>
           <p:cNvSpPr>
             <a:spLocks noGrp="1"/>
           </p:cNvSpPr>
@@ -2671,13 +2376,7 @@
       </p:sp>
       <p:sp>
         <p:nvSpPr>
-          <p:cNvPr id="6" name="바닥글 개체 틀 5">
-            <a:extLst>
-              <a:ext uri="{FF2B5EF4-FFF2-40B4-BE49-F238E27FC236}">
-                <a16:creationId xmlns:a16="http://schemas.microsoft.com/office/drawing/2014/main" id="{1AE3DA4C-9517-861E-42A3-22FCBD66DD6E}"/>
-              </a:ext>
-            </a:extLst>
-          </p:cNvPr>
+          <p:cNvPr id="6" name="Footer Placeholder 5"/>
           <p:cNvSpPr>
             <a:spLocks noGrp="1"/>
           </p:cNvSpPr>
@@ -2696,13 +2395,7 @@
       </p:sp>
       <p:sp>
         <p:nvSpPr>
-          <p:cNvPr id="7" name="슬라이드 번호 개체 틀 6">
-            <a:extLst>
-              <a:ext uri="{FF2B5EF4-FFF2-40B4-BE49-F238E27FC236}">
-                <a16:creationId xmlns:a16="http://schemas.microsoft.com/office/drawing/2014/main" id="{5492116E-A53A-AFDB-F13F-A0A712B4D7A1}"/>
-              </a:ext>
-            </a:extLst>
-          </p:cNvPr>
+          <p:cNvPr id="7" name="Slide Number Placeholder 6"/>
           <p:cNvSpPr>
             <a:spLocks noGrp="1"/>
           </p:cNvSpPr>
@@ -2726,7 +2419,7 @@
     </p:spTree>
     <p:extLst>
       <p:ext uri="{BB962C8B-B14F-4D97-AF65-F5344CB8AC3E}">
-        <p14:creationId xmlns:p14="http://schemas.microsoft.com/office/powerpoint/2010/main" val="3586569476"/>
+        <p14:creationId xmlns:p14="http://schemas.microsoft.com/office/powerpoint/2010/main" val="391834933"/>
       </p:ext>
     </p:extLst>
   </p:cSld>
@@ -2760,13 +2453,7 @@
       </p:grpSpPr>
       <p:sp>
         <p:nvSpPr>
-          <p:cNvPr id="2" name="제목 개체 틀 1">
-            <a:extLst>
-              <a:ext uri="{FF2B5EF4-FFF2-40B4-BE49-F238E27FC236}">
-                <a16:creationId xmlns:a16="http://schemas.microsoft.com/office/drawing/2014/main" id="{C1CA9FD5-A66B-E1BF-0576-9EFC4EB6F6F3}"/>
-              </a:ext>
-            </a:extLst>
-          </p:cNvPr>
+          <p:cNvPr id="2" name="Title Placeholder 1"/>
           <p:cNvSpPr>
             <a:spLocks noGrp="1"/>
           </p:cNvSpPr>
@@ -2776,8 +2463,8 @@
         </p:nvSpPr>
         <p:spPr>
           <a:xfrm>
-            <a:off x="838200" y="365125"/>
-            <a:ext cx="10515600" cy="1325563"/>
+            <a:off x="681038" y="365127"/>
+            <a:ext cx="8543925" cy="1325563"/>
           </a:xfrm>
           <a:prstGeom prst="rect">
             <a:avLst/>
@@ -2793,18 +2480,13 @@
               <a:rPr lang="ko-KR" altLang="en-US"/>
               <a:t>마스터 제목 스타일 편집</a:t>
             </a:r>
-          </a:p>
-        </p:txBody>
-      </p:sp>
-      <p:sp>
-        <p:nvSpPr>
-          <p:cNvPr id="3" name="텍스트 개체 틀 2">
-            <a:extLst>
-              <a:ext uri="{FF2B5EF4-FFF2-40B4-BE49-F238E27FC236}">
-                <a16:creationId xmlns:a16="http://schemas.microsoft.com/office/drawing/2014/main" id="{FCE98273-285B-75D5-1C84-4E8298B6ADEC}"/>
-              </a:ext>
-            </a:extLst>
-          </p:cNvPr>
+            <a:endParaRPr lang="en-US" dirty="0"/>
+          </a:p>
+        </p:txBody>
+      </p:sp>
+      <p:sp>
+        <p:nvSpPr>
+          <p:cNvPr id="3" name="Text Placeholder 2"/>
           <p:cNvSpPr>
             <a:spLocks noGrp="1"/>
           </p:cNvSpPr>
@@ -2814,8 +2496,8 @@
         </p:nvSpPr>
         <p:spPr>
           <a:xfrm>
-            <a:off x="838200" y="1825625"/>
-            <a:ext cx="10515600" cy="4351338"/>
+            <a:off x="681038" y="1825625"/>
+            <a:ext cx="8543925" cy="4351338"/>
           </a:xfrm>
           <a:prstGeom prst="rect">
             <a:avLst/>
@@ -2860,18 +2542,13 @@
               <a:rPr lang="ko-KR" altLang="en-US"/>
               <a:t>다섯 번째 수준</a:t>
             </a:r>
-          </a:p>
-        </p:txBody>
-      </p:sp>
-      <p:sp>
-        <p:nvSpPr>
-          <p:cNvPr id="4" name="날짜 개체 틀 3">
-            <a:extLst>
-              <a:ext uri="{FF2B5EF4-FFF2-40B4-BE49-F238E27FC236}">
-                <a16:creationId xmlns:a16="http://schemas.microsoft.com/office/drawing/2014/main" id="{B24F55C6-54DC-7538-1B73-08643D2ECF38}"/>
-              </a:ext>
-            </a:extLst>
-          </p:cNvPr>
+            <a:endParaRPr lang="en-US" dirty="0"/>
+          </a:p>
+        </p:txBody>
+      </p:sp>
+      <p:sp>
+        <p:nvSpPr>
+          <p:cNvPr id="4" name="Date Placeholder 3"/>
           <p:cNvSpPr>
             <a:spLocks noGrp="1"/>
           </p:cNvSpPr>
@@ -2881,8 +2558,8 @@
         </p:nvSpPr>
         <p:spPr>
           <a:xfrm>
-            <a:off x="838200" y="6356350"/>
-            <a:ext cx="2743200" cy="365125"/>
+            <a:off x="681038" y="6356352"/>
+            <a:ext cx="2228850" cy="365125"/>
           </a:xfrm>
           <a:prstGeom prst="rect">
             <a:avLst/>
@@ -2912,13 +2589,7 @@
       </p:sp>
       <p:sp>
         <p:nvSpPr>
-          <p:cNvPr id="5" name="바닥글 개체 틀 4">
-            <a:extLst>
-              <a:ext uri="{FF2B5EF4-FFF2-40B4-BE49-F238E27FC236}">
-                <a16:creationId xmlns:a16="http://schemas.microsoft.com/office/drawing/2014/main" id="{1170A422-79E4-84BF-4904-3CEC151E2AAD}"/>
-              </a:ext>
-            </a:extLst>
-          </p:cNvPr>
+          <p:cNvPr id="5" name="Footer Placeholder 4"/>
           <p:cNvSpPr>
             <a:spLocks noGrp="1"/>
           </p:cNvSpPr>
@@ -2928,8 +2599,8 @@
         </p:nvSpPr>
         <p:spPr>
           <a:xfrm>
-            <a:off x="4038600" y="6356350"/>
-            <a:ext cx="4114800" cy="365125"/>
+            <a:off x="3281363" y="6356352"/>
+            <a:ext cx="3343275" cy="365125"/>
           </a:xfrm>
           <a:prstGeom prst="rect">
             <a:avLst/>
@@ -2955,13 +2626,7 @@
       </p:sp>
       <p:sp>
         <p:nvSpPr>
-          <p:cNvPr id="6" name="슬라이드 번호 개체 틀 5">
-            <a:extLst>
-              <a:ext uri="{FF2B5EF4-FFF2-40B4-BE49-F238E27FC236}">
-                <a16:creationId xmlns:a16="http://schemas.microsoft.com/office/drawing/2014/main" id="{5CE2B661-A09F-F14D-3FB4-43D3CBD29E81}"/>
-              </a:ext>
-            </a:extLst>
-          </p:cNvPr>
+          <p:cNvPr id="6" name="Slide Number Placeholder 5"/>
           <p:cNvSpPr>
             <a:spLocks noGrp="1"/>
           </p:cNvSpPr>
@@ -2971,8 +2636,8 @@
         </p:nvSpPr>
         <p:spPr>
           <a:xfrm>
-            <a:off x="8610600" y="6356350"/>
-            <a:ext cx="2743200" cy="365125"/>
+            <a:off x="6996113" y="6356352"/>
+            <a:ext cx="2228850" cy="365125"/>
           </a:xfrm>
           <a:prstGeom prst="rect">
             <a:avLst/>
@@ -3003,23 +2668,23 @@
     </p:spTree>
     <p:extLst>
       <p:ext uri="{BB962C8B-B14F-4D97-AF65-F5344CB8AC3E}">
-        <p14:creationId xmlns:p14="http://schemas.microsoft.com/office/powerpoint/2010/main" val="2779918979"/>
+        <p14:creationId xmlns:p14="http://schemas.microsoft.com/office/powerpoint/2010/main" val="2358021250"/>
       </p:ext>
     </p:extLst>
   </p:cSld>
   <p:clrMap bg1="lt1" tx1="dk1" bg2="lt2" tx2="dk2" accent1="accent1" accent2="accent2" accent3="accent3" accent4="accent4" accent5="accent5" accent6="accent6" hlink="hlink" folHlink="folHlink"/>
   <p:sldLayoutIdLst>
-    <p:sldLayoutId id="2147483649" r:id="rId1"/>
-    <p:sldLayoutId id="2147483650" r:id="rId2"/>
-    <p:sldLayoutId id="2147483651" r:id="rId3"/>
-    <p:sldLayoutId id="2147483652" r:id="rId4"/>
-    <p:sldLayoutId id="2147483653" r:id="rId5"/>
-    <p:sldLayoutId id="2147483654" r:id="rId6"/>
-    <p:sldLayoutId id="2147483655" r:id="rId7"/>
-    <p:sldLayoutId id="2147483656" r:id="rId8"/>
-    <p:sldLayoutId id="2147483657" r:id="rId9"/>
-    <p:sldLayoutId id="2147483658" r:id="rId10"/>
-    <p:sldLayoutId id="2147483659" r:id="rId11"/>
+    <p:sldLayoutId id="2147483661" r:id="rId1"/>
+    <p:sldLayoutId id="2147483662" r:id="rId2"/>
+    <p:sldLayoutId id="2147483663" r:id="rId3"/>
+    <p:sldLayoutId id="2147483664" r:id="rId4"/>
+    <p:sldLayoutId id="2147483665" r:id="rId5"/>
+    <p:sldLayoutId id="2147483666" r:id="rId6"/>
+    <p:sldLayoutId id="2147483667" r:id="rId7"/>
+    <p:sldLayoutId id="2147483668" r:id="rId8"/>
+    <p:sldLayoutId id="2147483669" r:id="rId9"/>
+    <p:sldLayoutId id="2147483670" r:id="rId10"/>
+    <p:sldLayoutId id="2147483671" r:id="rId11"/>
   </p:sldLayoutIdLst>
   <p:txStyles>
     <p:titleStyle>
@@ -3207,7 +2872,7 @@
     </p:bodyStyle>
     <p:otherStyle>
       <a:defPPr>
-        <a:defRPr lang="ko-KR"/>
+        <a:defRPr lang="en-US"/>
       </a:defPPr>
       <a:lvl1pPr marL="0" algn="l" defTabSz="914400" rtl="0" eaLnBrk="1" latinLnBrk="1" hangingPunct="1">
         <a:defRPr sz="1800" kern="1200">
@@ -3323,51 +2988,522 @@
       </p:grpSpPr>
       <p:sp>
         <p:nvSpPr>
-          <p:cNvPr id="2" name="제목 1">
+          <p:cNvPr id="10" name="직사각형 9">
             <a:extLst>
               <a:ext uri="{FF2B5EF4-FFF2-40B4-BE49-F238E27FC236}">
-                <a16:creationId xmlns:a16="http://schemas.microsoft.com/office/drawing/2014/main" id="{D52A1B5B-E5FC-FD7A-4A97-043EB1A404DF}"/>
+                <a16:creationId xmlns:a16="http://schemas.microsoft.com/office/drawing/2014/main" id="{7814DA67-3712-BB36-A297-55CD6246B5AE}"/>
               </a:ext>
             </a:extLst>
           </p:cNvPr>
-          <p:cNvSpPr>
-            <a:spLocks noGrp="1"/>
-          </p:cNvSpPr>
-          <p:nvPr>
-            <p:ph type="ctrTitle"/>
-          </p:nvPr>
-        </p:nvSpPr>
-        <p:spPr/>
-        <p:txBody>
-          <a:bodyPr/>
-          <a:lstStyle/>
-          <a:p>
+          <p:cNvSpPr/>
+          <p:nvPr/>
+        </p:nvSpPr>
+        <p:spPr>
+          <a:xfrm>
+            <a:off x="4967514" y="5304663"/>
+            <a:ext cx="4938486" cy="1553337"/>
+          </a:xfrm>
+          <a:prstGeom prst="rect">
+            <a:avLst/>
+          </a:prstGeom>
+          <a:solidFill>
+            <a:srgbClr val="1E1E1E"/>
+          </a:solidFill>
+          <a:ln>
+            <a:noFill/>
+          </a:ln>
+        </p:spPr>
+        <p:style>
+          <a:lnRef idx="2">
+            <a:schemeClr val="accent1">
+              <a:shade val="50000"/>
+            </a:schemeClr>
+          </a:lnRef>
+          <a:fillRef idx="1">
+            <a:schemeClr val="accent1"/>
+          </a:fillRef>
+          <a:effectRef idx="0">
+            <a:schemeClr val="accent1"/>
+          </a:effectRef>
+          <a:fontRef idx="minor">
+            <a:schemeClr val="lt1"/>
+          </a:fontRef>
+        </p:style>
+        <p:txBody>
+          <a:bodyPr rtlCol="0" anchor="ctr"/>
+          <a:lstStyle/>
+          <a:p>
+            <a:pPr algn="ctr"/>
             <a:endParaRPr lang="ko-KR" altLang="en-US"/>
           </a:p>
         </p:txBody>
       </p:sp>
       <p:sp>
         <p:nvSpPr>
-          <p:cNvPr id="3" name="부제목 2">
+          <p:cNvPr id="9" name="직사각형 8">
             <a:extLst>
               <a:ext uri="{FF2B5EF4-FFF2-40B4-BE49-F238E27FC236}">
-                <a16:creationId xmlns:a16="http://schemas.microsoft.com/office/drawing/2014/main" id="{2FFC053D-1BE3-0560-76EE-923BED504963}"/>
+                <a16:creationId xmlns:a16="http://schemas.microsoft.com/office/drawing/2014/main" id="{95699FB5-41BF-1507-02BF-557F9F09AFB8}"/>
               </a:ext>
             </a:extLst>
           </p:cNvPr>
-          <p:cNvSpPr>
-            <a:spLocks noGrp="1"/>
-          </p:cNvSpPr>
-          <p:nvPr>
-            <p:ph type="subTitle" idx="1"/>
-          </p:nvPr>
-        </p:nvSpPr>
-        <p:spPr/>
-        <p:txBody>
-          <a:bodyPr/>
-          <a:lstStyle/>
-          <a:p>
+          <p:cNvSpPr/>
+          <p:nvPr/>
+        </p:nvSpPr>
+        <p:spPr>
+          <a:xfrm>
+            <a:off x="4967514" y="0"/>
+            <a:ext cx="4938486" cy="2921000"/>
+          </a:xfrm>
+          <a:prstGeom prst="rect">
+            <a:avLst/>
+          </a:prstGeom>
+          <a:solidFill>
+            <a:srgbClr val="6B89F0"/>
+          </a:solidFill>
+          <a:ln>
+            <a:noFill/>
+          </a:ln>
+        </p:spPr>
+        <p:style>
+          <a:lnRef idx="2">
+            <a:schemeClr val="accent1">
+              <a:shade val="50000"/>
+            </a:schemeClr>
+          </a:lnRef>
+          <a:fillRef idx="1">
+            <a:schemeClr val="accent1"/>
+          </a:fillRef>
+          <a:effectRef idx="0">
+            <a:schemeClr val="accent1"/>
+          </a:effectRef>
+          <a:fontRef idx="minor">
+            <a:schemeClr val="lt1"/>
+          </a:fontRef>
+        </p:style>
+        <p:txBody>
+          <a:bodyPr rtlCol="0" anchor="ctr"/>
+          <a:lstStyle/>
+          <a:p>
+            <a:pPr algn="ctr"/>
             <a:endParaRPr lang="ko-KR" altLang="en-US"/>
+          </a:p>
+        </p:txBody>
+      </p:sp>
+      <p:pic>
+        <p:nvPicPr>
+          <p:cNvPr id="4" name="그림 3">
+            <a:extLst>
+              <a:ext uri="{FF2B5EF4-FFF2-40B4-BE49-F238E27FC236}">
+                <a16:creationId xmlns:a16="http://schemas.microsoft.com/office/drawing/2014/main" id="{673CF84C-29AE-A2D4-389F-A435F67A5140}"/>
+              </a:ext>
+            </a:extLst>
+          </p:cNvPr>
+          <p:cNvPicPr>
+            <a:picLocks noChangeAspect="1"/>
+          </p:cNvPicPr>
+          <p:nvPr/>
+        </p:nvPicPr>
+        <p:blipFill>
+          <a:blip r:embed="rId2"/>
+          <a:stretch>
+            <a:fillRect/>
+          </a:stretch>
+        </p:blipFill>
+        <p:spPr>
+          <a:xfrm>
+            <a:off x="4967514" y="292769"/>
+            <a:ext cx="4938486" cy="6315388"/>
+          </a:xfrm>
+          <a:prstGeom prst="rect">
+            <a:avLst/>
+          </a:prstGeom>
+        </p:spPr>
+      </p:pic>
+    </p:spTree>
+    <p:extLst>
+      <p:ext uri="{BB962C8B-B14F-4D97-AF65-F5344CB8AC3E}">
+        <p14:creationId xmlns:p14="http://schemas.microsoft.com/office/powerpoint/2010/main" val="3156754803"/>
+      </p:ext>
+    </p:extLst>
+  </p:cSld>
+  <p:clrMapOvr>
+    <a:masterClrMapping/>
+  </p:clrMapOvr>
+</p:sld>
+</file>
+
+<file path=ppt/slides/slide2.xml><?xml version="1.0" encoding="utf-8"?>
+<p:sld xmlns:a="http://schemas.openxmlformats.org/drawingml/2006/main" xmlns:r="http://schemas.openxmlformats.org/officeDocument/2006/relationships" xmlns:p="http://schemas.openxmlformats.org/presentationml/2006/main">
+  <p:cSld>
+    <p:spTree>
+      <p:nvGrpSpPr>
+        <p:cNvPr id="1" name=""/>
+        <p:cNvGrpSpPr/>
+        <p:nvPr/>
+      </p:nvGrpSpPr>
+      <p:grpSpPr>
+        <a:xfrm>
+          <a:off x="0" y="0"/>
+          <a:ext cx="0" cy="0"/>
+          <a:chOff x="0" y="0"/>
+          <a:chExt cx="0" cy="0"/>
+        </a:xfrm>
+      </p:grpSpPr>
+      <p:sp>
+        <p:nvSpPr>
+          <p:cNvPr id="4" name="사각형: 둥근 한쪽 모서리 3">
+            <a:extLst>
+              <a:ext uri="{FF2B5EF4-FFF2-40B4-BE49-F238E27FC236}">
+                <a16:creationId xmlns:a16="http://schemas.microsoft.com/office/drawing/2014/main" id="{D79D212E-D0DC-BCEB-CD94-ADC3B35D38F2}"/>
+              </a:ext>
+            </a:extLst>
+          </p:cNvPr>
+          <p:cNvSpPr/>
+          <p:nvPr/>
+        </p:nvSpPr>
+        <p:spPr>
+          <a:xfrm flipH="1">
+            <a:off x="386499" y="647424"/>
+            <a:ext cx="4336330" cy="2388008"/>
+          </a:xfrm>
+          <a:prstGeom prst="round1Rect">
+            <a:avLst/>
+          </a:prstGeom>
+          <a:solidFill>
+            <a:srgbClr val="FFFCF2"/>
+          </a:solidFill>
+          <a:ln>
+            <a:solidFill>
+              <a:srgbClr val="7B5A25"/>
+            </a:solidFill>
+          </a:ln>
+        </p:spPr>
+        <p:style>
+          <a:lnRef idx="2">
+            <a:schemeClr val="accent1">
+              <a:shade val="50000"/>
+            </a:schemeClr>
+          </a:lnRef>
+          <a:fillRef idx="1">
+            <a:schemeClr val="accent1"/>
+          </a:fillRef>
+          <a:effectRef idx="0">
+            <a:schemeClr val="accent1"/>
+          </a:effectRef>
+          <a:fontRef idx="minor">
+            <a:schemeClr val="lt1"/>
+          </a:fontRef>
+        </p:style>
+        <p:txBody>
+          <a:bodyPr rtlCol="0" anchor="ctr"/>
+          <a:lstStyle/>
+          <a:p>
+            <a:pPr algn="ctr"/>
+            <a:endParaRPr lang="ko-KR" altLang="en-US" dirty="0"/>
+          </a:p>
+        </p:txBody>
+      </p:sp>
+      <p:sp>
+        <p:nvSpPr>
+          <p:cNvPr id="5" name="사각형: 둥근 한쪽 모서리 4">
+            <a:extLst>
+              <a:ext uri="{FF2B5EF4-FFF2-40B4-BE49-F238E27FC236}">
+                <a16:creationId xmlns:a16="http://schemas.microsoft.com/office/drawing/2014/main" id="{B229269D-B988-F237-0E13-4BFB2055671B}"/>
+              </a:ext>
+            </a:extLst>
+          </p:cNvPr>
+          <p:cNvSpPr/>
+          <p:nvPr/>
+        </p:nvSpPr>
+        <p:spPr>
+          <a:xfrm>
+            <a:off x="5154891" y="358219"/>
+            <a:ext cx="4336330" cy="6221690"/>
+          </a:xfrm>
+          <a:prstGeom prst="round1Rect">
+            <a:avLst/>
+          </a:prstGeom>
+          <a:solidFill>
+            <a:srgbClr val="FFFCF2"/>
+          </a:solidFill>
+          <a:ln>
+            <a:solidFill>
+              <a:srgbClr val="7B5A25"/>
+            </a:solidFill>
+          </a:ln>
+        </p:spPr>
+        <p:style>
+          <a:lnRef idx="2">
+            <a:schemeClr val="accent1">
+              <a:shade val="50000"/>
+            </a:schemeClr>
+          </a:lnRef>
+          <a:fillRef idx="1">
+            <a:schemeClr val="accent1"/>
+          </a:fillRef>
+          <a:effectRef idx="0">
+            <a:schemeClr val="accent1"/>
+          </a:effectRef>
+          <a:fontRef idx="minor">
+            <a:schemeClr val="lt1"/>
+          </a:fontRef>
+        </p:style>
+        <p:txBody>
+          <a:bodyPr rtlCol="0" anchor="ctr"/>
+          <a:lstStyle/>
+          <a:p>
+            <a:pPr algn="ctr"/>
+            <a:endParaRPr lang="ko-KR" altLang="en-US"/>
+          </a:p>
+        </p:txBody>
+      </p:sp>
+      <p:sp>
+        <p:nvSpPr>
+          <p:cNvPr id="10" name="TextBox 9">
+            <a:extLst>
+              <a:ext uri="{FF2B5EF4-FFF2-40B4-BE49-F238E27FC236}">
+                <a16:creationId xmlns:a16="http://schemas.microsoft.com/office/drawing/2014/main" id="{09C9F807-72FD-1B47-408D-E9E70BB76818}"/>
+              </a:ext>
+            </a:extLst>
+          </p:cNvPr>
+          <p:cNvSpPr txBox="1"/>
+          <p:nvPr/>
+        </p:nvSpPr>
+        <p:spPr>
+          <a:xfrm>
+            <a:off x="707009" y="278091"/>
+            <a:ext cx="930319" cy="369332"/>
+          </a:xfrm>
+          <a:prstGeom prst="rect">
+            <a:avLst/>
+          </a:prstGeom>
+          <a:noFill/>
+        </p:spPr>
+        <p:txBody>
+          <a:bodyPr wrap="none" rtlCol="0">
+            <a:spAutoFit/>
+          </a:bodyPr>
+          <a:lstStyle/>
+          <a:p>
+            <a:r>
+              <a:rPr lang="en-US" altLang="ko-KR" dirty="0">
+                <a:solidFill>
+                  <a:srgbClr val="7B5A25"/>
+                </a:solidFill>
+                <a:latin typeface="타이포_쌍문동 B" panose="02020803020101020101" pitchFamily="18" charset="-127"/>
+                <a:ea typeface="타이포_쌍문동 B" panose="02020803020101020101" pitchFamily="18" charset="-127"/>
+              </a:rPr>
+              <a:t>DAY</a:t>
+            </a:r>
+            <a:r>
+              <a:rPr lang="ko-KR" altLang="en-US" dirty="0">
+                <a:solidFill>
+                  <a:srgbClr val="7B5A25"/>
+                </a:solidFill>
+                <a:latin typeface="타이포_쌍문동 B" panose="02020803020101020101" pitchFamily="18" charset="-127"/>
+                <a:ea typeface="타이포_쌍문동 B" panose="02020803020101020101" pitchFamily="18" charset="-127"/>
+              </a:rPr>
+              <a:t> </a:t>
+            </a:r>
+            <a:r>
+              <a:rPr lang="en-US" altLang="ko-KR" dirty="0">
+                <a:solidFill>
+                  <a:srgbClr val="7B5A25"/>
+                </a:solidFill>
+                <a:latin typeface="타이포_쌍문동 B" panose="02020803020101020101" pitchFamily="18" charset="-127"/>
+                <a:ea typeface="타이포_쌍문동 B" panose="02020803020101020101" pitchFamily="18" charset="-127"/>
+              </a:rPr>
+              <a:t>1</a:t>
+            </a:r>
+            <a:endParaRPr lang="ko-KR" altLang="en-US" dirty="0">
+              <a:solidFill>
+                <a:srgbClr val="7B5A25"/>
+              </a:solidFill>
+              <a:latin typeface="타이포_쌍문동 B" panose="02020803020101020101" pitchFamily="18" charset="-127"/>
+              <a:ea typeface="타이포_쌍문동 B" panose="02020803020101020101" pitchFamily="18" charset="-127"/>
+            </a:endParaRPr>
+          </a:p>
+        </p:txBody>
+      </p:sp>
+      <p:sp>
+        <p:nvSpPr>
+          <p:cNvPr id="12" name="사각형: 둥근 한쪽 모서리 11">
+            <a:extLst>
+              <a:ext uri="{FF2B5EF4-FFF2-40B4-BE49-F238E27FC236}">
+                <a16:creationId xmlns:a16="http://schemas.microsoft.com/office/drawing/2014/main" id="{2C277BAE-17AF-6FFF-941A-FE7CB2A43879}"/>
+              </a:ext>
+            </a:extLst>
+          </p:cNvPr>
+          <p:cNvSpPr/>
+          <p:nvPr/>
+        </p:nvSpPr>
+        <p:spPr>
+          <a:xfrm flipH="1">
+            <a:off x="386499" y="3588586"/>
+            <a:ext cx="4336330" cy="2991323"/>
+          </a:xfrm>
+          <a:prstGeom prst="round1Rect">
+            <a:avLst/>
+          </a:prstGeom>
+          <a:solidFill>
+            <a:srgbClr val="FFFCF2"/>
+          </a:solidFill>
+          <a:ln>
+            <a:solidFill>
+              <a:srgbClr val="7B5A25"/>
+            </a:solidFill>
+          </a:ln>
+        </p:spPr>
+        <p:style>
+          <a:lnRef idx="2">
+            <a:schemeClr val="accent1">
+              <a:shade val="50000"/>
+            </a:schemeClr>
+          </a:lnRef>
+          <a:fillRef idx="1">
+            <a:schemeClr val="accent1"/>
+          </a:fillRef>
+          <a:effectRef idx="0">
+            <a:schemeClr val="accent1"/>
+          </a:effectRef>
+          <a:fontRef idx="minor">
+            <a:schemeClr val="lt1"/>
+          </a:fontRef>
+        </p:style>
+        <p:txBody>
+          <a:bodyPr rtlCol="0" anchor="ctr"/>
+          <a:lstStyle/>
+          <a:p>
+            <a:pPr algn="ctr"/>
+            <a:endParaRPr lang="ko-KR" altLang="en-US" dirty="0"/>
+          </a:p>
+        </p:txBody>
+      </p:sp>
+      <p:sp>
+        <p:nvSpPr>
+          <p:cNvPr id="13" name="TextBox 12">
+            <a:extLst>
+              <a:ext uri="{FF2B5EF4-FFF2-40B4-BE49-F238E27FC236}">
+                <a16:creationId xmlns:a16="http://schemas.microsoft.com/office/drawing/2014/main" id="{C692585C-2950-235C-4E45-D07AB6F607BC}"/>
+              </a:ext>
+            </a:extLst>
+          </p:cNvPr>
+          <p:cNvSpPr txBox="1"/>
+          <p:nvPr/>
+        </p:nvSpPr>
+        <p:spPr>
+          <a:xfrm>
+            <a:off x="707009" y="3219254"/>
+            <a:ext cx="930319" cy="369332"/>
+          </a:xfrm>
+          <a:prstGeom prst="rect">
+            <a:avLst/>
+          </a:prstGeom>
+          <a:noFill/>
+        </p:spPr>
+        <p:txBody>
+          <a:bodyPr wrap="none" rtlCol="0">
+            <a:spAutoFit/>
+          </a:bodyPr>
+          <a:lstStyle/>
+          <a:p>
+            <a:r>
+              <a:rPr lang="en-US" altLang="ko-KR" dirty="0">
+                <a:solidFill>
+                  <a:srgbClr val="7B5A25"/>
+                </a:solidFill>
+                <a:latin typeface="타이포_쌍문동 B" panose="02020803020101020101" pitchFamily="18" charset="-127"/>
+                <a:ea typeface="타이포_쌍문동 B" panose="02020803020101020101" pitchFamily="18" charset="-127"/>
+              </a:rPr>
+              <a:t>DAY</a:t>
+            </a:r>
+            <a:r>
+              <a:rPr lang="ko-KR" altLang="en-US" dirty="0">
+                <a:solidFill>
+                  <a:srgbClr val="7B5A25"/>
+                </a:solidFill>
+                <a:latin typeface="타이포_쌍문동 B" panose="02020803020101020101" pitchFamily="18" charset="-127"/>
+                <a:ea typeface="타이포_쌍문동 B" panose="02020803020101020101" pitchFamily="18" charset="-127"/>
+              </a:rPr>
+              <a:t> </a:t>
+            </a:r>
+            <a:r>
+              <a:rPr lang="en-US" altLang="ko-KR" dirty="0">
+                <a:solidFill>
+                  <a:srgbClr val="7B5A25"/>
+                </a:solidFill>
+                <a:latin typeface="타이포_쌍문동 B" panose="02020803020101020101" pitchFamily="18" charset="-127"/>
+                <a:ea typeface="타이포_쌍문동 B" panose="02020803020101020101" pitchFamily="18" charset="-127"/>
+              </a:rPr>
+              <a:t>2</a:t>
+            </a:r>
+            <a:endParaRPr lang="ko-KR" altLang="en-US" dirty="0">
+              <a:solidFill>
+                <a:srgbClr val="7B5A25"/>
+              </a:solidFill>
+              <a:latin typeface="타이포_쌍문동 B" panose="02020803020101020101" pitchFamily="18" charset="-127"/>
+              <a:ea typeface="타이포_쌍문동 B" panose="02020803020101020101" pitchFamily="18" charset="-127"/>
+            </a:endParaRPr>
+          </a:p>
+        </p:txBody>
+      </p:sp>
+      <p:sp>
+        <p:nvSpPr>
+          <p:cNvPr id="15" name="TextBox 14">
+            <a:extLst>
+              <a:ext uri="{FF2B5EF4-FFF2-40B4-BE49-F238E27FC236}">
+                <a16:creationId xmlns:a16="http://schemas.microsoft.com/office/drawing/2014/main" id="{DBF08AC9-007C-50C0-9E9A-6F8A364CCAF0}"/>
+              </a:ext>
+            </a:extLst>
+          </p:cNvPr>
+          <p:cNvSpPr txBox="1"/>
+          <p:nvPr/>
+        </p:nvSpPr>
+        <p:spPr>
+          <a:xfrm>
+            <a:off x="582105" y="755145"/>
+            <a:ext cx="3207470" cy="261610"/>
+          </a:xfrm>
+          <a:prstGeom prst="rect">
+            <a:avLst/>
+          </a:prstGeom>
+          <a:noFill/>
+        </p:spPr>
+        <p:txBody>
+          <a:bodyPr wrap="square">
+            <a:spAutoFit/>
+          </a:bodyPr>
+          <a:lstStyle/>
+          <a:p>
+            <a:r>
+              <a:rPr lang="ko-KR" altLang="en-US" sz="1100" dirty="0" err="1">
+                <a:latin typeface="배달의민족 주아" panose="02020603020101020101" pitchFamily="18" charset="-127"/>
+                <a:ea typeface="배달의민족 주아" panose="02020603020101020101" pitchFamily="18" charset="-127"/>
+              </a:rPr>
+              <a:t>김도엽님</a:t>
+            </a:r>
+            <a:r>
+              <a:rPr lang="ko-KR" altLang="en-US" sz="1100" dirty="0">
+                <a:latin typeface="배달의민족 주아" panose="02020603020101020101" pitchFamily="18" charset="-127"/>
+                <a:ea typeface="배달의민족 주아" panose="02020603020101020101" pitchFamily="18" charset="-127"/>
+              </a:rPr>
+              <a:t> </a:t>
+            </a:r>
+            <a:r>
+              <a:rPr lang="en-US" altLang="ko-KR" sz="1100" dirty="0">
+                <a:latin typeface="배달의민족 주아" panose="02020603020101020101" pitchFamily="18" charset="-127"/>
+                <a:ea typeface="배달의민족 주아" panose="02020603020101020101" pitchFamily="18" charset="-127"/>
+              </a:rPr>
+              <a:t>RSA</a:t>
+            </a:r>
+            <a:r>
+              <a:rPr lang="ko-KR" altLang="en-US" sz="1100" dirty="0">
+                <a:latin typeface="배달의민족 주아" panose="02020603020101020101" pitchFamily="18" charset="-127"/>
+                <a:ea typeface="배달의민족 주아" panose="02020603020101020101" pitchFamily="18" charset="-127"/>
+              </a:rPr>
+              <a:t>를 공격하는 방법</a:t>
+            </a:r>
           </a:p>
         </p:txBody>
       </p:sp>
@@ -3384,10 +3520,914 @@
 </p:sld>
 </file>
 
+<file path=ppt/slides/slide3.xml><?xml version="1.0" encoding="utf-8"?>
+<p:sld xmlns:a="http://schemas.openxmlformats.org/drawingml/2006/main" xmlns:r="http://schemas.openxmlformats.org/officeDocument/2006/relationships" xmlns:p="http://schemas.openxmlformats.org/presentationml/2006/main">
+  <p:cSld>
+    <p:spTree>
+      <p:nvGrpSpPr>
+        <p:cNvPr id="1" name=""/>
+        <p:cNvGrpSpPr/>
+        <p:nvPr/>
+      </p:nvGrpSpPr>
+      <p:grpSpPr>
+        <a:xfrm>
+          <a:off x="0" y="0"/>
+          <a:ext cx="0" cy="0"/>
+          <a:chOff x="0" y="0"/>
+          <a:chExt cx="0" cy="0"/>
+        </a:xfrm>
+      </p:grpSpPr>
+      <p:sp>
+        <p:nvSpPr>
+          <p:cNvPr id="4" name="사각형: 둥근 한쪽 모서리 3">
+            <a:extLst>
+              <a:ext uri="{FF2B5EF4-FFF2-40B4-BE49-F238E27FC236}">
+                <a16:creationId xmlns:a16="http://schemas.microsoft.com/office/drawing/2014/main" id="{D79D212E-D0DC-BCEB-CD94-ADC3B35D38F2}"/>
+              </a:ext>
+            </a:extLst>
+          </p:cNvPr>
+          <p:cNvSpPr/>
+          <p:nvPr/>
+        </p:nvSpPr>
+        <p:spPr>
+          <a:xfrm flipH="1">
+            <a:off x="386499" y="647424"/>
+            <a:ext cx="4336330" cy="2388008"/>
+          </a:xfrm>
+          <a:prstGeom prst="round1Rect">
+            <a:avLst/>
+          </a:prstGeom>
+          <a:solidFill>
+            <a:srgbClr val="FFFCF2"/>
+          </a:solidFill>
+          <a:ln>
+            <a:solidFill>
+              <a:srgbClr val="7B5A25"/>
+            </a:solidFill>
+          </a:ln>
+        </p:spPr>
+        <p:style>
+          <a:lnRef idx="2">
+            <a:schemeClr val="accent1">
+              <a:shade val="50000"/>
+            </a:schemeClr>
+          </a:lnRef>
+          <a:fillRef idx="1">
+            <a:schemeClr val="accent1"/>
+          </a:fillRef>
+          <a:effectRef idx="0">
+            <a:schemeClr val="accent1"/>
+          </a:effectRef>
+          <a:fontRef idx="minor">
+            <a:schemeClr val="lt1"/>
+          </a:fontRef>
+        </p:style>
+        <p:txBody>
+          <a:bodyPr rtlCol="0" anchor="ctr"/>
+          <a:lstStyle/>
+          <a:p>
+            <a:pPr marL="0" marR="0" lvl="0" indent="0" algn="ctr" defTabSz="457200" rtl="0" eaLnBrk="1" fontAlgn="auto" latinLnBrk="0" hangingPunct="1">
+              <a:lnSpc>
+                <a:spcPct val="100000"/>
+              </a:lnSpc>
+              <a:spcBef>
+                <a:spcPts val="0"/>
+              </a:spcBef>
+              <a:spcAft>
+                <a:spcPts val="0"/>
+              </a:spcAft>
+              <a:buClrTx/>
+              <a:buSzTx/>
+              <a:buFontTx/>
+              <a:buNone/>
+              <a:tabLst/>
+              <a:defRPr/>
+            </a:pPr>
+            <a:endParaRPr kumimoji="0" lang="ko-KR" altLang="en-US" sz="1800" b="0" i="0" u="none" strike="noStrike" kern="1200" cap="none" spc="0" normalizeH="0" baseline="0" noProof="0" dirty="0">
+              <a:ln>
+                <a:noFill/>
+              </a:ln>
+              <a:solidFill>
+                <a:prstClr val="white"/>
+              </a:solidFill>
+              <a:effectLst/>
+              <a:uLnTx/>
+              <a:uFillTx/>
+              <a:latin typeface="Calibri" panose="020F0502020204030204"/>
+              <a:ea typeface="맑은 고딕" panose="020B0503020000020004" pitchFamily="50" charset="-127"/>
+              <a:cs typeface="+mn-cs"/>
+            </a:endParaRPr>
+          </a:p>
+        </p:txBody>
+      </p:sp>
+      <p:sp>
+        <p:nvSpPr>
+          <p:cNvPr id="5" name="사각형: 둥근 한쪽 모서리 4">
+            <a:extLst>
+              <a:ext uri="{FF2B5EF4-FFF2-40B4-BE49-F238E27FC236}">
+                <a16:creationId xmlns:a16="http://schemas.microsoft.com/office/drawing/2014/main" id="{B229269D-B988-F237-0E13-4BFB2055671B}"/>
+              </a:ext>
+            </a:extLst>
+          </p:cNvPr>
+          <p:cNvSpPr/>
+          <p:nvPr/>
+        </p:nvSpPr>
+        <p:spPr>
+          <a:xfrm>
+            <a:off x="5154891" y="358219"/>
+            <a:ext cx="4336330" cy="6221690"/>
+          </a:xfrm>
+          <a:prstGeom prst="round1Rect">
+            <a:avLst/>
+          </a:prstGeom>
+          <a:solidFill>
+            <a:srgbClr val="FFFCF2"/>
+          </a:solidFill>
+          <a:ln>
+            <a:solidFill>
+              <a:srgbClr val="7B5A25"/>
+            </a:solidFill>
+          </a:ln>
+        </p:spPr>
+        <p:style>
+          <a:lnRef idx="2">
+            <a:schemeClr val="accent1">
+              <a:shade val="50000"/>
+            </a:schemeClr>
+          </a:lnRef>
+          <a:fillRef idx="1">
+            <a:schemeClr val="accent1"/>
+          </a:fillRef>
+          <a:effectRef idx="0">
+            <a:schemeClr val="accent1"/>
+          </a:effectRef>
+          <a:fontRef idx="minor">
+            <a:schemeClr val="lt1"/>
+          </a:fontRef>
+        </p:style>
+        <p:txBody>
+          <a:bodyPr rtlCol="0" anchor="ctr"/>
+          <a:lstStyle/>
+          <a:p>
+            <a:pPr marL="0" marR="0" lvl="0" indent="0" algn="ctr" defTabSz="457200" rtl="0" eaLnBrk="1" fontAlgn="auto" latinLnBrk="0" hangingPunct="1">
+              <a:lnSpc>
+                <a:spcPct val="100000"/>
+              </a:lnSpc>
+              <a:spcBef>
+                <a:spcPts val="0"/>
+              </a:spcBef>
+              <a:spcAft>
+                <a:spcPts val="0"/>
+              </a:spcAft>
+              <a:buClrTx/>
+              <a:buSzTx/>
+              <a:buFontTx/>
+              <a:buNone/>
+              <a:tabLst/>
+              <a:defRPr/>
+            </a:pPr>
+            <a:r>
+              <a:rPr kumimoji="0" lang="en-US" altLang="ko-KR" sz="1800" b="0" i="0" u="none" strike="noStrike" kern="1200" cap="none" spc="0" normalizeH="0" baseline="0" noProof="0">
+                <a:ln>
+                  <a:noFill/>
+                </a:ln>
+                <a:solidFill>
+                  <a:prstClr val="white"/>
+                </a:solidFill>
+                <a:effectLst/>
+                <a:uLnTx/>
+                <a:uFillTx/>
+                <a:latin typeface="Calibri" panose="020F0502020204030204"/>
+                <a:ea typeface="맑은 고딕" panose="020B0503020000020004" pitchFamily="50" charset="-127"/>
+                <a:cs typeface="+mn-cs"/>
+              </a:rPr>
+              <a:t>MIRICANVAS_ITEM_COPY_KEY</a:t>
+            </a:r>
+            <a:endParaRPr kumimoji="0" lang="ko-KR" altLang="en-US" sz="1800" b="0" i="0" u="none" strike="noStrike" kern="1200" cap="none" spc="0" normalizeH="0" baseline="0" noProof="0">
+              <a:ln>
+                <a:noFill/>
+              </a:ln>
+              <a:solidFill>
+                <a:prstClr val="white"/>
+              </a:solidFill>
+              <a:effectLst/>
+              <a:uLnTx/>
+              <a:uFillTx/>
+              <a:latin typeface="Calibri" panose="020F0502020204030204"/>
+              <a:ea typeface="맑은 고딕" panose="020B0503020000020004" pitchFamily="50" charset="-127"/>
+              <a:cs typeface="+mn-cs"/>
+            </a:endParaRPr>
+          </a:p>
+        </p:txBody>
+      </p:sp>
+      <p:sp>
+        <p:nvSpPr>
+          <p:cNvPr id="10" name="TextBox 9">
+            <a:extLst>
+              <a:ext uri="{FF2B5EF4-FFF2-40B4-BE49-F238E27FC236}">
+                <a16:creationId xmlns:a16="http://schemas.microsoft.com/office/drawing/2014/main" id="{09C9F807-72FD-1B47-408D-E9E70BB76818}"/>
+              </a:ext>
+            </a:extLst>
+          </p:cNvPr>
+          <p:cNvSpPr txBox="1"/>
+          <p:nvPr/>
+        </p:nvSpPr>
+        <p:spPr>
+          <a:xfrm>
+            <a:off x="707009" y="278091"/>
+            <a:ext cx="930319" cy="369332"/>
+          </a:xfrm>
+          <a:prstGeom prst="rect">
+            <a:avLst/>
+          </a:prstGeom>
+          <a:noFill/>
+        </p:spPr>
+        <p:txBody>
+          <a:bodyPr wrap="none" rtlCol="0">
+            <a:spAutoFit/>
+          </a:bodyPr>
+          <a:lstStyle/>
+          <a:p>
+            <a:pPr marL="0" marR="0" lvl="0" indent="0" algn="l" defTabSz="457200" rtl="0" eaLnBrk="1" fontAlgn="auto" latinLnBrk="0" hangingPunct="1">
+              <a:lnSpc>
+                <a:spcPct val="100000"/>
+              </a:lnSpc>
+              <a:spcBef>
+                <a:spcPts val="0"/>
+              </a:spcBef>
+              <a:spcAft>
+                <a:spcPts val="0"/>
+              </a:spcAft>
+              <a:buClrTx/>
+              <a:buSzTx/>
+              <a:buFontTx/>
+              <a:buNone/>
+              <a:tabLst/>
+              <a:defRPr/>
+            </a:pPr>
+            <a:r>
+              <a:rPr kumimoji="0" lang="en-US" altLang="ko-KR" sz="1800" b="0" i="0" u="none" strike="noStrike" kern="1200" cap="none" spc="0" normalizeH="0" baseline="0" noProof="0" dirty="0">
+                <a:ln>
+                  <a:noFill/>
+                </a:ln>
+                <a:solidFill>
+                  <a:srgbClr val="7B5A25"/>
+                </a:solidFill>
+                <a:effectLst/>
+                <a:uLnTx/>
+                <a:uFillTx/>
+                <a:latin typeface="타이포_쌍문동 B" panose="02020803020101020101" pitchFamily="18" charset="-127"/>
+                <a:ea typeface="타이포_쌍문동 B" panose="02020803020101020101" pitchFamily="18" charset="-127"/>
+                <a:cs typeface="+mn-cs"/>
+              </a:rPr>
+              <a:t>DAY</a:t>
+            </a:r>
+            <a:r>
+              <a:rPr kumimoji="0" lang="ko-KR" altLang="en-US" sz="1800" b="0" i="0" u="none" strike="noStrike" kern="1200" cap="none" spc="0" normalizeH="0" baseline="0" noProof="0" dirty="0">
+                <a:ln>
+                  <a:noFill/>
+                </a:ln>
+                <a:solidFill>
+                  <a:srgbClr val="7B5A25"/>
+                </a:solidFill>
+                <a:effectLst/>
+                <a:uLnTx/>
+                <a:uFillTx/>
+                <a:latin typeface="타이포_쌍문동 B" panose="02020803020101020101" pitchFamily="18" charset="-127"/>
+                <a:ea typeface="타이포_쌍문동 B" panose="02020803020101020101" pitchFamily="18" charset="-127"/>
+                <a:cs typeface="+mn-cs"/>
+              </a:rPr>
+              <a:t> </a:t>
+            </a:r>
+            <a:r>
+              <a:rPr kumimoji="0" lang="en-US" altLang="ko-KR" sz="1800" b="0" i="0" u="none" strike="noStrike" kern="1200" cap="none" spc="0" normalizeH="0" baseline="0" noProof="0" dirty="0">
+                <a:ln>
+                  <a:noFill/>
+                </a:ln>
+                <a:solidFill>
+                  <a:srgbClr val="7B5A25"/>
+                </a:solidFill>
+                <a:effectLst/>
+                <a:uLnTx/>
+                <a:uFillTx/>
+                <a:latin typeface="타이포_쌍문동 B" panose="02020803020101020101" pitchFamily="18" charset="-127"/>
+                <a:ea typeface="타이포_쌍문동 B" panose="02020803020101020101" pitchFamily="18" charset="-127"/>
+                <a:cs typeface="+mn-cs"/>
+              </a:rPr>
+              <a:t>1</a:t>
+            </a:r>
+            <a:endParaRPr kumimoji="0" lang="ko-KR" altLang="en-US" sz="1800" b="0" i="0" u="none" strike="noStrike" kern="1200" cap="none" spc="0" normalizeH="0" baseline="0" noProof="0" dirty="0">
+              <a:ln>
+                <a:noFill/>
+              </a:ln>
+              <a:solidFill>
+                <a:srgbClr val="7B5A25"/>
+              </a:solidFill>
+              <a:effectLst/>
+              <a:uLnTx/>
+              <a:uFillTx/>
+              <a:latin typeface="타이포_쌍문동 B" panose="02020803020101020101" pitchFamily="18" charset="-127"/>
+              <a:ea typeface="타이포_쌍문동 B" panose="02020803020101020101" pitchFamily="18" charset="-127"/>
+              <a:cs typeface="+mn-cs"/>
+            </a:endParaRPr>
+          </a:p>
+        </p:txBody>
+      </p:sp>
+      <p:sp>
+        <p:nvSpPr>
+          <p:cNvPr id="12" name="사각형: 둥근 한쪽 모서리 11">
+            <a:extLst>
+              <a:ext uri="{FF2B5EF4-FFF2-40B4-BE49-F238E27FC236}">
+                <a16:creationId xmlns:a16="http://schemas.microsoft.com/office/drawing/2014/main" id="{2C277BAE-17AF-6FFF-941A-FE7CB2A43879}"/>
+              </a:ext>
+            </a:extLst>
+          </p:cNvPr>
+          <p:cNvSpPr/>
+          <p:nvPr/>
+        </p:nvSpPr>
+        <p:spPr>
+          <a:xfrm flipH="1">
+            <a:off x="386499" y="3588586"/>
+            <a:ext cx="4336330" cy="2991323"/>
+          </a:xfrm>
+          <a:prstGeom prst="round1Rect">
+            <a:avLst/>
+          </a:prstGeom>
+          <a:solidFill>
+            <a:srgbClr val="FFFCF2"/>
+          </a:solidFill>
+          <a:ln>
+            <a:solidFill>
+              <a:srgbClr val="7B5A25"/>
+            </a:solidFill>
+          </a:ln>
+        </p:spPr>
+        <p:style>
+          <a:lnRef idx="2">
+            <a:schemeClr val="accent1">
+              <a:shade val="50000"/>
+            </a:schemeClr>
+          </a:lnRef>
+          <a:fillRef idx="1">
+            <a:schemeClr val="accent1"/>
+          </a:fillRef>
+          <a:effectRef idx="0">
+            <a:schemeClr val="accent1"/>
+          </a:effectRef>
+          <a:fontRef idx="minor">
+            <a:schemeClr val="lt1"/>
+          </a:fontRef>
+        </p:style>
+        <p:txBody>
+          <a:bodyPr rtlCol="0" anchor="ctr"/>
+          <a:lstStyle/>
+          <a:p>
+            <a:pPr marL="0" marR="0" lvl="0" indent="0" algn="ctr" defTabSz="457200" rtl="0" eaLnBrk="1" fontAlgn="auto" latinLnBrk="0" hangingPunct="1">
+              <a:lnSpc>
+                <a:spcPct val="100000"/>
+              </a:lnSpc>
+              <a:spcBef>
+                <a:spcPts val="0"/>
+              </a:spcBef>
+              <a:spcAft>
+                <a:spcPts val="0"/>
+              </a:spcAft>
+              <a:buClrTx/>
+              <a:buSzTx/>
+              <a:buFontTx/>
+              <a:buNone/>
+              <a:tabLst/>
+              <a:defRPr/>
+            </a:pPr>
+            <a:endParaRPr kumimoji="0" lang="ko-KR" altLang="en-US" sz="1800" b="0" i="0" u="none" strike="noStrike" kern="1200" cap="none" spc="0" normalizeH="0" baseline="0" noProof="0" dirty="0">
+              <a:ln>
+                <a:noFill/>
+              </a:ln>
+              <a:solidFill>
+                <a:prstClr val="white"/>
+              </a:solidFill>
+              <a:effectLst/>
+              <a:uLnTx/>
+              <a:uFillTx/>
+              <a:latin typeface="Calibri" panose="020F0502020204030204"/>
+              <a:ea typeface="맑은 고딕" panose="020B0503020000020004" pitchFamily="50" charset="-127"/>
+              <a:cs typeface="+mn-cs"/>
+            </a:endParaRPr>
+          </a:p>
+        </p:txBody>
+      </p:sp>
+      <p:sp>
+        <p:nvSpPr>
+          <p:cNvPr id="13" name="TextBox 12">
+            <a:extLst>
+              <a:ext uri="{FF2B5EF4-FFF2-40B4-BE49-F238E27FC236}">
+                <a16:creationId xmlns:a16="http://schemas.microsoft.com/office/drawing/2014/main" id="{C692585C-2950-235C-4E45-D07AB6F607BC}"/>
+              </a:ext>
+            </a:extLst>
+          </p:cNvPr>
+          <p:cNvSpPr txBox="1"/>
+          <p:nvPr/>
+        </p:nvSpPr>
+        <p:spPr>
+          <a:xfrm>
+            <a:off x="707009" y="3219254"/>
+            <a:ext cx="930319" cy="369332"/>
+          </a:xfrm>
+          <a:prstGeom prst="rect">
+            <a:avLst/>
+          </a:prstGeom>
+          <a:noFill/>
+        </p:spPr>
+        <p:txBody>
+          <a:bodyPr wrap="none" rtlCol="0">
+            <a:spAutoFit/>
+          </a:bodyPr>
+          <a:lstStyle/>
+          <a:p>
+            <a:pPr marL="0" marR="0" lvl="0" indent="0" algn="l" defTabSz="457200" rtl="0" eaLnBrk="1" fontAlgn="auto" latinLnBrk="0" hangingPunct="1">
+              <a:lnSpc>
+                <a:spcPct val="100000"/>
+              </a:lnSpc>
+              <a:spcBef>
+                <a:spcPts val="0"/>
+              </a:spcBef>
+              <a:spcAft>
+                <a:spcPts val="0"/>
+              </a:spcAft>
+              <a:buClrTx/>
+              <a:buSzTx/>
+              <a:buFontTx/>
+              <a:buNone/>
+              <a:tabLst/>
+              <a:defRPr/>
+            </a:pPr>
+            <a:r>
+              <a:rPr kumimoji="0" lang="en-US" altLang="ko-KR" sz="1800" b="0" i="0" u="none" strike="noStrike" kern="1200" cap="none" spc="0" normalizeH="0" baseline="0" noProof="0" dirty="0">
+                <a:ln>
+                  <a:noFill/>
+                </a:ln>
+                <a:solidFill>
+                  <a:srgbClr val="7B5A25"/>
+                </a:solidFill>
+                <a:effectLst/>
+                <a:uLnTx/>
+                <a:uFillTx/>
+                <a:latin typeface="타이포_쌍문동 B" panose="02020803020101020101" pitchFamily="18" charset="-127"/>
+                <a:ea typeface="타이포_쌍문동 B" panose="02020803020101020101" pitchFamily="18" charset="-127"/>
+                <a:cs typeface="+mn-cs"/>
+              </a:rPr>
+              <a:t>DAY</a:t>
+            </a:r>
+            <a:r>
+              <a:rPr kumimoji="0" lang="ko-KR" altLang="en-US" sz="1800" b="0" i="0" u="none" strike="noStrike" kern="1200" cap="none" spc="0" normalizeH="0" baseline="0" noProof="0" dirty="0">
+                <a:ln>
+                  <a:noFill/>
+                </a:ln>
+                <a:solidFill>
+                  <a:srgbClr val="7B5A25"/>
+                </a:solidFill>
+                <a:effectLst/>
+                <a:uLnTx/>
+                <a:uFillTx/>
+                <a:latin typeface="타이포_쌍문동 B" panose="02020803020101020101" pitchFamily="18" charset="-127"/>
+                <a:ea typeface="타이포_쌍문동 B" panose="02020803020101020101" pitchFamily="18" charset="-127"/>
+                <a:cs typeface="+mn-cs"/>
+              </a:rPr>
+              <a:t> </a:t>
+            </a:r>
+            <a:r>
+              <a:rPr kumimoji="0" lang="en-US" altLang="ko-KR" sz="1800" b="0" i="0" u="none" strike="noStrike" kern="1200" cap="none" spc="0" normalizeH="0" baseline="0" noProof="0" dirty="0">
+                <a:ln>
+                  <a:noFill/>
+                </a:ln>
+                <a:solidFill>
+                  <a:srgbClr val="7B5A25"/>
+                </a:solidFill>
+                <a:effectLst/>
+                <a:uLnTx/>
+                <a:uFillTx/>
+                <a:latin typeface="타이포_쌍문동 B" panose="02020803020101020101" pitchFamily="18" charset="-127"/>
+                <a:ea typeface="타이포_쌍문동 B" panose="02020803020101020101" pitchFamily="18" charset="-127"/>
+                <a:cs typeface="+mn-cs"/>
+              </a:rPr>
+              <a:t>2</a:t>
+            </a:r>
+            <a:endParaRPr kumimoji="0" lang="ko-KR" altLang="en-US" sz="1800" b="0" i="0" u="none" strike="noStrike" kern="1200" cap="none" spc="0" normalizeH="0" baseline="0" noProof="0" dirty="0">
+              <a:ln>
+                <a:noFill/>
+              </a:ln>
+              <a:solidFill>
+                <a:srgbClr val="7B5A25"/>
+              </a:solidFill>
+              <a:effectLst/>
+              <a:uLnTx/>
+              <a:uFillTx/>
+              <a:latin typeface="타이포_쌍문동 B" panose="02020803020101020101" pitchFamily="18" charset="-127"/>
+              <a:ea typeface="타이포_쌍문동 B" panose="02020803020101020101" pitchFamily="18" charset="-127"/>
+              <a:cs typeface="+mn-cs"/>
+            </a:endParaRPr>
+          </a:p>
+        </p:txBody>
+      </p:sp>
+      <p:sp>
+        <p:nvSpPr>
+          <p:cNvPr id="15" name="TextBox 14">
+            <a:extLst>
+              <a:ext uri="{FF2B5EF4-FFF2-40B4-BE49-F238E27FC236}">
+                <a16:creationId xmlns:a16="http://schemas.microsoft.com/office/drawing/2014/main" id="{DBF08AC9-007C-50C0-9E9A-6F8A364CCAF0}"/>
+              </a:ext>
+            </a:extLst>
+          </p:cNvPr>
+          <p:cNvSpPr txBox="1"/>
+          <p:nvPr/>
+        </p:nvSpPr>
+        <p:spPr>
+          <a:xfrm>
+            <a:off x="582105" y="755145"/>
+            <a:ext cx="3207470" cy="261610"/>
+          </a:xfrm>
+          <a:prstGeom prst="rect">
+            <a:avLst/>
+          </a:prstGeom>
+          <a:noFill/>
+        </p:spPr>
+        <p:txBody>
+          <a:bodyPr wrap="square">
+            <a:spAutoFit/>
+          </a:bodyPr>
+          <a:lstStyle/>
+          <a:p>
+            <a:pPr marL="0" marR="0" lvl="0" indent="0" algn="l" defTabSz="457200" rtl="0" eaLnBrk="1" fontAlgn="auto" latinLnBrk="0" hangingPunct="1">
+              <a:lnSpc>
+                <a:spcPct val="100000"/>
+              </a:lnSpc>
+              <a:spcBef>
+                <a:spcPts val="0"/>
+              </a:spcBef>
+              <a:spcAft>
+                <a:spcPts val="0"/>
+              </a:spcAft>
+              <a:buClrTx/>
+              <a:buSzTx/>
+              <a:buFontTx/>
+              <a:buNone/>
+              <a:tabLst/>
+              <a:defRPr/>
+            </a:pPr>
+            <a:r>
+              <a:rPr kumimoji="0" lang="ko-KR" altLang="en-US" sz="1100" b="0" i="0" u="none" strike="noStrike" kern="1200" cap="none" spc="0" normalizeH="0" baseline="0" noProof="0" dirty="0" err="1">
+                <a:ln>
+                  <a:noFill/>
+                </a:ln>
+                <a:solidFill>
+                  <a:prstClr val="black"/>
+                </a:solidFill>
+                <a:effectLst/>
+                <a:uLnTx/>
+                <a:uFillTx/>
+                <a:latin typeface="배달의민족 주아" panose="02020603020101020101" pitchFamily="18" charset="-127"/>
+                <a:ea typeface="배달의민족 주아" panose="02020603020101020101" pitchFamily="18" charset="-127"/>
+                <a:cs typeface="+mn-cs"/>
+              </a:rPr>
+              <a:t>김도엽님</a:t>
+            </a:r>
+            <a:r>
+              <a:rPr kumimoji="0" lang="ko-KR" altLang="en-US" sz="1100" b="0" i="0" u="none" strike="noStrike" kern="1200" cap="none" spc="0" normalizeH="0" baseline="0" noProof="0" dirty="0">
+                <a:ln>
+                  <a:noFill/>
+                </a:ln>
+                <a:solidFill>
+                  <a:prstClr val="black"/>
+                </a:solidFill>
+                <a:effectLst/>
+                <a:uLnTx/>
+                <a:uFillTx/>
+                <a:latin typeface="배달의민족 주아" panose="02020603020101020101" pitchFamily="18" charset="-127"/>
+                <a:ea typeface="배달의민족 주아" panose="02020603020101020101" pitchFamily="18" charset="-127"/>
+                <a:cs typeface="+mn-cs"/>
+              </a:rPr>
+              <a:t> </a:t>
+            </a:r>
+            <a:r>
+              <a:rPr kumimoji="0" lang="en-US" altLang="ko-KR" sz="1100" b="0" i="0" u="none" strike="noStrike" kern="1200" cap="none" spc="0" normalizeH="0" baseline="0" noProof="0" dirty="0">
+                <a:ln>
+                  <a:noFill/>
+                </a:ln>
+                <a:solidFill>
+                  <a:prstClr val="black"/>
+                </a:solidFill>
+                <a:effectLst/>
+                <a:uLnTx/>
+                <a:uFillTx/>
+                <a:latin typeface="배달의민족 주아" panose="02020603020101020101" pitchFamily="18" charset="-127"/>
+                <a:ea typeface="배달의민족 주아" panose="02020603020101020101" pitchFamily="18" charset="-127"/>
+                <a:cs typeface="+mn-cs"/>
+              </a:rPr>
+              <a:t>RSA</a:t>
+            </a:r>
+            <a:r>
+              <a:rPr kumimoji="0" lang="ko-KR" altLang="en-US" sz="1100" b="0" i="0" u="none" strike="noStrike" kern="1200" cap="none" spc="0" normalizeH="0" baseline="0" noProof="0" dirty="0">
+                <a:ln>
+                  <a:noFill/>
+                </a:ln>
+                <a:solidFill>
+                  <a:prstClr val="black"/>
+                </a:solidFill>
+                <a:effectLst/>
+                <a:uLnTx/>
+                <a:uFillTx/>
+                <a:latin typeface="배달의민족 주아" panose="02020603020101020101" pitchFamily="18" charset="-127"/>
+                <a:ea typeface="배달의민족 주아" panose="02020603020101020101" pitchFamily="18" charset="-127"/>
+                <a:cs typeface="+mn-cs"/>
+              </a:rPr>
+              <a:t>를 공격하는 방법</a:t>
+            </a:r>
+          </a:p>
+        </p:txBody>
+      </p:sp>
+    </p:spTree>
+    <p:extLst>
+      <p:ext uri="{BB962C8B-B14F-4D97-AF65-F5344CB8AC3E}">
+        <p14:creationId xmlns:p14="http://schemas.microsoft.com/office/powerpoint/2010/main" val="777349953"/>
+      </p:ext>
+    </p:extLst>
+  </p:cSld>
+  <p:clrMapOvr>
+    <a:masterClrMapping/>
+  </p:clrMapOvr>
+</p:sld>
+</file>
+
+<file path=ppt/slides/slide4.xml><?xml version="1.0" encoding="utf-8"?>
+<p:sld xmlns:a="http://schemas.openxmlformats.org/drawingml/2006/main" xmlns:r="http://schemas.openxmlformats.org/officeDocument/2006/relationships" xmlns:p="http://schemas.openxmlformats.org/presentationml/2006/main">
+  <p:cSld>
+    <p:spTree>
+      <p:nvGrpSpPr>
+        <p:cNvPr id="1" name=""/>
+        <p:cNvGrpSpPr/>
+        <p:nvPr/>
+      </p:nvGrpSpPr>
+      <p:grpSpPr>
+        <a:xfrm>
+          <a:off x="0" y="0"/>
+          <a:ext cx="0" cy="0"/>
+          <a:chOff x="0" y="0"/>
+          <a:chExt cx="0" cy="0"/>
+        </a:xfrm>
+      </p:grpSpPr>
+      <p:sp>
+        <p:nvSpPr>
+          <p:cNvPr id="4" name="사각형: 둥근 한쪽 모서리 3">
+            <a:extLst>
+              <a:ext uri="{FF2B5EF4-FFF2-40B4-BE49-F238E27FC236}">
+                <a16:creationId xmlns:a16="http://schemas.microsoft.com/office/drawing/2014/main" id="{D79D212E-D0DC-BCEB-CD94-ADC3B35D38F2}"/>
+              </a:ext>
+            </a:extLst>
+          </p:cNvPr>
+          <p:cNvSpPr/>
+          <p:nvPr/>
+        </p:nvSpPr>
+        <p:spPr>
+          <a:xfrm flipH="1">
+            <a:off x="386499" y="647423"/>
+            <a:ext cx="4336330" cy="5932486"/>
+          </a:xfrm>
+          <a:prstGeom prst="round1Rect">
+            <a:avLst/>
+          </a:prstGeom>
+          <a:solidFill>
+            <a:srgbClr val="FFFCF2"/>
+          </a:solidFill>
+          <a:ln>
+            <a:solidFill>
+              <a:srgbClr val="7B5A25"/>
+            </a:solidFill>
+          </a:ln>
+        </p:spPr>
+        <p:style>
+          <a:lnRef idx="2">
+            <a:schemeClr val="accent1">
+              <a:shade val="50000"/>
+            </a:schemeClr>
+          </a:lnRef>
+          <a:fillRef idx="1">
+            <a:schemeClr val="accent1"/>
+          </a:fillRef>
+          <a:effectRef idx="0">
+            <a:schemeClr val="accent1"/>
+          </a:effectRef>
+          <a:fontRef idx="minor">
+            <a:schemeClr val="lt1"/>
+          </a:fontRef>
+        </p:style>
+        <p:txBody>
+          <a:bodyPr rtlCol="0" anchor="ctr"/>
+          <a:lstStyle/>
+          <a:p>
+            <a:pPr algn="ctr"/>
+            <a:endParaRPr lang="ko-KR" altLang="en-US" dirty="0"/>
+          </a:p>
+        </p:txBody>
+      </p:sp>
+      <p:sp>
+        <p:nvSpPr>
+          <p:cNvPr id="5" name="사각형: 둥근 한쪽 모서리 4">
+            <a:extLst>
+              <a:ext uri="{FF2B5EF4-FFF2-40B4-BE49-F238E27FC236}">
+                <a16:creationId xmlns:a16="http://schemas.microsoft.com/office/drawing/2014/main" id="{B229269D-B988-F237-0E13-4BFB2055671B}"/>
+              </a:ext>
+            </a:extLst>
+          </p:cNvPr>
+          <p:cNvSpPr/>
+          <p:nvPr/>
+        </p:nvSpPr>
+        <p:spPr>
+          <a:xfrm>
+            <a:off x="5154891" y="358219"/>
+            <a:ext cx="4336330" cy="6221690"/>
+          </a:xfrm>
+          <a:prstGeom prst="round1Rect">
+            <a:avLst/>
+          </a:prstGeom>
+          <a:solidFill>
+            <a:srgbClr val="FFFCF2"/>
+          </a:solidFill>
+          <a:ln>
+            <a:solidFill>
+              <a:srgbClr val="7B5A25"/>
+            </a:solidFill>
+          </a:ln>
+        </p:spPr>
+        <p:style>
+          <a:lnRef idx="2">
+            <a:schemeClr val="accent1">
+              <a:shade val="50000"/>
+            </a:schemeClr>
+          </a:lnRef>
+          <a:fillRef idx="1">
+            <a:schemeClr val="accent1"/>
+          </a:fillRef>
+          <a:effectRef idx="0">
+            <a:schemeClr val="accent1"/>
+          </a:effectRef>
+          <a:fontRef idx="minor">
+            <a:schemeClr val="lt1"/>
+          </a:fontRef>
+        </p:style>
+        <p:txBody>
+          <a:bodyPr rtlCol="0" anchor="ctr"/>
+          <a:lstStyle/>
+          <a:p>
+            <a:pPr algn="ctr"/>
+            <a:endParaRPr lang="ko-KR" altLang="en-US"/>
+          </a:p>
+        </p:txBody>
+      </p:sp>
+      <p:sp>
+        <p:nvSpPr>
+          <p:cNvPr id="10" name="TextBox 9">
+            <a:extLst>
+              <a:ext uri="{FF2B5EF4-FFF2-40B4-BE49-F238E27FC236}">
+                <a16:creationId xmlns:a16="http://schemas.microsoft.com/office/drawing/2014/main" id="{09C9F807-72FD-1B47-408D-E9E70BB76818}"/>
+              </a:ext>
+            </a:extLst>
+          </p:cNvPr>
+          <p:cNvSpPr txBox="1"/>
+          <p:nvPr/>
+        </p:nvSpPr>
+        <p:spPr>
+          <a:xfrm>
+            <a:off x="707009" y="278091"/>
+            <a:ext cx="930319" cy="369332"/>
+          </a:xfrm>
+          <a:prstGeom prst="rect">
+            <a:avLst/>
+          </a:prstGeom>
+          <a:noFill/>
+        </p:spPr>
+        <p:txBody>
+          <a:bodyPr wrap="none" rtlCol="0">
+            <a:spAutoFit/>
+          </a:bodyPr>
+          <a:lstStyle/>
+          <a:p>
+            <a:r>
+              <a:rPr lang="en-US" altLang="ko-KR" dirty="0">
+                <a:solidFill>
+                  <a:srgbClr val="7B5A25"/>
+                </a:solidFill>
+                <a:latin typeface="타이포_쌍문동 B" panose="02020803020101020101" pitchFamily="18" charset="-127"/>
+                <a:ea typeface="타이포_쌍문동 B" panose="02020803020101020101" pitchFamily="18" charset="-127"/>
+              </a:rPr>
+              <a:t>DAY</a:t>
+            </a:r>
+            <a:r>
+              <a:rPr lang="ko-KR" altLang="en-US" dirty="0">
+                <a:solidFill>
+                  <a:srgbClr val="7B5A25"/>
+                </a:solidFill>
+                <a:latin typeface="타이포_쌍문동 B" panose="02020803020101020101" pitchFamily="18" charset="-127"/>
+                <a:ea typeface="타이포_쌍문동 B" panose="02020803020101020101" pitchFamily="18" charset="-127"/>
+              </a:rPr>
+              <a:t> </a:t>
+            </a:r>
+            <a:r>
+              <a:rPr lang="en-US" altLang="ko-KR" dirty="0">
+                <a:solidFill>
+                  <a:srgbClr val="7B5A25"/>
+                </a:solidFill>
+                <a:latin typeface="타이포_쌍문동 B" panose="02020803020101020101" pitchFamily="18" charset="-127"/>
+                <a:ea typeface="타이포_쌍문동 B" panose="02020803020101020101" pitchFamily="18" charset="-127"/>
+              </a:rPr>
+              <a:t>1</a:t>
+            </a:r>
+            <a:endParaRPr lang="ko-KR" altLang="en-US" dirty="0">
+              <a:solidFill>
+                <a:srgbClr val="7B5A25"/>
+              </a:solidFill>
+              <a:latin typeface="타이포_쌍문동 B" panose="02020803020101020101" pitchFamily="18" charset="-127"/>
+              <a:ea typeface="타이포_쌍문동 B" panose="02020803020101020101" pitchFamily="18" charset="-127"/>
+            </a:endParaRPr>
+          </a:p>
+        </p:txBody>
+      </p:sp>
+    </p:spTree>
+    <p:extLst>
+      <p:ext uri="{BB962C8B-B14F-4D97-AF65-F5344CB8AC3E}">
+        <p14:creationId xmlns:p14="http://schemas.microsoft.com/office/powerpoint/2010/main" val="3417800543"/>
+      </p:ext>
+    </p:extLst>
+  </p:cSld>
+  <p:clrMapOvr>
+    <a:masterClrMapping/>
+  </p:clrMapOvr>
+</p:sld>
+</file>
+
+<file path=ppt/slides/slide5.xml><?xml version="1.0" encoding="utf-8"?>
+<p:sld xmlns:a="http://schemas.openxmlformats.org/drawingml/2006/main" xmlns:r="http://schemas.openxmlformats.org/officeDocument/2006/relationships" xmlns:p="http://schemas.openxmlformats.org/presentationml/2006/main">
+  <p:cSld>
+    <p:spTree>
+      <p:nvGrpSpPr>
+        <p:cNvPr id="1" name=""/>
+        <p:cNvGrpSpPr/>
+        <p:nvPr/>
+      </p:nvGrpSpPr>
+      <p:grpSpPr>
+        <a:xfrm>
+          <a:off x="0" y="0"/>
+          <a:ext cx="0" cy="0"/>
+          <a:chOff x="0" y="0"/>
+          <a:chExt cx="0" cy="0"/>
+        </a:xfrm>
+      </p:grpSpPr>
+      <p:pic>
+        <p:nvPicPr>
+          <p:cNvPr id="4" name="그림 3">
+            <a:extLst>
+              <a:ext uri="{FF2B5EF4-FFF2-40B4-BE49-F238E27FC236}">
+                <a16:creationId xmlns:a16="http://schemas.microsoft.com/office/drawing/2014/main" id="{B749551A-6E2E-DC14-16F5-9C2023AC3F2D}"/>
+              </a:ext>
+            </a:extLst>
+          </p:cNvPr>
+          <p:cNvPicPr>
+            <a:picLocks noChangeAspect="1"/>
+          </p:cNvPicPr>
+          <p:nvPr/>
+        </p:nvPicPr>
+        <p:blipFill>
+          <a:blip r:embed="rId2"/>
+          <a:stretch>
+            <a:fillRect/>
+          </a:stretch>
+        </p:blipFill>
+        <p:spPr>
+          <a:xfrm>
+            <a:off x="230173" y="2268908"/>
+            <a:ext cx="9906000" cy="6524539"/>
+          </a:xfrm>
+          <a:prstGeom prst="rect">
+            <a:avLst/>
+          </a:prstGeom>
+        </p:spPr>
+      </p:pic>
+    </p:spTree>
+    <p:extLst>
+      <p:ext uri="{BB962C8B-B14F-4D97-AF65-F5344CB8AC3E}">
+        <p14:creationId xmlns:p14="http://schemas.microsoft.com/office/powerpoint/2010/main" val="2939432413"/>
+      </p:ext>
+    </p:extLst>
+  </p:cSld>
+  <p:clrMapOvr>
+    <a:masterClrMapping/>
+  </p:clrMapOvr>
+</p:sld>
+</file>
+
 <file path=ppt/theme/theme1.xml><?xml version="1.0" encoding="utf-8"?>
 <a:theme xmlns:a="http://schemas.openxmlformats.org/drawingml/2006/main" name="Office 테마">
   <a:themeElements>
-    <a:clrScheme name="Office">
+    <a:clrScheme name="Office 테마">
       <a:dk1>
         <a:sysClr val="windowText" lastClr="000000"/>
       </a:dk1>
@@ -3425,9 +4465,9 @@
         <a:srgbClr val="954F72"/>
       </a:folHlink>
     </a:clrScheme>
-    <a:fontScheme name="Office">
+    <a:fontScheme name="Office 테마">
       <a:majorFont>
-        <a:latin typeface="맑은 고딕" panose="020F0302020204030204"/>
+        <a:latin typeface="Calibri Light" panose="020F0302020204030204"/>
         <a:ea typeface=""/>
         <a:cs typeface=""/>
         <a:font script="Jpan" typeface="游ゴシック Light"/>
@@ -3460,26 +4500,9 @@
         <a:font script="Viet" typeface="Times New Roman"/>
         <a:font script="Uigh" typeface="Microsoft Uighur"/>
         <a:font script="Geor" typeface="Sylfaen"/>
-        <a:font script="Armn" typeface="Arial"/>
-        <a:font script="Bugi" typeface="Leelawadee UI"/>
-        <a:font script="Bopo" typeface="Microsoft JhengHei"/>
-        <a:font script="Java" typeface="Javanese Text"/>
-        <a:font script="Lisu" typeface="Segoe UI"/>
-        <a:font script="Mymr" typeface="Myanmar Text"/>
-        <a:font script="Nkoo" typeface="Ebrima"/>
-        <a:font script="Olck" typeface="Nirmala UI"/>
-        <a:font script="Osma" typeface="Ebrima"/>
-        <a:font script="Phag" typeface="Phagspa"/>
-        <a:font script="Syrn" typeface="Estrangelo Edessa"/>
-        <a:font script="Syrj" typeface="Estrangelo Edessa"/>
-        <a:font script="Syre" typeface="Estrangelo Edessa"/>
-        <a:font script="Sora" typeface="Nirmala UI"/>
-        <a:font script="Tale" typeface="Microsoft Tai Le"/>
-        <a:font script="Talu" typeface="Microsoft New Tai Lue"/>
-        <a:font script="Tfng" typeface="Ebrima"/>
       </a:majorFont>
       <a:minorFont>
-        <a:latin typeface="맑은 고딕" panose="020F0502020204030204"/>
+        <a:latin typeface="Calibri" panose="020F0502020204030204"/>
         <a:ea typeface=""/>
         <a:cs typeface=""/>
         <a:font script="Jpan" typeface="游ゴシック"/>
@@ -3512,26 +4535,9 @@
         <a:font script="Viet" typeface="Arial"/>
         <a:font script="Uigh" typeface="Microsoft Uighur"/>
         <a:font script="Geor" typeface="Sylfaen"/>
-        <a:font script="Armn" typeface="Arial"/>
-        <a:font script="Bugi" typeface="Leelawadee UI"/>
-        <a:font script="Bopo" typeface="Microsoft JhengHei"/>
-        <a:font script="Java" typeface="Javanese Text"/>
-        <a:font script="Lisu" typeface="Segoe UI"/>
-        <a:font script="Mymr" typeface="Myanmar Text"/>
-        <a:font script="Nkoo" typeface="Ebrima"/>
-        <a:font script="Olck" typeface="Nirmala UI"/>
-        <a:font script="Osma" typeface="Ebrima"/>
-        <a:font script="Phag" typeface="Phagspa"/>
-        <a:font script="Syrn" typeface="Estrangelo Edessa"/>
-        <a:font script="Syrj" typeface="Estrangelo Edessa"/>
-        <a:font script="Syre" typeface="Estrangelo Edessa"/>
-        <a:font script="Sora" typeface="Nirmala UI"/>
-        <a:font script="Tale" typeface="Microsoft Tai Le"/>
-        <a:font script="Talu" typeface="Microsoft New Tai Lue"/>
-        <a:font script="Tfng" typeface="Ebrima"/>
       </a:minorFont>
     </a:fontScheme>
-    <a:fmtScheme name="Office">
+    <a:fmtScheme name="Office 테마">
       <a:fillStyleLst>
         <a:solidFill>
           <a:schemeClr val="phClr"/>

--- a/Pamphlet.pptx
+++ b/Pamphlet.pptx
@@ -5,11 +5,8 @@
     <p:sldMasterId id="2147483660" r:id="rId1"/>
   </p:sldMasterIdLst>
   <p:sldIdLst>
-    <p:sldId id="259" r:id="rId2"/>
-    <p:sldId id="256" r:id="rId3"/>
-    <p:sldId id="261" r:id="rId4"/>
-    <p:sldId id="258" r:id="rId5"/>
-    <p:sldId id="257" r:id="rId6"/>
+    <p:sldId id="263" r:id="rId2"/>
+    <p:sldId id="264" r:id="rId3"/>
   </p:sldIdLst>
   <p:sldSz cx="9906000" cy="6858000" type="A4"/>
   <p:notesSz cx="9144000" cy="6858000"/>
@@ -258,7 +255,7 @@
           <a:p>
             <a:fld id="{6E4979C7-FFC7-497C-9DA9-17476E3377A4}" type="datetimeFigureOut">
               <a:rPr lang="ko-KR" altLang="en-US" smtClean="0"/>
-              <a:t>2022-07-10</a:t>
+              <a:t>2022-07-12</a:t>
             </a:fld>
             <a:endParaRPr lang="ko-KR" altLang="en-US"/>
           </a:p>
@@ -428,7 +425,7 @@
           <a:p>
             <a:fld id="{6E4979C7-FFC7-497C-9DA9-17476E3377A4}" type="datetimeFigureOut">
               <a:rPr lang="ko-KR" altLang="en-US" smtClean="0"/>
-              <a:t>2022-07-10</a:t>
+              <a:t>2022-07-12</a:t>
             </a:fld>
             <a:endParaRPr lang="ko-KR" altLang="en-US"/>
           </a:p>
@@ -608,7 +605,7 @@
           <a:p>
             <a:fld id="{6E4979C7-FFC7-497C-9DA9-17476E3377A4}" type="datetimeFigureOut">
               <a:rPr lang="ko-KR" altLang="en-US" smtClean="0"/>
-              <a:t>2022-07-10</a:t>
+              <a:t>2022-07-12</a:t>
             </a:fld>
             <a:endParaRPr lang="ko-KR" altLang="en-US"/>
           </a:p>
@@ -778,7 +775,7 @@
           <a:p>
             <a:fld id="{6E4979C7-FFC7-497C-9DA9-17476E3377A4}" type="datetimeFigureOut">
               <a:rPr lang="ko-KR" altLang="en-US" smtClean="0"/>
-              <a:t>2022-07-10</a:t>
+              <a:t>2022-07-12</a:t>
             </a:fld>
             <a:endParaRPr lang="ko-KR" altLang="en-US"/>
           </a:p>
@@ -1022,7 +1019,7 @@
           <a:p>
             <a:fld id="{6E4979C7-FFC7-497C-9DA9-17476E3377A4}" type="datetimeFigureOut">
               <a:rPr lang="ko-KR" altLang="en-US" smtClean="0"/>
-              <a:t>2022-07-10</a:t>
+              <a:t>2022-07-12</a:t>
             </a:fld>
             <a:endParaRPr lang="ko-KR" altLang="en-US"/>
           </a:p>
@@ -1254,7 +1251,7 @@
           <a:p>
             <a:fld id="{6E4979C7-FFC7-497C-9DA9-17476E3377A4}" type="datetimeFigureOut">
               <a:rPr lang="ko-KR" altLang="en-US" smtClean="0"/>
-              <a:t>2022-07-10</a:t>
+              <a:t>2022-07-12</a:t>
             </a:fld>
             <a:endParaRPr lang="ko-KR" altLang="en-US"/>
           </a:p>
@@ -1621,7 +1618,7 @@
           <a:p>
             <a:fld id="{6E4979C7-FFC7-497C-9DA9-17476E3377A4}" type="datetimeFigureOut">
               <a:rPr lang="ko-KR" altLang="en-US" smtClean="0"/>
-              <a:t>2022-07-10</a:t>
+              <a:t>2022-07-12</a:t>
             </a:fld>
             <a:endParaRPr lang="ko-KR" altLang="en-US"/>
           </a:p>
@@ -1739,7 +1736,7 @@
           <a:p>
             <a:fld id="{6E4979C7-FFC7-497C-9DA9-17476E3377A4}" type="datetimeFigureOut">
               <a:rPr lang="ko-KR" altLang="en-US" smtClean="0"/>
-              <a:t>2022-07-10</a:t>
+              <a:t>2022-07-12</a:t>
             </a:fld>
             <a:endParaRPr lang="ko-KR" altLang="en-US"/>
           </a:p>
@@ -1834,7 +1831,7 @@
           <a:p>
             <a:fld id="{6E4979C7-FFC7-497C-9DA9-17476E3377A4}" type="datetimeFigureOut">
               <a:rPr lang="ko-KR" altLang="en-US" smtClean="0"/>
-              <a:t>2022-07-10</a:t>
+              <a:t>2022-07-12</a:t>
             </a:fld>
             <a:endParaRPr lang="ko-KR" altLang="en-US"/>
           </a:p>
@@ -2111,7 +2108,7 @@
           <a:p>
             <a:fld id="{6E4979C7-FFC7-497C-9DA9-17476E3377A4}" type="datetimeFigureOut">
               <a:rPr lang="ko-KR" altLang="en-US" smtClean="0"/>
-              <a:t>2022-07-10</a:t>
+              <a:t>2022-07-12</a:t>
             </a:fld>
             <a:endParaRPr lang="ko-KR" altLang="en-US"/>
           </a:p>
@@ -2368,7 +2365,7 @@
           <a:p>
             <a:fld id="{6E4979C7-FFC7-497C-9DA9-17476E3377A4}" type="datetimeFigureOut">
               <a:rPr lang="ko-KR" altLang="en-US" smtClean="0"/>
-              <a:t>2022-07-10</a:t>
+              <a:t>2022-07-12</a:t>
             </a:fld>
             <a:endParaRPr lang="ko-KR" altLang="en-US"/>
           </a:p>
@@ -2581,7 +2578,7 @@
           <a:p>
             <a:fld id="{6E4979C7-FFC7-497C-9DA9-17476E3377A4}" type="datetimeFigureOut">
               <a:rPr lang="ko-KR" altLang="en-US" smtClean="0"/>
-              <a:t>2022-07-10</a:t>
+              <a:t>2022-07-12</a:t>
             </a:fld>
             <a:endParaRPr lang="ko-KR" altLang="en-US"/>
           </a:p>
@@ -2988,58 +2985,6 @@
       </p:grpSpPr>
       <p:sp>
         <p:nvSpPr>
-          <p:cNvPr id="10" name="직사각형 9">
-            <a:extLst>
-              <a:ext uri="{FF2B5EF4-FFF2-40B4-BE49-F238E27FC236}">
-                <a16:creationId xmlns:a16="http://schemas.microsoft.com/office/drawing/2014/main" id="{7814DA67-3712-BB36-A297-55CD6246B5AE}"/>
-              </a:ext>
-            </a:extLst>
-          </p:cNvPr>
-          <p:cNvSpPr/>
-          <p:nvPr/>
-        </p:nvSpPr>
-        <p:spPr>
-          <a:xfrm>
-            <a:off x="4967514" y="5304663"/>
-            <a:ext cx="4938486" cy="1553337"/>
-          </a:xfrm>
-          <a:prstGeom prst="rect">
-            <a:avLst/>
-          </a:prstGeom>
-          <a:solidFill>
-            <a:srgbClr val="1E1E1E"/>
-          </a:solidFill>
-          <a:ln>
-            <a:noFill/>
-          </a:ln>
-        </p:spPr>
-        <p:style>
-          <a:lnRef idx="2">
-            <a:schemeClr val="accent1">
-              <a:shade val="50000"/>
-            </a:schemeClr>
-          </a:lnRef>
-          <a:fillRef idx="1">
-            <a:schemeClr val="accent1"/>
-          </a:fillRef>
-          <a:effectRef idx="0">
-            <a:schemeClr val="accent1"/>
-          </a:effectRef>
-          <a:fontRef idx="minor">
-            <a:schemeClr val="lt1"/>
-          </a:fontRef>
-        </p:style>
-        <p:txBody>
-          <a:bodyPr rtlCol="0" anchor="ctr"/>
-          <a:lstStyle/>
-          <a:p>
-            <a:pPr algn="ctr"/>
-            <a:endParaRPr lang="ko-KR" altLang="en-US"/>
-          </a:p>
-        </p:txBody>
-      </p:sp>
-      <p:sp>
-        <p:nvSpPr>
           <p:cNvPr id="9" name="직사각형 8">
             <a:extLst>
               <a:ext uri="{FF2B5EF4-FFF2-40B4-BE49-F238E27FC236}">
@@ -3092,10 +3037,10 @@
       </p:sp>
       <p:pic>
         <p:nvPicPr>
-          <p:cNvPr id="4" name="그림 3">
+          <p:cNvPr id="2" name="그림 1">
             <a:extLst>
               <a:ext uri="{FF2B5EF4-FFF2-40B4-BE49-F238E27FC236}">
-                <a16:creationId xmlns:a16="http://schemas.microsoft.com/office/drawing/2014/main" id="{673CF84C-29AE-A2D4-389F-A435F67A5140}"/>
+                <a16:creationId xmlns:a16="http://schemas.microsoft.com/office/drawing/2014/main" id="{9CB05365-B085-AEED-485A-486BD46C959A}"/>
               </a:ext>
             </a:extLst>
           </p:cNvPr>
@@ -3112,8 +3057,202 @@
         </p:blipFill>
         <p:spPr>
           <a:xfrm>
-            <a:off x="4967514" y="292769"/>
-            <a:ext cx="4938486" cy="6315388"/>
+            <a:off x="4967514" y="262026"/>
+            <a:ext cx="4938486" cy="6315387"/>
+          </a:xfrm>
+          <a:prstGeom prst="rect">
+            <a:avLst/>
+          </a:prstGeom>
+        </p:spPr>
+      </p:pic>
+      <p:pic>
+        <p:nvPicPr>
+          <p:cNvPr id="3" name="그림 2">
+            <a:extLst>
+              <a:ext uri="{FF2B5EF4-FFF2-40B4-BE49-F238E27FC236}">
+                <a16:creationId xmlns:a16="http://schemas.microsoft.com/office/drawing/2014/main" id="{873024D5-32A6-7A76-914A-15EBD901F0C1}"/>
+              </a:ext>
+            </a:extLst>
+          </p:cNvPr>
+          <p:cNvPicPr>
+            <a:picLocks noChangeAspect="1"/>
+          </p:cNvPicPr>
+          <p:nvPr/>
+        </p:nvPicPr>
+        <p:blipFill>
+          <a:blip r:embed="rId3"/>
+          <a:stretch>
+            <a:fillRect/>
+          </a:stretch>
+        </p:blipFill>
+        <p:spPr>
+          <a:xfrm>
+            <a:off x="0" y="252746"/>
+            <a:ext cx="4953000" cy="6333947"/>
+          </a:xfrm>
+          <a:prstGeom prst="rect">
+            <a:avLst/>
+          </a:prstGeom>
+        </p:spPr>
+      </p:pic>
+      <p:sp>
+        <p:nvSpPr>
+          <p:cNvPr id="7" name="직사각형 6">
+            <a:extLst>
+              <a:ext uri="{FF2B5EF4-FFF2-40B4-BE49-F238E27FC236}">
+                <a16:creationId xmlns:a16="http://schemas.microsoft.com/office/drawing/2014/main" id="{0A5AAD30-8A1B-2F89-1FF9-40EF2BA299B0}"/>
+              </a:ext>
+            </a:extLst>
+          </p:cNvPr>
+          <p:cNvSpPr/>
+          <p:nvPr/>
+        </p:nvSpPr>
+        <p:spPr>
+          <a:xfrm>
+            <a:off x="0" y="4762501"/>
+            <a:ext cx="5080000" cy="2095500"/>
+          </a:xfrm>
+          <a:prstGeom prst="rect">
+            <a:avLst/>
+          </a:prstGeom>
+          <a:solidFill>
+            <a:srgbClr val="1E1E1E"/>
+          </a:solidFill>
+          <a:ln>
+            <a:noFill/>
+          </a:ln>
+        </p:spPr>
+        <p:style>
+          <a:lnRef idx="2">
+            <a:schemeClr val="accent1">
+              <a:shade val="50000"/>
+            </a:schemeClr>
+          </a:lnRef>
+          <a:fillRef idx="1">
+            <a:schemeClr val="accent1"/>
+          </a:fillRef>
+          <a:effectRef idx="0">
+            <a:schemeClr val="accent1"/>
+          </a:effectRef>
+          <a:fontRef idx="minor">
+            <a:schemeClr val="lt1"/>
+          </a:fontRef>
+        </p:style>
+        <p:txBody>
+          <a:bodyPr rtlCol="0" anchor="ctr"/>
+          <a:lstStyle/>
+          <a:p>
+            <a:pPr algn="ctr"/>
+            <a:endParaRPr lang="ko-KR" altLang="en-US"/>
+          </a:p>
+        </p:txBody>
+      </p:sp>
+      <p:pic>
+        <p:nvPicPr>
+          <p:cNvPr id="5" name="그림 4">
+            <a:extLst>
+              <a:ext uri="{FF2B5EF4-FFF2-40B4-BE49-F238E27FC236}">
+                <a16:creationId xmlns:a16="http://schemas.microsoft.com/office/drawing/2014/main" id="{5F348A24-CAC6-C29F-686D-5F2AD9B71623}"/>
+              </a:ext>
+            </a:extLst>
+          </p:cNvPr>
+          <p:cNvPicPr>
+            <a:picLocks noChangeAspect="1"/>
+          </p:cNvPicPr>
+          <p:nvPr/>
+        </p:nvPicPr>
+        <p:blipFill>
+          <a:blip r:embed="rId4"/>
+          <a:stretch>
+            <a:fillRect/>
+          </a:stretch>
+        </p:blipFill>
+        <p:spPr>
+          <a:xfrm>
+            <a:off x="-381000" y="4848313"/>
+            <a:ext cx="6908800" cy="1762525"/>
+          </a:xfrm>
+          <a:prstGeom prst="rect">
+            <a:avLst/>
+          </a:prstGeom>
+        </p:spPr>
+      </p:pic>
+      <p:sp>
+        <p:nvSpPr>
+          <p:cNvPr id="10" name="직사각형 9">
+            <a:extLst>
+              <a:ext uri="{FF2B5EF4-FFF2-40B4-BE49-F238E27FC236}">
+                <a16:creationId xmlns:a16="http://schemas.microsoft.com/office/drawing/2014/main" id="{7814DA67-3712-BB36-A297-55CD6246B5AE}"/>
+              </a:ext>
+            </a:extLst>
+          </p:cNvPr>
+          <p:cNvSpPr/>
+          <p:nvPr/>
+        </p:nvSpPr>
+        <p:spPr>
+          <a:xfrm>
+            <a:off x="4967514" y="6096000"/>
+            <a:ext cx="4938486" cy="762000"/>
+          </a:xfrm>
+          <a:prstGeom prst="rect">
+            <a:avLst/>
+          </a:prstGeom>
+          <a:solidFill>
+            <a:srgbClr val="1E1E1E"/>
+          </a:solidFill>
+          <a:ln>
+            <a:noFill/>
+          </a:ln>
+        </p:spPr>
+        <p:style>
+          <a:lnRef idx="2">
+            <a:schemeClr val="accent1">
+              <a:shade val="50000"/>
+            </a:schemeClr>
+          </a:lnRef>
+          <a:fillRef idx="1">
+            <a:schemeClr val="accent1"/>
+          </a:fillRef>
+          <a:effectRef idx="0">
+            <a:schemeClr val="accent1"/>
+          </a:effectRef>
+          <a:fontRef idx="minor">
+            <a:schemeClr val="lt1"/>
+          </a:fontRef>
+        </p:style>
+        <p:txBody>
+          <a:bodyPr rtlCol="0" anchor="ctr"/>
+          <a:lstStyle/>
+          <a:p>
+            <a:pPr algn="ctr"/>
+            <a:endParaRPr lang="ko-KR" altLang="en-US"/>
+          </a:p>
+        </p:txBody>
+      </p:sp>
+      <p:pic>
+        <p:nvPicPr>
+          <p:cNvPr id="25" name="Object 46">
+            <a:extLst>
+              <a:ext uri="{FF2B5EF4-FFF2-40B4-BE49-F238E27FC236}">
+                <a16:creationId xmlns:a16="http://schemas.microsoft.com/office/drawing/2014/main" id="{405D85B3-63F3-2002-22E8-979598E24BBD}"/>
+              </a:ext>
+            </a:extLst>
+          </p:cNvPr>
+          <p:cNvPicPr>
+            <a:picLocks noChangeAspect="1"/>
+          </p:cNvPicPr>
+          <p:nvPr/>
+        </p:nvPicPr>
+        <p:blipFill>
+          <a:blip r:embed="rId5" cstate="print"/>
+          <a:stretch>
+            <a:fillRect/>
+          </a:stretch>
+        </p:blipFill>
+        <p:spPr>
+          <a:xfrm>
+            <a:off x="8816593" y="6322045"/>
+            <a:ext cx="924307" cy="309909"/>
           </a:xfrm>
           <a:prstGeom prst="rect">
             <a:avLst/>
@@ -3123,7 +3262,7 @@
     </p:spTree>
     <p:extLst>
       <p:ext uri="{BB962C8B-B14F-4D97-AF65-F5344CB8AC3E}">
-        <p14:creationId xmlns:p14="http://schemas.microsoft.com/office/powerpoint/2010/main" val="3156754803"/>
+        <p14:creationId xmlns:p14="http://schemas.microsoft.com/office/powerpoint/2010/main" val="3734725516"/>
       </p:ext>
     </p:extLst>
   </p:cSld>
@@ -3150,1243 +3289,12 @@
           <a:chExt cx="0" cy="0"/>
         </a:xfrm>
       </p:grpSpPr>
-      <p:sp>
-        <p:nvSpPr>
-          <p:cNvPr id="4" name="사각형: 둥근 한쪽 모서리 3">
+      <p:pic>
+        <p:nvPicPr>
+          <p:cNvPr id="8" name="그림 7">
             <a:extLst>
               <a:ext uri="{FF2B5EF4-FFF2-40B4-BE49-F238E27FC236}">
-                <a16:creationId xmlns:a16="http://schemas.microsoft.com/office/drawing/2014/main" id="{D79D212E-D0DC-BCEB-CD94-ADC3B35D38F2}"/>
-              </a:ext>
-            </a:extLst>
-          </p:cNvPr>
-          <p:cNvSpPr/>
-          <p:nvPr/>
-        </p:nvSpPr>
-        <p:spPr>
-          <a:xfrm flipH="1">
-            <a:off x="386499" y="647424"/>
-            <a:ext cx="4336330" cy="2388008"/>
-          </a:xfrm>
-          <a:prstGeom prst="round1Rect">
-            <a:avLst/>
-          </a:prstGeom>
-          <a:solidFill>
-            <a:srgbClr val="FFFCF2"/>
-          </a:solidFill>
-          <a:ln>
-            <a:solidFill>
-              <a:srgbClr val="7B5A25"/>
-            </a:solidFill>
-          </a:ln>
-        </p:spPr>
-        <p:style>
-          <a:lnRef idx="2">
-            <a:schemeClr val="accent1">
-              <a:shade val="50000"/>
-            </a:schemeClr>
-          </a:lnRef>
-          <a:fillRef idx="1">
-            <a:schemeClr val="accent1"/>
-          </a:fillRef>
-          <a:effectRef idx="0">
-            <a:schemeClr val="accent1"/>
-          </a:effectRef>
-          <a:fontRef idx="minor">
-            <a:schemeClr val="lt1"/>
-          </a:fontRef>
-        </p:style>
-        <p:txBody>
-          <a:bodyPr rtlCol="0" anchor="ctr"/>
-          <a:lstStyle/>
-          <a:p>
-            <a:pPr algn="ctr"/>
-            <a:endParaRPr lang="ko-KR" altLang="en-US" dirty="0"/>
-          </a:p>
-        </p:txBody>
-      </p:sp>
-      <p:sp>
-        <p:nvSpPr>
-          <p:cNvPr id="5" name="사각형: 둥근 한쪽 모서리 4">
-            <a:extLst>
-              <a:ext uri="{FF2B5EF4-FFF2-40B4-BE49-F238E27FC236}">
-                <a16:creationId xmlns:a16="http://schemas.microsoft.com/office/drawing/2014/main" id="{B229269D-B988-F237-0E13-4BFB2055671B}"/>
-              </a:ext>
-            </a:extLst>
-          </p:cNvPr>
-          <p:cNvSpPr/>
-          <p:nvPr/>
-        </p:nvSpPr>
-        <p:spPr>
-          <a:xfrm>
-            <a:off x="5154891" y="358219"/>
-            <a:ext cx="4336330" cy="6221690"/>
-          </a:xfrm>
-          <a:prstGeom prst="round1Rect">
-            <a:avLst/>
-          </a:prstGeom>
-          <a:solidFill>
-            <a:srgbClr val="FFFCF2"/>
-          </a:solidFill>
-          <a:ln>
-            <a:solidFill>
-              <a:srgbClr val="7B5A25"/>
-            </a:solidFill>
-          </a:ln>
-        </p:spPr>
-        <p:style>
-          <a:lnRef idx="2">
-            <a:schemeClr val="accent1">
-              <a:shade val="50000"/>
-            </a:schemeClr>
-          </a:lnRef>
-          <a:fillRef idx="1">
-            <a:schemeClr val="accent1"/>
-          </a:fillRef>
-          <a:effectRef idx="0">
-            <a:schemeClr val="accent1"/>
-          </a:effectRef>
-          <a:fontRef idx="minor">
-            <a:schemeClr val="lt1"/>
-          </a:fontRef>
-        </p:style>
-        <p:txBody>
-          <a:bodyPr rtlCol="0" anchor="ctr"/>
-          <a:lstStyle/>
-          <a:p>
-            <a:pPr algn="ctr"/>
-            <a:endParaRPr lang="ko-KR" altLang="en-US"/>
-          </a:p>
-        </p:txBody>
-      </p:sp>
-      <p:sp>
-        <p:nvSpPr>
-          <p:cNvPr id="10" name="TextBox 9">
-            <a:extLst>
-              <a:ext uri="{FF2B5EF4-FFF2-40B4-BE49-F238E27FC236}">
-                <a16:creationId xmlns:a16="http://schemas.microsoft.com/office/drawing/2014/main" id="{09C9F807-72FD-1B47-408D-E9E70BB76818}"/>
-              </a:ext>
-            </a:extLst>
-          </p:cNvPr>
-          <p:cNvSpPr txBox="1"/>
-          <p:nvPr/>
-        </p:nvSpPr>
-        <p:spPr>
-          <a:xfrm>
-            <a:off x="707009" y="278091"/>
-            <a:ext cx="930319" cy="369332"/>
-          </a:xfrm>
-          <a:prstGeom prst="rect">
-            <a:avLst/>
-          </a:prstGeom>
-          <a:noFill/>
-        </p:spPr>
-        <p:txBody>
-          <a:bodyPr wrap="none" rtlCol="0">
-            <a:spAutoFit/>
-          </a:bodyPr>
-          <a:lstStyle/>
-          <a:p>
-            <a:r>
-              <a:rPr lang="en-US" altLang="ko-KR" dirty="0">
-                <a:solidFill>
-                  <a:srgbClr val="7B5A25"/>
-                </a:solidFill>
-                <a:latin typeface="타이포_쌍문동 B" panose="02020803020101020101" pitchFamily="18" charset="-127"/>
-                <a:ea typeface="타이포_쌍문동 B" panose="02020803020101020101" pitchFamily="18" charset="-127"/>
-              </a:rPr>
-              <a:t>DAY</a:t>
-            </a:r>
-            <a:r>
-              <a:rPr lang="ko-KR" altLang="en-US" dirty="0">
-                <a:solidFill>
-                  <a:srgbClr val="7B5A25"/>
-                </a:solidFill>
-                <a:latin typeface="타이포_쌍문동 B" panose="02020803020101020101" pitchFamily="18" charset="-127"/>
-                <a:ea typeface="타이포_쌍문동 B" panose="02020803020101020101" pitchFamily="18" charset="-127"/>
-              </a:rPr>
-              <a:t> </a:t>
-            </a:r>
-            <a:r>
-              <a:rPr lang="en-US" altLang="ko-KR" dirty="0">
-                <a:solidFill>
-                  <a:srgbClr val="7B5A25"/>
-                </a:solidFill>
-                <a:latin typeface="타이포_쌍문동 B" panose="02020803020101020101" pitchFamily="18" charset="-127"/>
-                <a:ea typeface="타이포_쌍문동 B" panose="02020803020101020101" pitchFamily="18" charset="-127"/>
-              </a:rPr>
-              <a:t>1</a:t>
-            </a:r>
-            <a:endParaRPr lang="ko-KR" altLang="en-US" dirty="0">
-              <a:solidFill>
-                <a:srgbClr val="7B5A25"/>
-              </a:solidFill>
-              <a:latin typeface="타이포_쌍문동 B" panose="02020803020101020101" pitchFamily="18" charset="-127"/>
-              <a:ea typeface="타이포_쌍문동 B" panose="02020803020101020101" pitchFamily="18" charset="-127"/>
-            </a:endParaRPr>
-          </a:p>
-        </p:txBody>
-      </p:sp>
-      <p:sp>
-        <p:nvSpPr>
-          <p:cNvPr id="12" name="사각형: 둥근 한쪽 모서리 11">
-            <a:extLst>
-              <a:ext uri="{FF2B5EF4-FFF2-40B4-BE49-F238E27FC236}">
-                <a16:creationId xmlns:a16="http://schemas.microsoft.com/office/drawing/2014/main" id="{2C277BAE-17AF-6FFF-941A-FE7CB2A43879}"/>
-              </a:ext>
-            </a:extLst>
-          </p:cNvPr>
-          <p:cNvSpPr/>
-          <p:nvPr/>
-        </p:nvSpPr>
-        <p:spPr>
-          <a:xfrm flipH="1">
-            <a:off x="386499" y="3588586"/>
-            <a:ext cx="4336330" cy="2991323"/>
-          </a:xfrm>
-          <a:prstGeom prst="round1Rect">
-            <a:avLst/>
-          </a:prstGeom>
-          <a:solidFill>
-            <a:srgbClr val="FFFCF2"/>
-          </a:solidFill>
-          <a:ln>
-            <a:solidFill>
-              <a:srgbClr val="7B5A25"/>
-            </a:solidFill>
-          </a:ln>
-        </p:spPr>
-        <p:style>
-          <a:lnRef idx="2">
-            <a:schemeClr val="accent1">
-              <a:shade val="50000"/>
-            </a:schemeClr>
-          </a:lnRef>
-          <a:fillRef idx="1">
-            <a:schemeClr val="accent1"/>
-          </a:fillRef>
-          <a:effectRef idx="0">
-            <a:schemeClr val="accent1"/>
-          </a:effectRef>
-          <a:fontRef idx="minor">
-            <a:schemeClr val="lt1"/>
-          </a:fontRef>
-        </p:style>
-        <p:txBody>
-          <a:bodyPr rtlCol="0" anchor="ctr"/>
-          <a:lstStyle/>
-          <a:p>
-            <a:pPr algn="ctr"/>
-            <a:endParaRPr lang="ko-KR" altLang="en-US" dirty="0"/>
-          </a:p>
-        </p:txBody>
-      </p:sp>
-      <p:sp>
-        <p:nvSpPr>
-          <p:cNvPr id="13" name="TextBox 12">
-            <a:extLst>
-              <a:ext uri="{FF2B5EF4-FFF2-40B4-BE49-F238E27FC236}">
-                <a16:creationId xmlns:a16="http://schemas.microsoft.com/office/drawing/2014/main" id="{C692585C-2950-235C-4E45-D07AB6F607BC}"/>
-              </a:ext>
-            </a:extLst>
-          </p:cNvPr>
-          <p:cNvSpPr txBox="1"/>
-          <p:nvPr/>
-        </p:nvSpPr>
-        <p:spPr>
-          <a:xfrm>
-            <a:off x="707009" y="3219254"/>
-            <a:ext cx="930319" cy="369332"/>
-          </a:xfrm>
-          <a:prstGeom prst="rect">
-            <a:avLst/>
-          </a:prstGeom>
-          <a:noFill/>
-        </p:spPr>
-        <p:txBody>
-          <a:bodyPr wrap="none" rtlCol="0">
-            <a:spAutoFit/>
-          </a:bodyPr>
-          <a:lstStyle/>
-          <a:p>
-            <a:r>
-              <a:rPr lang="en-US" altLang="ko-KR" dirty="0">
-                <a:solidFill>
-                  <a:srgbClr val="7B5A25"/>
-                </a:solidFill>
-                <a:latin typeface="타이포_쌍문동 B" panose="02020803020101020101" pitchFamily="18" charset="-127"/>
-                <a:ea typeface="타이포_쌍문동 B" panose="02020803020101020101" pitchFamily="18" charset="-127"/>
-              </a:rPr>
-              <a:t>DAY</a:t>
-            </a:r>
-            <a:r>
-              <a:rPr lang="ko-KR" altLang="en-US" dirty="0">
-                <a:solidFill>
-                  <a:srgbClr val="7B5A25"/>
-                </a:solidFill>
-                <a:latin typeface="타이포_쌍문동 B" panose="02020803020101020101" pitchFamily="18" charset="-127"/>
-                <a:ea typeface="타이포_쌍문동 B" panose="02020803020101020101" pitchFamily="18" charset="-127"/>
-              </a:rPr>
-              <a:t> </a:t>
-            </a:r>
-            <a:r>
-              <a:rPr lang="en-US" altLang="ko-KR" dirty="0">
-                <a:solidFill>
-                  <a:srgbClr val="7B5A25"/>
-                </a:solidFill>
-                <a:latin typeface="타이포_쌍문동 B" panose="02020803020101020101" pitchFamily="18" charset="-127"/>
-                <a:ea typeface="타이포_쌍문동 B" panose="02020803020101020101" pitchFamily="18" charset="-127"/>
-              </a:rPr>
-              <a:t>2</a:t>
-            </a:r>
-            <a:endParaRPr lang="ko-KR" altLang="en-US" dirty="0">
-              <a:solidFill>
-                <a:srgbClr val="7B5A25"/>
-              </a:solidFill>
-              <a:latin typeface="타이포_쌍문동 B" panose="02020803020101020101" pitchFamily="18" charset="-127"/>
-              <a:ea typeface="타이포_쌍문동 B" panose="02020803020101020101" pitchFamily="18" charset="-127"/>
-            </a:endParaRPr>
-          </a:p>
-        </p:txBody>
-      </p:sp>
-      <p:sp>
-        <p:nvSpPr>
-          <p:cNvPr id="15" name="TextBox 14">
-            <a:extLst>
-              <a:ext uri="{FF2B5EF4-FFF2-40B4-BE49-F238E27FC236}">
-                <a16:creationId xmlns:a16="http://schemas.microsoft.com/office/drawing/2014/main" id="{DBF08AC9-007C-50C0-9E9A-6F8A364CCAF0}"/>
-              </a:ext>
-            </a:extLst>
-          </p:cNvPr>
-          <p:cNvSpPr txBox="1"/>
-          <p:nvPr/>
-        </p:nvSpPr>
-        <p:spPr>
-          <a:xfrm>
-            <a:off x="582105" y="755145"/>
-            <a:ext cx="3207470" cy="261610"/>
-          </a:xfrm>
-          <a:prstGeom prst="rect">
-            <a:avLst/>
-          </a:prstGeom>
-          <a:noFill/>
-        </p:spPr>
-        <p:txBody>
-          <a:bodyPr wrap="square">
-            <a:spAutoFit/>
-          </a:bodyPr>
-          <a:lstStyle/>
-          <a:p>
-            <a:r>
-              <a:rPr lang="ko-KR" altLang="en-US" sz="1100" dirty="0" err="1">
-                <a:latin typeface="배달의민족 주아" panose="02020603020101020101" pitchFamily="18" charset="-127"/>
-                <a:ea typeface="배달의민족 주아" panose="02020603020101020101" pitchFamily="18" charset="-127"/>
-              </a:rPr>
-              <a:t>김도엽님</a:t>
-            </a:r>
-            <a:r>
-              <a:rPr lang="ko-KR" altLang="en-US" sz="1100" dirty="0">
-                <a:latin typeface="배달의민족 주아" panose="02020603020101020101" pitchFamily="18" charset="-127"/>
-                <a:ea typeface="배달의민족 주아" panose="02020603020101020101" pitchFamily="18" charset="-127"/>
-              </a:rPr>
-              <a:t> </a:t>
-            </a:r>
-            <a:r>
-              <a:rPr lang="en-US" altLang="ko-KR" sz="1100" dirty="0">
-                <a:latin typeface="배달의민족 주아" panose="02020603020101020101" pitchFamily="18" charset="-127"/>
-                <a:ea typeface="배달의민족 주아" panose="02020603020101020101" pitchFamily="18" charset="-127"/>
-              </a:rPr>
-              <a:t>RSA</a:t>
-            </a:r>
-            <a:r>
-              <a:rPr lang="ko-KR" altLang="en-US" sz="1100" dirty="0">
-                <a:latin typeface="배달의민족 주아" panose="02020603020101020101" pitchFamily="18" charset="-127"/>
-                <a:ea typeface="배달의민족 주아" panose="02020603020101020101" pitchFamily="18" charset="-127"/>
-              </a:rPr>
-              <a:t>를 공격하는 방법</a:t>
-            </a:r>
-          </a:p>
-        </p:txBody>
-      </p:sp>
-    </p:spTree>
-    <p:extLst>
-      <p:ext uri="{BB962C8B-B14F-4D97-AF65-F5344CB8AC3E}">
-        <p14:creationId xmlns:p14="http://schemas.microsoft.com/office/powerpoint/2010/main" val="1577356704"/>
-      </p:ext>
-    </p:extLst>
-  </p:cSld>
-  <p:clrMapOvr>
-    <a:masterClrMapping/>
-  </p:clrMapOvr>
-</p:sld>
-</file>
-
-<file path=ppt/slides/slide3.xml><?xml version="1.0" encoding="utf-8"?>
-<p:sld xmlns:a="http://schemas.openxmlformats.org/drawingml/2006/main" xmlns:r="http://schemas.openxmlformats.org/officeDocument/2006/relationships" xmlns:p="http://schemas.openxmlformats.org/presentationml/2006/main">
-  <p:cSld>
-    <p:spTree>
-      <p:nvGrpSpPr>
-        <p:cNvPr id="1" name=""/>
-        <p:cNvGrpSpPr/>
-        <p:nvPr/>
-      </p:nvGrpSpPr>
-      <p:grpSpPr>
-        <a:xfrm>
-          <a:off x="0" y="0"/>
-          <a:ext cx="0" cy="0"/>
-          <a:chOff x="0" y="0"/>
-          <a:chExt cx="0" cy="0"/>
-        </a:xfrm>
-      </p:grpSpPr>
-      <p:sp>
-        <p:nvSpPr>
-          <p:cNvPr id="4" name="사각형: 둥근 한쪽 모서리 3">
-            <a:extLst>
-              <a:ext uri="{FF2B5EF4-FFF2-40B4-BE49-F238E27FC236}">
-                <a16:creationId xmlns:a16="http://schemas.microsoft.com/office/drawing/2014/main" id="{D79D212E-D0DC-BCEB-CD94-ADC3B35D38F2}"/>
-              </a:ext>
-            </a:extLst>
-          </p:cNvPr>
-          <p:cNvSpPr/>
-          <p:nvPr/>
-        </p:nvSpPr>
-        <p:spPr>
-          <a:xfrm flipH="1">
-            <a:off x="386499" y="647424"/>
-            <a:ext cx="4336330" cy="2388008"/>
-          </a:xfrm>
-          <a:prstGeom prst="round1Rect">
-            <a:avLst/>
-          </a:prstGeom>
-          <a:solidFill>
-            <a:srgbClr val="FFFCF2"/>
-          </a:solidFill>
-          <a:ln>
-            <a:solidFill>
-              <a:srgbClr val="7B5A25"/>
-            </a:solidFill>
-          </a:ln>
-        </p:spPr>
-        <p:style>
-          <a:lnRef idx="2">
-            <a:schemeClr val="accent1">
-              <a:shade val="50000"/>
-            </a:schemeClr>
-          </a:lnRef>
-          <a:fillRef idx="1">
-            <a:schemeClr val="accent1"/>
-          </a:fillRef>
-          <a:effectRef idx="0">
-            <a:schemeClr val="accent1"/>
-          </a:effectRef>
-          <a:fontRef idx="minor">
-            <a:schemeClr val="lt1"/>
-          </a:fontRef>
-        </p:style>
-        <p:txBody>
-          <a:bodyPr rtlCol="0" anchor="ctr"/>
-          <a:lstStyle/>
-          <a:p>
-            <a:pPr marL="0" marR="0" lvl="0" indent="0" algn="ctr" defTabSz="457200" rtl="0" eaLnBrk="1" fontAlgn="auto" latinLnBrk="0" hangingPunct="1">
-              <a:lnSpc>
-                <a:spcPct val="100000"/>
-              </a:lnSpc>
-              <a:spcBef>
-                <a:spcPts val="0"/>
-              </a:spcBef>
-              <a:spcAft>
-                <a:spcPts val="0"/>
-              </a:spcAft>
-              <a:buClrTx/>
-              <a:buSzTx/>
-              <a:buFontTx/>
-              <a:buNone/>
-              <a:tabLst/>
-              <a:defRPr/>
-            </a:pPr>
-            <a:endParaRPr kumimoji="0" lang="ko-KR" altLang="en-US" sz="1800" b="0" i="0" u="none" strike="noStrike" kern="1200" cap="none" spc="0" normalizeH="0" baseline="0" noProof="0" dirty="0">
-              <a:ln>
-                <a:noFill/>
-              </a:ln>
-              <a:solidFill>
-                <a:prstClr val="white"/>
-              </a:solidFill>
-              <a:effectLst/>
-              <a:uLnTx/>
-              <a:uFillTx/>
-              <a:latin typeface="Calibri" panose="020F0502020204030204"/>
-              <a:ea typeface="맑은 고딕" panose="020B0503020000020004" pitchFamily="50" charset="-127"/>
-              <a:cs typeface="+mn-cs"/>
-            </a:endParaRPr>
-          </a:p>
-        </p:txBody>
-      </p:sp>
-      <p:sp>
-        <p:nvSpPr>
-          <p:cNvPr id="5" name="사각형: 둥근 한쪽 모서리 4">
-            <a:extLst>
-              <a:ext uri="{FF2B5EF4-FFF2-40B4-BE49-F238E27FC236}">
-                <a16:creationId xmlns:a16="http://schemas.microsoft.com/office/drawing/2014/main" id="{B229269D-B988-F237-0E13-4BFB2055671B}"/>
-              </a:ext>
-            </a:extLst>
-          </p:cNvPr>
-          <p:cNvSpPr/>
-          <p:nvPr/>
-        </p:nvSpPr>
-        <p:spPr>
-          <a:xfrm>
-            <a:off x="5154891" y="358219"/>
-            <a:ext cx="4336330" cy="6221690"/>
-          </a:xfrm>
-          <a:prstGeom prst="round1Rect">
-            <a:avLst/>
-          </a:prstGeom>
-          <a:solidFill>
-            <a:srgbClr val="FFFCF2"/>
-          </a:solidFill>
-          <a:ln>
-            <a:solidFill>
-              <a:srgbClr val="7B5A25"/>
-            </a:solidFill>
-          </a:ln>
-        </p:spPr>
-        <p:style>
-          <a:lnRef idx="2">
-            <a:schemeClr val="accent1">
-              <a:shade val="50000"/>
-            </a:schemeClr>
-          </a:lnRef>
-          <a:fillRef idx="1">
-            <a:schemeClr val="accent1"/>
-          </a:fillRef>
-          <a:effectRef idx="0">
-            <a:schemeClr val="accent1"/>
-          </a:effectRef>
-          <a:fontRef idx="minor">
-            <a:schemeClr val="lt1"/>
-          </a:fontRef>
-        </p:style>
-        <p:txBody>
-          <a:bodyPr rtlCol="0" anchor="ctr"/>
-          <a:lstStyle/>
-          <a:p>
-            <a:pPr marL="0" marR="0" lvl="0" indent="0" algn="ctr" defTabSz="457200" rtl="0" eaLnBrk="1" fontAlgn="auto" latinLnBrk="0" hangingPunct="1">
-              <a:lnSpc>
-                <a:spcPct val="100000"/>
-              </a:lnSpc>
-              <a:spcBef>
-                <a:spcPts val="0"/>
-              </a:spcBef>
-              <a:spcAft>
-                <a:spcPts val="0"/>
-              </a:spcAft>
-              <a:buClrTx/>
-              <a:buSzTx/>
-              <a:buFontTx/>
-              <a:buNone/>
-              <a:tabLst/>
-              <a:defRPr/>
-            </a:pPr>
-            <a:r>
-              <a:rPr kumimoji="0" lang="en-US" altLang="ko-KR" sz="1800" b="0" i="0" u="none" strike="noStrike" kern="1200" cap="none" spc="0" normalizeH="0" baseline="0" noProof="0">
-                <a:ln>
-                  <a:noFill/>
-                </a:ln>
-                <a:solidFill>
-                  <a:prstClr val="white"/>
-                </a:solidFill>
-                <a:effectLst/>
-                <a:uLnTx/>
-                <a:uFillTx/>
-                <a:latin typeface="Calibri" panose="020F0502020204030204"/>
-                <a:ea typeface="맑은 고딕" panose="020B0503020000020004" pitchFamily="50" charset="-127"/>
-                <a:cs typeface="+mn-cs"/>
-              </a:rPr>
-              <a:t>MIRICANVAS_ITEM_COPY_KEY</a:t>
-            </a:r>
-            <a:endParaRPr kumimoji="0" lang="ko-KR" altLang="en-US" sz="1800" b="0" i="0" u="none" strike="noStrike" kern="1200" cap="none" spc="0" normalizeH="0" baseline="0" noProof="0">
-              <a:ln>
-                <a:noFill/>
-              </a:ln>
-              <a:solidFill>
-                <a:prstClr val="white"/>
-              </a:solidFill>
-              <a:effectLst/>
-              <a:uLnTx/>
-              <a:uFillTx/>
-              <a:latin typeface="Calibri" panose="020F0502020204030204"/>
-              <a:ea typeface="맑은 고딕" panose="020B0503020000020004" pitchFamily="50" charset="-127"/>
-              <a:cs typeface="+mn-cs"/>
-            </a:endParaRPr>
-          </a:p>
-        </p:txBody>
-      </p:sp>
-      <p:sp>
-        <p:nvSpPr>
-          <p:cNvPr id="10" name="TextBox 9">
-            <a:extLst>
-              <a:ext uri="{FF2B5EF4-FFF2-40B4-BE49-F238E27FC236}">
-                <a16:creationId xmlns:a16="http://schemas.microsoft.com/office/drawing/2014/main" id="{09C9F807-72FD-1B47-408D-E9E70BB76818}"/>
-              </a:ext>
-            </a:extLst>
-          </p:cNvPr>
-          <p:cNvSpPr txBox="1"/>
-          <p:nvPr/>
-        </p:nvSpPr>
-        <p:spPr>
-          <a:xfrm>
-            <a:off x="707009" y="278091"/>
-            <a:ext cx="930319" cy="369332"/>
-          </a:xfrm>
-          <a:prstGeom prst="rect">
-            <a:avLst/>
-          </a:prstGeom>
-          <a:noFill/>
-        </p:spPr>
-        <p:txBody>
-          <a:bodyPr wrap="none" rtlCol="0">
-            <a:spAutoFit/>
-          </a:bodyPr>
-          <a:lstStyle/>
-          <a:p>
-            <a:pPr marL="0" marR="0" lvl="0" indent="0" algn="l" defTabSz="457200" rtl="0" eaLnBrk="1" fontAlgn="auto" latinLnBrk="0" hangingPunct="1">
-              <a:lnSpc>
-                <a:spcPct val="100000"/>
-              </a:lnSpc>
-              <a:spcBef>
-                <a:spcPts val="0"/>
-              </a:spcBef>
-              <a:spcAft>
-                <a:spcPts val="0"/>
-              </a:spcAft>
-              <a:buClrTx/>
-              <a:buSzTx/>
-              <a:buFontTx/>
-              <a:buNone/>
-              <a:tabLst/>
-              <a:defRPr/>
-            </a:pPr>
-            <a:r>
-              <a:rPr kumimoji="0" lang="en-US" altLang="ko-KR" sz="1800" b="0" i="0" u="none" strike="noStrike" kern="1200" cap="none" spc="0" normalizeH="0" baseline="0" noProof="0" dirty="0">
-                <a:ln>
-                  <a:noFill/>
-                </a:ln>
-                <a:solidFill>
-                  <a:srgbClr val="7B5A25"/>
-                </a:solidFill>
-                <a:effectLst/>
-                <a:uLnTx/>
-                <a:uFillTx/>
-                <a:latin typeface="타이포_쌍문동 B" panose="02020803020101020101" pitchFamily="18" charset="-127"/>
-                <a:ea typeface="타이포_쌍문동 B" panose="02020803020101020101" pitchFamily="18" charset="-127"/>
-                <a:cs typeface="+mn-cs"/>
-              </a:rPr>
-              <a:t>DAY</a:t>
-            </a:r>
-            <a:r>
-              <a:rPr kumimoji="0" lang="ko-KR" altLang="en-US" sz="1800" b="0" i="0" u="none" strike="noStrike" kern="1200" cap="none" spc="0" normalizeH="0" baseline="0" noProof="0" dirty="0">
-                <a:ln>
-                  <a:noFill/>
-                </a:ln>
-                <a:solidFill>
-                  <a:srgbClr val="7B5A25"/>
-                </a:solidFill>
-                <a:effectLst/>
-                <a:uLnTx/>
-                <a:uFillTx/>
-                <a:latin typeface="타이포_쌍문동 B" panose="02020803020101020101" pitchFamily="18" charset="-127"/>
-                <a:ea typeface="타이포_쌍문동 B" panose="02020803020101020101" pitchFamily="18" charset="-127"/>
-                <a:cs typeface="+mn-cs"/>
-              </a:rPr>
-              <a:t> </a:t>
-            </a:r>
-            <a:r>
-              <a:rPr kumimoji="0" lang="en-US" altLang="ko-KR" sz="1800" b="0" i="0" u="none" strike="noStrike" kern="1200" cap="none" spc="0" normalizeH="0" baseline="0" noProof="0" dirty="0">
-                <a:ln>
-                  <a:noFill/>
-                </a:ln>
-                <a:solidFill>
-                  <a:srgbClr val="7B5A25"/>
-                </a:solidFill>
-                <a:effectLst/>
-                <a:uLnTx/>
-                <a:uFillTx/>
-                <a:latin typeface="타이포_쌍문동 B" panose="02020803020101020101" pitchFamily="18" charset="-127"/>
-                <a:ea typeface="타이포_쌍문동 B" panose="02020803020101020101" pitchFamily="18" charset="-127"/>
-                <a:cs typeface="+mn-cs"/>
-              </a:rPr>
-              <a:t>1</a:t>
-            </a:r>
-            <a:endParaRPr kumimoji="0" lang="ko-KR" altLang="en-US" sz="1800" b="0" i="0" u="none" strike="noStrike" kern="1200" cap="none" spc="0" normalizeH="0" baseline="0" noProof="0" dirty="0">
-              <a:ln>
-                <a:noFill/>
-              </a:ln>
-              <a:solidFill>
-                <a:srgbClr val="7B5A25"/>
-              </a:solidFill>
-              <a:effectLst/>
-              <a:uLnTx/>
-              <a:uFillTx/>
-              <a:latin typeface="타이포_쌍문동 B" panose="02020803020101020101" pitchFamily="18" charset="-127"/>
-              <a:ea typeface="타이포_쌍문동 B" panose="02020803020101020101" pitchFamily="18" charset="-127"/>
-              <a:cs typeface="+mn-cs"/>
-            </a:endParaRPr>
-          </a:p>
-        </p:txBody>
-      </p:sp>
-      <p:sp>
-        <p:nvSpPr>
-          <p:cNvPr id="12" name="사각형: 둥근 한쪽 모서리 11">
-            <a:extLst>
-              <a:ext uri="{FF2B5EF4-FFF2-40B4-BE49-F238E27FC236}">
-                <a16:creationId xmlns:a16="http://schemas.microsoft.com/office/drawing/2014/main" id="{2C277BAE-17AF-6FFF-941A-FE7CB2A43879}"/>
-              </a:ext>
-            </a:extLst>
-          </p:cNvPr>
-          <p:cNvSpPr/>
-          <p:nvPr/>
-        </p:nvSpPr>
-        <p:spPr>
-          <a:xfrm flipH="1">
-            <a:off x="386499" y="3588586"/>
-            <a:ext cx="4336330" cy="2991323"/>
-          </a:xfrm>
-          <a:prstGeom prst="round1Rect">
-            <a:avLst/>
-          </a:prstGeom>
-          <a:solidFill>
-            <a:srgbClr val="FFFCF2"/>
-          </a:solidFill>
-          <a:ln>
-            <a:solidFill>
-              <a:srgbClr val="7B5A25"/>
-            </a:solidFill>
-          </a:ln>
-        </p:spPr>
-        <p:style>
-          <a:lnRef idx="2">
-            <a:schemeClr val="accent1">
-              <a:shade val="50000"/>
-            </a:schemeClr>
-          </a:lnRef>
-          <a:fillRef idx="1">
-            <a:schemeClr val="accent1"/>
-          </a:fillRef>
-          <a:effectRef idx="0">
-            <a:schemeClr val="accent1"/>
-          </a:effectRef>
-          <a:fontRef idx="minor">
-            <a:schemeClr val="lt1"/>
-          </a:fontRef>
-        </p:style>
-        <p:txBody>
-          <a:bodyPr rtlCol="0" anchor="ctr"/>
-          <a:lstStyle/>
-          <a:p>
-            <a:pPr marL="0" marR="0" lvl="0" indent="0" algn="ctr" defTabSz="457200" rtl="0" eaLnBrk="1" fontAlgn="auto" latinLnBrk="0" hangingPunct="1">
-              <a:lnSpc>
-                <a:spcPct val="100000"/>
-              </a:lnSpc>
-              <a:spcBef>
-                <a:spcPts val="0"/>
-              </a:spcBef>
-              <a:spcAft>
-                <a:spcPts val="0"/>
-              </a:spcAft>
-              <a:buClrTx/>
-              <a:buSzTx/>
-              <a:buFontTx/>
-              <a:buNone/>
-              <a:tabLst/>
-              <a:defRPr/>
-            </a:pPr>
-            <a:endParaRPr kumimoji="0" lang="ko-KR" altLang="en-US" sz="1800" b="0" i="0" u="none" strike="noStrike" kern="1200" cap="none" spc="0" normalizeH="0" baseline="0" noProof="0" dirty="0">
-              <a:ln>
-                <a:noFill/>
-              </a:ln>
-              <a:solidFill>
-                <a:prstClr val="white"/>
-              </a:solidFill>
-              <a:effectLst/>
-              <a:uLnTx/>
-              <a:uFillTx/>
-              <a:latin typeface="Calibri" panose="020F0502020204030204"/>
-              <a:ea typeface="맑은 고딕" panose="020B0503020000020004" pitchFamily="50" charset="-127"/>
-              <a:cs typeface="+mn-cs"/>
-            </a:endParaRPr>
-          </a:p>
-        </p:txBody>
-      </p:sp>
-      <p:sp>
-        <p:nvSpPr>
-          <p:cNvPr id="13" name="TextBox 12">
-            <a:extLst>
-              <a:ext uri="{FF2B5EF4-FFF2-40B4-BE49-F238E27FC236}">
-                <a16:creationId xmlns:a16="http://schemas.microsoft.com/office/drawing/2014/main" id="{C692585C-2950-235C-4E45-D07AB6F607BC}"/>
-              </a:ext>
-            </a:extLst>
-          </p:cNvPr>
-          <p:cNvSpPr txBox="1"/>
-          <p:nvPr/>
-        </p:nvSpPr>
-        <p:spPr>
-          <a:xfrm>
-            <a:off x="707009" y="3219254"/>
-            <a:ext cx="930319" cy="369332"/>
-          </a:xfrm>
-          <a:prstGeom prst="rect">
-            <a:avLst/>
-          </a:prstGeom>
-          <a:noFill/>
-        </p:spPr>
-        <p:txBody>
-          <a:bodyPr wrap="none" rtlCol="0">
-            <a:spAutoFit/>
-          </a:bodyPr>
-          <a:lstStyle/>
-          <a:p>
-            <a:pPr marL="0" marR="0" lvl="0" indent="0" algn="l" defTabSz="457200" rtl="0" eaLnBrk="1" fontAlgn="auto" latinLnBrk="0" hangingPunct="1">
-              <a:lnSpc>
-                <a:spcPct val="100000"/>
-              </a:lnSpc>
-              <a:spcBef>
-                <a:spcPts val="0"/>
-              </a:spcBef>
-              <a:spcAft>
-                <a:spcPts val="0"/>
-              </a:spcAft>
-              <a:buClrTx/>
-              <a:buSzTx/>
-              <a:buFontTx/>
-              <a:buNone/>
-              <a:tabLst/>
-              <a:defRPr/>
-            </a:pPr>
-            <a:r>
-              <a:rPr kumimoji="0" lang="en-US" altLang="ko-KR" sz="1800" b="0" i="0" u="none" strike="noStrike" kern="1200" cap="none" spc="0" normalizeH="0" baseline="0" noProof="0" dirty="0">
-                <a:ln>
-                  <a:noFill/>
-                </a:ln>
-                <a:solidFill>
-                  <a:srgbClr val="7B5A25"/>
-                </a:solidFill>
-                <a:effectLst/>
-                <a:uLnTx/>
-                <a:uFillTx/>
-                <a:latin typeface="타이포_쌍문동 B" panose="02020803020101020101" pitchFamily="18" charset="-127"/>
-                <a:ea typeface="타이포_쌍문동 B" panose="02020803020101020101" pitchFamily="18" charset="-127"/>
-                <a:cs typeface="+mn-cs"/>
-              </a:rPr>
-              <a:t>DAY</a:t>
-            </a:r>
-            <a:r>
-              <a:rPr kumimoji="0" lang="ko-KR" altLang="en-US" sz="1800" b="0" i="0" u="none" strike="noStrike" kern="1200" cap="none" spc="0" normalizeH="0" baseline="0" noProof="0" dirty="0">
-                <a:ln>
-                  <a:noFill/>
-                </a:ln>
-                <a:solidFill>
-                  <a:srgbClr val="7B5A25"/>
-                </a:solidFill>
-                <a:effectLst/>
-                <a:uLnTx/>
-                <a:uFillTx/>
-                <a:latin typeface="타이포_쌍문동 B" panose="02020803020101020101" pitchFamily="18" charset="-127"/>
-                <a:ea typeface="타이포_쌍문동 B" panose="02020803020101020101" pitchFamily="18" charset="-127"/>
-                <a:cs typeface="+mn-cs"/>
-              </a:rPr>
-              <a:t> </a:t>
-            </a:r>
-            <a:r>
-              <a:rPr kumimoji="0" lang="en-US" altLang="ko-KR" sz="1800" b="0" i="0" u="none" strike="noStrike" kern="1200" cap="none" spc="0" normalizeH="0" baseline="0" noProof="0" dirty="0">
-                <a:ln>
-                  <a:noFill/>
-                </a:ln>
-                <a:solidFill>
-                  <a:srgbClr val="7B5A25"/>
-                </a:solidFill>
-                <a:effectLst/>
-                <a:uLnTx/>
-                <a:uFillTx/>
-                <a:latin typeface="타이포_쌍문동 B" panose="02020803020101020101" pitchFamily="18" charset="-127"/>
-                <a:ea typeface="타이포_쌍문동 B" panose="02020803020101020101" pitchFamily="18" charset="-127"/>
-                <a:cs typeface="+mn-cs"/>
-              </a:rPr>
-              <a:t>2</a:t>
-            </a:r>
-            <a:endParaRPr kumimoji="0" lang="ko-KR" altLang="en-US" sz="1800" b="0" i="0" u="none" strike="noStrike" kern="1200" cap="none" spc="0" normalizeH="0" baseline="0" noProof="0" dirty="0">
-              <a:ln>
-                <a:noFill/>
-              </a:ln>
-              <a:solidFill>
-                <a:srgbClr val="7B5A25"/>
-              </a:solidFill>
-              <a:effectLst/>
-              <a:uLnTx/>
-              <a:uFillTx/>
-              <a:latin typeface="타이포_쌍문동 B" panose="02020803020101020101" pitchFamily="18" charset="-127"/>
-              <a:ea typeface="타이포_쌍문동 B" panose="02020803020101020101" pitchFamily="18" charset="-127"/>
-              <a:cs typeface="+mn-cs"/>
-            </a:endParaRPr>
-          </a:p>
-        </p:txBody>
-      </p:sp>
-      <p:sp>
-        <p:nvSpPr>
-          <p:cNvPr id="15" name="TextBox 14">
-            <a:extLst>
-              <a:ext uri="{FF2B5EF4-FFF2-40B4-BE49-F238E27FC236}">
-                <a16:creationId xmlns:a16="http://schemas.microsoft.com/office/drawing/2014/main" id="{DBF08AC9-007C-50C0-9E9A-6F8A364CCAF0}"/>
-              </a:ext>
-            </a:extLst>
-          </p:cNvPr>
-          <p:cNvSpPr txBox="1"/>
-          <p:nvPr/>
-        </p:nvSpPr>
-        <p:spPr>
-          <a:xfrm>
-            <a:off x="582105" y="755145"/>
-            <a:ext cx="3207470" cy="261610"/>
-          </a:xfrm>
-          <a:prstGeom prst="rect">
-            <a:avLst/>
-          </a:prstGeom>
-          <a:noFill/>
-        </p:spPr>
-        <p:txBody>
-          <a:bodyPr wrap="square">
-            <a:spAutoFit/>
-          </a:bodyPr>
-          <a:lstStyle/>
-          <a:p>
-            <a:pPr marL="0" marR="0" lvl="0" indent="0" algn="l" defTabSz="457200" rtl="0" eaLnBrk="1" fontAlgn="auto" latinLnBrk="0" hangingPunct="1">
-              <a:lnSpc>
-                <a:spcPct val="100000"/>
-              </a:lnSpc>
-              <a:spcBef>
-                <a:spcPts val="0"/>
-              </a:spcBef>
-              <a:spcAft>
-                <a:spcPts val="0"/>
-              </a:spcAft>
-              <a:buClrTx/>
-              <a:buSzTx/>
-              <a:buFontTx/>
-              <a:buNone/>
-              <a:tabLst/>
-              <a:defRPr/>
-            </a:pPr>
-            <a:r>
-              <a:rPr kumimoji="0" lang="ko-KR" altLang="en-US" sz="1100" b="0" i="0" u="none" strike="noStrike" kern="1200" cap="none" spc="0" normalizeH="0" baseline="0" noProof="0" dirty="0" err="1">
-                <a:ln>
-                  <a:noFill/>
-                </a:ln>
-                <a:solidFill>
-                  <a:prstClr val="black"/>
-                </a:solidFill>
-                <a:effectLst/>
-                <a:uLnTx/>
-                <a:uFillTx/>
-                <a:latin typeface="배달의민족 주아" panose="02020603020101020101" pitchFamily="18" charset="-127"/>
-                <a:ea typeface="배달의민족 주아" panose="02020603020101020101" pitchFamily="18" charset="-127"/>
-                <a:cs typeface="+mn-cs"/>
-              </a:rPr>
-              <a:t>김도엽님</a:t>
-            </a:r>
-            <a:r>
-              <a:rPr kumimoji="0" lang="ko-KR" altLang="en-US" sz="1100" b="0" i="0" u="none" strike="noStrike" kern="1200" cap="none" spc="0" normalizeH="0" baseline="0" noProof="0" dirty="0">
-                <a:ln>
-                  <a:noFill/>
-                </a:ln>
-                <a:solidFill>
-                  <a:prstClr val="black"/>
-                </a:solidFill>
-                <a:effectLst/>
-                <a:uLnTx/>
-                <a:uFillTx/>
-                <a:latin typeface="배달의민족 주아" panose="02020603020101020101" pitchFamily="18" charset="-127"/>
-                <a:ea typeface="배달의민족 주아" panose="02020603020101020101" pitchFamily="18" charset="-127"/>
-                <a:cs typeface="+mn-cs"/>
-              </a:rPr>
-              <a:t> </a:t>
-            </a:r>
-            <a:r>
-              <a:rPr kumimoji="0" lang="en-US" altLang="ko-KR" sz="1100" b="0" i="0" u="none" strike="noStrike" kern="1200" cap="none" spc="0" normalizeH="0" baseline="0" noProof="0" dirty="0">
-                <a:ln>
-                  <a:noFill/>
-                </a:ln>
-                <a:solidFill>
-                  <a:prstClr val="black"/>
-                </a:solidFill>
-                <a:effectLst/>
-                <a:uLnTx/>
-                <a:uFillTx/>
-                <a:latin typeface="배달의민족 주아" panose="02020603020101020101" pitchFamily="18" charset="-127"/>
-                <a:ea typeface="배달의민족 주아" panose="02020603020101020101" pitchFamily="18" charset="-127"/>
-                <a:cs typeface="+mn-cs"/>
-              </a:rPr>
-              <a:t>RSA</a:t>
-            </a:r>
-            <a:r>
-              <a:rPr kumimoji="0" lang="ko-KR" altLang="en-US" sz="1100" b="0" i="0" u="none" strike="noStrike" kern="1200" cap="none" spc="0" normalizeH="0" baseline="0" noProof="0" dirty="0">
-                <a:ln>
-                  <a:noFill/>
-                </a:ln>
-                <a:solidFill>
-                  <a:prstClr val="black"/>
-                </a:solidFill>
-                <a:effectLst/>
-                <a:uLnTx/>
-                <a:uFillTx/>
-                <a:latin typeface="배달의민족 주아" panose="02020603020101020101" pitchFamily="18" charset="-127"/>
-                <a:ea typeface="배달의민족 주아" panose="02020603020101020101" pitchFamily="18" charset="-127"/>
-                <a:cs typeface="+mn-cs"/>
-              </a:rPr>
-              <a:t>를 공격하는 방법</a:t>
-            </a:r>
-          </a:p>
-        </p:txBody>
-      </p:sp>
-    </p:spTree>
-    <p:extLst>
-      <p:ext uri="{BB962C8B-B14F-4D97-AF65-F5344CB8AC3E}">
-        <p14:creationId xmlns:p14="http://schemas.microsoft.com/office/powerpoint/2010/main" val="777349953"/>
-      </p:ext>
-    </p:extLst>
-  </p:cSld>
-  <p:clrMapOvr>
-    <a:masterClrMapping/>
-  </p:clrMapOvr>
-</p:sld>
-</file>
-
-<file path=ppt/slides/slide4.xml><?xml version="1.0" encoding="utf-8"?>
-<p:sld xmlns:a="http://schemas.openxmlformats.org/drawingml/2006/main" xmlns:r="http://schemas.openxmlformats.org/officeDocument/2006/relationships" xmlns:p="http://schemas.openxmlformats.org/presentationml/2006/main">
-  <p:cSld>
-    <p:spTree>
-      <p:nvGrpSpPr>
-        <p:cNvPr id="1" name=""/>
-        <p:cNvGrpSpPr/>
-        <p:nvPr/>
-      </p:nvGrpSpPr>
-      <p:grpSpPr>
-        <a:xfrm>
-          <a:off x="0" y="0"/>
-          <a:ext cx="0" cy="0"/>
-          <a:chOff x="0" y="0"/>
-          <a:chExt cx="0" cy="0"/>
-        </a:xfrm>
-      </p:grpSpPr>
-      <p:sp>
-        <p:nvSpPr>
-          <p:cNvPr id="4" name="사각형: 둥근 한쪽 모서리 3">
-            <a:extLst>
-              <a:ext uri="{FF2B5EF4-FFF2-40B4-BE49-F238E27FC236}">
-                <a16:creationId xmlns:a16="http://schemas.microsoft.com/office/drawing/2014/main" id="{D79D212E-D0DC-BCEB-CD94-ADC3B35D38F2}"/>
-              </a:ext>
-            </a:extLst>
-          </p:cNvPr>
-          <p:cNvSpPr/>
-          <p:nvPr/>
-        </p:nvSpPr>
-        <p:spPr>
-          <a:xfrm flipH="1">
-            <a:off x="386499" y="647423"/>
-            <a:ext cx="4336330" cy="5932486"/>
-          </a:xfrm>
-          <a:prstGeom prst="round1Rect">
-            <a:avLst/>
-          </a:prstGeom>
-          <a:solidFill>
-            <a:srgbClr val="FFFCF2"/>
-          </a:solidFill>
-          <a:ln>
-            <a:solidFill>
-              <a:srgbClr val="7B5A25"/>
-            </a:solidFill>
-          </a:ln>
-        </p:spPr>
-        <p:style>
-          <a:lnRef idx="2">
-            <a:schemeClr val="accent1">
-              <a:shade val="50000"/>
-            </a:schemeClr>
-          </a:lnRef>
-          <a:fillRef idx="1">
-            <a:schemeClr val="accent1"/>
-          </a:fillRef>
-          <a:effectRef idx="0">
-            <a:schemeClr val="accent1"/>
-          </a:effectRef>
-          <a:fontRef idx="minor">
-            <a:schemeClr val="lt1"/>
-          </a:fontRef>
-        </p:style>
-        <p:txBody>
-          <a:bodyPr rtlCol="0" anchor="ctr"/>
-          <a:lstStyle/>
-          <a:p>
-            <a:pPr algn="ctr"/>
-            <a:endParaRPr lang="ko-KR" altLang="en-US" dirty="0"/>
-          </a:p>
-        </p:txBody>
-      </p:sp>
-      <p:sp>
-        <p:nvSpPr>
-          <p:cNvPr id="5" name="사각형: 둥근 한쪽 모서리 4">
-            <a:extLst>
-              <a:ext uri="{FF2B5EF4-FFF2-40B4-BE49-F238E27FC236}">
-                <a16:creationId xmlns:a16="http://schemas.microsoft.com/office/drawing/2014/main" id="{B229269D-B988-F237-0E13-4BFB2055671B}"/>
-              </a:ext>
-            </a:extLst>
-          </p:cNvPr>
-          <p:cNvSpPr/>
-          <p:nvPr/>
-        </p:nvSpPr>
-        <p:spPr>
-          <a:xfrm>
-            <a:off x="5154891" y="358219"/>
-            <a:ext cx="4336330" cy="6221690"/>
-          </a:xfrm>
-          <a:prstGeom prst="round1Rect">
-            <a:avLst/>
-          </a:prstGeom>
-          <a:solidFill>
-            <a:srgbClr val="FFFCF2"/>
-          </a:solidFill>
-          <a:ln>
-            <a:solidFill>
-              <a:srgbClr val="7B5A25"/>
-            </a:solidFill>
-          </a:ln>
-        </p:spPr>
-        <p:style>
-          <a:lnRef idx="2">
-            <a:schemeClr val="accent1">
-              <a:shade val="50000"/>
-            </a:schemeClr>
-          </a:lnRef>
-          <a:fillRef idx="1">
-            <a:schemeClr val="accent1"/>
-          </a:fillRef>
-          <a:effectRef idx="0">
-            <a:schemeClr val="accent1"/>
-          </a:effectRef>
-          <a:fontRef idx="minor">
-            <a:schemeClr val="lt1"/>
-          </a:fontRef>
-        </p:style>
-        <p:txBody>
-          <a:bodyPr rtlCol="0" anchor="ctr"/>
-          <a:lstStyle/>
-          <a:p>
-            <a:pPr algn="ctr"/>
-            <a:endParaRPr lang="ko-KR" altLang="en-US"/>
-          </a:p>
-        </p:txBody>
-      </p:sp>
-      <p:sp>
-        <p:nvSpPr>
-          <p:cNvPr id="10" name="TextBox 9">
-            <a:extLst>
-              <a:ext uri="{FF2B5EF4-FFF2-40B4-BE49-F238E27FC236}">
-                <a16:creationId xmlns:a16="http://schemas.microsoft.com/office/drawing/2014/main" id="{09C9F807-72FD-1B47-408D-E9E70BB76818}"/>
-              </a:ext>
-            </a:extLst>
-          </p:cNvPr>
-          <p:cNvSpPr txBox="1"/>
-          <p:nvPr/>
-        </p:nvSpPr>
-        <p:spPr>
-          <a:xfrm>
-            <a:off x="707009" y="278091"/>
-            <a:ext cx="930319" cy="369332"/>
-          </a:xfrm>
-          <a:prstGeom prst="rect">
-            <a:avLst/>
-          </a:prstGeom>
-          <a:noFill/>
-        </p:spPr>
-        <p:txBody>
-          <a:bodyPr wrap="none" rtlCol="0">
-            <a:spAutoFit/>
-          </a:bodyPr>
-          <a:lstStyle/>
-          <a:p>
-            <a:r>
-              <a:rPr lang="en-US" altLang="ko-KR" dirty="0">
-                <a:solidFill>
-                  <a:srgbClr val="7B5A25"/>
-                </a:solidFill>
-                <a:latin typeface="타이포_쌍문동 B" panose="02020803020101020101" pitchFamily="18" charset="-127"/>
-                <a:ea typeface="타이포_쌍문동 B" panose="02020803020101020101" pitchFamily="18" charset="-127"/>
-              </a:rPr>
-              <a:t>DAY</a:t>
-            </a:r>
-            <a:r>
-              <a:rPr lang="ko-KR" altLang="en-US" dirty="0">
-                <a:solidFill>
-                  <a:srgbClr val="7B5A25"/>
-                </a:solidFill>
-                <a:latin typeface="타이포_쌍문동 B" panose="02020803020101020101" pitchFamily="18" charset="-127"/>
-                <a:ea typeface="타이포_쌍문동 B" panose="02020803020101020101" pitchFamily="18" charset="-127"/>
-              </a:rPr>
-              <a:t> </a:t>
-            </a:r>
-            <a:r>
-              <a:rPr lang="en-US" altLang="ko-KR" dirty="0">
-                <a:solidFill>
-                  <a:srgbClr val="7B5A25"/>
-                </a:solidFill>
-                <a:latin typeface="타이포_쌍문동 B" panose="02020803020101020101" pitchFamily="18" charset="-127"/>
-                <a:ea typeface="타이포_쌍문동 B" panose="02020803020101020101" pitchFamily="18" charset="-127"/>
-              </a:rPr>
-              <a:t>1</a:t>
-            </a:r>
-            <a:endParaRPr lang="ko-KR" altLang="en-US" dirty="0">
-              <a:solidFill>
-                <a:srgbClr val="7B5A25"/>
-              </a:solidFill>
-              <a:latin typeface="타이포_쌍문동 B" panose="02020803020101020101" pitchFamily="18" charset="-127"/>
-              <a:ea typeface="타이포_쌍문동 B" panose="02020803020101020101" pitchFamily="18" charset="-127"/>
-            </a:endParaRPr>
-          </a:p>
-        </p:txBody>
-      </p:sp>
-    </p:spTree>
-    <p:extLst>
-      <p:ext uri="{BB962C8B-B14F-4D97-AF65-F5344CB8AC3E}">
-        <p14:creationId xmlns:p14="http://schemas.microsoft.com/office/powerpoint/2010/main" val="3417800543"/>
-      </p:ext>
-    </p:extLst>
-  </p:cSld>
-  <p:clrMapOvr>
-    <a:masterClrMapping/>
-  </p:clrMapOvr>
-</p:sld>
-</file>
-
-<file path=ppt/slides/slide5.xml><?xml version="1.0" encoding="utf-8"?>
-<p:sld xmlns:a="http://schemas.openxmlformats.org/drawingml/2006/main" xmlns:r="http://schemas.openxmlformats.org/officeDocument/2006/relationships" xmlns:p="http://schemas.openxmlformats.org/presentationml/2006/main">
-  <p:cSld>
-    <p:spTree>
-      <p:nvGrpSpPr>
-        <p:cNvPr id="1" name=""/>
-        <p:cNvGrpSpPr/>
-        <p:nvPr/>
-      </p:nvGrpSpPr>
-      <p:grpSpPr>
-        <a:xfrm>
-          <a:off x="0" y="0"/>
-          <a:ext cx="0" cy="0"/>
-          <a:chOff x="0" y="0"/>
-          <a:chExt cx="0" cy="0"/>
-        </a:xfrm>
-      </p:grpSpPr>
-      <p:pic>
-        <p:nvPicPr>
-          <p:cNvPr id="4" name="그림 3">
-            <a:extLst>
-              <a:ext uri="{FF2B5EF4-FFF2-40B4-BE49-F238E27FC236}">
-                <a16:creationId xmlns:a16="http://schemas.microsoft.com/office/drawing/2014/main" id="{B749551A-6E2E-DC14-16F5-9C2023AC3F2D}"/>
+                <a16:creationId xmlns:a16="http://schemas.microsoft.com/office/drawing/2014/main" id="{4C76E1DE-78EE-553F-AA80-20C669B32E94}"/>
               </a:ext>
             </a:extLst>
           </p:cNvPr>
@@ -4403,8 +3311,158 @@
         </p:blipFill>
         <p:spPr>
           <a:xfrm>
-            <a:off x="230173" y="2268908"/>
-            <a:ext cx="9906000" cy="6524539"/>
+            <a:off x="4953000" y="6002075"/>
+            <a:ext cx="4955215" cy="862471"/>
+          </a:xfrm>
+          <a:prstGeom prst="rect">
+            <a:avLst/>
+          </a:prstGeom>
+        </p:spPr>
+      </p:pic>
+      <p:pic>
+        <p:nvPicPr>
+          <p:cNvPr id="7" name="그림 6">
+            <a:extLst>
+              <a:ext uri="{FF2B5EF4-FFF2-40B4-BE49-F238E27FC236}">
+                <a16:creationId xmlns:a16="http://schemas.microsoft.com/office/drawing/2014/main" id="{07584E79-C445-1AFB-122C-1E865AF74B99}"/>
+              </a:ext>
+            </a:extLst>
+          </p:cNvPr>
+          <p:cNvPicPr>
+            <a:picLocks noChangeAspect="1"/>
+          </p:cNvPicPr>
+          <p:nvPr/>
+        </p:nvPicPr>
+        <p:blipFill>
+          <a:blip r:embed="rId2"/>
+          <a:stretch>
+            <a:fillRect/>
+          </a:stretch>
+        </p:blipFill>
+        <p:spPr>
+          <a:xfrm>
+            <a:off x="-2215" y="5995529"/>
+            <a:ext cx="4955215" cy="862471"/>
+          </a:xfrm>
+          <a:prstGeom prst="rect">
+            <a:avLst/>
+          </a:prstGeom>
+        </p:spPr>
+      </p:pic>
+      <p:pic>
+        <p:nvPicPr>
+          <p:cNvPr id="4" name="그림 3">
+            <a:extLst>
+              <a:ext uri="{FF2B5EF4-FFF2-40B4-BE49-F238E27FC236}">
+                <a16:creationId xmlns:a16="http://schemas.microsoft.com/office/drawing/2014/main" id="{F192C81A-31CB-B52F-2A44-57C61865FD75}"/>
+              </a:ext>
+            </a:extLst>
+          </p:cNvPr>
+          <p:cNvPicPr>
+            <a:picLocks noChangeAspect="1"/>
+          </p:cNvPicPr>
+          <p:nvPr/>
+        </p:nvPicPr>
+        <p:blipFill>
+          <a:blip r:embed="rId3"/>
+          <a:stretch>
+            <a:fillRect/>
+          </a:stretch>
+        </p:blipFill>
+        <p:spPr>
+          <a:xfrm>
+            <a:off x="0" y="276601"/>
+            <a:ext cx="4953000" cy="6333945"/>
+          </a:xfrm>
+          <a:prstGeom prst="rect">
+            <a:avLst/>
+          </a:prstGeom>
+        </p:spPr>
+      </p:pic>
+      <p:pic>
+        <p:nvPicPr>
+          <p:cNvPr id="5" name="그림 4">
+            <a:extLst>
+              <a:ext uri="{FF2B5EF4-FFF2-40B4-BE49-F238E27FC236}">
+                <a16:creationId xmlns:a16="http://schemas.microsoft.com/office/drawing/2014/main" id="{5447B84B-E7B1-2E04-9999-A1C9E64194A5}"/>
+              </a:ext>
+            </a:extLst>
+          </p:cNvPr>
+          <p:cNvPicPr>
+            <a:picLocks noChangeAspect="1"/>
+          </p:cNvPicPr>
+          <p:nvPr/>
+        </p:nvPicPr>
+        <p:blipFill>
+          <a:blip r:embed="rId4"/>
+          <a:stretch>
+            <a:fillRect/>
+          </a:stretch>
+        </p:blipFill>
+        <p:spPr>
+          <a:xfrm>
+            <a:off x="4930208" y="262027"/>
+            <a:ext cx="4975792" cy="6363092"/>
+          </a:xfrm>
+          <a:prstGeom prst="rect">
+            <a:avLst/>
+          </a:prstGeom>
+        </p:spPr>
+      </p:pic>
+      <p:pic>
+        <p:nvPicPr>
+          <p:cNvPr id="9" name="Object 46">
+            <a:extLst>
+              <a:ext uri="{FF2B5EF4-FFF2-40B4-BE49-F238E27FC236}">
+                <a16:creationId xmlns:a16="http://schemas.microsoft.com/office/drawing/2014/main" id="{1B4A5629-614B-9279-302F-11B999E42D2A}"/>
+              </a:ext>
+            </a:extLst>
+          </p:cNvPr>
+          <p:cNvPicPr>
+            <a:picLocks noChangeAspect="1"/>
+          </p:cNvPicPr>
+          <p:nvPr/>
+        </p:nvPicPr>
+        <p:blipFill>
+          <a:blip r:embed="rId5" cstate="print"/>
+          <a:stretch>
+            <a:fillRect/>
+          </a:stretch>
+        </p:blipFill>
+        <p:spPr>
+          <a:xfrm>
+            <a:off x="8604305" y="6454152"/>
+            <a:ext cx="924307" cy="309909"/>
+          </a:xfrm>
+          <a:prstGeom prst="rect">
+            <a:avLst/>
+          </a:prstGeom>
+        </p:spPr>
+      </p:pic>
+      <p:pic>
+        <p:nvPicPr>
+          <p:cNvPr id="10" name="Object 46">
+            <a:extLst>
+              <a:ext uri="{FF2B5EF4-FFF2-40B4-BE49-F238E27FC236}">
+                <a16:creationId xmlns:a16="http://schemas.microsoft.com/office/drawing/2014/main" id="{DB496A16-3694-23F2-C27F-F9A9B86A23B4}"/>
+              </a:ext>
+            </a:extLst>
+          </p:cNvPr>
+          <p:cNvPicPr>
+            <a:picLocks noChangeAspect="1"/>
+          </p:cNvPicPr>
+          <p:nvPr/>
+        </p:nvPicPr>
+        <p:blipFill>
+          <a:blip r:embed="rId5" cstate="print"/>
+          <a:stretch>
+            <a:fillRect/>
+          </a:stretch>
+        </p:blipFill>
+        <p:spPr>
+          <a:xfrm>
+            <a:off x="3649090" y="6454153"/>
+            <a:ext cx="924307" cy="309909"/>
           </a:xfrm>
           <a:prstGeom prst="rect">
             <a:avLst/>
@@ -4414,7 +3472,7 @@
     </p:spTree>
     <p:extLst>
       <p:ext uri="{BB962C8B-B14F-4D97-AF65-F5344CB8AC3E}">
-        <p14:creationId xmlns:p14="http://schemas.microsoft.com/office/powerpoint/2010/main" val="2939432413"/>
+        <p14:creationId xmlns:p14="http://schemas.microsoft.com/office/powerpoint/2010/main" val="3613848790"/>
       </p:ext>
     </p:extLst>
   </p:cSld>

--- a/Pamphlet.pptx
+++ b/Pamphlet.pptx
@@ -2,11 +2,11 @@
 <file path=ppt/presentation.xml><?xml version="1.0" encoding="utf-8"?>
 <p:presentation xmlns:a="http://schemas.openxmlformats.org/drawingml/2006/main" xmlns:r="http://schemas.openxmlformats.org/officeDocument/2006/relationships" xmlns:p="http://schemas.openxmlformats.org/presentationml/2006/main" saveSubsetFonts="1">
   <p:sldMasterIdLst>
-    <p:sldMasterId id="2147483660" r:id="rId1"/>
+    <p:sldMasterId id="2147483672" r:id="rId1"/>
   </p:sldMasterIdLst>
   <p:sldIdLst>
-    <p:sldId id="263" r:id="rId2"/>
-    <p:sldId id="264" r:id="rId3"/>
+    <p:sldId id="260" r:id="rId2"/>
+    <p:sldId id="262" r:id="rId3"/>
   </p:sldIdLst>
   <p:sldSz cx="9906000" cy="6858000" type="A4"/>
   <p:notesSz cx="9144000" cy="6858000"/>
@@ -126,7 +126,7 @@
 
 <file path=ppt/slideLayouts/slideLayout1.xml><?xml version="1.0" encoding="utf-8"?>
 <p:sldLayout xmlns:a="http://schemas.openxmlformats.org/drawingml/2006/main" xmlns:r="http://schemas.openxmlformats.org/officeDocument/2006/relationships" xmlns:p="http://schemas.openxmlformats.org/presentationml/2006/main" type="title" preserve="1">
-  <p:cSld name="제목 슬라이드">
+  <p:cSld name="Title Slide">
     <p:spTree>
       <p:nvGrpSpPr>
         <p:cNvPr id="1" name=""/>
@@ -153,23 +153,18 @@
         </p:nvSpPr>
         <p:spPr>
           <a:xfrm>
-            <a:off x="742950" y="1122363"/>
-            <a:ext cx="8420100" cy="2387600"/>
+            <a:off x="874059" y="1339656"/>
+            <a:ext cx="9906000" cy="924383"/>
           </a:xfrm>
         </p:spPr>
         <p:txBody>
-          <a:bodyPr anchor="b"/>
-          <a:lstStyle>
-            <a:lvl1pPr algn="ctr">
-              <a:defRPr sz="6000"/>
-            </a:lvl1pPr>
-          </a:lstStyle>
+          <a:bodyPr/>
+          <a:lstStyle/>
           <a:p>
             <a:r>
-              <a:rPr lang="ko-KR" altLang="en-US"/>
-              <a:t>마스터 제목 스타일 편집</a:t>
+              <a:rPr lang="en-US"/>
+              <a:t>Click to edit Master title style</a:t>
             </a:r>
-            <a:endParaRPr lang="en-US" dirty="0"/>
           </a:p>
         </p:txBody>
       </p:sp>
@@ -185,8 +180,8 @@
         </p:nvSpPr>
         <p:spPr>
           <a:xfrm>
-            <a:off x="1238250" y="3602038"/>
-            <a:ext cx="7429500" cy="1655762"/>
+            <a:off x="1748118" y="2443724"/>
+            <a:ext cx="8157882" cy="1102072"/>
           </a:xfrm>
         </p:spPr>
         <p:txBody>
@@ -194,47 +189,100 @@
           <a:lstStyle>
             <a:lvl1pPr marL="0" indent="0" algn="ctr">
               <a:buNone/>
-              <a:defRPr sz="2400"/>
+              <a:defRPr>
+                <a:solidFill>
+                  <a:schemeClr val="tx1">
+                    <a:tint val="75000"/>
+                  </a:schemeClr>
+                </a:solidFill>
+              </a:defRPr>
             </a:lvl1pPr>
-            <a:lvl2pPr marL="457200" indent="0" algn="ctr">
+            <a:lvl2pPr marL="287487" indent="0" algn="ctr">
               <a:buNone/>
-              <a:defRPr sz="2000"/>
+              <a:defRPr>
+                <a:solidFill>
+                  <a:schemeClr val="tx1">
+                    <a:tint val="75000"/>
+                  </a:schemeClr>
+                </a:solidFill>
+              </a:defRPr>
             </a:lvl2pPr>
-            <a:lvl3pPr marL="914400" indent="0" algn="ctr">
+            <a:lvl3pPr marL="574975" indent="0" algn="ctr">
               <a:buNone/>
-              <a:defRPr sz="1800"/>
+              <a:defRPr>
+                <a:solidFill>
+                  <a:schemeClr val="tx1">
+                    <a:tint val="75000"/>
+                  </a:schemeClr>
+                </a:solidFill>
+              </a:defRPr>
             </a:lvl3pPr>
-            <a:lvl4pPr marL="1371600" indent="0" algn="ctr">
+            <a:lvl4pPr marL="862462" indent="0" algn="ctr">
               <a:buNone/>
-              <a:defRPr sz="1600"/>
+              <a:defRPr>
+                <a:solidFill>
+                  <a:schemeClr val="tx1">
+                    <a:tint val="75000"/>
+                  </a:schemeClr>
+                </a:solidFill>
+              </a:defRPr>
             </a:lvl4pPr>
-            <a:lvl5pPr marL="1828800" indent="0" algn="ctr">
+            <a:lvl5pPr marL="1149949" indent="0" algn="ctr">
               <a:buNone/>
-              <a:defRPr sz="1600"/>
+              <a:defRPr>
+                <a:solidFill>
+                  <a:schemeClr val="tx1">
+                    <a:tint val="75000"/>
+                  </a:schemeClr>
+                </a:solidFill>
+              </a:defRPr>
             </a:lvl5pPr>
-            <a:lvl6pPr marL="2286000" indent="0" algn="ctr">
+            <a:lvl6pPr marL="1437437" indent="0" algn="ctr">
               <a:buNone/>
-              <a:defRPr sz="1600"/>
+              <a:defRPr>
+                <a:solidFill>
+                  <a:schemeClr val="tx1">
+                    <a:tint val="75000"/>
+                  </a:schemeClr>
+                </a:solidFill>
+              </a:defRPr>
             </a:lvl6pPr>
-            <a:lvl7pPr marL="2743200" indent="0" algn="ctr">
+            <a:lvl7pPr marL="1724924" indent="0" algn="ctr">
               <a:buNone/>
-              <a:defRPr sz="1600"/>
+              <a:defRPr>
+                <a:solidFill>
+                  <a:schemeClr val="tx1">
+                    <a:tint val="75000"/>
+                  </a:schemeClr>
+                </a:solidFill>
+              </a:defRPr>
             </a:lvl7pPr>
-            <a:lvl8pPr marL="3200400" indent="0" algn="ctr">
+            <a:lvl8pPr marL="2012412" indent="0" algn="ctr">
               <a:buNone/>
-              <a:defRPr sz="1600"/>
+              <a:defRPr>
+                <a:solidFill>
+                  <a:schemeClr val="tx1">
+                    <a:tint val="75000"/>
+                  </a:schemeClr>
+                </a:solidFill>
+              </a:defRPr>
             </a:lvl8pPr>
-            <a:lvl9pPr marL="3657600" indent="0" algn="ctr">
+            <a:lvl9pPr marL="2299899" indent="0" algn="ctr">
               <a:buNone/>
-              <a:defRPr sz="1600"/>
+              <a:defRPr>
+                <a:solidFill>
+                  <a:schemeClr val="tx1">
+                    <a:tint val="75000"/>
+                  </a:schemeClr>
+                </a:solidFill>
+              </a:defRPr>
             </a:lvl9pPr>
           </a:lstStyle>
           <a:p>
             <a:r>
-              <a:rPr lang="ko-KR" altLang="en-US"/>
-              <a:t>클릭하여 마스터 부제목 스타일 편집</a:t>
+              <a:rPr lang="en-US"/>
+              <a:t>Click to edit Master subtitle style</a:t>
             </a:r>
-            <a:endParaRPr lang="en-US" dirty="0"/>
           </a:p>
         </p:txBody>
       </p:sp>
@@ -253,11 +301,11 @@
           <a:bodyPr/>
           <a:lstStyle/>
           <a:p>
-            <a:fld id="{6E4979C7-FFC7-497C-9DA9-17476E3377A4}" type="datetimeFigureOut">
-              <a:rPr lang="ko-KR" altLang="en-US" smtClean="0"/>
-              <a:t>2022-07-12</a:t>
+            <a:fld id="{F8166F1F-CE9B-4651-A6AA-CD717754106B}" type="datetimeFigureOut">
+              <a:rPr lang="en-US" smtClean="0"/>
+              <a:t>7/13/2022</a:t>
             </a:fld>
-            <a:endParaRPr lang="ko-KR" altLang="en-US"/>
+            <a:endParaRPr lang="en-US"/>
           </a:p>
         </p:txBody>
       </p:sp>
@@ -276,7 +324,7 @@
           <a:bodyPr/>
           <a:lstStyle/>
           <a:p>
-            <a:endParaRPr lang="ko-KR" altLang="en-US"/>
+            <a:endParaRPr lang="en-US"/>
           </a:p>
         </p:txBody>
       </p:sp>
@@ -295,18 +343,18 @@
           <a:bodyPr/>
           <a:lstStyle/>
           <a:p>
-            <a:fld id="{D770B29A-D96D-47C1-AB30-2EC1FD117330}" type="slidenum">
-              <a:rPr lang="ko-KR" altLang="en-US" smtClean="0"/>
+            <a:fld id="{B1393E5F-521B-4CAD-9D3A-AE923D912DCE}" type="slidenum">
+              <a:rPr lang="en-US" smtClean="0"/>
               <a:t>‹#›</a:t>
             </a:fld>
-            <a:endParaRPr lang="ko-KR" altLang="en-US"/>
+            <a:endParaRPr lang="en-US"/>
           </a:p>
         </p:txBody>
       </p:sp>
     </p:spTree>
     <p:extLst>
       <p:ext uri="{BB962C8B-B14F-4D97-AF65-F5344CB8AC3E}">
-        <p14:creationId xmlns:p14="http://schemas.microsoft.com/office/powerpoint/2010/main" val="3447044776"/>
+        <p14:creationId xmlns:p14="http://schemas.microsoft.com/office/powerpoint/2010/main" val="3419444988"/>
       </p:ext>
     </p:extLst>
   </p:cSld>
@@ -318,7 +366,7 @@
 
 <file path=ppt/slideLayouts/slideLayout10.xml><?xml version="1.0" encoding="utf-8"?>
 <p:sldLayout xmlns:a="http://schemas.openxmlformats.org/drawingml/2006/main" xmlns:r="http://schemas.openxmlformats.org/officeDocument/2006/relationships" xmlns:p="http://schemas.openxmlformats.org/presentationml/2006/main" type="vertTx" preserve="1">
-  <p:cSld name="제목 및 세로 텍스트">
+  <p:cSld name="Title and Vertical Text">
     <p:spTree>
       <p:nvGrpSpPr>
         <p:cNvPr id="1" name=""/>
@@ -349,10 +397,9 @@
           <a:lstStyle/>
           <a:p>
             <a:r>
-              <a:rPr lang="ko-KR" altLang="en-US"/>
-              <a:t>마스터 제목 스타일 편집</a:t>
+              <a:rPr lang="en-US"/>
+              <a:t>Click to edit Master title style</a:t>
             </a:r>
-            <a:endParaRPr lang="en-US" dirty="0"/>
           </a:p>
         </p:txBody>
       </p:sp>
@@ -373,38 +420,37 @@
           <a:p>
             <a:pPr lvl="0"/>
             <a:r>
-              <a:rPr lang="ko-KR" altLang="en-US"/>
-              <a:t>마스터 텍스트 스타일을 편집하려면 클릭</a:t>
+              <a:rPr lang="en-US"/>
+              <a:t>Click to edit Master text styles</a:t>
             </a:r>
           </a:p>
           <a:p>
             <a:pPr lvl="1"/>
             <a:r>
-              <a:rPr lang="ko-KR" altLang="en-US"/>
-              <a:t>두 번째 수준</a:t>
+              <a:rPr lang="en-US"/>
+              <a:t>Second level</a:t>
             </a:r>
           </a:p>
           <a:p>
             <a:pPr lvl="2"/>
             <a:r>
-              <a:rPr lang="ko-KR" altLang="en-US"/>
-              <a:t>세 번째 수준</a:t>
+              <a:rPr lang="en-US"/>
+              <a:t>Third level</a:t>
             </a:r>
           </a:p>
           <a:p>
             <a:pPr lvl="3"/>
             <a:r>
-              <a:rPr lang="ko-KR" altLang="en-US"/>
-              <a:t>네 번째 수준</a:t>
+              <a:rPr lang="en-US"/>
+              <a:t>Fourth level</a:t>
             </a:r>
           </a:p>
           <a:p>
             <a:pPr lvl="4"/>
             <a:r>
-              <a:rPr lang="ko-KR" altLang="en-US"/>
-              <a:t>다섯 번째 수준</a:t>
+              <a:rPr lang="en-US"/>
+              <a:t>Fifth level</a:t>
             </a:r>
-            <a:endParaRPr lang="en-US" dirty="0"/>
           </a:p>
         </p:txBody>
       </p:sp>
@@ -423,11 +469,11 @@
           <a:bodyPr/>
           <a:lstStyle/>
           <a:p>
-            <a:fld id="{6E4979C7-FFC7-497C-9DA9-17476E3377A4}" type="datetimeFigureOut">
-              <a:rPr lang="ko-KR" altLang="en-US" smtClean="0"/>
-              <a:t>2022-07-12</a:t>
+            <a:fld id="{A76116CE-C4A3-4A05-B2D7-7C2E9A889C0F}" type="datetimeFigureOut">
+              <a:rPr lang="en-US" smtClean="0"/>
+              <a:t>7/13/2022</a:t>
             </a:fld>
-            <a:endParaRPr lang="ko-KR" altLang="en-US"/>
+            <a:endParaRPr lang="en-US"/>
           </a:p>
         </p:txBody>
       </p:sp>
@@ -446,7 +492,7 @@
           <a:bodyPr/>
           <a:lstStyle/>
           <a:p>
-            <a:endParaRPr lang="ko-KR" altLang="en-US"/>
+            <a:endParaRPr lang="en-US"/>
           </a:p>
         </p:txBody>
       </p:sp>
@@ -465,18 +511,18 @@
           <a:bodyPr/>
           <a:lstStyle/>
           <a:p>
-            <a:fld id="{D770B29A-D96D-47C1-AB30-2EC1FD117330}" type="slidenum">
-              <a:rPr lang="ko-KR" altLang="en-US" smtClean="0"/>
+            <a:fld id="{B1393E5F-521B-4CAD-9D3A-AE923D912DCE}" type="slidenum">
+              <a:rPr lang="en-US" smtClean="0"/>
               <a:t>‹#›</a:t>
             </a:fld>
-            <a:endParaRPr lang="ko-KR" altLang="en-US"/>
+            <a:endParaRPr lang="en-US"/>
           </a:p>
         </p:txBody>
       </p:sp>
     </p:spTree>
     <p:extLst>
       <p:ext uri="{BB962C8B-B14F-4D97-AF65-F5344CB8AC3E}">
-        <p14:creationId xmlns:p14="http://schemas.microsoft.com/office/powerpoint/2010/main" val="2299233491"/>
+        <p14:creationId xmlns:p14="http://schemas.microsoft.com/office/powerpoint/2010/main" val="3572710530"/>
       </p:ext>
     </p:extLst>
   </p:cSld>
@@ -488,7 +534,7 @@
 
 <file path=ppt/slideLayouts/slideLayout11.xml><?xml version="1.0" encoding="utf-8"?>
 <p:sldLayout xmlns:a="http://schemas.openxmlformats.org/drawingml/2006/main" xmlns:r="http://schemas.openxmlformats.org/officeDocument/2006/relationships" xmlns:p="http://schemas.openxmlformats.org/presentationml/2006/main" type="vertTitleAndTx" preserve="1">
-  <p:cSld name="세로 제목 및 텍스트">
+  <p:cSld name="Vertical Title and Text">
     <p:spTree>
       <p:nvGrpSpPr>
         <p:cNvPr id="1" name=""/>
@@ -515,8 +561,8 @@
         </p:nvSpPr>
         <p:spPr>
           <a:xfrm>
-            <a:off x="7088982" y="365125"/>
-            <a:ext cx="2135981" cy="5811838"/>
+            <a:off x="8449236" y="172698"/>
+            <a:ext cx="2622176" cy="3679562"/>
           </a:xfrm>
         </p:spPr>
         <p:txBody>
@@ -524,10 +570,9 @@
           <a:lstStyle/>
           <a:p>
             <a:r>
-              <a:rPr lang="ko-KR" altLang="en-US"/>
-              <a:t>마스터 제목 스타일 편집</a:t>
+              <a:rPr lang="en-US"/>
+              <a:t>Click to edit Master title style</a:t>
             </a:r>
-            <a:endParaRPr lang="en-US" dirty="0"/>
           </a:p>
         </p:txBody>
       </p:sp>
@@ -543,8 +588,8 @@
         </p:nvSpPr>
         <p:spPr>
           <a:xfrm>
-            <a:off x="681038" y="365125"/>
-            <a:ext cx="6284119" cy="5811838"/>
+            <a:off x="582706" y="172698"/>
+            <a:ext cx="7672294" cy="3679562"/>
           </a:xfrm>
         </p:spPr>
         <p:txBody>
@@ -553,38 +598,37 @@
           <a:p>
             <a:pPr lvl="0"/>
             <a:r>
-              <a:rPr lang="ko-KR" altLang="en-US"/>
-              <a:t>마스터 텍스트 스타일을 편집하려면 클릭</a:t>
+              <a:rPr lang="en-US"/>
+              <a:t>Click to edit Master text styles</a:t>
             </a:r>
           </a:p>
           <a:p>
             <a:pPr lvl="1"/>
             <a:r>
-              <a:rPr lang="ko-KR" altLang="en-US"/>
-              <a:t>두 번째 수준</a:t>
+              <a:rPr lang="en-US"/>
+              <a:t>Second level</a:t>
             </a:r>
           </a:p>
           <a:p>
             <a:pPr lvl="2"/>
             <a:r>
-              <a:rPr lang="ko-KR" altLang="en-US"/>
-              <a:t>세 번째 수준</a:t>
+              <a:rPr lang="en-US"/>
+              <a:t>Third level</a:t>
             </a:r>
           </a:p>
           <a:p>
             <a:pPr lvl="3"/>
             <a:r>
-              <a:rPr lang="ko-KR" altLang="en-US"/>
-              <a:t>네 번째 수준</a:t>
+              <a:rPr lang="en-US"/>
+              <a:t>Fourth level</a:t>
             </a:r>
           </a:p>
           <a:p>
             <a:pPr lvl="4"/>
             <a:r>
-              <a:rPr lang="ko-KR" altLang="en-US"/>
-              <a:t>다섯 번째 수준</a:t>
+              <a:rPr lang="en-US"/>
+              <a:t>Fifth level</a:t>
             </a:r>
-            <a:endParaRPr lang="en-US" dirty="0"/>
           </a:p>
         </p:txBody>
       </p:sp>
@@ -603,11 +647,11 @@
           <a:bodyPr/>
           <a:lstStyle/>
           <a:p>
-            <a:fld id="{6E4979C7-FFC7-497C-9DA9-17476E3377A4}" type="datetimeFigureOut">
-              <a:rPr lang="ko-KR" altLang="en-US" smtClean="0"/>
-              <a:t>2022-07-12</a:t>
+            <a:fld id="{A76116CE-C4A3-4A05-B2D7-7C2E9A889C0F}" type="datetimeFigureOut">
+              <a:rPr lang="en-US" smtClean="0"/>
+              <a:t>7/13/2022</a:t>
             </a:fld>
-            <a:endParaRPr lang="ko-KR" altLang="en-US"/>
+            <a:endParaRPr lang="en-US"/>
           </a:p>
         </p:txBody>
       </p:sp>
@@ -626,7 +670,7 @@
           <a:bodyPr/>
           <a:lstStyle/>
           <a:p>
-            <a:endParaRPr lang="ko-KR" altLang="en-US"/>
+            <a:endParaRPr lang="en-US"/>
           </a:p>
         </p:txBody>
       </p:sp>
@@ -645,18 +689,18 @@
           <a:bodyPr/>
           <a:lstStyle/>
           <a:p>
-            <a:fld id="{D770B29A-D96D-47C1-AB30-2EC1FD117330}" type="slidenum">
-              <a:rPr lang="ko-KR" altLang="en-US" smtClean="0"/>
+            <a:fld id="{B1393E5F-521B-4CAD-9D3A-AE923D912DCE}" type="slidenum">
+              <a:rPr lang="en-US" smtClean="0"/>
               <a:t>‹#›</a:t>
             </a:fld>
-            <a:endParaRPr lang="ko-KR" altLang="en-US"/>
+            <a:endParaRPr lang="en-US"/>
           </a:p>
         </p:txBody>
       </p:sp>
     </p:spTree>
     <p:extLst>
       <p:ext uri="{BB962C8B-B14F-4D97-AF65-F5344CB8AC3E}">
-        <p14:creationId xmlns:p14="http://schemas.microsoft.com/office/powerpoint/2010/main" val="842233797"/>
+        <p14:creationId xmlns:p14="http://schemas.microsoft.com/office/powerpoint/2010/main" val="2469367891"/>
       </p:ext>
     </p:extLst>
   </p:cSld>
@@ -668,7 +712,7 @@
 
 <file path=ppt/slideLayouts/slideLayout2.xml><?xml version="1.0" encoding="utf-8"?>
 <p:sldLayout xmlns:a="http://schemas.openxmlformats.org/drawingml/2006/main" xmlns:r="http://schemas.openxmlformats.org/officeDocument/2006/relationships" xmlns:p="http://schemas.openxmlformats.org/presentationml/2006/main" type="obj" preserve="1">
-  <p:cSld name="제목 및 내용">
+  <p:cSld name="Title and Content">
     <p:spTree>
       <p:nvGrpSpPr>
         <p:cNvPr id="1" name=""/>
@@ -699,10 +743,9 @@
           <a:lstStyle/>
           <a:p>
             <a:r>
-              <a:rPr lang="ko-KR" altLang="en-US"/>
-              <a:t>마스터 제목 스타일 편집</a:t>
+              <a:rPr lang="en-US"/>
+              <a:t>Click to edit Master title style</a:t>
             </a:r>
-            <a:endParaRPr lang="en-US" dirty="0"/>
           </a:p>
         </p:txBody>
       </p:sp>
@@ -721,40 +764,41 @@
           <a:bodyPr/>
           <a:lstStyle/>
           <a:p>
-            <a:pPr lvl="0"/>
+            <a:pPr lvl="0">
+              <a:buChar char="•"/>
+            </a:pPr>
             <a:r>
-              <a:rPr lang="ko-KR" altLang="en-US"/>
-              <a:t>마스터 텍스트 스타일을 편집하려면 클릭</a:t>
+              <a:rPr lang="en-US"/>
+              <a:t>Click to edit Master text styles</a:t>
             </a:r>
           </a:p>
           <a:p>
             <a:pPr lvl="1"/>
             <a:r>
-              <a:rPr lang="ko-KR" altLang="en-US"/>
-              <a:t>두 번째 수준</a:t>
+              <a:rPr lang="en-US"/>
+              <a:t>Second level</a:t>
             </a:r>
           </a:p>
           <a:p>
             <a:pPr lvl="2"/>
             <a:r>
-              <a:rPr lang="ko-KR" altLang="en-US"/>
-              <a:t>세 번째 수준</a:t>
+              <a:rPr lang="en-US"/>
+              <a:t>Third level</a:t>
             </a:r>
           </a:p>
           <a:p>
             <a:pPr lvl="3"/>
             <a:r>
-              <a:rPr lang="ko-KR" altLang="en-US"/>
-              <a:t>네 번째 수준</a:t>
+              <a:rPr lang="en-US"/>
+              <a:t>Fourth level</a:t>
             </a:r>
           </a:p>
           <a:p>
             <a:pPr lvl="4"/>
             <a:r>
-              <a:rPr lang="ko-KR" altLang="en-US"/>
-              <a:t>다섯 번째 수준</a:t>
+              <a:rPr lang="en-US"/>
+              <a:t>Fifth level</a:t>
             </a:r>
-            <a:endParaRPr lang="en-US" dirty="0"/>
           </a:p>
         </p:txBody>
       </p:sp>
@@ -773,11 +817,11 @@
           <a:bodyPr/>
           <a:lstStyle/>
           <a:p>
-            <a:fld id="{6E4979C7-FFC7-497C-9DA9-17476E3377A4}" type="datetimeFigureOut">
-              <a:rPr lang="ko-KR" altLang="en-US" smtClean="0"/>
-              <a:t>2022-07-12</a:t>
+            <a:fld id="{A76116CE-C4A3-4A05-B2D7-7C2E9A889C0F}" type="datetimeFigureOut">
+              <a:rPr lang="en-US" smtClean="0"/>
+              <a:t>7/13/2022</a:t>
             </a:fld>
-            <a:endParaRPr lang="ko-KR" altLang="en-US"/>
+            <a:endParaRPr lang="en-US"/>
           </a:p>
         </p:txBody>
       </p:sp>
@@ -796,7 +840,7 @@
           <a:bodyPr/>
           <a:lstStyle/>
           <a:p>
-            <a:endParaRPr lang="ko-KR" altLang="en-US"/>
+            <a:endParaRPr lang="en-US"/>
           </a:p>
         </p:txBody>
       </p:sp>
@@ -815,18 +859,18 @@
           <a:bodyPr/>
           <a:lstStyle/>
           <a:p>
-            <a:fld id="{D770B29A-D96D-47C1-AB30-2EC1FD117330}" type="slidenum">
-              <a:rPr lang="ko-KR" altLang="en-US" smtClean="0"/>
+            <a:fld id="{B1393E5F-521B-4CAD-9D3A-AE923D912DCE}" type="slidenum">
+              <a:rPr lang="en-US" smtClean="0"/>
               <a:t>‹#›</a:t>
             </a:fld>
-            <a:endParaRPr lang="ko-KR" altLang="en-US"/>
+            <a:endParaRPr lang="en-US"/>
           </a:p>
         </p:txBody>
       </p:sp>
     </p:spTree>
     <p:extLst>
       <p:ext uri="{BB962C8B-B14F-4D97-AF65-F5344CB8AC3E}">
-        <p14:creationId xmlns:p14="http://schemas.microsoft.com/office/powerpoint/2010/main" val="4125775361"/>
+        <p14:creationId xmlns:p14="http://schemas.microsoft.com/office/powerpoint/2010/main" val="568997174"/>
       </p:ext>
     </p:extLst>
   </p:cSld>
@@ -838,7 +882,7 @@
 
 <file path=ppt/slideLayouts/slideLayout3.xml><?xml version="1.0" encoding="utf-8"?>
 <p:sldLayout xmlns:a="http://schemas.openxmlformats.org/drawingml/2006/main" xmlns:r="http://schemas.openxmlformats.org/officeDocument/2006/relationships" xmlns:p="http://schemas.openxmlformats.org/presentationml/2006/main" type="secHead" preserve="1">
-  <p:cSld name="구역 머리글">
+  <p:cSld name="Section Header">
     <p:spTree>
       <p:nvGrpSpPr>
         <p:cNvPr id="1" name=""/>
@@ -865,23 +909,22 @@
         </p:nvSpPr>
         <p:spPr>
           <a:xfrm>
-            <a:off x="675879" y="1709740"/>
-            <a:ext cx="8543925" cy="2852737"/>
+            <a:off x="920595" y="2771152"/>
+            <a:ext cx="9906000" cy="856501"/>
           </a:xfrm>
         </p:spPr>
         <p:txBody>
-          <a:bodyPr anchor="b"/>
+          <a:bodyPr anchor="t"/>
           <a:lstStyle>
-            <a:lvl1pPr>
-              <a:defRPr sz="6000"/>
+            <a:lvl1pPr algn="l">
+              <a:defRPr sz="2515" b="1" cap="all"/>
             </a:lvl1pPr>
           </a:lstStyle>
           <a:p>
             <a:r>
-              <a:rPr lang="ko-KR" altLang="en-US"/>
-              <a:t>마스터 제목 스타일 편집</a:t>
+              <a:rPr lang="en-US"/>
+              <a:t>Click to edit Master title style</a:t>
             </a:r>
-            <a:endParaRPr lang="en-US" dirty="0"/>
           </a:p>
         </p:txBody>
       </p:sp>
@@ -897,24 +940,26 @@
         </p:nvSpPr>
         <p:spPr>
           <a:xfrm>
-            <a:off x="675879" y="4589465"/>
-            <a:ext cx="8543925" cy="1500187"/>
+            <a:off x="920595" y="1827802"/>
+            <a:ext cx="9906000" cy="943349"/>
           </a:xfrm>
         </p:spPr>
         <p:txBody>
-          <a:bodyPr/>
+          <a:bodyPr anchor="b"/>
           <a:lstStyle>
             <a:lvl1pPr marL="0" indent="0">
               <a:buNone/>
-              <a:defRPr sz="2400">
+              <a:defRPr sz="1258">
                 <a:solidFill>
-                  <a:schemeClr val="tx1"/>
+                  <a:schemeClr val="tx1">
+                    <a:tint val="75000"/>
+                  </a:schemeClr>
                 </a:solidFill>
               </a:defRPr>
             </a:lvl1pPr>
-            <a:lvl2pPr marL="457200" indent="0">
+            <a:lvl2pPr marL="287487" indent="0">
               <a:buNone/>
-              <a:defRPr sz="2000">
+              <a:defRPr sz="1132">
                 <a:solidFill>
                   <a:schemeClr val="tx1">
                     <a:tint val="75000"/>
@@ -922,9 +967,9 @@
                 </a:solidFill>
               </a:defRPr>
             </a:lvl2pPr>
-            <a:lvl3pPr marL="914400" indent="0">
+            <a:lvl3pPr marL="574975" indent="0">
               <a:buNone/>
-              <a:defRPr sz="1800">
+              <a:defRPr sz="1006">
                 <a:solidFill>
                   <a:schemeClr val="tx1">
                     <a:tint val="75000"/>
@@ -932,9 +977,9 @@
                 </a:solidFill>
               </a:defRPr>
             </a:lvl3pPr>
-            <a:lvl4pPr marL="1371600" indent="0">
+            <a:lvl4pPr marL="862462" indent="0">
               <a:buNone/>
-              <a:defRPr sz="1600">
+              <a:defRPr sz="880">
                 <a:solidFill>
                   <a:schemeClr val="tx1">
                     <a:tint val="75000"/>
@@ -942,9 +987,9 @@
                 </a:solidFill>
               </a:defRPr>
             </a:lvl4pPr>
-            <a:lvl5pPr marL="1828800" indent="0">
+            <a:lvl5pPr marL="1149949" indent="0">
               <a:buNone/>
-              <a:defRPr sz="1600">
+              <a:defRPr sz="880">
                 <a:solidFill>
                   <a:schemeClr val="tx1">
                     <a:tint val="75000"/>
@@ -952,9 +997,9 @@
                 </a:solidFill>
               </a:defRPr>
             </a:lvl5pPr>
-            <a:lvl6pPr marL="2286000" indent="0">
+            <a:lvl6pPr marL="1437437" indent="0">
               <a:buNone/>
-              <a:defRPr sz="1600">
+              <a:defRPr sz="880">
                 <a:solidFill>
                   <a:schemeClr val="tx1">
                     <a:tint val="75000"/>
@@ -962,9 +1007,9 @@
                 </a:solidFill>
               </a:defRPr>
             </a:lvl6pPr>
-            <a:lvl7pPr marL="2743200" indent="0">
+            <a:lvl7pPr marL="1724924" indent="0">
               <a:buNone/>
-              <a:defRPr sz="1600">
+              <a:defRPr sz="880">
                 <a:solidFill>
                   <a:schemeClr val="tx1">
                     <a:tint val="75000"/>
@@ -972,9 +1017,9 @@
                 </a:solidFill>
               </a:defRPr>
             </a:lvl7pPr>
-            <a:lvl8pPr marL="3200400" indent="0">
+            <a:lvl8pPr marL="2012412" indent="0">
               <a:buNone/>
-              <a:defRPr sz="1600">
+              <a:defRPr sz="880">
                 <a:solidFill>
                   <a:schemeClr val="tx1">
                     <a:tint val="75000"/>
@@ -982,9 +1027,9 @@
                 </a:solidFill>
               </a:defRPr>
             </a:lvl8pPr>
-            <a:lvl9pPr marL="3657600" indent="0">
+            <a:lvl9pPr marL="2299899" indent="0">
               <a:buNone/>
-              <a:defRPr sz="1600">
+              <a:defRPr sz="880">
                 <a:solidFill>
                   <a:schemeClr val="tx1">
                     <a:tint val="75000"/>
@@ -996,8 +1041,8 @@
           <a:p>
             <a:pPr lvl="0"/>
             <a:r>
-              <a:rPr lang="ko-KR" altLang="en-US"/>
-              <a:t>마스터 텍스트 스타일을 편집하려면 클릭</a:t>
+              <a:rPr lang="en-US"/>
+              <a:t>Click to edit Master text styles</a:t>
             </a:r>
           </a:p>
         </p:txBody>
@@ -1017,11 +1062,11 @@
           <a:bodyPr/>
           <a:lstStyle/>
           <a:p>
-            <a:fld id="{6E4979C7-FFC7-497C-9DA9-17476E3377A4}" type="datetimeFigureOut">
-              <a:rPr lang="ko-KR" altLang="en-US" smtClean="0"/>
-              <a:t>2022-07-12</a:t>
+            <a:fld id="{A76116CE-C4A3-4A05-B2D7-7C2E9A889C0F}" type="datetimeFigureOut">
+              <a:rPr lang="en-US" smtClean="0"/>
+              <a:t>7/13/2022</a:t>
             </a:fld>
-            <a:endParaRPr lang="ko-KR" altLang="en-US"/>
+            <a:endParaRPr lang="en-US"/>
           </a:p>
         </p:txBody>
       </p:sp>
@@ -1040,7 +1085,7 @@
           <a:bodyPr/>
           <a:lstStyle/>
           <a:p>
-            <a:endParaRPr lang="ko-KR" altLang="en-US"/>
+            <a:endParaRPr lang="en-US"/>
           </a:p>
         </p:txBody>
       </p:sp>
@@ -1059,18 +1104,18 @@
           <a:bodyPr/>
           <a:lstStyle/>
           <a:p>
-            <a:fld id="{D770B29A-D96D-47C1-AB30-2EC1FD117330}" type="slidenum">
-              <a:rPr lang="ko-KR" altLang="en-US" smtClean="0"/>
+            <a:fld id="{B1393E5F-521B-4CAD-9D3A-AE923D912DCE}" type="slidenum">
+              <a:rPr lang="en-US" smtClean="0"/>
               <a:t>‹#›</a:t>
             </a:fld>
-            <a:endParaRPr lang="ko-KR" altLang="en-US"/>
+            <a:endParaRPr lang="en-US"/>
           </a:p>
         </p:txBody>
       </p:sp>
     </p:spTree>
     <p:extLst>
       <p:ext uri="{BB962C8B-B14F-4D97-AF65-F5344CB8AC3E}">
-        <p14:creationId xmlns:p14="http://schemas.microsoft.com/office/powerpoint/2010/main" val="1005509380"/>
+        <p14:creationId xmlns:p14="http://schemas.microsoft.com/office/powerpoint/2010/main" val="786657771"/>
       </p:ext>
     </p:extLst>
   </p:cSld>
@@ -1082,7 +1127,7 @@
 
 <file path=ppt/slideLayouts/slideLayout4.xml><?xml version="1.0" encoding="utf-8"?>
 <p:sldLayout xmlns:a="http://schemas.openxmlformats.org/drawingml/2006/main" xmlns:r="http://schemas.openxmlformats.org/officeDocument/2006/relationships" xmlns:p="http://schemas.openxmlformats.org/presentationml/2006/main" type="twoObj" preserve="1">
-  <p:cSld name="콘텐츠 2개">
+  <p:cSld name="Two Content">
     <p:spTree>
       <p:nvGrpSpPr>
         <p:cNvPr id="1" name=""/>
@@ -1113,10 +1158,9 @@
           <a:lstStyle/>
           <a:p>
             <a:r>
-              <a:rPr lang="ko-KR" altLang="en-US"/>
-              <a:t>마스터 제목 스타일 편집</a:t>
+              <a:rPr lang="en-US"/>
+              <a:t>Click to edit Master title style</a:t>
             </a:r>
-            <a:endParaRPr lang="en-US" dirty="0"/>
           </a:p>
         </p:txBody>
       </p:sp>
@@ -1132,48 +1176,75 @@
         </p:nvSpPr>
         <p:spPr>
           <a:xfrm>
-            <a:off x="681038" y="1825625"/>
-            <a:ext cx="4210050" cy="4351338"/>
+            <a:off x="582706" y="1006240"/>
+            <a:ext cx="5147235" cy="2846020"/>
           </a:xfrm>
         </p:spPr>
         <p:txBody>
           <a:bodyPr/>
-          <a:lstStyle/>
+          <a:lstStyle>
+            <a:lvl1pPr>
+              <a:defRPr sz="1761"/>
+            </a:lvl1pPr>
+            <a:lvl2pPr>
+              <a:defRPr sz="1509"/>
+            </a:lvl2pPr>
+            <a:lvl3pPr>
+              <a:defRPr sz="1258"/>
+            </a:lvl3pPr>
+            <a:lvl4pPr>
+              <a:defRPr sz="1132"/>
+            </a:lvl4pPr>
+            <a:lvl5pPr>
+              <a:defRPr sz="1132"/>
+            </a:lvl5pPr>
+            <a:lvl6pPr>
+              <a:defRPr sz="1132"/>
+            </a:lvl6pPr>
+            <a:lvl7pPr>
+              <a:defRPr sz="1132"/>
+            </a:lvl7pPr>
+            <a:lvl8pPr>
+              <a:defRPr sz="1132"/>
+            </a:lvl8pPr>
+            <a:lvl9pPr>
+              <a:defRPr sz="1132"/>
+            </a:lvl9pPr>
+          </a:lstStyle>
           <a:p>
             <a:pPr lvl="0"/>
             <a:r>
-              <a:rPr lang="ko-KR" altLang="en-US"/>
-              <a:t>마스터 텍스트 스타일을 편집하려면 클릭</a:t>
+              <a:rPr lang="en-US"/>
+              <a:t>Click to edit Master text styles</a:t>
             </a:r>
           </a:p>
           <a:p>
             <a:pPr lvl="1"/>
             <a:r>
-              <a:rPr lang="ko-KR" altLang="en-US"/>
-              <a:t>두 번째 수준</a:t>
+              <a:rPr lang="en-US"/>
+              <a:t>Second level</a:t>
             </a:r>
           </a:p>
           <a:p>
             <a:pPr lvl="2"/>
             <a:r>
-              <a:rPr lang="ko-KR" altLang="en-US"/>
-              <a:t>세 번째 수준</a:t>
+              <a:rPr lang="en-US"/>
+              <a:t>Third level</a:t>
             </a:r>
           </a:p>
           <a:p>
             <a:pPr lvl="3"/>
             <a:r>
-              <a:rPr lang="ko-KR" altLang="en-US"/>
-              <a:t>네 번째 수준</a:t>
+              <a:rPr lang="en-US"/>
+              <a:t>Fourth level</a:t>
             </a:r>
           </a:p>
           <a:p>
             <a:pPr lvl="4"/>
             <a:r>
-              <a:rPr lang="ko-KR" altLang="en-US"/>
-              <a:t>다섯 번째 수준</a:t>
+              <a:rPr lang="en-US"/>
+              <a:t>Fifth level</a:t>
             </a:r>
-            <a:endParaRPr lang="en-US" dirty="0"/>
           </a:p>
         </p:txBody>
       </p:sp>
@@ -1189,48 +1260,75 @@
         </p:nvSpPr>
         <p:spPr>
           <a:xfrm>
-            <a:off x="5014913" y="1825625"/>
-            <a:ext cx="4210050" cy="4351338"/>
+            <a:off x="5924177" y="1006240"/>
+            <a:ext cx="5147235" cy="2846020"/>
           </a:xfrm>
         </p:spPr>
         <p:txBody>
           <a:bodyPr/>
-          <a:lstStyle/>
+          <a:lstStyle>
+            <a:lvl1pPr>
+              <a:defRPr sz="1761"/>
+            </a:lvl1pPr>
+            <a:lvl2pPr>
+              <a:defRPr sz="1509"/>
+            </a:lvl2pPr>
+            <a:lvl3pPr>
+              <a:defRPr sz="1258"/>
+            </a:lvl3pPr>
+            <a:lvl4pPr>
+              <a:defRPr sz="1132"/>
+            </a:lvl4pPr>
+            <a:lvl5pPr>
+              <a:defRPr sz="1132"/>
+            </a:lvl5pPr>
+            <a:lvl6pPr>
+              <a:defRPr sz="1132"/>
+            </a:lvl6pPr>
+            <a:lvl7pPr>
+              <a:defRPr sz="1132"/>
+            </a:lvl7pPr>
+            <a:lvl8pPr>
+              <a:defRPr sz="1132"/>
+            </a:lvl8pPr>
+            <a:lvl9pPr>
+              <a:defRPr sz="1132"/>
+            </a:lvl9pPr>
+          </a:lstStyle>
           <a:p>
             <a:pPr lvl="0"/>
             <a:r>
-              <a:rPr lang="ko-KR" altLang="en-US"/>
-              <a:t>마스터 텍스트 스타일을 편집하려면 클릭</a:t>
+              <a:rPr lang="en-US"/>
+              <a:t>Click to edit Master text styles</a:t>
             </a:r>
           </a:p>
           <a:p>
             <a:pPr lvl="1"/>
             <a:r>
-              <a:rPr lang="ko-KR" altLang="en-US"/>
-              <a:t>두 번째 수준</a:t>
+              <a:rPr lang="en-US"/>
+              <a:t>Second level</a:t>
             </a:r>
           </a:p>
           <a:p>
             <a:pPr lvl="2"/>
             <a:r>
-              <a:rPr lang="ko-KR" altLang="en-US"/>
-              <a:t>세 번째 수준</a:t>
+              <a:rPr lang="en-US"/>
+              <a:t>Third level</a:t>
             </a:r>
           </a:p>
           <a:p>
             <a:pPr lvl="3"/>
             <a:r>
-              <a:rPr lang="ko-KR" altLang="en-US"/>
-              <a:t>네 번째 수준</a:t>
+              <a:rPr lang="en-US"/>
+              <a:t>Fourth level</a:t>
             </a:r>
           </a:p>
           <a:p>
             <a:pPr lvl="4"/>
             <a:r>
-              <a:rPr lang="ko-KR" altLang="en-US"/>
-              <a:t>다섯 번째 수준</a:t>
+              <a:rPr lang="en-US"/>
+              <a:t>Fifth level</a:t>
             </a:r>
-            <a:endParaRPr lang="en-US" dirty="0"/>
           </a:p>
         </p:txBody>
       </p:sp>
@@ -1249,11 +1347,11 @@
           <a:bodyPr/>
           <a:lstStyle/>
           <a:p>
-            <a:fld id="{6E4979C7-FFC7-497C-9DA9-17476E3377A4}" type="datetimeFigureOut">
-              <a:rPr lang="ko-KR" altLang="en-US" smtClean="0"/>
-              <a:t>2022-07-12</a:t>
+            <a:fld id="{A76116CE-C4A3-4A05-B2D7-7C2E9A889C0F}" type="datetimeFigureOut">
+              <a:rPr lang="en-US" smtClean="0"/>
+              <a:t>7/13/2022</a:t>
             </a:fld>
-            <a:endParaRPr lang="ko-KR" altLang="en-US"/>
+            <a:endParaRPr lang="en-US"/>
           </a:p>
         </p:txBody>
       </p:sp>
@@ -1272,7 +1370,7 @@
           <a:bodyPr/>
           <a:lstStyle/>
           <a:p>
-            <a:endParaRPr lang="ko-KR" altLang="en-US"/>
+            <a:endParaRPr lang="en-US"/>
           </a:p>
         </p:txBody>
       </p:sp>
@@ -1291,18 +1389,18 @@
           <a:bodyPr/>
           <a:lstStyle/>
           <a:p>
-            <a:fld id="{D770B29A-D96D-47C1-AB30-2EC1FD117330}" type="slidenum">
-              <a:rPr lang="ko-KR" altLang="en-US" smtClean="0"/>
+            <a:fld id="{B1393E5F-521B-4CAD-9D3A-AE923D912DCE}" type="slidenum">
+              <a:rPr lang="en-US" smtClean="0"/>
               <a:t>‹#›</a:t>
             </a:fld>
-            <a:endParaRPr lang="ko-KR" altLang="en-US"/>
+            <a:endParaRPr lang="en-US"/>
           </a:p>
         </p:txBody>
       </p:sp>
     </p:spTree>
     <p:extLst>
       <p:ext uri="{BB962C8B-B14F-4D97-AF65-F5344CB8AC3E}">
-        <p14:creationId xmlns:p14="http://schemas.microsoft.com/office/powerpoint/2010/main" val="480518540"/>
+        <p14:creationId xmlns:p14="http://schemas.microsoft.com/office/powerpoint/2010/main" val="154658718"/>
       </p:ext>
     </p:extLst>
   </p:cSld>
@@ -1314,7 +1412,7 @@
 
 <file path=ppt/slideLayouts/slideLayout5.xml><?xml version="1.0" encoding="utf-8"?>
 <p:sldLayout xmlns:a="http://schemas.openxmlformats.org/drawingml/2006/main" xmlns:r="http://schemas.openxmlformats.org/officeDocument/2006/relationships" xmlns:p="http://schemas.openxmlformats.org/presentationml/2006/main" type="twoTxTwoObj" preserve="1">
-  <p:cSld name="비교">
+  <p:cSld name="Comparison">
     <p:spTree>
       <p:nvGrpSpPr>
         <p:cNvPr id="1" name=""/>
@@ -1339,21 +1437,19 @@
             <p:ph type="title"/>
           </p:nvPr>
         </p:nvSpPr>
-        <p:spPr>
-          <a:xfrm>
-            <a:off x="682328" y="365127"/>
-            <a:ext cx="8543925" cy="1325563"/>
-          </a:xfrm>
-        </p:spPr>
+        <p:spPr/>
         <p:txBody>
           <a:bodyPr/>
-          <a:lstStyle/>
+          <a:lstStyle>
+            <a:lvl1pPr>
+              <a:defRPr/>
+            </a:lvl1pPr>
+          </a:lstStyle>
           <a:p>
             <a:r>
-              <a:rPr lang="ko-KR" altLang="en-US"/>
-              <a:t>마스터 제목 스타일 편집</a:t>
+              <a:rPr lang="en-US"/>
+              <a:t>Click to edit Master title style</a:t>
             </a:r>
-            <a:endParaRPr lang="en-US" dirty="0"/>
           </a:p>
         </p:txBody>
       </p:sp>
@@ -1369,8 +1465,8 @@
         </p:nvSpPr>
         <p:spPr>
           <a:xfrm>
-            <a:off x="682329" y="1681163"/>
-            <a:ext cx="4190702" cy="823912"/>
+            <a:off x="582706" y="965311"/>
+            <a:ext cx="5149259" cy="402296"/>
           </a:xfrm>
         </p:spPr>
         <p:txBody>
@@ -1378,46 +1474,46 @@
           <a:lstStyle>
             <a:lvl1pPr marL="0" indent="0">
               <a:buNone/>
-              <a:defRPr sz="2400" b="1"/>
+              <a:defRPr sz="1509" b="1"/>
             </a:lvl1pPr>
-            <a:lvl2pPr marL="457200" indent="0">
+            <a:lvl2pPr marL="287487" indent="0">
               <a:buNone/>
-              <a:defRPr sz="2000" b="1"/>
+              <a:defRPr sz="1258" b="1"/>
             </a:lvl2pPr>
-            <a:lvl3pPr marL="914400" indent="0">
+            <a:lvl3pPr marL="574975" indent="0">
               <a:buNone/>
-              <a:defRPr sz="1800" b="1"/>
+              <a:defRPr sz="1132" b="1"/>
             </a:lvl3pPr>
-            <a:lvl4pPr marL="1371600" indent="0">
+            <a:lvl4pPr marL="862462" indent="0">
               <a:buNone/>
-              <a:defRPr sz="1600" b="1"/>
+              <a:defRPr sz="1006" b="1"/>
             </a:lvl4pPr>
-            <a:lvl5pPr marL="1828800" indent="0">
+            <a:lvl5pPr marL="1149949" indent="0">
               <a:buNone/>
-              <a:defRPr sz="1600" b="1"/>
+              <a:defRPr sz="1006" b="1"/>
             </a:lvl5pPr>
-            <a:lvl6pPr marL="2286000" indent="0">
+            <a:lvl6pPr marL="1437437" indent="0">
               <a:buNone/>
-              <a:defRPr sz="1600" b="1"/>
+              <a:defRPr sz="1006" b="1"/>
             </a:lvl6pPr>
-            <a:lvl7pPr marL="2743200" indent="0">
+            <a:lvl7pPr marL="1724924" indent="0">
               <a:buNone/>
-              <a:defRPr sz="1600" b="1"/>
+              <a:defRPr sz="1006" b="1"/>
             </a:lvl7pPr>
-            <a:lvl8pPr marL="3200400" indent="0">
+            <a:lvl8pPr marL="2012412" indent="0">
               <a:buNone/>
-              <a:defRPr sz="1600" b="1"/>
+              <a:defRPr sz="1006" b="1"/>
             </a:lvl8pPr>
-            <a:lvl9pPr marL="3657600" indent="0">
+            <a:lvl9pPr marL="2299899" indent="0">
               <a:buNone/>
-              <a:defRPr sz="1600" b="1"/>
+              <a:defRPr sz="1006" b="1"/>
             </a:lvl9pPr>
           </a:lstStyle>
           <a:p>
             <a:pPr lvl="0"/>
             <a:r>
-              <a:rPr lang="ko-KR" altLang="en-US"/>
-              <a:t>마스터 텍스트 스타일을 편집하려면 클릭</a:t>
+              <a:rPr lang="en-US"/>
+              <a:t>Click to edit Master text styles</a:t>
             </a:r>
           </a:p>
         </p:txBody>
@@ -1434,48 +1530,75 @@
         </p:nvSpPr>
         <p:spPr>
           <a:xfrm>
-            <a:off x="682329" y="2505075"/>
-            <a:ext cx="4190702" cy="3684588"/>
+            <a:off x="582706" y="1367607"/>
+            <a:ext cx="5149259" cy="2484653"/>
           </a:xfrm>
         </p:spPr>
         <p:txBody>
           <a:bodyPr/>
-          <a:lstStyle/>
+          <a:lstStyle>
+            <a:lvl1pPr>
+              <a:defRPr sz="1509"/>
+            </a:lvl1pPr>
+            <a:lvl2pPr>
+              <a:defRPr sz="1258"/>
+            </a:lvl2pPr>
+            <a:lvl3pPr>
+              <a:defRPr sz="1132"/>
+            </a:lvl3pPr>
+            <a:lvl4pPr>
+              <a:defRPr sz="1006"/>
+            </a:lvl4pPr>
+            <a:lvl5pPr>
+              <a:defRPr sz="1006"/>
+            </a:lvl5pPr>
+            <a:lvl6pPr>
+              <a:defRPr sz="1006"/>
+            </a:lvl6pPr>
+            <a:lvl7pPr>
+              <a:defRPr sz="1006"/>
+            </a:lvl7pPr>
+            <a:lvl8pPr>
+              <a:defRPr sz="1006"/>
+            </a:lvl8pPr>
+            <a:lvl9pPr>
+              <a:defRPr sz="1006"/>
+            </a:lvl9pPr>
+          </a:lstStyle>
           <a:p>
             <a:pPr lvl="0"/>
             <a:r>
-              <a:rPr lang="ko-KR" altLang="en-US"/>
-              <a:t>마스터 텍스트 스타일을 편집하려면 클릭</a:t>
+              <a:rPr lang="en-US"/>
+              <a:t>Click to edit Master text styles</a:t>
             </a:r>
           </a:p>
           <a:p>
             <a:pPr lvl="1"/>
             <a:r>
-              <a:rPr lang="ko-KR" altLang="en-US"/>
-              <a:t>두 번째 수준</a:t>
+              <a:rPr lang="en-US"/>
+              <a:t>Second level</a:t>
             </a:r>
           </a:p>
           <a:p>
             <a:pPr lvl="2"/>
             <a:r>
-              <a:rPr lang="ko-KR" altLang="en-US"/>
-              <a:t>세 번째 수준</a:t>
+              <a:rPr lang="en-US"/>
+              <a:t>Third level</a:t>
             </a:r>
           </a:p>
           <a:p>
             <a:pPr lvl="3"/>
             <a:r>
-              <a:rPr lang="ko-KR" altLang="en-US"/>
-              <a:t>네 번째 수준</a:t>
+              <a:rPr lang="en-US"/>
+              <a:t>Fourth level</a:t>
             </a:r>
           </a:p>
           <a:p>
             <a:pPr lvl="4"/>
             <a:r>
-              <a:rPr lang="ko-KR" altLang="en-US"/>
-              <a:t>다섯 번째 수준</a:t>
+              <a:rPr lang="en-US"/>
+              <a:t>Fifth level</a:t>
             </a:r>
-            <a:endParaRPr lang="en-US" dirty="0"/>
           </a:p>
         </p:txBody>
       </p:sp>
@@ -1491,8 +1614,8 @@
         </p:nvSpPr>
         <p:spPr>
           <a:xfrm>
-            <a:off x="5014913" y="1681163"/>
-            <a:ext cx="4211340" cy="823912"/>
+            <a:off x="5920130" y="965311"/>
+            <a:ext cx="5151282" cy="402296"/>
           </a:xfrm>
         </p:spPr>
         <p:txBody>
@@ -1500,46 +1623,46 @@
           <a:lstStyle>
             <a:lvl1pPr marL="0" indent="0">
               <a:buNone/>
-              <a:defRPr sz="2400" b="1"/>
+              <a:defRPr sz="1509" b="1"/>
             </a:lvl1pPr>
-            <a:lvl2pPr marL="457200" indent="0">
+            <a:lvl2pPr marL="287487" indent="0">
               <a:buNone/>
-              <a:defRPr sz="2000" b="1"/>
+              <a:defRPr sz="1258" b="1"/>
             </a:lvl2pPr>
-            <a:lvl3pPr marL="914400" indent="0">
+            <a:lvl3pPr marL="574975" indent="0">
               <a:buNone/>
-              <a:defRPr sz="1800" b="1"/>
+              <a:defRPr sz="1132" b="1"/>
             </a:lvl3pPr>
-            <a:lvl4pPr marL="1371600" indent="0">
+            <a:lvl4pPr marL="862462" indent="0">
               <a:buNone/>
-              <a:defRPr sz="1600" b="1"/>
+              <a:defRPr sz="1006" b="1"/>
             </a:lvl4pPr>
-            <a:lvl5pPr marL="1828800" indent="0">
+            <a:lvl5pPr marL="1149949" indent="0">
               <a:buNone/>
-              <a:defRPr sz="1600" b="1"/>
+              <a:defRPr sz="1006" b="1"/>
             </a:lvl5pPr>
-            <a:lvl6pPr marL="2286000" indent="0">
+            <a:lvl6pPr marL="1437437" indent="0">
               <a:buNone/>
-              <a:defRPr sz="1600" b="1"/>
+              <a:defRPr sz="1006" b="1"/>
             </a:lvl6pPr>
-            <a:lvl7pPr marL="2743200" indent="0">
+            <a:lvl7pPr marL="1724924" indent="0">
               <a:buNone/>
-              <a:defRPr sz="1600" b="1"/>
+              <a:defRPr sz="1006" b="1"/>
             </a:lvl7pPr>
-            <a:lvl8pPr marL="3200400" indent="0">
+            <a:lvl8pPr marL="2012412" indent="0">
               <a:buNone/>
-              <a:defRPr sz="1600" b="1"/>
+              <a:defRPr sz="1006" b="1"/>
             </a:lvl8pPr>
-            <a:lvl9pPr marL="3657600" indent="0">
+            <a:lvl9pPr marL="2299899" indent="0">
               <a:buNone/>
-              <a:defRPr sz="1600" b="1"/>
+              <a:defRPr sz="1006" b="1"/>
             </a:lvl9pPr>
           </a:lstStyle>
           <a:p>
             <a:pPr lvl="0"/>
             <a:r>
-              <a:rPr lang="ko-KR" altLang="en-US"/>
-              <a:t>마스터 텍스트 스타일을 편집하려면 클릭</a:t>
+              <a:rPr lang="en-US"/>
+              <a:t>Click to edit Master text styles</a:t>
             </a:r>
           </a:p>
         </p:txBody>
@@ -1556,48 +1679,75 @@
         </p:nvSpPr>
         <p:spPr>
           <a:xfrm>
-            <a:off x="5014913" y="2505075"/>
-            <a:ext cx="4211340" cy="3684588"/>
+            <a:off x="5920130" y="1367607"/>
+            <a:ext cx="5151282" cy="2484653"/>
           </a:xfrm>
         </p:spPr>
         <p:txBody>
           <a:bodyPr/>
-          <a:lstStyle/>
+          <a:lstStyle>
+            <a:lvl1pPr>
+              <a:defRPr sz="1509"/>
+            </a:lvl1pPr>
+            <a:lvl2pPr>
+              <a:defRPr sz="1258"/>
+            </a:lvl2pPr>
+            <a:lvl3pPr>
+              <a:defRPr sz="1132"/>
+            </a:lvl3pPr>
+            <a:lvl4pPr>
+              <a:defRPr sz="1006"/>
+            </a:lvl4pPr>
+            <a:lvl5pPr>
+              <a:defRPr sz="1006"/>
+            </a:lvl5pPr>
+            <a:lvl6pPr>
+              <a:defRPr sz="1006"/>
+            </a:lvl6pPr>
+            <a:lvl7pPr>
+              <a:defRPr sz="1006"/>
+            </a:lvl7pPr>
+            <a:lvl8pPr>
+              <a:defRPr sz="1006"/>
+            </a:lvl8pPr>
+            <a:lvl9pPr>
+              <a:defRPr sz="1006"/>
+            </a:lvl9pPr>
+          </a:lstStyle>
           <a:p>
             <a:pPr lvl="0"/>
             <a:r>
-              <a:rPr lang="ko-KR" altLang="en-US"/>
-              <a:t>마스터 텍스트 스타일을 편집하려면 클릭</a:t>
+              <a:rPr lang="en-US"/>
+              <a:t>Click to edit Master text styles</a:t>
             </a:r>
           </a:p>
           <a:p>
             <a:pPr lvl="1"/>
             <a:r>
-              <a:rPr lang="ko-KR" altLang="en-US"/>
-              <a:t>두 번째 수준</a:t>
+              <a:rPr lang="en-US"/>
+              <a:t>Second level</a:t>
             </a:r>
           </a:p>
           <a:p>
             <a:pPr lvl="2"/>
             <a:r>
-              <a:rPr lang="ko-KR" altLang="en-US"/>
-              <a:t>세 번째 수준</a:t>
+              <a:rPr lang="en-US"/>
+              <a:t>Third level</a:t>
             </a:r>
           </a:p>
           <a:p>
             <a:pPr lvl="3"/>
             <a:r>
-              <a:rPr lang="ko-KR" altLang="en-US"/>
-              <a:t>네 번째 수준</a:t>
+              <a:rPr lang="en-US"/>
+              <a:t>Fourth level</a:t>
             </a:r>
           </a:p>
           <a:p>
             <a:pPr lvl="4"/>
             <a:r>
-              <a:rPr lang="ko-KR" altLang="en-US"/>
-              <a:t>다섯 번째 수준</a:t>
+              <a:rPr lang="en-US"/>
+              <a:t>Fifth level</a:t>
             </a:r>
-            <a:endParaRPr lang="en-US" dirty="0"/>
           </a:p>
         </p:txBody>
       </p:sp>
@@ -1616,11 +1766,11 @@
           <a:bodyPr/>
           <a:lstStyle/>
           <a:p>
-            <a:fld id="{6E4979C7-FFC7-497C-9DA9-17476E3377A4}" type="datetimeFigureOut">
-              <a:rPr lang="ko-KR" altLang="en-US" smtClean="0"/>
-              <a:t>2022-07-12</a:t>
+            <a:fld id="{A76116CE-C4A3-4A05-B2D7-7C2E9A889C0F}" type="datetimeFigureOut">
+              <a:rPr lang="en-US" smtClean="0"/>
+              <a:t>7/13/2022</a:t>
             </a:fld>
-            <a:endParaRPr lang="ko-KR" altLang="en-US"/>
+            <a:endParaRPr lang="en-US"/>
           </a:p>
         </p:txBody>
       </p:sp>
@@ -1639,7 +1789,7 @@
           <a:bodyPr/>
           <a:lstStyle/>
           <a:p>
-            <a:endParaRPr lang="ko-KR" altLang="en-US"/>
+            <a:endParaRPr lang="en-US"/>
           </a:p>
         </p:txBody>
       </p:sp>
@@ -1658,18 +1808,18 @@
           <a:bodyPr/>
           <a:lstStyle/>
           <a:p>
-            <a:fld id="{D770B29A-D96D-47C1-AB30-2EC1FD117330}" type="slidenum">
-              <a:rPr lang="ko-KR" altLang="en-US" smtClean="0"/>
+            <a:fld id="{B1393E5F-521B-4CAD-9D3A-AE923D912DCE}" type="slidenum">
+              <a:rPr lang="en-US" smtClean="0"/>
               <a:t>‹#›</a:t>
             </a:fld>
-            <a:endParaRPr lang="ko-KR" altLang="en-US"/>
+            <a:endParaRPr lang="en-US"/>
           </a:p>
         </p:txBody>
       </p:sp>
     </p:spTree>
     <p:extLst>
       <p:ext uri="{BB962C8B-B14F-4D97-AF65-F5344CB8AC3E}">
-        <p14:creationId xmlns:p14="http://schemas.microsoft.com/office/powerpoint/2010/main" val="1257356290"/>
+        <p14:creationId xmlns:p14="http://schemas.microsoft.com/office/powerpoint/2010/main" val="235409052"/>
       </p:ext>
     </p:extLst>
   </p:cSld>
@@ -1681,7 +1831,7 @@
 
 <file path=ppt/slideLayouts/slideLayout6.xml><?xml version="1.0" encoding="utf-8"?>
 <p:sldLayout xmlns:a="http://schemas.openxmlformats.org/drawingml/2006/main" xmlns:r="http://schemas.openxmlformats.org/officeDocument/2006/relationships" xmlns:p="http://schemas.openxmlformats.org/presentationml/2006/main" type="titleOnly" preserve="1">
-  <p:cSld name="제목만">
+  <p:cSld name="Title Only">
     <p:spTree>
       <p:nvGrpSpPr>
         <p:cNvPr id="1" name=""/>
@@ -1712,10 +1862,9 @@
           <a:lstStyle/>
           <a:p>
             <a:r>
-              <a:rPr lang="ko-KR" altLang="en-US"/>
-              <a:t>마스터 제목 스타일 편집</a:t>
+              <a:rPr lang="en-US"/>
+              <a:t>Click to edit Master title style</a:t>
             </a:r>
-            <a:endParaRPr lang="en-US" dirty="0"/>
           </a:p>
         </p:txBody>
       </p:sp>
@@ -1734,11 +1883,11 @@
           <a:bodyPr/>
           <a:lstStyle/>
           <a:p>
-            <a:fld id="{6E4979C7-FFC7-497C-9DA9-17476E3377A4}" type="datetimeFigureOut">
-              <a:rPr lang="ko-KR" altLang="en-US" smtClean="0"/>
-              <a:t>2022-07-12</a:t>
+            <a:fld id="{A76116CE-C4A3-4A05-B2D7-7C2E9A889C0F}" type="datetimeFigureOut">
+              <a:rPr lang="en-US" smtClean="0"/>
+              <a:t>7/13/2022</a:t>
             </a:fld>
-            <a:endParaRPr lang="ko-KR" altLang="en-US"/>
+            <a:endParaRPr lang="en-US"/>
           </a:p>
         </p:txBody>
       </p:sp>
@@ -1757,7 +1906,7 @@
           <a:bodyPr/>
           <a:lstStyle/>
           <a:p>
-            <a:endParaRPr lang="ko-KR" altLang="en-US"/>
+            <a:endParaRPr lang="en-US"/>
           </a:p>
         </p:txBody>
       </p:sp>
@@ -1776,18 +1925,18 @@
           <a:bodyPr/>
           <a:lstStyle/>
           <a:p>
-            <a:fld id="{D770B29A-D96D-47C1-AB30-2EC1FD117330}" type="slidenum">
-              <a:rPr lang="ko-KR" altLang="en-US" smtClean="0"/>
+            <a:fld id="{B1393E5F-521B-4CAD-9D3A-AE923D912DCE}" type="slidenum">
+              <a:rPr lang="en-US" smtClean="0"/>
               <a:t>‹#›</a:t>
             </a:fld>
-            <a:endParaRPr lang="ko-KR" altLang="en-US"/>
+            <a:endParaRPr lang="en-US"/>
           </a:p>
         </p:txBody>
       </p:sp>
     </p:spTree>
     <p:extLst>
       <p:ext uri="{BB962C8B-B14F-4D97-AF65-F5344CB8AC3E}">
-        <p14:creationId xmlns:p14="http://schemas.microsoft.com/office/powerpoint/2010/main" val="3451291742"/>
+        <p14:creationId xmlns:p14="http://schemas.microsoft.com/office/powerpoint/2010/main" val="393720278"/>
       </p:ext>
     </p:extLst>
   </p:cSld>
@@ -1799,7 +1948,7 @@
 
 <file path=ppt/slideLayouts/slideLayout7.xml><?xml version="1.0" encoding="utf-8"?>
 <p:sldLayout xmlns:a="http://schemas.openxmlformats.org/drawingml/2006/main" xmlns:r="http://schemas.openxmlformats.org/officeDocument/2006/relationships" xmlns:p="http://schemas.openxmlformats.org/presentationml/2006/main" type="blank" preserve="1">
-  <p:cSld name="빈 화면">
+  <p:cSld name="Blank">
     <p:spTree>
       <p:nvGrpSpPr>
         <p:cNvPr id="1" name=""/>
@@ -1829,11 +1978,11 @@
           <a:bodyPr/>
           <a:lstStyle/>
           <a:p>
-            <a:fld id="{6E4979C7-FFC7-497C-9DA9-17476E3377A4}" type="datetimeFigureOut">
-              <a:rPr lang="ko-KR" altLang="en-US" smtClean="0"/>
-              <a:t>2022-07-12</a:t>
+            <a:fld id="{A76116CE-C4A3-4A05-B2D7-7C2E9A889C0F}" type="datetimeFigureOut">
+              <a:rPr lang="en-US" smtClean="0"/>
+              <a:t>7/13/2022</a:t>
             </a:fld>
-            <a:endParaRPr lang="ko-KR" altLang="en-US"/>
+            <a:endParaRPr lang="en-US"/>
           </a:p>
         </p:txBody>
       </p:sp>
@@ -1852,7 +2001,7 @@
           <a:bodyPr/>
           <a:lstStyle/>
           <a:p>
-            <a:endParaRPr lang="ko-KR" altLang="en-US"/>
+            <a:endParaRPr lang="en-US"/>
           </a:p>
         </p:txBody>
       </p:sp>
@@ -1871,18 +2020,18 @@
           <a:bodyPr/>
           <a:lstStyle/>
           <a:p>
-            <a:fld id="{D770B29A-D96D-47C1-AB30-2EC1FD117330}" type="slidenum">
-              <a:rPr lang="ko-KR" altLang="en-US" smtClean="0"/>
+            <a:fld id="{B1393E5F-521B-4CAD-9D3A-AE923D912DCE}" type="slidenum">
+              <a:rPr lang="en-US" smtClean="0"/>
               <a:t>‹#›</a:t>
             </a:fld>
-            <a:endParaRPr lang="ko-KR" altLang="en-US"/>
+            <a:endParaRPr lang="en-US"/>
           </a:p>
         </p:txBody>
       </p:sp>
     </p:spTree>
     <p:extLst>
       <p:ext uri="{BB962C8B-B14F-4D97-AF65-F5344CB8AC3E}">
-        <p14:creationId xmlns:p14="http://schemas.microsoft.com/office/powerpoint/2010/main" val="213716428"/>
+        <p14:creationId xmlns:p14="http://schemas.microsoft.com/office/powerpoint/2010/main" val="1587613992"/>
       </p:ext>
     </p:extLst>
   </p:cSld>
@@ -1894,7 +2043,7 @@
 
 <file path=ppt/slideLayouts/slideLayout8.xml><?xml version="1.0" encoding="utf-8"?>
 <p:sldLayout xmlns:a="http://schemas.openxmlformats.org/drawingml/2006/main" xmlns:r="http://schemas.openxmlformats.org/officeDocument/2006/relationships" xmlns:p="http://schemas.openxmlformats.org/presentationml/2006/main" type="objTx" preserve="1">
-  <p:cSld name="캡션 있는 콘텐츠">
+  <p:cSld name="Content with Caption">
     <p:spTree>
       <p:nvGrpSpPr>
         <p:cNvPr id="1" name=""/>
@@ -1921,23 +2070,22 @@
         </p:nvSpPr>
         <p:spPr>
           <a:xfrm>
-            <a:off x="682328" y="457200"/>
-            <a:ext cx="3194943" cy="1600200"/>
+            <a:off x="582707" y="171700"/>
+            <a:ext cx="3834124" cy="730721"/>
           </a:xfrm>
         </p:spPr>
         <p:txBody>
           <a:bodyPr anchor="b"/>
           <a:lstStyle>
-            <a:lvl1pPr>
-              <a:defRPr sz="3200"/>
+            <a:lvl1pPr algn="l">
+              <a:defRPr sz="1258" b="1"/>
             </a:lvl1pPr>
           </a:lstStyle>
           <a:p>
             <a:r>
-              <a:rPr lang="ko-KR" altLang="en-US"/>
-              <a:t>마스터 제목 스타일 편집</a:t>
+              <a:rPr lang="en-US"/>
+              <a:t>Click to edit Master title style</a:t>
             </a:r>
-            <a:endParaRPr lang="en-US" dirty="0"/>
           </a:p>
         </p:txBody>
       </p:sp>
@@ -1953,76 +2101,75 @@
         </p:nvSpPr>
         <p:spPr>
           <a:xfrm>
-            <a:off x="4211340" y="987427"/>
-            <a:ext cx="5014913" cy="4873625"/>
+            <a:off x="4556437" y="171700"/>
+            <a:ext cx="6514975" cy="3680560"/>
           </a:xfrm>
         </p:spPr>
         <p:txBody>
           <a:bodyPr/>
           <a:lstStyle>
             <a:lvl1pPr>
-              <a:defRPr sz="3200"/>
+              <a:defRPr sz="2012"/>
             </a:lvl1pPr>
             <a:lvl2pPr>
-              <a:defRPr sz="2800"/>
+              <a:defRPr sz="1761"/>
             </a:lvl2pPr>
             <a:lvl3pPr>
-              <a:defRPr sz="2400"/>
+              <a:defRPr sz="1509"/>
             </a:lvl3pPr>
             <a:lvl4pPr>
-              <a:defRPr sz="2000"/>
+              <a:defRPr sz="1258"/>
             </a:lvl4pPr>
             <a:lvl5pPr>
-              <a:defRPr sz="2000"/>
+              <a:defRPr sz="1258"/>
             </a:lvl5pPr>
             <a:lvl6pPr>
-              <a:defRPr sz="2000"/>
+              <a:defRPr sz="1258"/>
             </a:lvl6pPr>
             <a:lvl7pPr>
-              <a:defRPr sz="2000"/>
+              <a:defRPr sz="1258"/>
             </a:lvl7pPr>
             <a:lvl8pPr>
-              <a:defRPr sz="2000"/>
+              <a:defRPr sz="1258"/>
             </a:lvl8pPr>
             <a:lvl9pPr>
-              <a:defRPr sz="2000"/>
+              <a:defRPr sz="1258"/>
             </a:lvl9pPr>
           </a:lstStyle>
           <a:p>
             <a:pPr lvl="0"/>
             <a:r>
-              <a:rPr lang="ko-KR" altLang="en-US"/>
-              <a:t>마스터 텍스트 스타일을 편집하려면 클릭</a:t>
+              <a:rPr lang="en-US"/>
+              <a:t>Click to edit Master text styles</a:t>
             </a:r>
           </a:p>
           <a:p>
             <a:pPr lvl="1"/>
             <a:r>
-              <a:rPr lang="ko-KR" altLang="en-US"/>
-              <a:t>두 번째 수준</a:t>
+              <a:rPr lang="en-US"/>
+              <a:t>Second level</a:t>
             </a:r>
           </a:p>
           <a:p>
             <a:pPr lvl="2"/>
             <a:r>
-              <a:rPr lang="ko-KR" altLang="en-US"/>
-              <a:t>세 번째 수준</a:t>
+              <a:rPr lang="en-US"/>
+              <a:t>Third level</a:t>
             </a:r>
           </a:p>
           <a:p>
             <a:pPr lvl="3"/>
             <a:r>
-              <a:rPr lang="ko-KR" altLang="en-US"/>
-              <a:t>네 번째 수준</a:t>
+              <a:rPr lang="en-US"/>
+              <a:t>Fourth level</a:t>
             </a:r>
           </a:p>
           <a:p>
             <a:pPr lvl="4"/>
             <a:r>
-              <a:rPr lang="ko-KR" altLang="en-US"/>
-              <a:t>다섯 번째 수준</a:t>
+              <a:rPr lang="en-US"/>
+              <a:t>Fifth level</a:t>
             </a:r>
-            <a:endParaRPr lang="en-US" dirty="0"/>
           </a:p>
         </p:txBody>
       </p:sp>
@@ -2038,8 +2185,8 @@
         </p:nvSpPr>
         <p:spPr>
           <a:xfrm>
-            <a:off x="682328" y="2057400"/>
-            <a:ext cx="3194943" cy="3811588"/>
+            <a:off x="582707" y="902421"/>
+            <a:ext cx="3834124" cy="2949839"/>
           </a:xfrm>
         </p:spPr>
         <p:txBody>
@@ -2047,46 +2194,46 @@
           <a:lstStyle>
             <a:lvl1pPr marL="0" indent="0">
               <a:buNone/>
-              <a:defRPr sz="1600"/>
+              <a:defRPr sz="880"/>
             </a:lvl1pPr>
-            <a:lvl2pPr marL="457200" indent="0">
+            <a:lvl2pPr marL="287487" indent="0">
               <a:buNone/>
-              <a:defRPr sz="1400"/>
+              <a:defRPr sz="755"/>
             </a:lvl2pPr>
-            <a:lvl3pPr marL="914400" indent="0">
+            <a:lvl3pPr marL="574975" indent="0">
               <a:buNone/>
-              <a:defRPr sz="1200"/>
+              <a:defRPr sz="629"/>
             </a:lvl3pPr>
-            <a:lvl4pPr marL="1371600" indent="0">
+            <a:lvl4pPr marL="862462" indent="0">
               <a:buNone/>
-              <a:defRPr sz="1000"/>
+              <a:defRPr sz="566"/>
             </a:lvl4pPr>
-            <a:lvl5pPr marL="1828800" indent="0">
+            <a:lvl5pPr marL="1149949" indent="0">
               <a:buNone/>
-              <a:defRPr sz="1000"/>
+              <a:defRPr sz="566"/>
             </a:lvl5pPr>
-            <a:lvl6pPr marL="2286000" indent="0">
+            <a:lvl6pPr marL="1437437" indent="0">
               <a:buNone/>
-              <a:defRPr sz="1000"/>
+              <a:defRPr sz="566"/>
             </a:lvl6pPr>
-            <a:lvl7pPr marL="2743200" indent="0">
+            <a:lvl7pPr marL="1724924" indent="0">
               <a:buNone/>
-              <a:defRPr sz="1000"/>
+              <a:defRPr sz="566"/>
             </a:lvl7pPr>
-            <a:lvl8pPr marL="3200400" indent="0">
+            <a:lvl8pPr marL="2012412" indent="0">
               <a:buNone/>
-              <a:defRPr sz="1000"/>
+              <a:defRPr sz="566"/>
             </a:lvl8pPr>
-            <a:lvl9pPr marL="3657600" indent="0">
+            <a:lvl9pPr marL="2299899" indent="0">
               <a:buNone/>
-              <a:defRPr sz="1000"/>
+              <a:defRPr sz="566"/>
             </a:lvl9pPr>
           </a:lstStyle>
           <a:p>
             <a:pPr lvl="0"/>
             <a:r>
-              <a:rPr lang="ko-KR" altLang="en-US"/>
-              <a:t>마스터 텍스트 스타일을 편집하려면 클릭</a:t>
+              <a:rPr lang="en-US"/>
+              <a:t>Click to edit Master text styles</a:t>
             </a:r>
           </a:p>
         </p:txBody>
@@ -2106,11 +2253,11 @@
           <a:bodyPr/>
           <a:lstStyle/>
           <a:p>
-            <a:fld id="{6E4979C7-FFC7-497C-9DA9-17476E3377A4}" type="datetimeFigureOut">
-              <a:rPr lang="ko-KR" altLang="en-US" smtClean="0"/>
-              <a:t>2022-07-12</a:t>
+            <a:fld id="{A76116CE-C4A3-4A05-B2D7-7C2E9A889C0F}" type="datetimeFigureOut">
+              <a:rPr lang="en-US" smtClean="0"/>
+              <a:t>7/13/2022</a:t>
             </a:fld>
-            <a:endParaRPr lang="ko-KR" altLang="en-US"/>
+            <a:endParaRPr lang="en-US"/>
           </a:p>
         </p:txBody>
       </p:sp>
@@ -2129,7 +2276,7 @@
           <a:bodyPr/>
           <a:lstStyle/>
           <a:p>
-            <a:endParaRPr lang="ko-KR" altLang="en-US"/>
+            <a:endParaRPr lang="en-US"/>
           </a:p>
         </p:txBody>
       </p:sp>
@@ -2148,18 +2295,18 @@
           <a:bodyPr/>
           <a:lstStyle/>
           <a:p>
-            <a:fld id="{D770B29A-D96D-47C1-AB30-2EC1FD117330}" type="slidenum">
-              <a:rPr lang="ko-KR" altLang="en-US" smtClean="0"/>
+            <a:fld id="{B1393E5F-521B-4CAD-9D3A-AE923D912DCE}" type="slidenum">
+              <a:rPr lang="en-US" smtClean="0"/>
               <a:t>‹#›</a:t>
             </a:fld>
-            <a:endParaRPr lang="ko-KR" altLang="en-US"/>
+            <a:endParaRPr lang="en-US"/>
           </a:p>
         </p:txBody>
       </p:sp>
     </p:spTree>
     <p:extLst>
       <p:ext uri="{BB962C8B-B14F-4D97-AF65-F5344CB8AC3E}">
-        <p14:creationId xmlns:p14="http://schemas.microsoft.com/office/powerpoint/2010/main" val="3671518273"/>
+        <p14:creationId xmlns:p14="http://schemas.microsoft.com/office/powerpoint/2010/main" val="1018613304"/>
       </p:ext>
     </p:extLst>
   </p:cSld>
@@ -2171,7 +2318,7 @@
 
 <file path=ppt/slideLayouts/slideLayout9.xml><?xml version="1.0" encoding="utf-8"?>
 <p:sldLayout xmlns:a="http://schemas.openxmlformats.org/drawingml/2006/main" xmlns:r="http://schemas.openxmlformats.org/officeDocument/2006/relationships" xmlns:p="http://schemas.openxmlformats.org/presentationml/2006/main" type="picTx" preserve="1">
-  <p:cSld name="캡션 있는 그림">
+  <p:cSld name="Picture with Caption">
     <p:spTree>
       <p:nvGrpSpPr>
         <p:cNvPr id="1" name=""/>
@@ -2198,23 +2345,22 @@
         </p:nvSpPr>
         <p:spPr>
           <a:xfrm>
-            <a:off x="682328" y="457200"/>
-            <a:ext cx="3194943" cy="1600200"/>
+            <a:off x="2284288" y="3018718"/>
+            <a:ext cx="6992471" cy="356377"/>
           </a:xfrm>
         </p:spPr>
         <p:txBody>
           <a:bodyPr anchor="b"/>
           <a:lstStyle>
-            <a:lvl1pPr>
-              <a:defRPr sz="3200"/>
+            <a:lvl1pPr algn="l">
+              <a:defRPr sz="1258" b="1"/>
             </a:lvl1pPr>
           </a:lstStyle>
           <a:p>
             <a:r>
-              <a:rPr lang="ko-KR" altLang="en-US"/>
-              <a:t>마스터 제목 스타일 편집</a:t>
+              <a:rPr lang="en-US"/>
+              <a:t>Click to edit Master title style</a:t>
             </a:r>
-            <a:endParaRPr lang="en-US" dirty="0"/>
           </a:p>
         </p:txBody>
       </p:sp>
@@ -2222,7 +2368,7 @@
         <p:nvSpPr>
           <p:cNvPr id="3" name="Picture Placeholder 2"/>
           <p:cNvSpPr>
-            <a:spLocks noGrp="1" noChangeAspect="1"/>
+            <a:spLocks noGrp="1"/>
           </p:cNvSpPr>
           <p:nvPr>
             <p:ph type="pic" idx="1"/>
@@ -2230,56 +2376,52 @@
         </p:nvSpPr>
         <p:spPr>
           <a:xfrm>
-            <a:off x="4211340" y="987427"/>
-            <a:ext cx="5014913" cy="4873625"/>
+            <a:off x="2284288" y="385326"/>
+            <a:ext cx="6992471" cy="2587472"/>
           </a:xfrm>
         </p:spPr>
         <p:txBody>
-          <a:bodyPr anchor="t"/>
+          <a:bodyPr/>
           <a:lstStyle>
             <a:lvl1pPr marL="0" indent="0">
               <a:buNone/>
-              <a:defRPr sz="3200"/>
+              <a:defRPr sz="2012"/>
             </a:lvl1pPr>
-            <a:lvl2pPr marL="457200" indent="0">
+            <a:lvl2pPr marL="287487" indent="0">
               <a:buNone/>
-              <a:defRPr sz="2800"/>
+              <a:defRPr sz="1761"/>
             </a:lvl2pPr>
-            <a:lvl3pPr marL="914400" indent="0">
+            <a:lvl3pPr marL="574975" indent="0">
               <a:buNone/>
-              <a:defRPr sz="2400"/>
+              <a:defRPr sz="1509"/>
             </a:lvl3pPr>
-            <a:lvl4pPr marL="1371600" indent="0">
+            <a:lvl4pPr marL="862462" indent="0">
               <a:buNone/>
-              <a:defRPr sz="2000"/>
+              <a:defRPr sz="1258"/>
             </a:lvl4pPr>
-            <a:lvl5pPr marL="1828800" indent="0">
+            <a:lvl5pPr marL="1149949" indent="0">
               <a:buNone/>
-              <a:defRPr sz="2000"/>
+              <a:defRPr sz="1258"/>
             </a:lvl5pPr>
-            <a:lvl6pPr marL="2286000" indent="0">
+            <a:lvl6pPr marL="1437437" indent="0">
               <a:buNone/>
-              <a:defRPr sz="2000"/>
+              <a:defRPr sz="1258"/>
             </a:lvl6pPr>
-            <a:lvl7pPr marL="2743200" indent="0">
+            <a:lvl7pPr marL="1724924" indent="0">
               <a:buNone/>
-              <a:defRPr sz="2000"/>
+              <a:defRPr sz="1258"/>
             </a:lvl7pPr>
-            <a:lvl8pPr marL="3200400" indent="0">
+            <a:lvl8pPr marL="2012412" indent="0">
               <a:buNone/>
-              <a:defRPr sz="2000"/>
+              <a:defRPr sz="1258"/>
             </a:lvl8pPr>
-            <a:lvl9pPr marL="3657600" indent="0">
+            <a:lvl9pPr marL="2299899" indent="0">
               <a:buNone/>
-              <a:defRPr sz="2000"/>
+              <a:defRPr sz="1258"/>
             </a:lvl9pPr>
           </a:lstStyle>
           <a:p>
-            <a:r>
-              <a:rPr lang="ko-KR" altLang="en-US"/>
-              <a:t>그림을 추가하려면 아이콘을 클릭하십시오</a:t>
-            </a:r>
-            <a:endParaRPr lang="en-US" dirty="0"/>
+            <a:endParaRPr lang="en-US"/>
           </a:p>
         </p:txBody>
       </p:sp>
@@ -2295,8 +2437,8 @@
         </p:nvSpPr>
         <p:spPr>
           <a:xfrm>
-            <a:off x="682328" y="2057400"/>
-            <a:ext cx="3194943" cy="3811588"/>
+            <a:off x="2284288" y="3375095"/>
+            <a:ext cx="6992471" cy="506114"/>
           </a:xfrm>
         </p:spPr>
         <p:txBody>
@@ -2304,46 +2446,46 @@
           <a:lstStyle>
             <a:lvl1pPr marL="0" indent="0">
               <a:buNone/>
-              <a:defRPr sz="1600"/>
+              <a:defRPr sz="880"/>
             </a:lvl1pPr>
-            <a:lvl2pPr marL="457200" indent="0">
+            <a:lvl2pPr marL="287487" indent="0">
               <a:buNone/>
-              <a:defRPr sz="1400"/>
+              <a:defRPr sz="755"/>
             </a:lvl2pPr>
-            <a:lvl3pPr marL="914400" indent="0">
+            <a:lvl3pPr marL="574975" indent="0">
               <a:buNone/>
-              <a:defRPr sz="1200"/>
+              <a:defRPr sz="629"/>
             </a:lvl3pPr>
-            <a:lvl4pPr marL="1371600" indent="0">
+            <a:lvl4pPr marL="862462" indent="0">
               <a:buNone/>
-              <a:defRPr sz="1000"/>
+              <a:defRPr sz="566"/>
             </a:lvl4pPr>
-            <a:lvl5pPr marL="1828800" indent="0">
+            <a:lvl5pPr marL="1149949" indent="0">
               <a:buNone/>
-              <a:defRPr sz="1000"/>
+              <a:defRPr sz="566"/>
             </a:lvl5pPr>
-            <a:lvl6pPr marL="2286000" indent="0">
+            <a:lvl6pPr marL="1437437" indent="0">
               <a:buNone/>
-              <a:defRPr sz="1000"/>
+              <a:defRPr sz="566"/>
             </a:lvl6pPr>
-            <a:lvl7pPr marL="2743200" indent="0">
+            <a:lvl7pPr marL="1724924" indent="0">
               <a:buNone/>
-              <a:defRPr sz="1000"/>
+              <a:defRPr sz="566"/>
             </a:lvl7pPr>
-            <a:lvl8pPr marL="3200400" indent="0">
+            <a:lvl8pPr marL="2012412" indent="0">
               <a:buNone/>
-              <a:defRPr sz="1000"/>
+              <a:defRPr sz="566"/>
             </a:lvl8pPr>
-            <a:lvl9pPr marL="3657600" indent="0">
+            <a:lvl9pPr marL="2299899" indent="0">
               <a:buNone/>
-              <a:defRPr sz="1000"/>
+              <a:defRPr sz="566"/>
             </a:lvl9pPr>
           </a:lstStyle>
           <a:p>
             <a:pPr lvl="0"/>
             <a:r>
-              <a:rPr lang="ko-KR" altLang="en-US"/>
-              <a:t>마스터 텍스트 스타일을 편집하려면 클릭</a:t>
+              <a:rPr lang="en-US"/>
+              <a:t>Click to edit Master text styles</a:t>
             </a:r>
           </a:p>
         </p:txBody>
@@ -2363,11 +2505,11 @@
           <a:bodyPr/>
           <a:lstStyle/>
           <a:p>
-            <a:fld id="{6E4979C7-FFC7-497C-9DA9-17476E3377A4}" type="datetimeFigureOut">
-              <a:rPr lang="ko-KR" altLang="en-US" smtClean="0"/>
-              <a:t>2022-07-12</a:t>
+            <a:fld id="{A76116CE-C4A3-4A05-B2D7-7C2E9A889C0F}" type="datetimeFigureOut">
+              <a:rPr lang="en-US" smtClean="0"/>
+              <a:t>7/13/2022</a:t>
             </a:fld>
-            <a:endParaRPr lang="ko-KR" altLang="en-US"/>
+            <a:endParaRPr lang="en-US"/>
           </a:p>
         </p:txBody>
       </p:sp>
@@ -2386,7 +2528,7 @@
           <a:bodyPr/>
           <a:lstStyle/>
           <a:p>
-            <a:endParaRPr lang="ko-KR" altLang="en-US"/>
+            <a:endParaRPr lang="en-US"/>
           </a:p>
         </p:txBody>
       </p:sp>
@@ -2405,18 +2547,18 @@
           <a:bodyPr/>
           <a:lstStyle/>
           <a:p>
-            <a:fld id="{D770B29A-D96D-47C1-AB30-2EC1FD117330}" type="slidenum">
-              <a:rPr lang="ko-KR" altLang="en-US" smtClean="0"/>
+            <a:fld id="{B1393E5F-521B-4CAD-9D3A-AE923D912DCE}" type="slidenum">
+              <a:rPr lang="en-US" smtClean="0"/>
               <a:t>‹#›</a:t>
             </a:fld>
-            <a:endParaRPr lang="ko-KR" altLang="en-US"/>
+            <a:endParaRPr lang="en-US"/>
           </a:p>
         </p:txBody>
       </p:sp>
     </p:spTree>
     <p:extLst>
       <p:ext uri="{BB962C8B-B14F-4D97-AF65-F5344CB8AC3E}">
-        <p14:creationId xmlns:p14="http://schemas.microsoft.com/office/powerpoint/2010/main" val="391834933"/>
+        <p14:creationId xmlns:p14="http://schemas.microsoft.com/office/powerpoint/2010/main" val="2195538221"/>
       </p:ext>
     </p:extLst>
   </p:cSld>
@@ -2460,8 +2602,8 @@
         </p:nvSpPr>
         <p:spPr>
           <a:xfrm>
-            <a:off x="681038" y="365127"/>
-            <a:ext cx="8543925" cy="1325563"/>
+            <a:off x="582706" y="172698"/>
+            <a:ext cx="10488706" cy="718742"/>
           </a:xfrm>
           <a:prstGeom prst="rect">
             <a:avLst/>
@@ -2474,10 +2616,9 @@
           <a:lstStyle/>
           <a:p>
             <a:r>
-              <a:rPr lang="ko-KR" altLang="en-US"/>
-              <a:t>마스터 제목 스타일 편집</a:t>
+              <a:rPr lang="en-US"/>
+              <a:t>Click to edit Master title style</a:t>
             </a:r>
-            <a:endParaRPr lang="en-US" dirty="0"/>
           </a:p>
         </p:txBody>
       </p:sp>
@@ -2493,8 +2634,8 @@
         </p:nvSpPr>
         <p:spPr>
           <a:xfrm>
-            <a:off x="681038" y="1825625"/>
-            <a:ext cx="8543925" cy="4351338"/>
+            <a:off x="582706" y="1006240"/>
+            <a:ext cx="10488706" cy="2846020"/>
           </a:xfrm>
           <a:prstGeom prst="rect">
             <a:avLst/>
@@ -2508,38 +2649,37 @@
           <a:p>
             <a:pPr lvl="0"/>
             <a:r>
-              <a:rPr lang="ko-KR" altLang="en-US"/>
-              <a:t>마스터 텍스트 스타일을 편집하려면 클릭</a:t>
+              <a:rPr lang="en-US"/>
+              <a:t>Click to edit Master text styles</a:t>
             </a:r>
           </a:p>
           <a:p>
             <a:pPr lvl="1"/>
             <a:r>
-              <a:rPr lang="ko-KR" altLang="en-US"/>
-              <a:t>두 번째 수준</a:t>
+              <a:rPr lang="en-US"/>
+              <a:t>Second level</a:t>
             </a:r>
           </a:p>
           <a:p>
             <a:pPr lvl="2"/>
             <a:r>
-              <a:rPr lang="ko-KR" altLang="en-US"/>
-              <a:t>세 번째 수준</a:t>
+              <a:rPr lang="en-US"/>
+              <a:t>Third level</a:t>
             </a:r>
           </a:p>
           <a:p>
             <a:pPr lvl="3"/>
             <a:r>
-              <a:rPr lang="ko-KR" altLang="en-US"/>
-              <a:t>네 번째 수준</a:t>
+              <a:rPr lang="en-US"/>
+              <a:t>Fourth level</a:t>
             </a:r>
           </a:p>
           <a:p>
             <a:pPr lvl="4"/>
             <a:r>
-              <a:rPr lang="ko-KR" altLang="en-US"/>
-              <a:t>다섯 번째 수준</a:t>
+              <a:rPr lang="en-US"/>
+              <a:t>Fifth level</a:t>
             </a:r>
-            <a:endParaRPr lang="en-US" dirty="0"/>
           </a:p>
         </p:txBody>
       </p:sp>
@@ -2555,8 +2695,8 @@
         </p:nvSpPr>
         <p:spPr>
           <a:xfrm>
-            <a:off x="681038" y="6356352"/>
-            <a:ext cx="2228850" cy="365125"/>
+            <a:off x="582706" y="3997007"/>
+            <a:ext cx="2719294" cy="229598"/>
           </a:xfrm>
           <a:prstGeom prst="rect">
             <a:avLst/>
@@ -2566,7 +2706,7 @@
           <a:bodyPr vert="horz" lIns="91440" tIns="45720" rIns="91440" bIns="45720" rtlCol="0" anchor="ctr"/>
           <a:lstStyle>
             <a:lvl1pPr algn="l">
-              <a:defRPr sz="1200">
+              <a:defRPr sz="755">
                 <a:solidFill>
                   <a:schemeClr val="tx1">
                     <a:tint val="75000"/>
@@ -2576,11 +2716,11 @@
             </a:lvl1pPr>
           </a:lstStyle>
           <a:p>
-            <a:fld id="{6E4979C7-FFC7-497C-9DA9-17476E3377A4}" type="datetimeFigureOut">
-              <a:rPr lang="ko-KR" altLang="en-US" smtClean="0"/>
-              <a:t>2022-07-12</a:t>
+            <a:fld id="{F8166F1F-CE9B-4651-A6AA-CD717754106B}" type="datetimeFigureOut">
+              <a:rPr lang="en-US" smtClean="0"/>
+              <a:t>7/13/2022</a:t>
             </a:fld>
-            <a:endParaRPr lang="ko-KR" altLang="en-US"/>
+            <a:endParaRPr lang="en-US"/>
           </a:p>
         </p:txBody>
       </p:sp>
@@ -2596,8 +2736,8 @@
         </p:nvSpPr>
         <p:spPr>
           <a:xfrm>
-            <a:off x="3281363" y="6356352"/>
-            <a:ext cx="3343275" cy="365125"/>
+            <a:off x="3981823" y="3997007"/>
+            <a:ext cx="3690471" cy="229598"/>
           </a:xfrm>
           <a:prstGeom prst="rect">
             <a:avLst/>
@@ -2607,7 +2747,7 @@
           <a:bodyPr vert="horz" lIns="91440" tIns="45720" rIns="91440" bIns="45720" rtlCol="0" anchor="ctr"/>
           <a:lstStyle>
             <a:lvl1pPr algn="ctr">
-              <a:defRPr sz="1200">
+              <a:defRPr sz="755">
                 <a:solidFill>
                   <a:schemeClr val="tx1">
                     <a:tint val="75000"/>
@@ -2617,7 +2757,7 @@
             </a:lvl1pPr>
           </a:lstStyle>
           <a:p>
-            <a:endParaRPr lang="ko-KR" altLang="en-US"/>
+            <a:endParaRPr lang="en-US"/>
           </a:p>
         </p:txBody>
       </p:sp>
@@ -2633,8 +2773,8 @@
         </p:nvSpPr>
         <p:spPr>
           <a:xfrm>
-            <a:off x="6996113" y="6356352"/>
-            <a:ext cx="2228850" cy="365125"/>
+            <a:off x="8352118" y="3997007"/>
+            <a:ext cx="2719294" cy="229598"/>
           </a:xfrm>
           <a:prstGeom prst="rect">
             <a:avLst/>
@@ -2644,7 +2784,7 @@
           <a:bodyPr vert="horz" lIns="91440" tIns="45720" rIns="91440" bIns="45720" rtlCol="0" anchor="ctr"/>
           <a:lstStyle>
             <a:lvl1pPr algn="r">
-              <a:defRPr sz="1200">
+              <a:defRPr sz="755">
                 <a:solidFill>
                   <a:schemeClr val="tx1">
                     <a:tint val="75000"/>
@@ -2654,46 +2794,43 @@
             </a:lvl1pPr>
           </a:lstStyle>
           <a:p>
-            <a:fld id="{D770B29A-D96D-47C1-AB30-2EC1FD117330}" type="slidenum">
-              <a:rPr lang="ko-KR" altLang="en-US" smtClean="0"/>
+            <a:fld id="{F7021451-1387-4CA6-816F-3879F97B5CBC}" type="slidenum">
+              <a:rPr lang="en-US" smtClean="0"/>
               <a:t>‹#›</a:t>
             </a:fld>
-            <a:endParaRPr lang="ko-KR" altLang="en-US"/>
+            <a:endParaRPr lang="en-US"/>
           </a:p>
         </p:txBody>
       </p:sp>
     </p:spTree>
     <p:extLst>
       <p:ext uri="{BB962C8B-B14F-4D97-AF65-F5344CB8AC3E}">
-        <p14:creationId xmlns:p14="http://schemas.microsoft.com/office/powerpoint/2010/main" val="2358021250"/>
+        <p14:creationId xmlns:p14="http://schemas.microsoft.com/office/powerpoint/2010/main" val="355225766"/>
       </p:ext>
     </p:extLst>
   </p:cSld>
   <p:clrMap bg1="lt1" tx1="dk1" bg2="lt2" tx2="dk2" accent1="accent1" accent2="accent2" accent3="accent3" accent4="accent4" accent5="accent5" accent6="accent6" hlink="hlink" folHlink="folHlink"/>
   <p:sldLayoutIdLst>
-    <p:sldLayoutId id="2147483661" r:id="rId1"/>
-    <p:sldLayoutId id="2147483662" r:id="rId2"/>
-    <p:sldLayoutId id="2147483663" r:id="rId3"/>
-    <p:sldLayoutId id="2147483664" r:id="rId4"/>
-    <p:sldLayoutId id="2147483665" r:id="rId5"/>
-    <p:sldLayoutId id="2147483666" r:id="rId6"/>
-    <p:sldLayoutId id="2147483667" r:id="rId7"/>
-    <p:sldLayoutId id="2147483668" r:id="rId8"/>
-    <p:sldLayoutId id="2147483669" r:id="rId9"/>
-    <p:sldLayoutId id="2147483670" r:id="rId10"/>
-    <p:sldLayoutId id="2147483671" r:id="rId11"/>
+    <p:sldLayoutId id="2147483673" r:id="rId1"/>
+    <p:sldLayoutId id="2147483674" r:id="rId2"/>
+    <p:sldLayoutId id="2147483675" r:id="rId3"/>
+    <p:sldLayoutId id="2147483676" r:id="rId4"/>
+    <p:sldLayoutId id="2147483677" r:id="rId5"/>
+    <p:sldLayoutId id="2147483678" r:id="rId6"/>
+    <p:sldLayoutId id="2147483679" r:id="rId7"/>
+    <p:sldLayoutId id="2147483680" r:id="rId8"/>
+    <p:sldLayoutId id="2147483681" r:id="rId9"/>
+    <p:sldLayoutId id="2147483682" r:id="rId10"/>
+    <p:sldLayoutId id="2147483683" r:id="rId11"/>
   </p:sldLayoutIdLst>
   <p:txStyles>
     <p:titleStyle>
-      <a:lvl1pPr algn="l" defTabSz="914400" rtl="0" eaLnBrk="1" latinLnBrk="1" hangingPunct="1">
-        <a:lnSpc>
-          <a:spcPct val="90000"/>
-        </a:lnSpc>
+      <a:lvl1pPr algn="ctr" defTabSz="574975" rtl="0" eaLnBrk="1" latinLnBrk="0" hangingPunct="1">
         <a:spcBef>
           <a:spcPct val="0"/>
         </a:spcBef>
         <a:buNone/>
-        <a:defRPr sz="4400" kern="1200">
+        <a:defRPr sz="2767" kern="1200">
           <a:solidFill>
             <a:schemeClr val="tx1"/>
           </a:solidFill>
@@ -2704,16 +2841,13 @@
       </a:lvl1pPr>
     </p:titleStyle>
     <p:bodyStyle>
-      <a:lvl1pPr marL="228600" indent="-228600" algn="l" defTabSz="914400" rtl="0" eaLnBrk="1" latinLnBrk="1" hangingPunct="1">
-        <a:lnSpc>
-          <a:spcPct val="90000"/>
-        </a:lnSpc>
+      <a:lvl1pPr marL="215616" indent="-215616" algn="l" defTabSz="574975" rtl="0" eaLnBrk="1" latinLnBrk="0" hangingPunct="1">
         <a:spcBef>
-          <a:spcPts val="1000"/>
+          <a:spcPct val="20000"/>
         </a:spcBef>
-        <a:buFont typeface="Arial" panose="020B0604020202020204" pitchFamily="34" charset="0"/>
-        <a:buChar char="•"/>
-        <a:defRPr sz="2800" kern="1200">
+        <a:buFont typeface="Arial" pitchFamily="34" charset="0"/>
+        <a:buChar char="�"/>
+        <a:defRPr sz="2012" kern="1200">
           <a:solidFill>
             <a:schemeClr val="tx1"/>
           </a:solidFill>
@@ -2722,16 +2856,13 @@
           <a:cs typeface="+mn-cs"/>
         </a:defRPr>
       </a:lvl1pPr>
-      <a:lvl2pPr marL="685800" indent="-228600" algn="l" defTabSz="914400" rtl="0" eaLnBrk="1" latinLnBrk="1" hangingPunct="1">
-        <a:lnSpc>
-          <a:spcPct val="90000"/>
-        </a:lnSpc>
+      <a:lvl2pPr marL="467167" indent="-179680" algn="l" defTabSz="574975" rtl="0" eaLnBrk="1" latinLnBrk="0" hangingPunct="1">
         <a:spcBef>
-          <a:spcPts val="500"/>
+          <a:spcPct val="20000"/>
         </a:spcBef>
-        <a:buFont typeface="Arial" panose="020B0604020202020204" pitchFamily="34" charset="0"/>
-        <a:buChar char="•"/>
-        <a:defRPr sz="2400" kern="1200">
+        <a:buFont typeface="Arial" pitchFamily="34" charset="0"/>
+        <a:buChar char="�"/>
+        <a:defRPr sz="1761" kern="1200">
           <a:solidFill>
             <a:schemeClr val="tx1"/>
           </a:solidFill>
@@ -2740,16 +2871,13 @@
           <a:cs typeface="+mn-cs"/>
         </a:defRPr>
       </a:lvl2pPr>
-      <a:lvl3pPr marL="1143000" indent="-228600" algn="l" defTabSz="914400" rtl="0" eaLnBrk="1" latinLnBrk="1" hangingPunct="1">
-        <a:lnSpc>
-          <a:spcPct val="90000"/>
-        </a:lnSpc>
+      <a:lvl3pPr marL="718718" indent="-143744" algn="l" defTabSz="574975" rtl="0" eaLnBrk="1" latinLnBrk="0" hangingPunct="1">
         <a:spcBef>
-          <a:spcPts val="500"/>
+          <a:spcPct val="20000"/>
         </a:spcBef>
-        <a:buFont typeface="Arial" panose="020B0604020202020204" pitchFamily="34" charset="0"/>
-        <a:buChar char="•"/>
-        <a:defRPr sz="2000" kern="1200">
+        <a:buFont typeface="Arial" pitchFamily="34" charset="0"/>
+        <a:buChar char="�"/>
+        <a:defRPr sz="1509" kern="1200">
           <a:solidFill>
             <a:schemeClr val="tx1"/>
           </a:solidFill>
@@ -2758,16 +2886,13 @@
           <a:cs typeface="+mn-cs"/>
         </a:defRPr>
       </a:lvl3pPr>
-      <a:lvl4pPr marL="1600200" indent="-228600" algn="l" defTabSz="914400" rtl="0" eaLnBrk="1" latinLnBrk="1" hangingPunct="1">
-        <a:lnSpc>
-          <a:spcPct val="90000"/>
-        </a:lnSpc>
+      <a:lvl4pPr marL="1006206" indent="-143744" algn="l" defTabSz="574975" rtl="0" eaLnBrk="1" latinLnBrk="0" hangingPunct="1">
         <a:spcBef>
-          <a:spcPts val="500"/>
+          <a:spcPct val="20000"/>
         </a:spcBef>
-        <a:buFont typeface="Arial" panose="020B0604020202020204" pitchFamily="34" charset="0"/>
-        <a:buChar char="•"/>
-        <a:defRPr sz="1800" kern="1200">
+        <a:buFont typeface="Arial" pitchFamily="34" charset="0"/>
+        <a:buChar char="�"/>
+        <a:defRPr sz="1258" kern="1200">
           <a:solidFill>
             <a:schemeClr val="tx1"/>
           </a:solidFill>
@@ -2776,16 +2901,13 @@
           <a:cs typeface="+mn-cs"/>
         </a:defRPr>
       </a:lvl4pPr>
-      <a:lvl5pPr marL="2057400" indent="-228600" algn="l" defTabSz="914400" rtl="0" eaLnBrk="1" latinLnBrk="1" hangingPunct="1">
-        <a:lnSpc>
-          <a:spcPct val="90000"/>
-        </a:lnSpc>
+      <a:lvl5pPr marL="1293693" indent="-143744" algn="l" defTabSz="574975" rtl="0" eaLnBrk="1" latinLnBrk="0" hangingPunct="1">
         <a:spcBef>
-          <a:spcPts val="500"/>
+          <a:spcPct val="20000"/>
         </a:spcBef>
-        <a:buFont typeface="Arial" panose="020B0604020202020204" pitchFamily="34" charset="0"/>
-        <a:buChar char="•"/>
-        <a:defRPr sz="1800" kern="1200">
+        <a:buFont typeface="Arial" pitchFamily="34" charset="0"/>
+        <a:buChar char="�"/>
+        <a:defRPr sz="1258" kern="1200">
           <a:solidFill>
             <a:schemeClr val="tx1"/>
           </a:solidFill>
@@ -2794,16 +2916,13 @@
           <a:cs typeface="+mn-cs"/>
         </a:defRPr>
       </a:lvl5pPr>
-      <a:lvl6pPr marL="2514600" indent="-228600" algn="l" defTabSz="914400" rtl="0" eaLnBrk="1" latinLnBrk="1" hangingPunct="1">
-        <a:lnSpc>
-          <a:spcPct val="90000"/>
-        </a:lnSpc>
+      <a:lvl6pPr marL="1581180" indent="-143744" algn="l" defTabSz="574975" rtl="0" eaLnBrk="1" latinLnBrk="0" hangingPunct="1">
         <a:spcBef>
-          <a:spcPts val="500"/>
+          <a:spcPct val="20000"/>
         </a:spcBef>
-        <a:buFont typeface="Arial" panose="020B0604020202020204" pitchFamily="34" charset="0"/>
-        <a:buChar char="•"/>
-        <a:defRPr sz="1800" kern="1200">
+        <a:buFont typeface="Arial" pitchFamily="34" charset="0"/>
+        <a:buChar char="�"/>
+        <a:defRPr sz="1258" kern="1200">
           <a:solidFill>
             <a:schemeClr val="tx1"/>
           </a:solidFill>
@@ -2812,16 +2931,13 @@
           <a:cs typeface="+mn-cs"/>
         </a:defRPr>
       </a:lvl6pPr>
-      <a:lvl7pPr marL="2971800" indent="-228600" algn="l" defTabSz="914400" rtl="0" eaLnBrk="1" latinLnBrk="1" hangingPunct="1">
-        <a:lnSpc>
-          <a:spcPct val="90000"/>
-        </a:lnSpc>
+      <a:lvl7pPr marL="1868668" indent="-143744" algn="l" defTabSz="574975" rtl="0" eaLnBrk="1" latinLnBrk="0" hangingPunct="1">
         <a:spcBef>
-          <a:spcPts val="500"/>
+          <a:spcPct val="20000"/>
         </a:spcBef>
-        <a:buFont typeface="Arial" panose="020B0604020202020204" pitchFamily="34" charset="0"/>
-        <a:buChar char="•"/>
-        <a:defRPr sz="1800" kern="1200">
+        <a:buFont typeface="Arial" pitchFamily="34" charset="0"/>
+        <a:buChar char="�"/>
+        <a:defRPr sz="1258" kern="1200">
           <a:solidFill>
             <a:schemeClr val="tx1"/>
           </a:solidFill>
@@ -2830,16 +2946,13 @@
           <a:cs typeface="+mn-cs"/>
         </a:defRPr>
       </a:lvl7pPr>
-      <a:lvl8pPr marL="3429000" indent="-228600" algn="l" defTabSz="914400" rtl="0" eaLnBrk="1" latinLnBrk="1" hangingPunct="1">
-        <a:lnSpc>
-          <a:spcPct val="90000"/>
-        </a:lnSpc>
+      <a:lvl8pPr marL="2156155" indent="-143744" algn="l" defTabSz="574975" rtl="0" eaLnBrk="1" latinLnBrk="0" hangingPunct="1">
         <a:spcBef>
-          <a:spcPts val="500"/>
+          <a:spcPct val="20000"/>
         </a:spcBef>
-        <a:buFont typeface="Arial" panose="020B0604020202020204" pitchFamily="34" charset="0"/>
-        <a:buChar char="•"/>
-        <a:defRPr sz="1800" kern="1200">
+        <a:buFont typeface="Arial" pitchFamily="34" charset="0"/>
+        <a:buChar char="�"/>
+        <a:defRPr sz="1258" kern="1200">
           <a:solidFill>
             <a:schemeClr val="tx1"/>
           </a:solidFill>
@@ -2848,16 +2961,13 @@
           <a:cs typeface="+mn-cs"/>
         </a:defRPr>
       </a:lvl8pPr>
-      <a:lvl9pPr marL="3886200" indent="-228600" algn="l" defTabSz="914400" rtl="0" eaLnBrk="1" latinLnBrk="1" hangingPunct="1">
-        <a:lnSpc>
-          <a:spcPct val="90000"/>
-        </a:lnSpc>
+      <a:lvl9pPr marL="2443643" indent="-143744" algn="l" defTabSz="574975" rtl="0" eaLnBrk="1" latinLnBrk="0" hangingPunct="1">
         <a:spcBef>
-          <a:spcPts val="500"/>
+          <a:spcPct val="20000"/>
         </a:spcBef>
-        <a:buFont typeface="Arial" panose="020B0604020202020204" pitchFamily="34" charset="0"/>
-        <a:buChar char="•"/>
-        <a:defRPr sz="1800" kern="1200">
+        <a:buFont typeface="Arial" pitchFamily="34" charset="0"/>
+        <a:buChar char="�"/>
+        <a:defRPr sz="1258" kern="1200">
           <a:solidFill>
             <a:schemeClr val="tx1"/>
           </a:solidFill>
@@ -2871,8 +2981,8 @@
       <a:defPPr>
         <a:defRPr lang="en-US"/>
       </a:defPPr>
-      <a:lvl1pPr marL="0" algn="l" defTabSz="914400" rtl="0" eaLnBrk="1" latinLnBrk="1" hangingPunct="1">
-        <a:defRPr sz="1800" kern="1200">
+      <a:lvl1pPr marL="0" algn="l" defTabSz="574975" rtl="0" eaLnBrk="1" latinLnBrk="0" hangingPunct="1">
+        <a:defRPr sz="1132" kern="1200">
           <a:solidFill>
             <a:schemeClr val="tx1"/>
           </a:solidFill>
@@ -2881,8 +2991,8 @@
           <a:cs typeface="+mn-cs"/>
         </a:defRPr>
       </a:lvl1pPr>
-      <a:lvl2pPr marL="457200" algn="l" defTabSz="914400" rtl="0" eaLnBrk="1" latinLnBrk="1" hangingPunct="1">
-        <a:defRPr sz="1800" kern="1200">
+      <a:lvl2pPr marL="287487" algn="l" defTabSz="574975" rtl="0" eaLnBrk="1" latinLnBrk="0" hangingPunct="1">
+        <a:defRPr sz="1132" kern="1200">
           <a:solidFill>
             <a:schemeClr val="tx1"/>
           </a:solidFill>
@@ -2891,8 +3001,8 @@
           <a:cs typeface="+mn-cs"/>
         </a:defRPr>
       </a:lvl2pPr>
-      <a:lvl3pPr marL="914400" algn="l" defTabSz="914400" rtl="0" eaLnBrk="1" latinLnBrk="1" hangingPunct="1">
-        <a:defRPr sz="1800" kern="1200">
+      <a:lvl3pPr marL="574975" algn="l" defTabSz="574975" rtl="0" eaLnBrk="1" latinLnBrk="0" hangingPunct="1">
+        <a:defRPr sz="1132" kern="1200">
           <a:solidFill>
             <a:schemeClr val="tx1"/>
           </a:solidFill>
@@ -2901,8 +3011,8 @@
           <a:cs typeface="+mn-cs"/>
         </a:defRPr>
       </a:lvl3pPr>
-      <a:lvl4pPr marL="1371600" algn="l" defTabSz="914400" rtl="0" eaLnBrk="1" latinLnBrk="1" hangingPunct="1">
-        <a:defRPr sz="1800" kern="1200">
+      <a:lvl4pPr marL="862462" algn="l" defTabSz="574975" rtl="0" eaLnBrk="1" latinLnBrk="0" hangingPunct="1">
+        <a:defRPr sz="1132" kern="1200">
           <a:solidFill>
             <a:schemeClr val="tx1"/>
           </a:solidFill>
@@ -2911,8 +3021,8 @@
           <a:cs typeface="+mn-cs"/>
         </a:defRPr>
       </a:lvl4pPr>
-      <a:lvl5pPr marL="1828800" algn="l" defTabSz="914400" rtl="0" eaLnBrk="1" latinLnBrk="1" hangingPunct="1">
-        <a:defRPr sz="1800" kern="1200">
+      <a:lvl5pPr marL="1149949" algn="l" defTabSz="574975" rtl="0" eaLnBrk="1" latinLnBrk="0" hangingPunct="1">
+        <a:defRPr sz="1132" kern="1200">
           <a:solidFill>
             <a:schemeClr val="tx1"/>
           </a:solidFill>
@@ -2921,8 +3031,8 @@
           <a:cs typeface="+mn-cs"/>
         </a:defRPr>
       </a:lvl5pPr>
-      <a:lvl6pPr marL="2286000" algn="l" defTabSz="914400" rtl="0" eaLnBrk="1" latinLnBrk="1" hangingPunct="1">
-        <a:defRPr sz="1800" kern="1200">
+      <a:lvl6pPr marL="1437437" algn="l" defTabSz="574975" rtl="0" eaLnBrk="1" latinLnBrk="0" hangingPunct="1">
+        <a:defRPr sz="1132" kern="1200">
           <a:solidFill>
             <a:schemeClr val="tx1"/>
           </a:solidFill>
@@ -2931,8 +3041,8 @@
           <a:cs typeface="+mn-cs"/>
         </a:defRPr>
       </a:lvl6pPr>
-      <a:lvl7pPr marL="2743200" algn="l" defTabSz="914400" rtl="0" eaLnBrk="1" latinLnBrk="1" hangingPunct="1">
-        <a:defRPr sz="1800" kern="1200">
+      <a:lvl7pPr marL="1724924" algn="l" defTabSz="574975" rtl="0" eaLnBrk="1" latinLnBrk="0" hangingPunct="1">
+        <a:defRPr sz="1132" kern="1200">
           <a:solidFill>
             <a:schemeClr val="tx1"/>
           </a:solidFill>
@@ -2941,8 +3051,8 @@
           <a:cs typeface="+mn-cs"/>
         </a:defRPr>
       </a:lvl7pPr>
-      <a:lvl8pPr marL="3200400" algn="l" defTabSz="914400" rtl="0" eaLnBrk="1" latinLnBrk="1" hangingPunct="1">
-        <a:defRPr sz="1800" kern="1200">
+      <a:lvl8pPr marL="2012412" algn="l" defTabSz="574975" rtl="0" eaLnBrk="1" latinLnBrk="0" hangingPunct="1">
+        <a:defRPr sz="1132" kern="1200">
           <a:solidFill>
             <a:schemeClr val="tx1"/>
           </a:solidFill>
@@ -2951,8 +3061,8 @@
           <a:cs typeface="+mn-cs"/>
         </a:defRPr>
       </a:lvl8pPr>
-      <a:lvl9pPr marL="3657600" algn="l" defTabSz="914400" rtl="0" eaLnBrk="1" latinLnBrk="1" hangingPunct="1">
-        <a:defRPr sz="1800" kern="1200">
+      <a:lvl9pPr marL="2299899" algn="l" defTabSz="574975" rtl="0" eaLnBrk="1" latinLnBrk="0" hangingPunct="1">
+        <a:defRPr sz="1132" kern="1200">
           <a:solidFill>
             <a:schemeClr val="tx1"/>
           </a:solidFill>
@@ -2969,6 +3079,14 @@
 <file path=ppt/slides/slide1.xml><?xml version="1.0" encoding="utf-8"?>
 <p:sld xmlns:a="http://schemas.openxmlformats.org/drawingml/2006/main" xmlns:r="http://schemas.openxmlformats.org/officeDocument/2006/relationships" xmlns:p="http://schemas.openxmlformats.org/presentationml/2006/main">
   <p:cSld>
+    <p:bg>
+      <p:bgPr>
+        <a:solidFill>
+          <a:srgbClr val="708AFF"/>
+        </a:solidFill>
+        <a:effectLst/>
+      </p:bgPr>
+    </p:bg>
     <p:spTree>
       <p:nvGrpSpPr>
         <p:cNvPr id="1" name=""/>
@@ -2988,7 +3106,7 @@
           <p:cNvPr id="9" name="직사각형 8">
             <a:extLst>
               <a:ext uri="{FF2B5EF4-FFF2-40B4-BE49-F238E27FC236}">
-                <a16:creationId xmlns:a16="http://schemas.microsoft.com/office/drawing/2014/main" id="{95699FB5-41BF-1507-02BF-557F9F09AFB8}"/>
+                <a16:creationId xmlns:a16="http://schemas.microsoft.com/office/drawing/2014/main" id="{5AF7D4EF-EA8D-FEBA-D4CB-D5BC1957B68E}"/>
               </a:ext>
             </a:extLst>
           </p:cNvPr>
@@ -2997,14 +3115,14 @@
         </p:nvSpPr>
         <p:spPr>
           <a:xfrm>
-            <a:off x="4967514" y="0"/>
-            <a:ext cx="4938486" cy="2921000"/>
+            <a:off x="4976850" y="0"/>
+            <a:ext cx="4940542" cy="6909560"/>
           </a:xfrm>
           <a:prstGeom prst="rect">
             <a:avLst/>
           </a:prstGeom>
           <a:solidFill>
-            <a:srgbClr val="6B89F0"/>
+            <a:srgbClr val="708AFF"/>
           </a:solidFill>
           <a:ln>
             <a:noFill/>
@@ -3035,30 +3153,189 @@
           </a:p>
         </p:txBody>
       </p:sp>
+      <p:grpSp>
+        <p:nvGrpSpPr>
+          <p:cNvPr id="1001" name="그룹 1001"/>
+          <p:cNvGrpSpPr/>
+          <p:nvPr/>
+        </p:nvGrpSpPr>
+        <p:grpSpPr>
+          <a:xfrm>
+            <a:off x="4953000" y="0"/>
+            <a:ext cx="4909820" cy="6857143"/>
+            <a:chOff x="0" y="0"/>
+            <a:chExt cx="7771429" cy="10904762"/>
+          </a:xfrm>
+        </p:grpSpPr>
+        <p:pic>
+          <p:nvPicPr>
+            <p:cNvPr id="3" name="Object 2"/>
+            <p:cNvPicPr>
+              <a:picLocks noChangeAspect="1"/>
+            </p:cNvPicPr>
+            <p:nvPr/>
+          </p:nvPicPr>
+          <p:blipFill>
+            <a:blip r:embed="rId2" cstate="print"/>
+            <a:stretch>
+              <a:fillRect/>
+            </a:stretch>
+          </p:blipFill>
+          <p:spPr>
+            <a:xfrm>
+              <a:off x="0" y="0"/>
+              <a:ext cx="7771429" cy="10904762"/>
+            </a:xfrm>
+            <a:prstGeom prst="rect">
+              <a:avLst/>
+            </a:prstGeom>
+          </p:spPr>
+        </p:pic>
+      </p:grpSp>
       <p:pic>
         <p:nvPicPr>
-          <p:cNvPr id="2" name="그림 1">
-            <a:extLst>
-              <a:ext uri="{FF2B5EF4-FFF2-40B4-BE49-F238E27FC236}">
-                <a16:creationId xmlns:a16="http://schemas.microsoft.com/office/drawing/2014/main" id="{9CB05365-B085-AEED-485A-486BD46C959A}"/>
-              </a:ext>
-            </a:extLst>
-          </p:cNvPr>
+          <p:cNvPr id="5" name="Object 4"/>
           <p:cNvPicPr>
             <a:picLocks noChangeAspect="1"/>
           </p:cNvPicPr>
           <p:nvPr/>
         </p:nvPicPr>
         <p:blipFill>
-          <a:blip r:embed="rId2"/>
+          <a:blip r:embed="rId3" cstate="print"/>
           <a:stretch>
             <a:fillRect/>
           </a:stretch>
         </p:blipFill>
         <p:spPr>
-          <a:xfrm>
-            <a:off x="4967514" y="262026"/>
-            <a:ext cx="4938486" cy="6315387"/>
+          <a:xfrm rot="20940000">
+            <a:off x="4862341" y="971403"/>
+            <a:ext cx="2997090" cy="1497520"/>
+          </a:xfrm>
+          <a:prstGeom prst="rect">
+            <a:avLst/>
+          </a:prstGeom>
+        </p:spPr>
+      </p:pic>
+      <p:grpSp>
+        <p:nvGrpSpPr>
+          <p:cNvPr id="1002" name="그룹 1002"/>
+          <p:cNvGrpSpPr/>
+          <p:nvPr/>
+        </p:nvGrpSpPr>
+        <p:grpSpPr>
+          <a:xfrm>
+            <a:off x="4953000" y="4673499"/>
+            <a:ext cx="4953000" cy="2236061"/>
+            <a:chOff x="-650717" y="7432161"/>
+            <a:chExt cx="8789033" cy="4543116"/>
+          </a:xfrm>
+        </p:grpSpPr>
+        <p:pic>
+          <p:nvPicPr>
+            <p:cNvPr id="7" name="Object 6"/>
+            <p:cNvPicPr>
+              <a:picLocks noChangeAspect="1"/>
+            </p:cNvPicPr>
+            <p:nvPr/>
+          </p:nvPicPr>
+          <p:blipFill>
+            <a:blip r:embed="rId4" cstate="print"/>
+            <a:stretch>
+              <a:fillRect/>
+            </a:stretch>
+          </p:blipFill>
+          <p:spPr>
+            <a:xfrm>
+              <a:off x="-650717" y="7432161"/>
+              <a:ext cx="8789033" cy="4543116"/>
+            </a:xfrm>
+            <a:prstGeom prst="rect">
+              <a:avLst/>
+            </a:prstGeom>
+          </p:spPr>
+        </p:pic>
+      </p:grpSp>
+      <p:grpSp>
+        <p:nvGrpSpPr>
+          <p:cNvPr id="1003" name="그룹 1003"/>
+          <p:cNvGrpSpPr/>
+          <p:nvPr/>
+        </p:nvGrpSpPr>
+        <p:grpSpPr>
+          <a:xfrm>
+            <a:off x="4952999" y="4234806"/>
+            <a:ext cx="5061083" cy="540260"/>
+            <a:chOff x="-802321" y="6734517"/>
+            <a:chExt cx="9469009" cy="859163"/>
+          </a:xfrm>
+        </p:grpSpPr>
+        <p:pic>
+          <p:nvPicPr>
+            <p:cNvPr id="10" name="Object 9"/>
+            <p:cNvPicPr>
+              <a:picLocks noChangeAspect="1"/>
+            </p:cNvPicPr>
+            <p:nvPr/>
+          </p:nvPicPr>
+          <p:blipFill>
+            <a:blip r:embed="rId5" cstate="print"/>
+            <a:stretch>
+              <a:fillRect/>
+            </a:stretch>
+          </p:blipFill>
+          <p:spPr>
+            <a:xfrm>
+              <a:off x="-5536826" y="6410678"/>
+              <a:ext cx="18938019" cy="1718326"/>
+            </a:xfrm>
+            <a:prstGeom prst="rect">
+              <a:avLst/>
+            </a:prstGeom>
+          </p:spPr>
+        </p:pic>
+        <p:pic>
+          <p:nvPicPr>
+            <p:cNvPr id="11" name="Object 10"/>
+            <p:cNvPicPr>
+              <a:picLocks noChangeAspect="1"/>
+            </p:cNvPicPr>
+            <p:nvPr/>
+          </p:nvPicPr>
+          <p:blipFill>
+            <a:blip r:embed="rId6" cstate="print"/>
+            <a:stretch>
+              <a:fillRect/>
+            </a:stretch>
+          </p:blipFill>
+          <p:spPr>
+            <a:xfrm>
+              <a:off x="-802321" y="6734517"/>
+              <a:ext cx="9469009" cy="859163"/>
+            </a:xfrm>
+            <a:prstGeom prst="rect">
+              <a:avLst/>
+            </a:prstGeom>
+          </p:spPr>
+        </p:pic>
+      </p:grpSp>
+      <p:pic>
+        <p:nvPicPr>
+          <p:cNvPr id="13" name="Object 12"/>
+          <p:cNvPicPr>
+            <a:picLocks noChangeAspect="1"/>
+          </p:cNvPicPr>
+          <p:nvPr/>
+        </p:nvPicPr>
+        <p:blipFill>
+          <a:blip r:embed="rId7" cstate="print"/>
+          <a:stretch>
+            <a:fillRect/>
+          </a:stretch>
+        </p:blipFill>
+        <p:spPr>
+          <a:xfrm>
+            <a:off x="6532532" y="1612478"/>
+            <a:ext cx="5084311" cy="4055602"/>
           </a:xfrm>
           <a:prstGeom prst="rect">
             <a:avLst/>
@@ -3067,28 +3344,433 @@
       </p:pic>
       <p:pic>
         <p:nvPicPr>
-          <p:cNvPr id="3" name="그림 2">
-            <a:extLst>
-              <a:ext uri="{FF2B5EF4-FFF2-40B4-BE49-F238E27FC236}">
-                <a16:creationId xmlns:a16="http://schemas.microsoft.com/office/drawing/2014/main" id="{873024D5-32A6-7A76-914A-15EBD901F0C1}"/>
-              </a:ext>
-            </a:extLst>
-          </p:cNvPr>
+          <p:cNvPr id="14" name="Object 13"/>
           <p:cNvPicPr>
             <a:picLocks noChangeAspect="1"/>
           </p:cNvPicPr>
           <p:nvPr/>
         </p:nvPicPr>
         <p:blipFill>
-          <a:blip r:embed="rId3"/>
+          <a:blip r:embed="rId8" cstate="print"/>
           <a:stretch>
             <a:fillRect/>
           </a:stretch>
         </p:blipFill>
         <p:spPr>
           <a:xfrm>
-            <a:off x="0" y="252746"/>
-            <a:ext cx="4953000" cy="6333947"/>
+            <a:off x="4365080" y="528784"/>
+            <a:ext cx="7084079" cy="5214965"/>
+          </a:xfrm>
+          <a:prstGeom prst="rect">
+            <a:avLst/>
+          </a:prstGeom>
+        </p:spPr>
+      </p:pic>
+      <p:pic>
+        <p:nvPicPr>
+          <p:cNvPr id="22" name="Object 21"/>
+          <p:cNvPicPr>
+            <a:picLocks noChangeAspect="1"/>
+          </p:cNvPicPr>
+          <p:nvPr/>
+        </p:nvPicPr>
+        <p:blipFill>
+          <a:blip r:embed="rId9" cstate="print"/>
+          <a:stretch>
+            <a:fillRect/>
+          </a:stretch>
+        </p:blipFill>
+        <p:spPr>
+          <a:xfrm>
+            <a:off x="4992186" y="3220551"/>
+            <a:ext cx="4807803" cy="1576616"/>
+          </a:xfrm>
+          <a:prstGeom prst="rect">
+            <a:avLst/>
+          </a:prstGeom>
+        </p:spPr>
+      </p:pic>
+      <p:pic>
+        <p:nvPicPr>
+          <p:cNvPr id="15" name="Object 14"/>
+          <p:cNvPicPr>
+            <a:picLocks noChangeAspect="1"/>
+          </p:cNvPicPr>
+          <p:nvPr/>
+        </p:nvPicPr>
+        <p:blipFill>
+          <a:blip r:embed="rId10" cstate="print"/>
+          <a:stretch>
+            <a:fillRect/>
+          </a:stretch>
+        </p:blipFill>
+        <p:spPr>
+          <a:xfrm>
+            <a:off x="5310151" y="-466811"/>
+            <a:ext cx="5308688" cy="3881731"/>
+          </a:xfrm>
+          <a:prstGeom prst="rect">
+            <a:avLst/>
+          </a:prstGeom>
+        </p:spPr>
+      </p:pic>
+      <p:grpSp>
+        <p:nvGrpSpPr>
+          <p:cNvPr id="1004" name="그룹 1004"/>
+          <p:cNvGrpSpPr/>
+          <p:nvPr/>
+        </p:nvGrpSpPr>
+        <p:grpSpPr>
+          <a:xfrm>
+            <a:off x="8113460" y="1191084"/>
+            <a:ext cx="2011372" cy="1074062"/>
+            <a:chOff x="4989463" y="1894153"/>
+            <a:chExt cx="3198640" cy="1708057"/>
+          </a:xfrm>
+        </p:grpSpPr>
+        <p:pic>
+          <p:nvPicPr>
+            <p:cNvPr id="17" name="Object 16"/>
+            <p:cNvPicPr>
+              <a:picLocks noChangeAspect="1"/>
+            </p:cNvPicPr>
+            <p:nvPr/>
+          </p:nvPicPr>
+          <p:blipFill>
+            <a:blip r:embed="rId11" cstate="print"/>
+            <a:stretch>
+              <a:fillRect/>
+            </a:stretch>
+          </p:blipFill>
+          <p:spPr>
+            <a:xfrm rot="-420000">
+              <a:off x="4989026" y="1975654"/>
+              <a:ext cx="2933554" cy="1646592"/>
+            </a:xfrm>
+            <a:prstGeom prst="rect">
+              <a:avLst/>
+            </a:prstGeom>
+          </p:spPr>
+        </p:pic>
+        <p:grpSp>
+          <p:nvGrpSpPr>
+            <p:cNvPr id="1005" name="그룹 1005"/>
+            <p:cNvGrpSpPr/>
+            <p:nvPr/>
+          </p:nvGrpSpPr>
+          <p:grpSpPr>
+            <a:xfrm>
+              <a:off x="5409404" y="2533556"/>
+              <a:ext cx="2779793" cy="178657"/>
+              <a:chOff x="5409404" y="2533556"/>
+              <a:chExt cx="2779793" cy="178657"/>
+            </a:xfrm>
+          </p:grpSpPr>
+          <p:pic>
+            <p:nvPicPr>
+              <p:cNvPr id="19" name="Object 18"/>
+              <p:cNvPicPr>
+                <a:picLocks noChangeAspect="1"/>
+              </p:cNvPicPr>
+              <p:nvPr/>
+            </p:nvPicPr>
+            <p:blipFill>
+              <a:blip r:embed="rId12" cstate="print"/>
+              <a:stretch>
+                <a:fillRect/>
+              </a:stretch>
+            </p:blipFill>
+            <p:spPr>
+              <a:xfrm rot="-480000">
+                <a:off x="5409404" y="2533556"/>
+                <a:ext cx="2779793" cy="178657"/>
+              </a:xfrm>
+              <a:prstGeom prst="rect">
+                <a:avLst/>
+              </a:prstGeom>
+            </p:spPr>
+          </p:pic>
+        </p:grpSp>
+      </p:grpSp>
+      <p:pic>
+        <p:nvPicPr>
+          <p:cNvPr id="23" name="Object 22"/>
+          <p:cNvPicPr>
+            <a:picLocks noChangeAspect="1"/>
+          </p:cNvPicPr>
+          <p:nvPr/>
+        </p:nvPicPr>
+        <p:blipFill>
+          <a:blip r:embed="rId13" cstate="print"/>
+          <a:stretch>
+            <a:fillRect/>
+          </a:stretch>
+        </p:blipFill>
+        <p:spPr>
+          <a:xfrm>
+            <a:off x="5089817" y="5362929"/>
+            <a:ext cx="648346" cy="285714"/>
+          </a:xfrm>
+          <a:prstGeom prst="rect">
+            <a:avLst/>
+          </a:prstGeom>
+        </p:spPr>
+      </p:pic>
+      <p:pic>
+        <p:nvPicPr>
+          <p:cNvPr id="24" name="Object 23"/>
+          <p:cNvPicPr>
+            <a:picLocks noChangeAspect="1"/>
+          </p:cNvPicPr>
+          <p:nvPr/>
+        </p:nvPicPr>
+        <p:blipFill>
+          <a:blip r:embed="rId14" cstate="print"/>
+          <a:stretch>
+            <a:fillRect/>
+          </a:stretch>
+        </p:blipFill>
+        <p:spPr>
+          <a:xfrm>
+            <a:off x="8883739" y="5616577"/>
+            <a:ext cx="939858" cy="641324"/>
+          </a:xfrm>
+          <a:prstGeom prst="rect">
+            <a:avLst/>
+          </a:prstGeom>
+        </p:spPr>
+      </p:pic>
+      <p:pic>
+        <p:nvPicPr>
+          <p:cNvPr id="25" name="Object 24"/>
+          <p:cNvPicPr>
+            <a:picLocks noChangeAspect="1"/>
+          </p:cNvPicPr>
+          <p:nvPr/>
+        </p:nvPicPr>
+        <p:blipFill>
+          <a:blip r:embed="rId15" cstate="print"/>
+          <a:stretch>
+            <a:fillRect/>
+          </a:stretch>
+        </p:blipFill>
+        <p:spPr>
+          <a:xfrm>
+            <a:off x="8937213" y="5328695"/>
+            <a:ext cx="695333" cy="285714"/>
+          </a:xfrm>
+          <a:prstGeom prst="rect">
+            <a:avLst/>
+          </a:prstGeom>
+        </p:spPr>
+      </p:pic>
+      <p:pic>
+        <p:nvPicPr>
+          <p:cNvPr id="26" name="Object 25"/>
+          <p:cNvPicPr>
+            <a:picLocks noChangeAspect="1"/>
+          </p:cNvPicPr>
+          <p:nvPr/>
+        </p:nvPicPr>
+        <p:blipFill>
+          <a:blip r:embed="rId16" cstate="print"/>
+          <a:stretch>
+            <a:fillRect/>
+          </a:stretch>
+        </p:blipFill>
+        <p:spPr>
+          <a:xfrm>
+            <a:off x="6091745" y="5611649"/>
+            <a:ext cx="2623343" cy="553761"/>
+          </a:xfrm>
+          <a:prstGeom prst="rect">
+            <a:avLst/>
+          </a:prstGeom>
+        </p:spPr>
+      </p:pic>
+      <p:pic>
+        <p:nvPicPr>
+          <p:cNvPr id="27" name="Object 26"/>
+          <p:cNvPicPr>
+            <a:picLocks noChangeAspect="1"/>
+          </p:cNvPicPr>
+          <p:nvPr/>
+        </p:nvPicPr>
+        <p:blipFill>
+          <a:blip r:embed="rId17" cstate="print"/>
+          <a:stretch>
+            <a:fillRect/>
+          </a:stretch>
+        </p:blipFill>
+        <p:spPr>
+          <a:xfrm>
+            <a:off x="7122060" y="5327504"/>
+            <a:ext cx="562167" cy="285714"/>
+          </a:xfrm>
+          <a:prstGeom prst="rect">
+            <a:avLst/>
+          </a:prstGeom>
+        </p:spPr>
+      </p:pic>
+      <p:grpSp>
+        <p:nvGrpSpPr>
+          <p:cNvPr id="1006" name="그룹 1006"/>
+          <p:cNvGrpSpPr/>
+          <p:nvPr/>
+        </p:nvGrpSpPr>
+        <p:grpSpPr>
+          <a:xfrm>
+            <a:off x="5390994" y="5095066"/>
+            <a:ext cx="174219" cy="197219"/>
+            <a:chOff x="659987" y="8102569"/>
+            <a:chExt cx="277056" cy="313633"/>
+          </a:xfrm>
+        </p:grpSpPr>
+        <p:pic>
+          <p:nvPicPr>
+            <p:cNvPr id="30" name="Object 29"/>
+            <p:cNvPicPr>
+              <a:picLocks noChangeAspect="1"/>
+            </p:cNvPicPr>
+            <p:nvPr/>
+          </p:nvPicPr>
+          <p:blipFill>
+            <a:blip r:embed="rId18" cstate="print"/>
+            <a:stretch>
+              <a:fillRect/>
+            </a:stretch>
+          </p:blipFill>
+          <p:spPr>
+            <a:xfrm>
+              <a:off x="659987" y="8102569"/>
+              <a:ext cx="277056" cy="313633"/>
+            </a:xfrm>
+            <a:prstGeom prst="rect">
+              <a:avLst/>
+            </a:prstGeom>
+          </p:spPr>
+        </p:pic>
+      </p:grpSp>
+      <p:grpSp>
+        <p:nvGrpSpPr>
+          <p:cNvPr id="1007" name="그룹 1007"/>
+          <p:cNvGrpSpPr/>
+          <p:nvPr/>
+        </p:nvGrpSpPr>
+        <p:grpSpPr>
+          <a:xfrm>
+            <a:off x="9238391" y="5058861"/>
+            <a:ext cx="174219" cy="197219"/>
+            <a:chOff x="6778416" y="8044994"/>
+            <a:chExt cx="277056" cy="313633"/>
+          </a:xfrm>
+        </p:grpSpPr>
+        <p:pic>
+          <p:nvPicPr>
+            <p:cNvPr id="33" name="Object 32"/>
+            <p:cNvPicPr>
+              <a:picLocks noChangeAspect="1"/>
+            </p:cNvPicPr>
+            <p:nvPr/>
+          </p:nvPicPr>
+          <p:blipFill>
+            <a:blip r:embed="rId18" cstate="print"/>
+            <a:stretch>
+              <a:fillRect/>
+            </a:stretch>
+          </p:blipFill>
+          <p:spPr>
+            <a:xfrm>
+              <a:off x="6778416" y="8044994"/>
+              <a:ext cx="277056" cy="313633"/>
+            </a:xfrm>
+            <a:prstGeom prst="rect">
+              <a:avLst/>
+            </a:prstGeom>
+          </p:spPr>
+        </p:pic>
+      </p:grpSp>
+      <p:grpSp>
+        <p:nvGrpSpPr>
+          <p:cNvPr id="1008" name="그룹 1008"/>
+          <p:cNvGrpSpPr/>
+          <p:nvPr/>
+        </p:nvGrpSpPr>
+        <p:grpSpPr>
+          <a:xfrm>
+            <a:off x="7330161" y="5058861"/>
+            <a:ext cx="174219" cy="197219"/>
+            <a:chOff x="3743800" y="8044994"/>
+            <a:chExt cx="277056" cy="313633"/>
+          </a:xfrm>
+        </p:grpSpPr>
+        <p:pic>
+          <p:nvPicPr>
+            <p:cNvPr id="36" name="Object 35"/>
+            <p:cNvPicPr>
+              <a:picLocks noChangeAspect="1"/>
+            </p:cNvPicPr>
+            <p:nvPr/>
+          </p:nvPicPr>
+          <p:blipFill>
+            <a:blip r:embed="rId18" cstate="print"/>
+            <a:stretch>
+              <a:fillRect/>
+            </a:stretch>
+          </p:blipFill>
+          <p:spPr>
+            <a:xfrm>
+              <a:off x="3743800" y="8044994"/>
+              <a:ext cx="277056" cy="313633"/>
+            </a:xfrm>
+            <a:prstGeom prst="rect">
+              <a:avLst/>
+            </a:prstGeom>
+          </p:spPr>
+        </p:pic>
+      </p:grpSp>
+      <p:pic>
+        <p:nvPicPr>
+          <p:cNvPr id="38" name="Object 37"/>
+          <p:cNvPicPr>
+            <a:picLocks noChangeAspect="1"/>
+          </p:cNvPicPr>
+          <p:nvPr/>
+        </p:nvPicPr>
+        <p:blipFill>
+          <a:blip r:embed="rId19" cstate="print"/>
+          <a:stretch>
+            <a:fillRect/>
+          </a:stretch>
+        </p:blipFill>
+        <p:spPr>
+          <a:xfrm>
+            <a:off x="4980809" y="5652780"/>
+            <a:ext cx="989798" cy="255911"/>
+          </a:xfrm>
+          <a:prstGeom prst="rect">
+            <a:avLst/>
+          </a:prstGeom>
+        </p:spPr>
+      </p:pic>
+      <p:pic>
+        <p:nvPicPr>
+          <p:cNvPr id="39" name="Object 38"/>
+          <p:cNvPicPr>
+            <a:picLocks noChangeAspect="1"/>
+          </p:cNvPicPr>
+          <p:nvPr/>
+        </p:nvPicPr>
+        <p:blipFill>
+          <a:blip r:embed="rId20" cstate="print"/>
+          <a:stretch>
+            <a:fillRect/>
+          </a:stretch>
+        </p:blipFill>
+        <p:spPr>
+          <a:xfrm>
+            <a:off x="8829206" y="6431641"/>
+            <a:ext cx="935578" cy="297900"/>
           </a:xfrm>
           <a:prstGeom prst="rect">
             <a:avLst/>
@@ -3097,10 +3779,10 @@
       </p:pic>
       <p:sp>
         <p:nvSpPr>
-          <p:cNvPr id="7" name="직사각형 6">
+          <p:cNvPr id="40" name="직사각형 39">
             <a:extLst>
               <a:ext uri="{FF2B5EF4-FFF2-40B4-BE49-F238E27FC236}">
-                <a16:creationId xmlns:a16="http://schemas.microsoft.com/office/drawing/2014/main" id="{0A5AAD30-8A1B-2F89-1FF9-40EF2BA299B0}"/>
+                <a16:creationId xmlns:a16="http://schemas.microsoft.com/office/drawing/2014/main" id="{298F0AC5-2C16-5367-0D40-5150A819CEEE}"/>
               </a:ext>
             </a:extLst>
           </p:cNvPr>
@@ -3109,14 +3791,14 @@
         </p:nvSpPr>
         <p:spPr>
           <a:xfrm>
-            <a:off x="0" y="4762501"/>
-            <a:ext cx="5080000" cy="2095500"/>
+            <a:off x="2917" y="434"/>
+            <a:ext cx="4946089" cy="6858000"/>
           </a:xfrm>
           <a:prstGeom prst="rect">
             <a:avLst/>
           </a:prstGeom>
           <a:solidFill>
-            <a:srgbClr val="1E1E1E"/>
+            <a:srgbClr val="D0DBFF"/>
           </a:solidFill>
           <a:ln>
             <a:noFill/>
@@ -3147,12 +3829,327 @@
           </a:p>
         </p:txBody>
       </p:sp>
+      <p:grpSp>
+        <p:nvGrpSpPr>
+          <p:cNvPr id="41" name="그룹 1001">
+            <a:extLst>
+              <a:ext uri="{FF2B5EF4-FFF2-40B4-BE49-F238E27FC236}">
+                <a16:creationId xmlns:a16="http://schemas.microsoft.com/office/drawing/2014/main" id="{B402B9AB-E420-A377-780E-084D09F49A16}"/>
+              </a:ext>
+            </a:extLst>
+          </p:cNvPr>
+          <p:cNvGrpSpPr/>
+          <p:nvPr/>
+        </p:nvGrpSpPr>
+        <p:grpSpPr>
+          <a:xfrm>
+            <a:off x="410460" y="2341679"/>
+            <a:ext cx="1835306" cy="1761085"/>
+            <a:chOff x="340014" y="3687792"/>
+            <a:chExt cx="3069856" cy="2817763"/>
+          </a:xfrm>
+        </p:grpSpPr>
+        <p:pic>
+          <p:nvPicPr>
+            <p:cNvPr id="42" name="Object 2">
+              <a:extLst>
+                <a:ext uri="{FF2B5EF4-FFF2-40B4-BE49-F238E27FC236}">
+                  <a16:creationId xmlns:a16="http://schemas.microsoft.com/office/drawing/2014/main" id="{FC6907CD-4BDC-BB88-9EC9-1DAF58D3F072}"/>
+                </a:ext>
+              </a:extLst>
+            </p:cNvPr>
+            <p:cNvPicPr>
+              <a:picLocks noChangeAspect="1"/>
+            </p:cNvPicPr>
+            <p:nvPr/>
+          </p:nvPicPr>
+          <p:blipFill>
+            <a:blip r:embed="rId21" cstate="print"/>
+            <a:stretch>
+              <a:fillRect/>
+            </a:stretch>
+          </p:blipFill>
+          <p:spPr>
+            <a:xfrm>
+              <a:off x="-1194913" y="2300586"/>
+              <a:ext cx="6139711" cy="5635526"/>
+            </a:xfrm>
+            <a:prstGeom prst="rect">
+              <a:avLst/>
+            </a:prstGeom>
+          </p:spPr>
+        </p:pic>
+        <p:pic>
+          <p:nvPicPr>
+            <p:cNvPr id="43" name="Object 3">
+              <a:extLst>
+                <a:ext uri="{FF2B5EF4-FFF2-40B4-BE49-F238E27FC236}">
+                  <a16:creationId xmlns:a16="http://schemas.microsoft.com/office/drawing/2014/main" id="{60D82FDC-2875-AF89-03A9-C2B744D1FB3B}"/>
+                </a:ext>
+              </a:extLst>
+            </p:cNvPr>
+            <p:cNvPicPr>
+              <a:picLocks noChangeAspect="1"/>
+            </p:cNvPicPr>
+            <p:nvPr/>
+          </p:nvPicPr>
+          <p:blipFill>
+            <a:blip r:embed="rId22" cstate="print"/>
+            <a:stretch>
+              <a:fillRect/>
+            </a:stretch>
+          </p:blipFill>
+          <p:spPr>
+            <a:xfrm>
+              <a:off x="340014" y="3687792"/>
+              <a:ext cx="3069856" cy="2817763"/>
+            </a:xfrm>
+            <a:prstGeom prst="rect">
+              <a:avLst/>
+            </a:prstGeom>
+          </p:spPr>
+        </p:pic>
+      </p:grpSp>
+      <p:grpSp>
+        <p:nvGrpSpPr>
+          <p:cNvPr id="44" name="그룹 1002">
+            <a:extLst>
+              <a:ext uri="{FF2B5EF4-FFF2-40B4-BE49-F238E27FC236}">
+                <a16:creationId xmlns:a16="http://schemas.microsoft.com/office/drawing/2014/main" id="{2BB22E2A-57FD-CFFC-BC6A-6C6ABC0C8D95}"/>
+              </a:ext>
+            </a:extLst>
+          </p:cNvPr>
+          <p:cNvGrpSpPr/>
+          <p:nvPr/>
+        </p:nvGrpSpPr>
+        <p:grpSpPr>
+          <a:xfrm>
+            <a:off x="926332" y="2217012"/>
+            <a:ext cx="803564" cy="249332"/>
+            <a:chOff x="1202895" y="3488325"/>
+            <a:chExt cx="1344095" cy="398935"/>
+          </a:xfrm>
+        </p:grpSpPr>
+        <p:pic>
+          <p:nvPicPr>
+            <p:cNvPr id="45" name="Object 6">
+              <a:extLst>
+                <a:ext uri="{FF2B5EF4-FFF2-40B4-BE49-F238E27FC236}">
+                  <a16:creationId xmlns:a16="http://schemas.microsoft.com/office/drawing/2014/main" id="{C881875B-22FC-2429-9F0B-28B5B60B62D3}"/>
+                </a:ext>
+              </a:extLst>
+            </p:cNvPr>
+            <p:cNvPicPr>
+              <a:picLocks noChangeAspect="1"/>
+            </p:cNvPicPr>
+            <p:nvPr/>
+          </p:nvPicPr>
+          <p:blipFill>
+            <a:blip r:embed="rId23" cstate="print"/>
+            <a:stretch>
+              <a:fillRect/>
+            </a:stretch>
+          </p:blipFill>
+          <p:spPr>
+            <a:xfrm>
+              <a:off x="1202895" y="3488325"/>
+              <a:ext cx="1344095" cy="398935"/>
+            </a:xfrm>
+            <a:prstGeom prst="rect">
+              <a:avLst/>
+            </a:prstGeom>
+          </p:spPr>
+        </p:pic>
+      </p:grpSp>
+      <p:grpSp>
+        <p:nvGrpSpPr>
+          <p:cNvPr id="46" name="그룹 1003">
+            <a:extLst>
+              <a:ext uri="{FF2B5EF4-FFF2-40B4-BE49-F238E27FC236}">
+                <a16:creationId xmlns:a16="http://schemas.microsoft.com/office/drawing/2014/main" id="{F0A63E3F-CB20-8DA0-4B79-185CE0D963F3}"/>
+              </a:ext>
+            </a:extLst>
+          </p:cNvPr>
+          <p:cNvGrpSpPr/>
+          <p:nvPr/>
+        </p:nvGrpSpPr>
+        <p:grpSpPr>
+          <a:xfrm>
+            <a:off x="2433612" y="3154830"/>
+            <a:ext cx="193271" cy="259848"/>
+            <a:chOff x="3724075" y="4988848"/>
+            <a:chExt cx="323278" cy="415760"/>
+          </a:xfrm>
+        </p:grpSpPr>
+        <p:pic>
+          <p:nvPicPr>
+            <p:cNvPr id="47" name="Object 9">
+              <a:extLst>
+                <a:ext uri="{FF2B5EF4-FFF2-40B4-BE49-F238E27FC236}">
+                  <a16:creationId xmlns:a16="http://schemas.microsoft.com/office/drawing/2014/main" id="{CD4A934A-7D13-D6C2-77C9-31AC0B087186}"/>
+                </a:ext>
+              </a:extLst>
+            </p:cNvPr>
+            <p:cNvPicPr>
+              <a:picLocks noChangeAspect="1"/>
+            </p:cNvPicPr>
+            <p:nvPr/>
+          </p:nvPicPr>
+          <p:blipFill>
+            <a:blip r:embed="rId24" cstate="print"/>
+            <a:stretch>
+              <a:fillRect/>
+            </a:stretch>
+          </p:blipFill>
+          <p:spPr>
+            <a:xfrm rot="-7200000">
+              <a:off x="3724075" y="4988848"/>
+              <a:ext cx="323278" cy="415760"/>
+            </a:xfrm>
+            <a:prstGeom prst="rect">
+              <a:avLst/>
+            </a:prstGeom>
+          </p:spPr>
+        </p:pic>
+      </p:grpSp>
+      <p:grpSp>
+        <p:nvGrpSpPr>
+          <p:cNvPr id="48" name="그룹 1004">
+            <a:extLst>
+              <a:ext uri="{FF2B5EF4-FFF2-40B4-BE49-F238E27FC236}">
+                <a16:creationId xmlns:a16="http://schemas.microsoft.com/office/drawing/2014/main" id="{0ABDD7D8-E22D-4124-155A-49C45B59E9FB}"/>
+              </a:ext>
+            </a:extLst>
+          </p:cNvPr>
+          <p:cNvGrpSpPr/>
+          <p:nvPr/>
+        </p:nvGrpSpPr>
+        <p:grpSpPr>
+          <a:xfrm>
+            <a:off x="2813743" y="2341679"/>
+            <a:ext cx="1835306" cy="1761085"/>
+            <a:chOff x="4359906" y="3687792"/>
+            <a:chExt cx="3069856" cy="2817763"/>
+          </a:xfrm>
+        </p:grpSpPr>
+        <p:pic>
+          <p:nvPicPr>
+            <p:cNvPr id="49" name="Object 12">
+              <a:extLst>
+                <a:ext uri="{FF2B5EF4-FFF2-40B4-BE49-F238E27FC236}">
+                  <a16:creationId xmlns:a16="http://schemas.microsoft.com/office/drawing/2014/main" id="{005D4E74-3C2B-2BF0-75CF-D9F0D6C225C4}"/>
+                </a:ext>
+              </a:extLst>
+            </p:cNvPr>
+            <p:cNvPicPr>
+              <a:picLocks noChangeAspect="1"/>
+            </p:cNvPicPr>
+            <p:nvPr/>
+          </p:nvPicPr>
+          <p:blipFill>
+            <a:blip r:embed="rId25" cstate="print"/>
+            <a:stretch>
+              <a:fillRect/>
+            </a:stretch>
+          </p:blipFill>
+          <p:spPr>
+            <a:xfrm>
+              <a:off x="2824978" y="2300586"/>
+              <a:ext cx="6139711" cy="5635526"/>
+            </a:xfrm>
+            <a:prstGeom prst="rect">
+              <a:avLst/>
+            </a:prstGeom>
+          </p:spPr>
+        </p:pic>
+        <p:pic>
+          <p:nvPicPr>
+            <p:cNvPr id="50" name="Object 13">
+              <a:extLst>
+                <a:ext uri="{FF2B5EF4-FFF2-40B4-BE49-F238E27FC236}">
+                  <a16:creationId xmlns:a16="http://schemas.microsoft.com/office/drawing/2014/main" id="{923B6360-3413-D71A-C4BC-8FD2A61664C6}"/>
+                </a:ext>
+              </a:extLst>
+            </p:cNvPr>
+            <p:cNvPicPr>
+              <a:picLocks noChangeAspect="1"/>
+            </p:cNvPicPr>
+            <p:nvPr/>
+          </p:nvPicPr>
+          <p:blipFill>
+            <a:blip r:embed="rId22" cstate="print"/>
+            <a:stretch>
+              <a:fillRect/>
+            </a:stretch>
+          </p:blipFill>
+          <p:spPr>
+            <a:xfrm>
+              <a:off x="4359906" y="3687792"/>
+              <a:ext cx="3069856" cy="2817763"/>
+            </a:xfrm>
+            <a:prstGeom prst="rect">
+              <a:avLst/>
+            </a:prstGeom>
+          </p:spPr>
+        </p:pic>
+      </p:grpSp>
+      <p:grpSp>
+        <p:nvGrpSpPr>
+          <p:cNvPr id="51" name="그룹 1005">
+            <a:extLst>
+              <a:ext uri="{FF2B5EF4-FFF2-40B4-BE49-F238E27FC236}">
+                <a16:creationId xmlns:a16="http://schemas.microsoft.com/office/drawing/2014/main" id="{16E8B46B-BB08-A255-3FA3-958FA236201A}"/>
+              </a:ext>
+            </a:extLst>
+          </p:cNvPr>
+          <p:cNvGrpSpPr/>
+          <p:nvPr/>
+        </p:nvGrpSpPr>
+        <p:grpSpPr>
+          <a:xfrm>
+            <a:off x="3329614" y="2217012"/>
+            <a:ext cx="803564" cy="249332"/>
+            <a:chOff x="5222787" y="3488325"/>
+            <a:chExt cx="1344095" cy="398935"/>
+          </a:xfrm>
+        </p:grpSpPr>
+        <p:pic>
+          <p:nvPicPr>
+            <p:cNvPr id="52" name="Object 16">
+              <a:extLst>
+                <a:ext uri="{FF2B5EF4-FFF2-40B4-BE49-F238E27FC236}">
+                  <a16:creationId xmlns:a16="http://schemas.microsoft.com/office/drawing/2014/main" id="{28E55BEC-B560-1567-1DE7-5A719704CA01}"/>
+                </a:ext>
+              </a:extLst>
+            </p:cNvPr>
+            <p:cNvPicPr>
+              <a:picLocks noChangeAspect="1"/>
+            </p:cNvPicPr>
+            <p:nvPr/>
+          </p:nvPicPr>
+          <p:blipFill>
+            <a:blip r:embed="rId26" cstate="print"/>
+            <a:stretch>
+              <a:fillRect/>
+            </a:stretch>
+          </p:blipFill>
+          <p:spPr>
+            <a:xfrm>
+              <a:off x="5222787" y="3488325"/>
+              <a:ext cx="1344095" cy="398935"/>
+            </a:xfrm>
+            <a:prstGeom prst="rect">
+              <a:avLst/>
+            </a:prstGeom>
+          </p:spPr>
+        </p:pic>
+      </p:grpSp>
       <p:pic>
         <p:nvPicPr>
-          <p:cNvPr id="5" name="그림 4">
+          <p:cNvPr id="53" name="Object 18">
             <a:extLst>
               <a:ext uri="{FF2B5EF4-FFF2-40B4-BE49-F238E27FC236}">
-                <a16:creationId xmlns:a16="http://schemas.microsoft.com/office/drawing/2014/main" id="{5F348A24-CAC6-C29F-686D-5F2AD9B71623}"/>
+                <a16:creationId xmlns:a16="http://schemas.microsoft.com/office/drawing/2014/main" id="{9D9AA818-D2EA-B413-114F-11F353FC3B78}"/>
               </a:ext>
             </a:extLst>
           </p:cNvPr>
@@ -3162,79 +4159,78 @@
           <p:nvPr/>
         </p:nvPicPr>
         <p:blipFill>
-          <a:blip r:embed="rId4"/>
+          <a:blip r:embed="rId27" cstate="print"/>
           <a:stretch>
             <a:fillRect/>
           </a:stretch>
         </p:blipFill>
         <p:spPr>
           <a:xfrm>
-            <a:off x="-381000" y="4848313"/>
-            <a:ext cx="6908800" cy="1762525"/>
+            <a:off x="730881" y="2551917"/>
+            <a:ext cx="1005712" cy="336790"/>
           </a:xfrm>
           <a:prstGeom prst="rect">
             <a:avLst/>
           </a:prstGeom>
         </p:spPr>
       </p:pic>
-      <p:sp>
-        <p:nvSpPr>
-          <p:cNvPr id="10" name="직사각형 9">
+      <p:grpSp>
+        <p:nvGrpSpPr>
+          <p:cNvPr id="54" name="그룹 1006">
             <a:extLst>
               <a:ext uri="{FF2B5EF4-FFF2-40B4-BE49-F238E27FC236}">
-                <a16:creationId xmlns:a16="http://schemas.microsoft.com/office/drawing/2014/main" id="{7814DA67-3712-BB36-A297-55CD6246B5AE}"/>
+                <a16:creationId xmlns:a16="http://schemas.microsoft.com/office/drawing/2014/main" id="{3249553F-0436-3428-DA74-345D31B4E66B}"/>
               </a:ext>
             </a:extLst>
           </p:cNvPr>
-          <p:cNvSpPr/>
-          <p:nvPr/>
-        </p:nvSpPr>
-        <p:spPr>
-          <a:xfrm>
-            <a:off x="4967514" y="6096000"/>
-            <a:ext cx="4938486" cy="762000"/>
-          </a:xfrm>
-          <a:prstGeom prst="rect">
-            <a:avLst/>
-          </a:prstGeom>
-          <a:solidFill>
-            <a:srgbClr val="1E1E1E"/>
-          </a:solidFill>
-          <a:ln>
-            <a:noFill/>
-          </a:ln>
-        </p:spPr>
-        <p:style>
-          <a:lnRef idx="2">
-            <a:schemeClr val="accent1">
-              <a:shade val="50000"/>
-            </a:schemeClr>
-          </a:lnRef>
-          <a:fillRef idx="1">
-            <a:schemeClr val="accent1"/>
-          </a:fillRef>
-          <a:effectRef idx="0">
-            <a:schemeClr val="accent1"/>
-          </a:effectRef>
-          <a:fontRef idx="minor">
-            <a:schemeClr val="lt1"/>
-          </a:fontRef>
-        </p:style>
-        <p:txBody>
-          <a:bodyPr rtlCol="0" anchor="ctr"/>
-          <a:lstStyle/>
-          <a:p>
-            <a:pPr algn="ctr"/>
-            <a:endParaRPr lang="ko-KR" altLang="en-US"/>
-          </a:p>
-        </p:txBody>
-      </p:sp>
+          <p:cNvGrpSpPr/>
+          <p:nvPr/>
+        </p:nvGrpSpPr>
+        <p:grpSpPr>
+          <a:xfrm>
+            <a:off x="542802" y="2846240"/>
+            <a:ext cx="1567885" cy="90517"/>
+            <a:chOff x="561377" y="4495098"/>
+            <a:chExt cx="2622550" cy="144828"/>
+          </a:xfrm>
+        </p:grpSpPr>
+        <p:pic>
+          <p:nvPicPr>
+            <p:cNvPr id="55" name="Object 20">
+              <a:extLst>
+                <a:ext uri="{FF2B5EF4-FFF2-40B4-BE49-F238E27FC236}">
+                  <a16:creationId xmlns:a16="http://schemas.microsoft.com/office/drawing/2014/main" id="{1AAC2298-6D91-285F-F587-76B9E893F90B}"/>
+                </a:ext>
+              </a:extLst>
+            </p:cNvPr>
+            <p:cNvPicPr>
+              <a:picLocks noChangeAspect="1"/>
+            </p:cNvPicPr>
+            <p:nvPr/>
+          </p:nvPicPr>
+          <p:blipFill>
+            <a:blip r:embed="rId28" cstate="print"/>
+            <a:stretch>
+              <a:fillRect/>
+            </a:stretch>
+          </p:blipFill>
+          <p:spPr>
+            <a:xfrm rot="-10800000">
+              <a:off x="561377" y="4495098"/>
+              <a:ext cx="2622550" cy="144828"/>
+            </a:xfrm>
+            <a:prstGeom prst="rect">
+              <a:avLst/>
+            </a:prstGeom>
+          </p:spPr>
+        </p:pic>
+      </p:grpSp>
       <p:pic>
         <p:nvPicPr>
-          <p:cNvPr id="25" name="Object 46">
+          <p:cNvPr id="56" name="Object 22">
             <a:extLst>
               <a:ext uri="{FF2B5EF4-FFF2-40B4-BE49-F238E27FC236}">
-                <a16:creationId xmlns:a16="http://schemas.microsoft.com/office/drawing/2014/main" id="{405D85B3-63F3-2002-22E8-979598E24BBD}"/>
+                <a16:creationId xmlns:a16="http://schemas.microsoft.com/office/drawing/2014/main" id="{E1895878-94A7-A7CC-AB13-6D04E8A17011}"/>
               </a:ext>
             </a:extLst>
           </p:cNvPr>
@@ -3244,15 +4240,1047 @@
           <p:nvPr/>
         </p:nvPicPr>
         <p:blipFill>
-          <a:blip r:embed="rId5" cstate="print"/>
+          <a:blip r:embed="rId29" cstate="print"/>
           <a:stretch>
             <a:fillRect/>
           </a:stretch>
         </p:blipFill>
         <p:spPr>
           <a:xfrm>
-            <a:off x="8816593" y="6322045"/>
-            <a:ext cx="924307" cy="309909"/>
+            <a:off x="528181" y="2976840"/>
+            <a:ext cx="1492757" cy="291330"/>
+          </a:xfrm>
+          <a:prstGeom prst="rect">
+            <a:avLst/>
+          </a:prstGeom>
+        </p:spPr>
+      </p:pic>
+      <p:pic>
+        <p:nvPicPr>
+          <p:cNvPr id="57" name="Object 23">
+            <a:extLst>
+              <a:ext uri="{FF2B5EF4-FFF2-40B4-BE49-F238E27FC236}">
+                <a16:creationId xmlns:a16="http://schemas.microsoft.com/office/drawing/2014/main" id="{896F17EA-D675-CFEB-B189-A15F55D7A655}"/>
+              </a:ext>
+            </a:extLst>
+          </p:cNvPr>
+          <p:cNvPicPr>
+            <a:picLocks noChangeAspect="1"/>
+          </p:cNvPicPr>
+          <p:nvPr/>
+        </p:nvPicPr>
+        <p:blipFill>
+          <a:blip r:embed="rId30" cstate="print"/>
+          <a:stretch>
+            <a:fillRect/>
+          </a:stretch>
+        </p:blipFill>
+        <p:spPr>
+          <a:xfrm>
+            <a:off x="428743" y="3322401"/>
+            <a:ext cx="1852308" cy="445234"/>
+          </a:xfrm>
+          <a:prstGeom prst="rect">
+            <a:avLst/>
+          </a:prstGeom>
+        </p:spPr>
+      </p:pic>
+      <p:pic>
+        <p:nvPicPr>
+          <p:cNvPr id="58" name="Object 24">
+            <a:extLst>
+              <a:ext uri="{FF2B5EF4-FFF2-40B4-BE49-F238E27FC236}">
+                <a16:creationId xmlns:a16="http://schemas.microsoft.com/office/drawing/2014/main" id="{859E051A-F7C0-8D0D-A7B3-0B020089AE93}"/>
+              </a:ext>
+            </a:extLst>
+          </p:cNvPr>
+          <p:cNvPicPr>
+            <a:picLocks noChangeAspect="1"/>
+          </p:cNvPicPr>
+          <p:nvPr/>
+        </p:nvPicPr>
+        <p:blipFill>
+          <a:blip r:embed="rId31" cstate="print"/>
+          <a:stretch>
+            <a:fillRect/>
+          </a:stretch>
+        </p:blipFill>
+        <p:spPr>
+          <a:xfrm>
+            <a:off x="3131580" y="2551917"/>
+            <a:ext cx="1005712" cy="336790"/>
+          </a:xfrm>
+          <a:prstGeom prst="rect">
+            <a:avLst/>
+          </a:prstGeom>
+        </p:spPr>
+      </p:pic>
+      <p:grpSp>
+        <p:nvGrpSpPr>
+          <p:cNvPr id="59" name="그룹 1007">
+            <a:extLst>
+              <a:ext uri="{FF2B5EF4-FFF2-40B4-BE49-F238E27FC236}">
+                <a16:creationId xmlns:a16="http://schemas.microsoft.com/office/drawing/2014/main" id="{DA8E043B-D0D9-3A2B-364E-812D69D1B765}"/>
+              </a:ext>
+            </a:extLst>
+          </p:cNvPr>
+          <p:cNvGrpSpPr/>
+          <p:nvPr/>
+        </p:nvGrpSpPr>
+        <p:grpSpPr>
+          <a:xfrm>
+            <a:off x="2943502" y="2846240"/>
+            <a:ext cx="1567885" cy="90517"/>
+            <a:chOff x="4576950" y="4495098"/>
+            <a:chExt cx="2622550" cy="144828"/>
+          </a:xfrm>
+        </p:grpSpPr>
+        <p:pic>
+          <p:nvPicPr>
+            <p:cNvPr id="60" name="Object 26">
+              <a:extLst>
+                <a:ext uri="{FF2B5EF4-FFF2-40B4-BE49-F238E27FC236}">
+                  <a16:creationId xmlns:a16="http://schemas.microsoft.com/office/drawing/2014/main" id="{7A105DB1-7DD5-6850-0B0F-2C9F9244E13C}"/>
+                </a:ext>
+              </a:extLst>
+            </p:cNvPr>
+            <p:cNvPicPr>
+              <a:picLocks noChangeAspect="1"/>
+            </p:cNvPicPr>
+            <p:nvPr/>
+          </p:nvPicPr>
+          <p:blipFill>
+            <a:blip r:embed="rId28" cstate="print"/>
+            <a:stretch>
+              <a:fillRect/>
+            </a:stretch>
+          </p:blipFill>
+          <p:spPr>
+            <a:xfrm rot="-10800000">
+              <a:off x="4576950" y="4495098"/>
+              <a:ext cx="2622550" cy="144828"/>
+            </a:xfrm>
+            <a:prstGeom prst="rect">
+              <a:avLst/>
+            </a:prstGeom>
+          </p:spPr>
+        </p:pic>
+      </p:grpSp>
+      <p:pic>
+        <p:nvPicPr>
+          <p:cNvPr id="61" name="Object 28">
+            <a:extLst>
+              <a:ext uri="{FF2B5EF4-FFF2-40B4-BE49-F238E27FC236}">
+                <a16:creationId xmlns:a16="http://schemas.microsoft.com/office/drawing/2014/main" id="{77FD39D4-C7D7-36D6-657C-162F9D1BE2DA}"/>
+              </a:ext>
+            </a:extLst>
+          </p:cNvPr>
+          <p:cNvPicPr>
+            <a:picLocks noChangeAspect="1"/>
+          </p:cNvPicPr>
+          <p:nvPr/>
+        </p:nvPicPr>
+        <p:blipFill>
+          <a:blip r:embed="rId32" cstate="print"/>
+          <a:stretch>
+            <a:fillRect/>
+          </a:stretch>
+        </p:blipFill>
+        <p:spPr>
+          <a:xfrm>
+            <a:off x="2928879" y="2982037"/>
+            <a:ext cx="1074902" cy="269259"/>
+          </a:xfrm>
+          <a:prstGeom prst="rect">
+            <a:avLst/>
+          </a:prstGeom>
+        </p:spPr>
+      </p:pic>
+      <p:pic>
+        <p:nvPicPr>
+          <p:cNvPr id="62" name="Object 29">
+            <a:extLst>
+              <a:ext uri="{FF2B5EF4-FFF2-40B4-BE49-F238E27FC236}">
+                <a16:creationId xmlns:a16="http://schemas.microsoft.com/office/drawing/2014/main" id="{C01CFF88-3B59-79A7-E05B-DC30191350A9}"/>
+              </a:ext>
+            </a:extLst>
+          </p:cNvPr>
+          <p:cNvPicPr>
+            <a:picLocks noChangeAspect="1"/>
+          </p:cNvPicPr>
+          <p:nvPr/>
+        </p:nvPicPr>
+        <p:blipFill>
+          <a:blip r:embed="rId33" cstate="print"/>
+          <a:stretch>
+            <a:fillRect/>
+          </a:stretch>
+        </p:blipFill>
+        <p:spPr>
+          <a:xfrm>
+            <a:off x="2882639" y="3326644"/>
+            <a:ext cx="1628338" cy="469049"/>
+          </a:xfrm>
+          <a:prstGeom prst="rect">
+            <a:avLst/>
+          </a:prstGeom>
+        </p:spPr>
+      </p:pic>
+      <p:grpSp>
+        <p:nvGrpSpPr>
+          <p:cNvPr id="63" name="그룹 1008">
+            <a:extLst>
+              <a:ext uri="{FF2B5EF4-FFF2-40B4-BE49-F238E27FC236}">
+                <a16:creationId xmlns:a16="http://schemas.microsoft.com/office/drawing/2014/main" id="{F4425C5D-1DD7-86BB-F830-81C3F7162B63}"/>
+              </a:ext>
+            </a:extLst>
+          </p:cNvPr>
+          <p:cNvGrpSpPr/>
+          <p:nvPr/>
+        </p:nvGrpSpPr>
+        <p:grpSpPr>
+          <a:xfrm>
+            <a:off x="-3487" y="-63024"/>
+            <a:ext cx="4956487" cy="2041880"/>
+            <a:chOff x="-743853" y="-198268"/>
+            <a:chExt cx="9090606" cy="3305539"/>
+          </a:xfrm>
+        </p:grpSpPr>
+        <p:pic>
+          <p:nvPicPr>
+            <p:cNvPr id="64" name="Object 31">
+              <a:extLst>
+                <a:ext uri="{FF2B5EF4-FFF2-40B4-BE49-F238E27FC236}">
+                  <a16:creationId xmlns:a16="http://schemas.microsoft.com/office/drawing/2014/main" id="{05A3CFCA-C2AB-7E9F-566D-8B99CD3C1A4B}"/>
+                </a:ext>
+              </a:extLst>
+            </p:cNvPr>
+            <p:cNvPicPr>
+              <a:picLocks noChangeAspect="1"/>
+            </p:cNvPicPr>
+            <p:nvPr/>
+          </p:nvPicPr>
+          <p:blipFill>
+            <a:blip r:embed="rId34" cstate="print"/>
+            <a:stretch>
+              <a:fillRect/>
+            </a:stretch>
+          </p:blipFill>
+          <p:spPr>
+            <a:xfrm>
+              <a:off x="-743853" y="-198268"/>
+              <a:ext cx="9090606" cy="3305539"/>
+            </a:xfrm>
+            <a:prstGeom prst="rect">
+              <a:avLst/>
+            </a:prstGeom>
+          </p:spPr>
+        </p:pic>
+      </p:grpSp>
+      <p:pic>
+        <p:nvPicPr>
+          <p:cNvPr id="65" name="Object 33">
+            <a:extLst>
+              <a:ext uri="{FF2B5EF4-FFF2-40B4-BE49-F238E27FC236}">
+                <a16:creationId xmlns:a16="http://schemas.microsoft.com/office/drawing/2014/main" id="{5F2DAF14-3D30-D41C-5882-05FB68DF694D}"/>
+              </a:ext>
+            </a:extLst>
+          </p:cNvPr>
+          <p:cNvPicPr>
+            <a:picLocks noChangeAspect="1"/>
+          </p:cNvPicPr>
+          <p:nvPr/>
+        </p:nvPicPr>
+        <p:blipFill>
+          <a:blip r:embed="rId35" cstate="print"/>
+          <a:stretch>
+            <a:fillRect/>
+          </a:stretch>
+        </p:blipFill>
+        <p:spPr>
+          <a:xfrm>
+            <a:off x="1280800" y="99092"/>
+            <a:ext cx="2497596" cy="998597"/>
+          </a:xfrm>
+          <a:prstGeom prst="rect">
+            <a:avLst/>
+          </a:prstGeom>
+        </p:spPr>
+      </p:pic>
+      <p:pic>
+        <p:nvPicPr>
+          <p:cNvPr id="66" name="Object 34">
+            <a:extLst>
+              <a:ext uri="{FF2B5EF4-FFF2-40B4-BE49-F238E27FC236}">
+                <a16:creationId xmlns:a16="http://schemas.microsoft.com/office/drawing/2014/main" id="{56607572-393E-F4EF-88AB-21323A58C7A1}"/>
+              </a:ext>
+            </a:extLst>
+          </p:cNvPr>
+          <p:cNvPicPr>
+            <a:picLocks noChangeAspect="1"/>
+          </p:cNvPicPr>
+          <p:nvPr/>
+        </p:nvPicPr>
+        <p:blipFill>
+          <a:blip r:embed="rId36" cstate="print"/>
+          <a:stretch>
+            <a:fillRect/>
+          </a:stretch>
+        </p:blipFill>
+        <p:spPr>
+          <a:xfrm>
+            <a:off x="343383" y="748069"/>
+            <a:ext cx="3860266" cy="896590"/>
+          </a:xfrm>
+          <a:prstGeom prst="rect">
+            <a:avLst/>
+          </a:prstGeom>
+        </p:spPr>
+      </p:pic>
+      <p:pic>
+        <p:nvPicPr>
+          <p:cNvPr id="67" name="Object 35">
+            <a:extLst>
+              <a:ext uri="{FF2B5EF4-FFF2-40B4-BE49-F238E27FC236}">
+                <a16:creationId xmlns:a16="http://schemas.microsoft.com/office/drawing/2014/main" id="{146517B3-D367-29BC-D3FC-FC8770C21D8D}"/>
+              </a:ext>
+            </a:extLst>
+          </p:cNvPr>
+          <p:cNvPicPr>
+            <a:picLocks noChangeAspect="1"/>
+          </p:cNvPicPr>
+          <p:nvPr/>
+        </p:nvPicPr>
+        <p:blipFill>
+          <a:blip r:embed="rId37" cstate="print"/>
+          <a:stretch>
+            <a:fillRect/>
+          </a:stretch>
+        </p:blipFill>
+        <p:spPr>
+          <a:xfrm>
+            <a:off x="1247815" y="1455162"/>
+            <a:ext cx="1807527" cy="336944"/>
+          </a:xfrm>
+          <a:prstGeom prst="rect">
+            <a:avLst/>
+          </a:prstGeom>
+        </p:spPr>
+      </p:pic>
+      <p:pic>
+        <p:nvPicPr>
+          <p:cNvPr id="68" name="Object 36">
+            <a:extLst>
+              <a:ext uri="{FF2B5EF4-FFF2-40B4-BE49-F238E27FC236}">
+                <a16:creationId xmlns:a16="http://schemas.microsoft.com/office/drawing/2014/main" id="{5A653EA7-E1A1-B0F9-B090-5D2A66823F26}"/>
+              </a:ext>
+            </a:extLst>
+          </p:cNvPr>
+          <p:cNvPicPr>
+            <a:picLocks noChangeAspect="1"/>
+          </p:cNvPicPr>
+          <p:nvPr/>
+        </p:nvPicPr>
+        <p:blipFill>
+          <a:blip r:embed="rId38" cstate="print"/>
+          <a:stretch>
+            <a:fillRect/>
+          </a:stretch>
+        </p:blipFill>
+        <p:spPr>
+          <a:xfrm>
+            <a:off x="964898" y="2200470"/>
+            <a:ext cx="738701" cy="310004"/>
+          </a:xfrm>
+          <a:prstGeom prst="rect">
+            <a:avLst/>
+          </a:prstGeom>
+        </p:spPr>
+      </p:pic>
+      <p:pic>
+        <p:nvPicPr>
+          <p:cNvPr id="69" name="Object 37">
+            <a:extLst>
+              <a:ext uri="{FF2B5EF4-FFF2-40B4-BE49-F238E27FC236}">
+                <a16:creationId xmlns:a16="http://schemas.microsoft.com/office/drawing/2014/main" id="{0EF932D0-2324-EC7D-3A51-F95AA9423B0E}"/>
+              </a:ext>
+            </a:extLst>
+          </p:cNvPr>
+          <p:cNvPicPr>
+            <a:picLocks noChangeAspect="1"/>
+          </p:cNvPicPr>
+          <p:nvPr/>
+        </p:nvPicPr>
+        <p:blipFill>
+          <a:blip r:embed="rId39" cstate="print"/>
+          <a:stretch>
+            <a:fillRect/>
+          </a:stretch>
+        </p:blipFill>
+        <p:spPr>
+          <a:xfrm>
+            <a:off x="3361595" y="2200469"/>
+            <a:ext cx="756369" cy="310004"/>
+          </a:xfrm>
+          <a:prstGeom prst="rect">
+            <a:avLst/>
+          </a:prstGeom>
+        </p:spPr>
+      </p:pic>
+      <p:grpSp>
+        <p:nvGrpSpPr>
+          <p:cNvPr id="70" name="그룹 1009">
+            <a:extLst>
+              <a:ext uri="{FF2B5EF4-FFF2-40B4-BE49-F238E27FC236}">
+                <a16:creationId xmlns:a16="http://schemas.microsoft.com/office/drawing/2014/main" id="{E07C5FC3-6B18-3F6E-EFCA-2A2291EF71E5}"/>
+              </a:ext>
+            </a:extLst>
+          </p:cNvPr>
+          <p:cNvGrpSpPr/>
+          <p:nvPr/>
+        </p:nvGrpSpPr>
+        <p:grpSpPr>
+          <a:xfrm>
+            <a:off x="-3487" y="4766489"/>
+            <a:ext cx="5084311" cy="2091512"/>
+            <a:chOff x="-352381" y="7567524"/>
+            <a:chExt cx="8306067" cy="4293467"/>
+          </a:xfrm>
+        </p:grpSpPr>
+        <p:pic>
+          <p:nvPicPr>
+            <p:cNvPr id="71" name="Object 39">
+              <a:extLst>
+                <a:ext uri="{FF2B5EF4-FFF2-40B4-BE49-F238E27FC236}">
+                  <a16:creationId xmlns:a16="http://schemas.microsoft.com/office/drawing/2014/main" id="{2F657453-1D1F-D5E1-3412-B32BCBBBD31C}"/>
+                </a:ext>
+              </a:extLst>
+            </p:cNvPr>
+            <p:cNvPicPr>
+              <a:picLocks noChangeAspect="1"/>
+            </p:cNvPicPr>
+            <p:nvPr/>
+          </p:nvPicPr>
+          <p:blipFill>
+            <a:blip r:embed="rId40" cstate="print"/>
+            <a:stretch>
+              <a:fillRect/>
+            </a:stretch>
+          </p:blipFill>
+          <p:spPr>
+            <a:xfrm>
+              <a:off x="-352381" y="7567524"/>
+              <a:ext cx="8306067" cy="4293467"/>
+            </a:xfrm>
+            <a:prstGeom prst="rect">
+              <a:avLst/>
+            </a:prstGeom>
+          </p:spPr>
+        </p:pic>
+      </p:grpSp>
+      <p:grpSp>
+        <p:nvGrpSpPr>
+          <p:cNvPr id="72" name="그룹 1010">
+            <a:extLst>
+              <a:ext uri="{FF2B5EF4-FFF2-40B4-BE49-F238E27FC236}">
+                <a16:creationId xmlns:a16="http://schemas.microsoft.com/office/drawing/2014/main" id="{08FA0874-6338-B44D-B344-6912D9611194}"/>
+              </a:ext>
+            </a:extLst>
+          </p:cNvPr>
+          <p:cNvGrpSpPr/>
+          <p:nvPr/>
+        </p:nvGrpSpPr>
+        <p:grpSpPr>
+          <a:xfrm>
+            <a:off x="-4963929" y="4026191"/>
+            <a:ext cx="19841761" cy="1091220"/>
+            <a:chOff x="-5536826" y="6410679"/>
+            <a:chExt cx="18938020" cy="1718326"/>
+          </a:xfrm>
+        </p:grpSpPr>
+        <p:pic>
+          <p:nvPicPr>
+            <p:cNvPr id="73" name="Object 42">
+              <a:extLst>
+                <a:ext uri="{FF2B5EF4-FFF2-40B4-BE49-F238E27FC236}">
+                  <a16:creationId xmlns:a16="http://schemas.microsoft.com/office/drawing/2014/main" id="{683B0E62-94B9-A25B-8E0C-A57DEC86272E}"/>
+                </a:ext>
+              </a:extLst>
+            </p:cNvPr>
+            <p:cNvPicPr>
+              <a:picLocks noChangeAspect="1"/>
+            </p:cNvPicPr>
+            <p:nvPr/>
+          </p:nvPicPr>
+          <p:blipFill>
+            <a:blip r:embed="rId5" cstate="print"/>
+            <a:stretch>
+              <a:fillRect/>
+            </a:stretch>
+          </p:blipFill>
+          <p:spPr>
+            <a:xfrm>
+              <a:off x="-5536826" y="6410679"/>
+              <a:ext cx="18938020" cy="1718326"/>
+            </a:xfrm>
+            <a:prstGeom prst="rect">
+              <a:avLst/>
+            </a:prstGeom>
+          </p:spPr>
+        </p:pic>
+        <p:pic>
+          <p:nvPicPr>
+            <p:cNvPr id="74" name="Object 43">
+              <a:extLst>
+                <a:ext uri="{FF2B5EF4-FFF2-40B4-BE49-F238E27FC236}">
+                  <a16:creationId xmlns:a16="http://schemas.microsoft.com/office/drawing/2014/main" id="{6B9EDB4C-CCFC-E00C-B94C-0BB1C6508D41}"/>
+                </a:ext>
+              </a:extLst>
+            </p:cNvPr>
+            <p:cNvPicPr>
+              <a:picLocks noChangeAspect="1"/>
+            </p:cNvPicPr>
+            <p:nvPr/>
+          </p:nvPicPr>
+          <p:blipFill>
+            <a:blip r:embed="rId6" cstate="print"/>
+            <a:stretch>
+              <a:fillRect/>
+            </a:stretch>
+          </p:blipFill>
+          <p:spPr>
+            <a:xfrm>
+              <a:off x="-802321" y="6734517"/>
+              <a:ext cx="9469009" cy="859163"/>
+            </a:xfrm>
+            <a:prstGeom prst="rect">
+              <a:avLst/>
+            </a:prstGeom>
+          </p:spPr>
+        </p:pic>
+      </p:grpSp>
+      <p:pic>
+        <p:nvPicPr>
+          <p:cNvPr id="75" name="Object 45">
+            <a:extLst>
+              <a:ext uri="{FF2B5EF4-FFF2-40B4-BE49-F238E27FC236}">
+                <a16:creationId xmlns:a16="http://schemas.microsoft.com/office/drawing/2014/main" id="{B9E4B109-AD52-71C0-C230-88E739230F4D}"/>
+              </a:ext>
+            </a:extLst>
+          </p:cNvPr>
+          <p:cNvPicPr>
+            <a:picLocks noChangeAspect="1"/>
+          </p:cNvPicPr>
+          <p:nvPr/>
+        </p:nvPicPr>
+        <p:blipFill>
+          <a:blip r:embed="rId41" cstate="print"/>
+          <a:stretch>
+            <a:fillRect/>
+          </a:stretch>
+        </p:blipFill>
+        <p:spPr>
+          <a:xfrm>
+            <a:off x="637494" y="4297082"/>
+            <a:ext cx="3360434" cy="488413"/>
+          </a:xfrm>
+          <a:prstGeom prst="rect">
+            <a:avLst/>
+          </a:prstGeom>
+        </p:spPr>
+      </p:pic>
+      <p:pic>
+        <p:nvPicPr>
+          <p:cNvPr id="76" name="Object 46">
+            <a:extLst>
+              <a:ext uri="{FF2B5EF4-FFF2-40B4-BE49-F238E27FC236}">
+                <a16:creationId xmlns:a16="http://schemas.microsoft.com/office/drawing/2014/main" id="{419E6848-935A-9B60-462B-76465FD8513F}"/>
+              </a:ext>
+            </a:extLst>
+          </p:cNvPr>
+          <p:cNvPicPr>
+            <a:picLocks noChangeAspect="1"/>
+          </p:cNvPicPr>
+          <p:nvPr/>
+        </p:nvPicPr>
+        <p:blipFill>
+          <a:blip r:embed="rId20" cstate="print"/>
+          <a:stretch>
+            <a:fillRect/>
+          </a:stretch>
+        </p:blipFill>
+        <p:spPr>
+          <a:xfrm>
+            <a:off x="3870613" y="6429329"/>
+            <a:ext cx="889495" cy="296087"/>
+          </a:xfrm>
+          <a:prstGeom prst="rect">
+            <a:avLst/>
+          </a:prstGeom>
+        </p:spPr>
+      </p:pic>
+      <p:grpSp>
+        <p:nvGrpSpPr>
+          <p:cNvPr id="77" name="그룹 1011">
+            <a:extLst>
+              <a:ext uri="{FF2B5EF4-FFF2-40B4-BE49-F238E27FC236}">
+                <a16:creationId xmlns:a16="http://schemas.microsoft.com/office/drawing/2014/main" id="{AD947F08-454F-76AC-EEC5-E80188548A32}"/>
+              </a:ext>
+            </a:extLst>
+          </p:cNvPr>
+          <p:cNvGrpSpPr/>
+          <p:nvPr/>
+        </p:nvGrpSpPr>
+        <p:grpSpPr>
+          <a:xfrm>
+            <a:off x="336652" y="5233968"/>
+            <a:ext cx="997915" cy="1043227"/>
+            <a:chOff x="216558" y="8315500"/>
+            <a:chExt cx="1669179" cy="1669179"/>
+          </a:xfrm>
+        </p:grpSpPr>
+        <p:pic>
+          <p:nvPicPr>
+            <p:cNvPr id="78" name="Object 48">
+              <a:extLst>
+                <a:ext uri="{FF2B5EF4-FFF2-40B4-BE49-F238E27FC236}">
+                  <a16:creationId xmlns:a16="http://schemas.microsoft.com/office/drawing/2014/main" id="{F6E7207F-6787-AAC7-6CA8-7D18A6A34E87}"/>
+                </a:ext>
+              </a:extLst>
+            </p:cNvPr>
+            <p:cNvPicPr>
+              <a:picLocks noChangeAspect="1"/>
+            </p:cNvPicPr>
+            <p:nvPr/>
+          </p:nvPicPr>
+          <p:blipFill>
+            <a:blip r:embed="rId42" cstate="print"/>
+            <a:stretch>
+              <a:fillRect/>
+            </a:stretch>
+          </p:blipFill>
+          <p:spPr>
+            <a:xfrm>
+              <a:off x="216558" y="8315500"/>
+              <a:ext cx="1669179" cy="1669179"/>
+            </a:xfrm>
+            <a:prstGeom prst="rect">
+              <a:avLst/>
+            </a:prstGeom>
+          </p:spPr>
+        </p:pic>
+      </p:grpSp>
+      <p:grpSp>
+        <p:nvGrpSpPr>
+          <p:cNvPr id="79" name="그룹 1012">
+            <a:extLst>
+              <a:ext uri="{FF2B5EF4-FFF2-40B4-BE49-F238E27FC236}">
+                <a16:creationId xmlns:a16="http://schemas.microsoft.com/office/drawing/2014/main" id="{2EB2F276-F2D4-64EB-5EB0-E552F2349495}"/>
+              </a:ext>
+            </a:extLst>
+          </p:cNvPr>
+          <p:cNvGrpSpPr/>
+          <p:nvPr/>
+        </p:nvGrpSpPr>
+        <p:grpSpPr>
+          <a:xfrm>
+            <a:off x="259336" y="6416819"/>
+            <a:ext cx="1610943" cy="236582"/>
+            <a:chOff x="87233" y="10208081"/>
+            <a:chExt cx="2694571" cy="378535"/>
+          </a:xfrm>
+        </p:grpSpPr>
+        <p:pic>
+          <p:nvPicPr>
+            <p:cNvPr id="80" name="Object 51">
+              <a:extLst>
+                <a:ext uri="{FF2B5EF4-FFF2-40B4-BE49-F238E27FC236}">
+                  <a16:creationId xmlns:a16="http://schemas.microsoft.com/office/drawing/2014/main" id="{3E8F3AEB-74F2-586B-B514-85F7849A73E4}"/>
+                </a:ext>
+              </a:extLst>
+            </p:cNvPr>
+            <p:cNvPicPr>
+              <a:picLocks noChangeAspect="1"/>
+            </p:cNvPicPr>
+            <p:nvPr/>
+          </p:nvPicPr>
+          <p:blipFill>
+            <a:blip r:embed="rId43" cstate="print"/>
+            <a:stretch>
+              <a:fillRect/>
+            </a:stretch>
+          </p:blipFill>
+          <p:spPr>
+            <a:xfrm>
+              <a:off x="87233" y="10208081"/>
+              <a:ext cx="2694571" cy="378535"/>
+            </a:xfrm>
+            <a:prstGeom prst="rect">
+              <a:avLst/>
+            </a:prstGeom>
+          </p:spPr>
+        </p:pic>
+      </p:grpSp>
+      <p:pic>
+        <p:nvPicPr>
+          <p:cNvPr id="81" name="Object 53">
+            <a:extLst>
+              <a:ext uri="{FF2B5EF4-FFF2-40B4-BE49-F238E27FC236}">
+                <a16:creationId xmlns:a16="http://schemas.microsoft.com/office/drawing/2014/main" id="{4CD811D9-A7F2-C11B-65DA-939B2630C0FF}"/>
+              </a:ext>
+            </a:extLst>
+          </p:cNvPr>
+          <p:cNvPicPr>
+            <a:picLocks noChangeAspect="1"/>
+          </p:cNvPicPr>
+          <p:nvPr/>
+        </p:nvPicPr>
+        <p:blipFill>
+          <a:blip r:embed="rId44" cstate="print"/>
+          <a:stretch>
+            <a:fillRect/>
+          </a:stretch>
+        </p:blipFill>
+        <p:spPr>
+          <a:xfrm>
+            <a:off x="119146" y="6184926"/>
+            <a:ext cx="1656380" cy="291522"/>
+          </a:xfrm>
+          <a:prstGeom prst="rect">
+            <a:avLst/>
+          </a:prstGeom>
+        </p:spPr>
+      </p:pic>
+      <p:pic>
+        <p:nvPicPr>
+          <p:cNvPr id="82" name="Object 54">
+            <a:extLst>
+              <a:ext uri="{FF2B5EF4-FFF2-40B4-BE49-F238E27FC236}">
+                <a16:creationId xmlns:a16="http://schemas.microsoft.com/office/drawing/2014/main" id="{D46A026F-5792-05F8-F52D-3C059EAD1035}"/>
+              </a:ext>
+            </a:extLst>
+          </p:cNvPr>
+          <p:cNvPicPr>
+            <a:picLocks noChangeAspect="1"/>
+          </p:cNvPicPr>
+          <p:nvPr/>
+        </p:nvPicPr>
+        <p:blipFill>
+          <a:blip r:embed="rId45" cstate="print"/>
+          <a:stretch>
+            <a:fillRect/>
+          </a:stretch>
+        </p:blipFill>
+        <p:spPr>
+          <a:xfrm>
+            <a:off x="60414" y="3798889"/>
+            <a:ext cx="1752692" cy="308471"/>
+          </a:xfrm>
+          <a:prstGeom prst="rect">
+            <a:avLst/>
+          </a:prstGeom>
+        </p:spPr>
+      </p:pic>
+      <p:pic>
+        <p:nvPicPr>
+          <p:cNvPr id="83" name="Object 55">
+            <a:extLst>
+              <a:ext uri="{FF2B5EF4-FFF2-40B4-BE49-F238E27FC236}">
+                <a16:creationId xmlns:a16="http://schemas.microsoft.com/office/drawing/2014/main" id="{AF9446A7-C1DC-EB1E-00FA-F5B0C988E60A}"/>
+              </a:ext>
+            </a:extLst>
+          </p:cNvPr>
+          <p:cNvPicPr>
+            <a:picLocks noChangeAspect="1"/>
+          </p:cNvPicPr>
+          <p:nvPr/>
+        </p:nvPicPr>
+        <p:blipFill>
+          <a:blip r:embed="rId46" cstate="print"/>
+          <a:stretch>
+            <a:fillRect/>
+          </a:stretch>
+        </p:blipFill>
+        <p:spPr>
+          <a:xfrm>
+            <a:off x="2409463" y="3800956"/>
+            <a:ext cx="1752692" cy="308466"/>
+          </a:xfrm>
+          <a:prstGeom prst="rect">
+            <a:avLst/>
+          </a:prstGeom>
+        </p:spPr>
+      </p:pic>
+      <p:pic>
+        <p:nvPicPr>
+          <p:cNvPr id="84" name="Object 56">
+            <a:extLst>
+              <a:ext uri="{FF2B5EF4-FFF2-40B4-BE49-F238E27FC236}">
+                <a16:creationId xmlns:a16="http://schemas.microsoft.com/office/drawing/2014/main" id="{7D310F1A-C411-3738-43A4-3B46A928AA55}"/>
+              </a:ext>
+            </a:extLst>
+          </p:cNvPr>
+          <p:cNvPicPr>
+            <a:picLocks noChangeAspect="1"/>
+          </p:cNvPicPr>
+          <p:nvPr/>
+        </p:nvPicPr>
+        <p:blipFill>
+          <a:blip r:embed="rId47" cstate="print"/>
+          <a:stretch>
+            <a:fillRect/>
+          </a:stretch>
+        </p:blipFill>
+        <p:spPr>
+          <a:xfrm>
+            <a:off x="1006960" y="4949721"/>
+            <a:ext cx="3796095" cy="655759"/>
+          </a:xfrm>
+          <a:prstGeom prst="rect">
+            <a:avLst/>
+          </a:prstGeom>
+        </p:spPr>
+      </p:pic>
+      <p:pic>
+        <p:nvPicPr>
+          <p:cNvPr id="85" name="Object 57">
+            <a:extLst>
+              <a:ext uri="{FF2B5EF4-FFF2-40B4-BE49-F238E27FC236}">
+                <a16:creationId xmlns:a16="http://schemas.microsoft.com/office/drawing/2014/main" id="{B7B6DABC-AE11-6C29-A838-0FCA270126C7}"/>
+              </a:ext>
+            </a:extLst>
+          </p:cNvPr>
+          <p:cNvPicPr>
+            <a:picLocks noChangeAspect="1"/>
+          </p:cNvPicPr>
+          <p:nvPr/>
+        </p:nvPicPr>
+        <p:blipFill>
+          <a:blip r:embed="rId48" cstate="print"/>
+          <a:stretch>
+            <a:fillRect/>
+          </a:stretch>
+        </p:blipFill>
+        <p:spPr>
+          <a:xfrm>
+            <a:off x="1041685" y="5508765"/>
+            <a:ext cx="3616727" cy="423330"/>
+          </a:xfrm>
+          <a:prstGeom prst="rect">
+            <a:avLst/>
+          </a:prstGeom>
+        </p:spPr>
+      </p:pic>
+      <p:grpSp>
+        <p:nvGrpSpPr>
+          <p:cNvPr id="86" name="그룹 1013">
+            <a:extLst>
+              <a:ext uri="{FF2B5EF4-FFF2-40B4-BE49-F238E27FC236}">
+                <a16:creationId xmlns:a16="http://schemas.microsoft.com/office/drawing/2014/main" id="{51D81817-9685-6B60-2C1C-1212B0DFE168}"/>
+              </a:ext>
+            </a:extLst>
+          </p:cNvPr>
+          <p:cNvGrpSpPr/>
+          <p:nvPr/>
+        </p:nvGrpSpPr>
+        <p:grpSpPr>
+          <a:xfrm>
+            <a:off x="1425712" y="6012456"/>
+            <a:ext cx="3330064" cy="326853"/>
+            <a:chOff x="2038190" y="9561110"/>
+            <a:chExt cx="5570090" cy="522969"/>
+          </a:xfrm>
+        </p:grpSpPr>
+        <p:pic>
+          <p:nvPicPr>
+            <p:cNvPr id="87" name="Object 59">
+              <a:extLst>
+                <a:ext uri="{FF2B5EF4-FFF2-40B4-BE49-F238E27FC236}">
+                  <a16:creationId xmlns:a16="http://schemas.microsoft.com/office/drawing/2014/main" id="{B1BCF9CD-C8BC-B888-8971-749422A48077}"/>
+                </a:ext>
+              </a:extLst>
+            </p:cNvPr>
+            <p:cNvPicPr>
+              <a:picLocks noChangeAspect="1"/>
+            </p:cNvPicPr>
+            <p:nvPr/>
+          </p:nvPicPr>
+          <p:blipFill>
+            <a:blip r:embed="rId49" cstate="print"/>
+            <a:stretch>
+              <a:fillRect/>
+            </a:stretch>
+          </p:blipFill>
+          <p:spPr>
+            <a:xfrm>
+              <a:off x="-746855" y="9303648"/>
+              <a:ext cx="11140180" cy="1045939"/>
+            </a:xfrm>
+            <a:prstGeom prst="rect">
+              <a:avLst/>
+            </a:prstGeom>
+          </p:spPr>
+        </p:pic>
+        <p:pic>
+          <p:nvPicPr>
+            <p:cNvPr id="88" name="Object 60">
+              <a:extLst>
+                <a:ext uri="{FF2B5EF4-FFF2-40B4-BE49-F238E27FC236}">
+                  <a16:creationId xmlns:a16="http://schemas.microsoft.com/office/drawing/2014/main" id="{02ACB8A8-034E-8862-56E6-DB482F28D1A8}"/>
+                </a:ext>
+              </a:extLst>
+            </p:cNvPr>
+            <p:cNvPicPr>
+              <a:picLocks noChangeAspect="1"/>
+            </p:cNvPicPr>
+            <p:nvPr/>
+          </p:nvPicPr>
+          <p:blipFill>
+            <a:blip r:embed="rId50" cstate="print"/>
+            <a:stretch>
+              <a:fillRect/>
+            </a:stretch>
+          </p:blipFill>
+          <p:spPr>
+            <a:xfrm>
+              <a:off x="2038190" y="9561110"/>
+              <a:ext cx="5570090" cy="522969"/>
+            </a:xfrm>
+            <a:prstGeom prst="rect">
+              <a:avLst/>
+            </a:prstGeom>
+          </p:spPr>
+        </p:pic>
+      </p:grpSp>
+      <p:grpSp>
+        <p:nvGrpSpPr>
+          <p:cNvPr id="89" name="그룹 1014">
+            <a:extLst>
+              <a:ext uri="{FF2B5EF4-FFF2-40B4-BE49-F238E27FC236}">
+                <a16:creationId xmlns:a16="http://schemas.microsoft.com/office/drawing/2014/main" id="{C03B8A3D-F2A9-634B-175C-A178B8C432B7}"/>
+              </a:ext>
+            </a:extLst>
+          </p:cNvPr>
+          <p:cNvGrpSpPr/>
+          <p:nvPr/>
+        </p:nvGrpSpPr>
+        <p:grpSpPr>
+          <a:xfrm>
+            <a:off x="2601006" y="6159172"/>
+            <a:ext cx="355745" cy="85543"/>
+            <a:chOff x="4004069" y="9795857"/>
+            <a:chExt cx="595042" cy="136870"/>
+          </a:xfrm>
+        </p:grpSpPr>
+        <p:pic>
+          <p:nvPicPr>
+            <p:cNvPr id="90" name="Object 63">
+              <a:extLst>
+                <a:ext uri="{FF2B5EF4-FFF2-40B4-BE49-F238E27FC236}">
+                  <a16:creationId xmlns:a16="http://schemas.microsoft.com/office/drawing/2014/main" id="{91892793-C6D7-46EE-BE4A-ABA8C6E63B3F}"/>
+                </a:ext>
+              </a:extLst>
+            </p:cNvPr>
+            <p:cNvPicPr>
+              <a:picLocks noChangeAspect="1"/>
+            </p:cNvPicPr>
+            <p:nvPr/>
+          </p:nvPicPr>
+          <p:blipFill>
+            <a:blip r:embed="rId51" cstate="print"/>
+            <a:stretch>
+              <a:fillRect/>
+            </a:stretch>
+          </p:blipFill>
+          <p:spPr>
+            <a:xfrm rot="-5400000">
+              <a:off x="4004069" y="9795857"/>
+              <a:ext cx="595042" cy="136870"/>
+            </a:xfrm>
+            <a:prstGeom prst="rect">
+              <a:avLst/>
+            </a:prstGeom>
+          </p:spPr>
+        </p:pic>
+      </p:grpSp>
+      <p:pic>
+        <p:nvPicPr>
+          <p:cNvPr id="91" name="Object 65">
+            <a:extLst>
+              <a:ext uri="{FF2B5EF4-FFF2-40B4-BE49-F238E27FC236}">
+                <a16:creationId xmlns:a16="http://schemas.microsoft.com/office/drawing/2014/main" id="{3CE0FE95-2FFF-3664-CCCA-6D65B8F650B9}"/>
+              </a:ext>
+            </a:extLst>
+          </p:cNvPr>
+          <p:cNvPicPr>
+            <a:picLocks noChangeAspect="1"/>
+          </p:cNvPicPr>
+          <p:nvPr/>
+        </p:nvPicPr>
+        <p:blipFill>
+          <a:blip r:embed="rId52" cstate="print"/>
+          <a:stretch>
+            <a:fillRect/>
+          </a:stretch>
+        </p:blipFill>
+        <p:spPr>
+          <a:xfrm>
+            <a:off x="1070059" y="6063675"/>
+            <a:ext cx="743034" cy="244546"/>
+          </a:xfrm>
+          <a:prstGeom prst="rect">
+            <a:avLst/>
+          </a:prstGeom>
+        </p:spPr>
+      </p:pic>
+      <p:pic>
+        <p:nvPicPr>
+          <p:cNvPr id="92" name="Object 66">
+            <a:extLst>
+              <a:ext uri="{FF2B5EF4-FFF2-40B4-BE49-F238E27FC236}">
+                <a16:creationId xmlns:a16="http://schemas.microsoft.com/office/drawing/2014/main" id="{48B597CC-5735-677C-1237-D07218FBAF02}"/>
+              </a:ext>
+            </a:extLst>
+          </p:cNvPr>
+          <p:cNvPicPr>
+            <a:picLocks noChangeAspect="1"/>
+          </p:cNvPicPr>
+          <p:nvPr/>
+        </p:nvPicPr>
+        <p:blipFill>
+          <a:blip r:embed="rId53" cstate="print"/>
+          <a:stretch>
+            <a:fillRect/>
+          </a:stretch>
+        </p:blipFill>
+        <p:spPr>
+          <a:xfrm>
+            <a:off x="2474637" y="6063683"/>
+            <a:ext cx="801885" cy="244546"/>
+          </a:xfrm>
+          <a:prstGeom prst="rect">
+            <a:avLst/>
+          </a:prstGeom>
+        </p:spPr>
+      </p:pic>
+      <p:pic>
+        <p:nvPicPr>
+          <p:cNvPr id="28" name="Object 27"/>
+          <p:cNvPicPr>
+            <a:picLocks noChangeAspect="1"/>
+          </p:cNvPicPr>
+          <p:nvPr/>
+        </p:nvPicPr>
+        <p:blipFill>
+          <a:blip r:embed="rId54" cstate="print"/>
+          <a:stretch>
+            <a:fillRect/>
+          </a:stretch>
+        </p:blipFill>
+        <p:spPr>
+          <a:xfrm>
+            <a:off x="5428585" y="4287224"/>
+            <a:ext cx="3450270" cy="488871"/>
           </a:xfrm>
           <a:prstGeom prst="rect">
             <a:avLst/>
@@ -3260,11 +5288,6 @@
         </p:spPr>
       </p:pic>
     </p:spTree>
-    <p:extLst>
-      <p:ext uri="{BB962C8B-B14F-4D97-AF65-F5344CB8AC3E}">
-        <p14:creationId xmlns:p14="http://schemas.microsoft.com/office/powerpoint/2010/main" val="3734725516"/>
-      </p:ext>
-    </p:extLst>
   </p:cSld>
   <p:clrMapOvr>
     <a:masterClrMapping/>
@@ -3275,6 +5298,14 @@
 <file path=ppt/slides/slide2.xml><?xml version="1.0" encoding="utf-8"?>
 <p:sld xmlns:a="http://schemas.openxmlformats.org/drawingml/2006/main" xmlns:r="http://schemas.openxmlformats.org/officeDocument/2006/relationships" xmlns:p="http://schemas.openxmlformats.org/presentationml/2006/main">
   <p:cSld>
+    <p:bg>
+      <p:bgPr>
+        <a:solidFill>
+          <a:srgbClr val="D0DBFF"/>
+        </a:solidFill>
+        <a:effectLst/>
+      </p:bgPr>
+    </p:bg>
     <p:spTree>
       <p:nvGrpSpPr>
         <p:cNvPr id="1" name=""/>
@@ -3289,12 +5320,1539 @@
           <a:chExt cx="0" cy="0"/>
         </a:xfrm>
       </p:grpSpPr>
+      <p:grpSp>
+        <p:nvGrpSpPr>
+          <p:cNvPr id="2" name="그룹 1">
+            <a:extLst>
+              <a:ext uri="{FF2B5EF4-FFF2-40B4-BE49-F238E27FC236}">
+                <a16:creationId xmlns:a16="http://schemas.microsoft.com/office/drawing/2014/main" id="{EC18607A-23C4-83E4-4C31-9A7EC53B01EE}"/>
+              </a:ext>
+            </a:extLst>
+          </p:cNvPr>
+          <p:cNvGrpSpPr/>
+          <p:nvPr/>
+        </p:nvGrpSpPr>
+        <p:grpSpPr>
+          <a:xfrm>
+            <a:off x="-682148" y="0"/>
+            <a:ext cx="5863748" cy="6426222"/>
+            <a:chOff x="-58037" y="-124674"/>
+            <a:chExt cx="6088726" cy="6672780"/>
+          </a:xfrm>
+        </p:grpSpPr>
+        <p:grpSp>
+          <p:nvGrpSpPr>
+            <p:cNvPr id="1001" name="그룹 1001"/>
+            <p:cNvGrpSpPr/>
+            <p:nvPr/>
+          </p:nvGrpSpPr>
+          <p:grpSpPr>
+            <a:xfrm>
+              <a:off x="995884" y="2318962"/>
+              <a:ext cx="1930390" cy="1771868"/>
+              <a:chOff x="340014" y="3687792"/>
+              <a:chExt cx="3069856" cy="2817763"/>
+            </a:xfrm>
+          </p:grpSpPr>
+          <p:pic>
+            <p:nvPicPr>
+              <p:cNvPr id="3" name="Object 2"/>
+              <p:cNvPicPr>
+                <a:picLocks noChangeAspect="1"/>
+              </p:cNvPicPr>
+              <p:nvPr/>
+            </p:nvPicPr>
+            <p:blipFill>
+              <a:blip r:embed="rId2" cstate="print"/>
+              <a:stretch>
+                <a:fillRect/>
+              </a:stretch>
+            </p:blipFill>
+            <p:spPr>
+              <a:xfrm>
+                <a:off x="-1194913" y="2300586"/>
+                <a:ext cx="6139711" cy="5635526"/>
+              </a:xfrm>
+              <a:prstGeom prst="rect">
+                <a:avLst/>
+              </a:prstGeom>
+            </p:spPr>
+          </p:pic>
+          <p:pic>
+            <p:nvPicPr>
+              <p:cNvPr id="4" name="Object 3"/>
+              <p:cNvPicPr>
+                <a:picLocks noChangeAspect="1"/>
+              </p:cNvPicPr>
+              <p:nvPr/>
+            </p:nvPicPr>
+            <p:blipFill>
+              <a:blip r:embed="rId3" cstate="print"/>
+              <a:stretch>
+                <a:fillRect/>
+              </a:stretch>
+            </p:blipFill>
+            <p:spPr>
+              <a:xfrm>
+                <a:off x="340014" y="3687792"/>
+                <a:ext cx="3069856" cy="2817763"/>
+              </a:xfrm>
+              <a:prstGeom prst="rect">
+                <a:avLst/>
+              </a:prstGeom>
+            </p:spPr>
+          </p:pic>
+        </p:grpSp>
+        <p:grpSp>
+          <p:nvGrpSpPr>
+            <p:cNvPr id="1002" name="그룹 1002"/>
+            <p:cNvGrpSpPr/>
+            <p:nvPr/>
+          </p:nvGrpSpPr>
+          <p:grpSpPr>
+            <a:xfrm>
+              <a:off x="1538482" y="2193532"/>
+              <a:ext cx="845195" cy="250859"/>
+              <a:chOff x="1202895" y="3488325"/>
+              <a:chExt cx="1344095" cy="398935"/>
+            </a:xfrm>
+          </p:grpSpPr>
+          <p:pic>
+            <p:nvPicPr>
+              <p:cNvPr id="7" name="Object 6"/>
+              <p:cNvPicPr>
+                <a:picLocks noChangeAspect="1"/>
+              </p:cNvPicPr>
+              <p:nvPr/>
+            </p:nvPicPr>
+            <p:blipFill>
+              <a:blip r:embed="rId4" cstate="print"/>
+              <a:stretch>
+                <a:fillRect/>
+              </a:stretch>
+            </p:blipFill>
+            <p:spPr>
+              <a:xfrm>
+                <a:off x="1202895" y="3488325"/>
+                <a:ext cx="1344095" cy="398935"/>
+              </a:xfrm>
+              <a:prstGeom prst="rect">
+                <a:avLst/>
+              </a:prstGeom>
+            </p:spPr>
+          </p:pic>
+        </p:grpSp>
+        <p:pic>
+          <p:nvPicPr>
+            <p:cNvPr id="9" name="Object 8"/>
+            <p:cNvPicPr>
+              <a:picLocks noChangeAspect="1"/>
+            </p:cNvPicPr>
+            <p:nvPr/>
+          </p:nvPicPr>
+          <p:blipFill>
+            <a:blip r:embed="rId5" cstate="print"/>
+            <a:stretch>
+              <a:fillRect/>
+            </a:stretch>
+          </p:blipFill>
+          <p:spPr>
+            <a:xfrm>
+              <a:off x="1581791" y="2181321"/>
+              <a:ext cx="767384" cy="311902"/>
+            </a:xfrm>
+            <a:prstGeom prst="rect">
+              <a:avLst/>
+            </a:prstGeom>
+          </p:spPr>
+        </p:pic>
+        <p:grpSp>
+          <p:nvGrpSpPr>
+            <p:cNvPr id="1003" name="그룹 1003"/>
+            <p:cNvGrpSpPr/>
+            <p:nvPr/>
+          </p:nvGrpSpPr>
+          <p:grpSpPr>
+            <a:xfrm>
+              <a:off x="3123852" y="3137092"/>
+              <a:ext cx="203284" cy="261439"/>
+              <a:chOff x="3724075" y="4988848"/>
+              <a:chExt cx="323278" cy="415760"/>
+            </a:xfrm>
+          </p:grpSpPr>
+          <p:pic>
+            <p:nvPicPr>
+              <p:cNvPr id="11" name="Object 10"/>
+              <p:cNvPicPr>
+                <a:picLocks noChangeAspect="1"/>
+              </p:cNvPicPr>
+              <p:nvPr/>
+            </p:nvPicPr>
+            <p:blipFill>
+              <a:blip r:embed="rId6" cstate="print"/>
+              <a:stretch>
+                <a:fillRect/>
+              </a:stretch>
+            </p:blipFill>
+            <p:spPr>
+              <a:xfrm rot="-9360000">
+                <a:off x="3724075" y="4988848"/>
+                <a:ext cx="323278" cy="415760"/>
+              </a:xfrm>
+              <a:prstGeom prst="rect">
+                <a:avLst/>
+              </a:prstGeom>
+            </p:spPr>
+          </p:pic>
+        </p:grpSp>
+        <p:grpSp>
+          <p:nvGrpSpPr>
+            <p:cNvPr id="1004" name="그룹 1004"/>
+            <p:cNvGrpSpPr/>
+            <p:nvPr/>
+          </p:nvGrpSpPr>
+          <p:grpSpPr>
+            <a:xfrm>
+              <a:off x="3523676" y="2318962"/>
+              <a:ext cx="1930390" cy="1771868"/>
+              <a:chOff x="4359906" y="3687792"/>
+              <a:chExt cx="3069856" cy="2817763"/>
+            </a:xfrm>
+          </p:grpSpPr>
+          <p:pic>
+            <p:nvPicPr>
+              <p:cNvPr id="14" name="Object 13"/>
+              <p:cNvPicPr>
+                <a:picLocks noChangeAspect="1"/>
+              </p:cNvPicPr>
+              <p:nvPr/>
+            </p:nvPicPr>
+            <p:blipFill>
+              <a:blip r:embed="rId7" cstate="print"/>
+              <a:stretch>
+                <a:fillRect/>
+              </a:stretch>
+            </p:blipFill>
+            <p:spPr>
+              <a:xfrm>
+                <a:off x="2824978" y="2300586"/>
+                <a:ext cx="6139711" cy="5635526"/>
+              </a:xfrm>
+              <a:prstGeom prst="rect">
+                <a:avLst/>
+              </a:prstGeom>
+            </p:spPr>
+          </p:pic>
+          <p:pic>
+            <p:nvPicPr>
+              <p:cNvPr id="15" name="Object 14"/>
+              <p:cNvPicPr>
+                <a:picLocks noChangeAspect="1"/>
+              </p:cNvPicPr>
+              <p:nvPr/>
+            </p:nvPicPr>
+            <p:blipFill>
+              <a:blip r:embed="rId3" cstate="print"/>
+              <a:stretch>
+                <a:fillRect/>
+              </a:stretch>
+            </p:blipFill>
+            <p:spPr>
+              <a:xfrm>
+                <a:off x="4359906" y="3687792"/>
+                <a:ext cx="3069856" cy="2817763"/>
+              </a:xfrm>
+              <a:prstGeom prst="rect">
+                <a:avLst/>
+              </a:prstGeom>
+            </p:spPr>
+          </p:pic>
+        </p:grpSp>
+        <p:grpSp>
+          <p:nvGrpSpPr>
+            <p:cNvPr id="1005" name="그룹 1005"/>
+            <p:cNvGrpSpPr/>
+            <p:nvPr/>
+          </p:nvGrpSpPr>
+          <p:grpSpPr>
+            <a:xfrm>
+              <a:off x="4066274" y="2193532"/>
+              <a:ext cx="845195" cy="250859"/>
+              <a:chOff x="5222787" y="3488325"/>
+              <a:chExt cx="1344095" cy="398935"/>
+            </a:xfrm>
+          </p:grpSpPr>
+          <p:pic>
+            <p:nvPicPr>
+              <p:cNvPr id="18" name="Object 17"/>
+              <p:cNvPicPr>
+                <a:picLocks noChangeAspect="1"/>
+              </p:cNvPicPr>
+              <p:nvPr/>
+            </p:nvPicPr>
+            <p:blipFill>
+              <a:blip r:embed="rId8" cstate="print"/>
+              <a:stretch>
+                <a:fillRect/>
+              </a:stretch>
+            </p:blipFill>
+            <p:spPr>
+              <a:xfrm>
+                <a:off x="5222787" y="3488325"/>
+                <a:ext cx="1344095" cy="398935"/>
+              </a:xfrm>
+              <a:prstGeom prst="rect">
+                <a:avLst/>
+              </a:prstGeom>
+            </p:spPr>
+          </p:pic>
+        </p:grpSp>
+        <p:grpSp>
+          <p:nvGrpSpPr>
+            <p:cNvPr id="1006" name="그룹 1006"/>
+            <p:cNvGrpSpPr/>
+            <p:nvPr/>
+          </p:nvGrpSpPr>
+          <p:grpSpPr>
+            <a:xfrm>
+              <a:off x="995884" y="4672288"/>
+              <a:ext cx="1930390" cy="1875818"/>
+              <a:chOff x="340014" y="7430235"/>
+              <a:chExt cx="3069856" cy="2983072"/>
+            </a:xfrm>
+          </p:grpSpPr>
+          <p:pic>
+            <p:nvPicPr>
+              <p:cNvPr id="21" name="Object 20"/>
+              <p:cNvPicPr>
+                <a:picLocks noChangeAspect="1"/>
+              </p:cNvPicPr>
+              <p:nvPr/>
+            </p:nvPicPr>
+            <p:blipFill>
+              <a:blip r:embed="rId9" cstate="print"/>
+              <a:stretch>
+                <a:fillRect/>
+              </a:stretch>
+            </p:blipFill>
+            <p:spPr>
+              <a:xfrm>
+                <a:off x="-1194913" y="5961646"/>
+                <a:ext cx="6139711" cy="5966144"/>
+              </a:xfrm>
+              <a:prstGeom prst="rect">
+                <a:avLst/>
+              </a:prstGeom>
+            </p:spPr>
+          </p:pic>
+          <p:pic>
+            <p:nvPicPr>
+              <p:cNvPr id="22" name="Object 21"/>
+              <p:cNvPicPr>
+                <a:picLocks noChangeAspect="1"/>
+              </p:cNvPicPr>
+              <p:nvPr/>
+            </p:nvPicPr>
+            <p:blipFill>
+              <a:blip r:embed="rId10" cstate="print"/>
+              <a:stretch>
+                <a:fillRect/>
+              </a:stretch>
+            </p:blipFill>
+            <p:spPr>
+              <a:xfrm>
+                <a:off x="340014" y="7430235"/>
+                <a:ext cx="3069856" cy="2983072"/>
+              </a:xfrm>
+              <a:prstGeom prst="rect">
+                <a:avLst/>
+              </a:prstGeom>
+            </p:spPr>
+          </p:pic>
+        </p:grpSp>
+        <p:grpSp>
+          <p:nvGrpSpPr>
+            <p:cNvPr id="1007" name="그룹 1007"/>
+            <p:cNvGrpSpPr/>
+            <p:nvPr/>
+          </p:nvGrpSpPr>
+          <p:grpSpPr>
+            <a:xfrm>
+              <a:off x="1538482" y="4546858"/>
+              <a:ext cx="845195" cy="250859"/>
+              <a:chOff x="1202895" y="7230767"/>
+              <a:chExt cx="1344095" cy="398935"/>
+            </a:xfrm>
+          </p:grpSpPr>
+          <p:pic>
+            <p:nvPicPr>
+              <p:cNvPr id="25" name="Object 24"/>
+              <p:cNvPicPr>
+                <a:picLocks noChangeAspect="1"/>
+              </p:cNvPicPr>
+              <p:nvPr/>
+            </p:nvPicPr>
+            <p:blipFill>
+              <a:blip r:embed="rId8" cstate="print"/>
+              <a:stretch>
+                <a:fillRect/>
+              </a:stretch>
+            </p:blipFill>
+            <p:spPr>
+              <a:xfrm>
+                <a:off x="1202895" y="7230767"/>
+                <a:ext cx="1344095" cy="398935"/>
+              </a:xfrm>
+              <a:prstGeom prst="rect">
+                <a:avLst/>
+              </a:prstGeom>
+            </p:spPr>
+          </p:pic>
+        </p:grpSp>
+        <p:grpSp>
+          <p:nvGrpSpPr>
+            <p:cNvPr id="1008" name="그룹 1008"/>
+            <p:cNvGrpSpPr/>
+            <p:nvPr/>
+          </p:nvGrpSpPr>
+          <p:grpSpPr>
+            <a:xfrm>
+              <a:off x="3123852" y="4218715"/>
+              <a:ext cx="203284" cy="261439"/>
+              <a:chOff x="3724075" y="6708929"/>
+              <a:chExt cx="323278" cy="415760"/>
+            </a:xfrm>
+          </p:grpSpPr>
+          <p:pic>
+            <p:nvPicPr>
+              <p:cNvPr id="28" name="Object 27"/>
+              <p:cNvPicPr>
+                <a:picLocks noChangeAspect="1"/>
+              </p:cNvPicPr>
+              <p:nvPr/>
+            </p:nvPicPr>
+            <p:blipFill>
+              <a:blip r:embed="rId11" cstate="print"/>
+              <a:stretch>
+                <a:fillRect/>
+              </a:stretch>
+            </p:blipFill>
+            <p:spPr>
+              <a:xfrm rot="1260000">
+                <a:off x="3724075" y="6708929"/>
+                <a:ext cx="323278" cy="415760"/>
+              </a:xfrm>
+              <a:prstGeom prst="rect">
+                <a:avLst/>
+              </a:prstGeom>
+            </p:spPr>
+          </p:pic>
+        </p:grpSp>
+        <p:grpSp>
+          <p:nvGrpSpPr>
+            <p:cNvPr id="1009" name="그룹 1009"/>
+            <p:cNvGrpSpPr/>
+            <p:nvPr/>
+          </p:nvGrpSpPr>
+          <p:grpSpPr>
+            <a:xfrm>
+              <a:off x="3523676" y="4672288"/>
+              <a:ext cx="1930390" cy="1875818"/>
+              <a:chOff x="4359906" y="7430235"/>
+              <a:chExt cx="3069856" cy="2983072"/>
+            </a:xfrm>
+          </p:grpSpPr>
+          <p:pic>
+            <p:nvPicPr>
+              <p:cNvPr id="31" name="Object 30"/>
+              <p:cNvPicPr>
+                <a:picLocks noChangeAspect="1"/>
+              </p:cNvPicPr>
+              <p:nvPr/>
+            </p:nvPicPr>
+            <p:blipFill>
+              <a:blip r:embed="rId12" cstate="print"/>
+              <a:stretch>
+                <a:fillRect/>
+              </a:stretch>
+            </p:blipFill>
+            <p:spPr>
+              <a:xfrm>
+                <a:off x="2824978" y="5961646"/>
+                <a:ext cx="6139711" cy="5966144"/>
+              </a:xfrm>
+              <a:prstGeom prst="rect">
+                <a:avLst/>
+              </a:prstGeom>
+            </p:spPr>
+          </p:pic>
+          <p:pic>
+            <p:nvPicPr>
+              <p:cNvPr id="32" name="Object 31"/>
+              <p:cNvPicPr>
+                <a:picLocks noChangeAspect="1"/>
+              </p:cNvPicPr>
+              <p:nvPr/>
+            </p:nvPicPr>
+            <p:blipFill>
+              <a:blip r:embed="rId13" cstate="print"/>
+              <a:stretch>
+                <a:fillRect/>
+              </a:stretch>
+            </p:blipFill>
+            <p:spPr>
+              <a:xfrm>
+                <a:off x="4359906" y="7430235"/>
+                <a:ext cx="3069856" cy="2983072"/>
+              </a:xfrm>
+              <a:prstGeom prst="rect">
+                <a:avLst/>
+              </a:prstGeom>
+            </p:spPr>
+          </p:pic>
+        </p:grpSp>
+        <p:grpSp>
+          <p:nvGrpSpPr>
+            <p:cNvPr id="1010" name="그룹 1010"/>
+            <p:cNvGrpSpPr/>
+            <p:nvPr/>
+          </p:nvGrpSpPr>
+          <p:grpSpPr>
+            <a:xfrm>
+              <a:off x="4066274" y="4546858"/>
+              <a:ext cx="845195" cy="250859"/>
+              <a:chOff x="5222787" y="7230767"/>
+              <a:chExt cx="1344095" cy="398935"/>
+            </a:xfrm>
+          </p:grpSpPr>
+          <p:pic>
+            <p:nvPicPr>
+              <p:cNvPr id="35" name="Object 34"/>
+              <p:cNvPicPr>
+                <a:picLocks noChangeAspect="1"/>
+              </p:cNvPicPr>
+              <p:nvPr/>
+            </p:nvPicPr>
+            <p:blipFill>
+              <a:blip r:embed="rId4" cstate="print"/>
+              <a:stretch>
+                <a:fillRect/>
+              </a:stretch>
+            </p:blipFill>
+            <p:spPr>
+              <a:xfrm>
+                <a:off x="5222787" y="7230767"/>
+                <a:ext cx="1344095" cy="398935"/>
+              </a:xfrm>
+              <a:prstGeom prst="rect">
+                <a:avLst/>
+              </a:prstGeom>
+            </p:spPr>
+          </p:pic>
+        </p:grpSp>
+        <p:grpSp>
+          <p:nvGrpSpPr>
+            <p:cNvPr id="1011" name="그룹 1011"/>
+            <p:cNvGrpSpPr/>
+            <p:nvPr/>
+          </p:nvGrpSpPr>
+          <p:grpSpPr>
+            <a:xfrm>
+              <a:off x="3124763" y="5364989"/>
+              <a:ext cx="203284" cy="261439"/>
+              <a:chOff x="3725523" y="8531823"/>
+              <a:chExt cx="323278" cy="415760"/>
+            </a:xfrm>
+          </p:grpSpPr>
+          <p:pic>
+            <p:nvPicPr>
+              <p:cNvPr id="38" name="Object 37"/>
+              <p:cNvPicPr>
+                <a:picLocks noChangeAspect="1"/>
+              </p:cNvPicPr>
+              <p:nvPr/>
+            </p:nvPicPr>
+            <p:blipFill>
+              <a:blip r:embed="rId14" cstate="print"/>
+              <a:stretch>
+                <a:fillRect/>
+              </a:stretch>
+            </p:blipFill>
+            <p:spPr>
+              <a:xfrm rot="-2340000">
+                <a:off x="3725523" y="8531823"/>
+                <a:ext cx="323278" cy="415760"/>
+              </a:xfrm>
+              <a:prstGeom prst="rect">
+                <a:avLst/>
+              </a:prstGeom>
+            </p:spPr>
+          </p:pic>
+        </p:grpSp>
+        <p:pic>
+          <p:nvPicPr>
+            <p:cNvPr id="40" name="Object 39"/>
+            <p:cNvPicPr>
+              <a:picLocks noChangeAspect="1"/>
+            </p:cNvPicPr>
+            <p:nvPr/>
+          </p:nvPicPr>
+          <p:blipFill>
+            <a:blip r:embed="rId15" cstate="print"/>
+            <a:stretch>
+              <a:fillRect/>
+            </a:stretch>
+          </p:blipFill>
+          <p:spPr>
+            <a:xfrm>
+              <a:off x="1332905" y="2530487"/>
+              <a:ext cx="1057816" cy="338852"/>
+            </a:xfrm>
+            <a:prstGeom prst="rect">
+              <a:avLst/>
+            </a:prstGeom>
+          </p:spPr>
+        </p:pic>
+        <p:grpSp>
+          <p:nvGrpSpPr>
+            <p:cNvPr id="1012" name="그룹 1012"/>
+            <p:cNvGrpSpPr/>
+            <p:nvPr/>
+          </p:nvGrpSpPr>
+          <p:grpSpPr>
+            <a:xfrm>
+              <a:off x="1135082" y="2826612"/>
+              <a:ext cx="1649114" cy="91071"/>
+              <a:chOff x="561377" y="4495098"/>
+              <a:chExt cx="2622550" cy="144828"/>
+            </a:xfrm>
+          </p:grpSpPr>
+          <p:pic>
+            <p:nvPicPr>
+              <p:cNvPr id="42" name="Object 41"/>
+              <p:cNvPicPr>
+                <a:picLocks noChangeAspect="1"/>
+              </p:cNvPicPr>
+              <p:nvPr/>
+            </p:nvPicPr>
+            <p:blipFill>
+              <a:blip r:embed="rId16" cstate="print"/>
+              <a:stretch>
+                <a:fillRect/>
+              </a:stretch>
+            </p:blipFill>
+            <p:spPr>
+              <a:xfrm rot="-10800000">
+                <a:off x="561377" y="4495098"/>
+                <a:ext cx="2622550" cy="144828"/>
+              </a:xfrm>
+              <a:prstGeom prst="rect">
+                <a:avLst/>
+              </a:prstGeom>
+            </p:spPr>
+          </p:pic>
+        </p:grpSp>
+        <p:pic>
+          <p:nvPicPr>
+            <p:cNvPr id="44" name="Object 43"/>
+            <p:cNvPicPr>
+              <a:picLocks noChangeAspect="1"/>
+            </p:cNvPicPr>
+            <p:nvPr/>
+          </p:nvPicPr>
+          <p:blipFill>
+            <a:blip r:embed="rId17" cstate="print"/>
+            <a:stretch>
+              <a:fillRect/>
+            </a:stretch>
+          </p:blipFill>
+          <p:spPr>
+            <a:xfrm>
+              <a:off x="1119704" y="2963241"/>
+              <a:ext cx="1108899" cy="246953"/>
+            </a:xfrm>
+            <a:prstGeom prst="rect">
+              <a:avLst/>
+            </a:prstGeom>
+          </p:spPr>
+        </p:pic>
+        <p:pic>
+          <p:nvPicPr>
+            <p:cNvPr id="45" name="Object 44"/>
+            <p:cNvPicPr>
+              <a:picLocks noChangeAspect="1"/>
+            </p:cNvPicPr>
+            <p:nvPr/>
+          </p:nvPicPr>
+          <p:blipFill>
+            <a:blip r:embed="rId18" cstate="print"/>
+            <a:stretch>
+              <a:fillRect/>
+            </a:stretch>
+          </p:blipFill>
+          <p:spPr>
+            <a:xfrm>
+              <a:off x="1164724" y="3243350"/>
+              <a:ext cx="1499738" cy="483671"/>
+            </a:xfrm>
+            <a:prstGeom prst="rect">
+              <a:avLst/>
+            </a:prstGeom>
+          </p:spPr>
+        </p:pic>
+        <p:pic>
+          <p:nvPicPr>
+            <p:cNvPr id="46" name="Object 45"/>
+            <p:cNvPicPr>
+              <a:picLocks noChangeAspect="1"/>
+            </p:cNvPicPr>
+            <p:nvPr/>
+          </p:nvPicPr>
+          <p:blipFill>
+            <a:blip r:embed="rId19" cstate="print"/>
+            <a:stretch>
+              <a:fillRect/>
+            </a:stretch>
+          </p:blipFill>
+          <p:spPr>
+            <a:xfrm>
+              <a:off x="3857980" y="2530487"/>
+              <a:ext cx="1057816" cy="338852"/>
+            </a:xfrm>
+            <a:prstGeom prst="rect">
+              <a:avLst/>
+            </a:prstGeom>
+          </p:spPr>
+        </p:pic>
+        <p:grpSp>
+          <p:nvGrpSpPr>
+            <p:cNvPr id="1013" name="그룹 1013"/>
+            <p:cNvGrpSpPr/>
+            <p:nvPr/>
+          </p:nvGrpSpPr>
+          <p:grpSpPr>
+            <a:xfrm>
+              <a:off x="3660158" y="2826612"/>
+              <a:ext cx="1649114" cy="91071"/>
+              <a:chOff x="4576950" y="4495098"/>
+              <a:chExt cx="2622550" cy="144828"/>
+            </a:xfrm>
+          </p:grpSpPr>
+          <p:pic>
+            <p:nvPicPr>
+              <p:cNvPr id="48" name="Object 47"/>
+              <p:cNvPicPr>
+                <a:picLocks noChangeAspect="1"/>
+              </p:cNvPicPr>
+              <p:nvPr/>
+            </p:nvPicPr>
+            <p:blipFill>
+              <a:blip r:embed="rId16" cstate="print"/>
+              <a:stretch>
+                <a:fillRect/>
+              </a:stretch>
+            </p:blipFill>
+            <p:spPr>
+              <a:xfrm rot="-10800000">
+                <a:off x="4576950" y="4495098"/>
+                <a:ext cx="2622550" cy="144828"/>
+              </a:xfrm>
+              <a:prstGeom prst="rect">
+                <a:avLst/>
+              </a:prstGeom>
+            </p:spPr>
+          </p:pic>
+        </p:grpSp>
+        <p:pic>
+          <p:nvPicPr>
+            <p:cNvPr id="50" name="Object 49"/>
+            <p:cNvPicPr>
+              <a:picLocks noChangeAspect="1"/>
+            </p:cNvPicPr>
+            <p:nvPr/>
+          </p:nvPicPr>
+          <p:blipFill>
+            <a:blip r:embed="rId20" cstate="print"/>
+            <a:stretch>
+              <a:fillRect/>
+            </a:stretch>
+          </p:blipFill>
+          <p:spPr>
+            <a:xfrm>
+              <a:off x="3644778" y="2963241"/>
+              <a:ext cx="1265092" cy="246953"/>
+            </a:xfrm>
+            <a:prstGeom prst="rect">
+              <a:avLst/>
+            </a:prstGeom>
+          </p:spPr>
+        </p:pic>
+        <p:pic>
+          <p:nvPicPr>
+            <p:cNvPr id="51" name="Object 50"/>
+            <p:cNvPicPr>
+              <a:picLocks noChangeAspect="1"/>
+            </p:cNvPicPr>
+            <p:nvPr/>
+          </p:nvPicPr>
+          <p:blipFill>
+            <a:blip r:embed="rId21" cstate="print"/>
+            <a:stretch>
+              <a:fillRect/>
+            </a:stretch>
+          </p:blipFill>
+          <p:spPr>
+            <a:xfrm>
+              <a:off x="3596144" y="3246618"/>
+              <a:ext cx="1753602" cy="437510"/>
+            </a:xfrm>
+            <a:prstGeom prst="rect">
+              <a:avLst/>
+            </a:prstGeom>
+          </p:spPr>
+        </p:pic>
+        <p:pic>
+          <p:nvPicPr>
+            <p:cNvPr id="52" name="Object 51"/>
+            <p:cNvPicPr>
+              <a:picLocks noChangeAspect="1"/>
+            </p:cNvPicPr>
+            <p:nvPr/>
+          </p:nvPicPr>
+          <p:blipFill>
+            <a:blip r:embed="rId15" cstate="print"/>
+            <a:stretch>
+              <a:fillRect/>
+            </a:stretch>
+          </p:blipFill>
+          <p:spPr>
+            <a:xfrm>
+              <a:off x="1334345" y="4912164"/>
+              <a:ext cx="1057816" cy="338852"/>
+            </a:xfrm>
+            <a:prstGeom prst="rect">
+              <a:avLst/>
+            </a:prstGeom>
+          </p:spPr>
+        </p:pic>
+        <p:grpSp>
+          <p:nvGrpSpPr>
+            <p:cNvPr id="1014" name="그룹 1014"/>
+            <p:cNvGrpSpPr/>
+            <p:nvPr/>
+          </p:nvGrpSpPr>
+          <p:grpSpPr>
+            <a:xfrm>
+              <a:off x="1136522" y="5208290"/>
+              <a:ext cx="1649114" cy="91071"/>
+              <a:chOff x="563667" y="8282627"/>
+              <a:chExt cx="2622550" cy="144828"/>
+            </a:xfrm>
+          </p:grpSpPr>
+          <p:pic>
+            <p:nvPicPr>
+              <p:cNvPr id="54" name="Object 53"/>
+              <p:cNvPicPr>
+                <a:picLocks noChangeAspect="1"/>
+              </p:cNvPicPr>
+              <p:nvPr/>
+            </p:nvPicPr>
+            <p:blipFill>
+              <a:blip r:embed="rId16" cstate="print"/>
+              <a:stretch>
+                <a:fillRect/>
+              </a:stretch>
+            </p:blipFill>
+            <p:spPr>
+              <a:xfrm rot="-10800000">
+                <a:off x="563667" y="8282627"/>
+                <a:ext cx="2622550" cy="144828"/>
+              </a:xfrm>
+              <a:prstGeom prst="rect">
+                <a:avLst/>
+              </a:prstGeom>
+            </p:spPr>
+          </p:pic>
+        </p:grpSp>
+        <p:pic>
+          <p:nvPicPr>
+            <p:cNvPr id="56" name="Object 55"/>
+            <p:cNvPicPr>
+              <a:picLocks noChangeAspect="1"/>
+            </p:cNvPicPr>
+            <p:nvPr/>
+          </p:nvPicPr>
+          <p:blipFill>
+            <a:blip r:embed="rId22" cstate="print"/>
+            <a:stretch>
+              <a:fillRect/>
+            </a:stretch>
+          </p:blipFill>
+          <p:spPr>
+            <a:xfrm>
+              <a:off x="-58037" y="5640068"/>
+              <a:ext cx="2884420" cy="437510"/>
+            </a:xfrm>
+            <a:prstGeom prst="rect">
+              <a:avLst/>
+            </a:prstGeom>
+          </p:spPr>
+        </p:pic>
+        <p:grpSp>
+          <p:nvGrpSpPr>
+            <p:cNvPr id="1015" name="그룹 1015"/>
+            <p:cNvGrpSpPr/>
+            <p:nvPr/>
+          </p:nvGrpSpPr>
+          <p:grpSpPr>
+            <a:xfrm>
+              <a:off x="314325" y="-124674"/>
+              <a:ext cx="5716364" cy="2078592"/>
+              <a:chOff x="-743853" y="-198268"/>
+              <a:chExt cx="9090606" cy="3305539"/>
+            </a:xfrm>
+          </p:grpSpPr>
+          <p:pic>
+            <p:nvPicPr>
+              <p:cNvPr id="58" name="Object 57"/>
+              <p:cNvPicPr>
+                <a:picLocks noChangeAspect="1"/>
+              </p:cNvPicPr>
+              <p:nvPr/>
+            </p:nvPicPr>
+            <p:blipFill>
+              <a:blip r:embed="rId23" cstate="print"/>
+              <a:stretch>
+                <a:fillRect/>
+              </a:stretch>
+            </p:blipFill>
+            <p:spPr>
+              <a:xfrm>
+                <a:off x="-743853" y="-198268"/>
+                <a:ext cx="9090606" cy="3305539"/>
+              </a:xfrm>
+              <a:prstGeom prst="rect">
+                <a:avLst/>
+              </a:prstGeom>
+            </p:spPr>
+          </p:pic>
+        </p:grpSp>
+        <p:pic>
+          <p:nvPicPr>
+            <p:cNvPr id="60" name="Object 59"/>
+            <p:cNvPicPr>
+              <a:picLocks noChangeAspect="1"/>
+            </p:cNvPicPr>
+            <p:nvPr/>
+          </p:nvPicPr>
+          <p:blipFill>
+            <a:blip r:embed="rId24" cstate="print"/>
+            <a:stretch>
+              <a:fillRect/>
+            </a:stretch>
+          </p:blipFill>
+          <p:spPr>
+            <a:xfrm>
+              <a:off x="1911315" y="62644"/>
+              <a:ext cx="2626992" cy="1004711"/>
+            </a:xfrm>
+            <a:prstGeom prst="rect">
+              <a:avLst/>
+            </a:prstGeom>
+          </p:spPr>
+        </p:pic>
+        <p:pic>
+          <p:nvPicPr>
+            <p:cNvPr id="61" name="Object 60"/>
+            <p:cNvPicPr>
+              <a:picLocks noChangeAspect="1"/>
+            </p:cNvPicPr>
+            <p:nvPr/>
+          </p:nvPicPr>
+          <p:blipFill>
+            <a:blip r:embed="rId25" cstate="print"/>
+            <a:stretch>
+              <a:fillRect/>
+            </a:stretch>
+          </p:blipFill>
+          <p:spPr>
+            <a:xfrm>
+              <a:off x="925332" y="712636"/>
+              <a:ext cx="4052024" cy="934820"/>
+            </a:xfrm>
+            <a:prstGeom prst="rect">
+              <a:avLst/>
+            </a:prstGeom>
+          </p:spPr>
+        </p:pic>
+        <p:pic>
+          <p:nvPicPr>
+            <p:cNvPr id="62" name="Object 61"/>
+            <p:cNvPicPr>
+              <a:picLocks noChangeAspect="1"/>
+            </p:cNvPicPr>
+            <p:nvPr/>
+          </p:nvPicPr>
+          <p:blipFill>
+            <a:blip r:embed="rId26" cstate="print"/>
+            <a:stretch>
+              <a:fillRect/>
+            </a:stretch>
+          </p:blipFill>
+          <p:spPr>
+            <a:xfrm>
+              <a:off x="1876621" y="1427017"/>
+              <a:ext cx="1901172" cy="339007"/>
+            </a:xfrm>
+            <a:prstGeom prst="rect">
+              <a:avLst/>
+            </a:prstGeom>
+          </p:spPr>
+        </p:pic>
+        <p:pic>
+          <p:nvPicPr>
+            <p:cNvPr id="63" name="Object 62"/>
+            <p:cNvPicPr>
+              <a:picLocks noChangeAspect="1"/>
+            </p:cNvPicPr>
+            <p:nvPr/>
+          </p:nvPicPr>
+          <p:blipFill>
+            <a:blip r:embed="rId27" cstate="print"/>
+            <a:stretch>
+              <a:fillRect/>
+            </a:stretch>
+          </p:blipFill>
+          <p:spPr>
+            <a:xfrm>
+              <a:off x="4099912" y="2176888"/>
+              <a:ext cx="795555" cy="311902"/>
+            </a:xfrm>
+            <a:prstGeom prst="rect">
+              <a:avLst/>
+            </a:prstGeom>
+          </p:spPr>
+        </p:pic>
+        <p:pic>
+          <p:nvPicPr>
+            <p:cNvPr id="64" name="Object 63"/>
+            <p:cNvPicPr>
+              <a:picLocks noChangeAspect="1"/>
+            </p:cNvPicPr>
+            <p:nvPr/>
+          </p:nvPicPr>
+          <p:blipFill>
+            <a:blip r:embed="rId28" cstate="print"/>
+            <a:stretch>
+              <a:fillRect/>
+            </a:stretch>
+          </p:blipFill>
+          <p:spPr>
+            <a:xfrm>
+              <a:off x="4143540" y="4516968"/>
+              <a:ext cx="740464" cy="329251"/>
+            </a:xfrm>
+            <a:prstGeom prst="rect">
+              <a:avLst/>
+            </a:prstGeom>
+          </p:spPr>
+        </p:pic>
+        <p:pic>
+          <p:nvPicPr>
+            <p:cNvPr id="65" name="Object 64"/>
+            <p:cNvPicPr>
+              <a:picLocks noChangeAspect="1"/>
+            </p:cNvPicPr>
+            <p:nvPr/>
+          </p:nvPicPr>
+          <p:blipFill>
+            <a:blip r:embed="rId29" cstate="print"/>
+            <a:stretch>
+              <a:fillRect/>
+            </a:stretch>
+          </p:blipFill>
+          <p:spPr>
+            <a:xfrm>
+              <a:off x="1611991" y="4530215"/>
+              <a:ext cx="752118" cy="311901"/>
+            </a:xfrm>
+            <a:prstGeom prst="rect">
+              <a:avLst/>
+            </a:prstGeom>
+          </p:spPr>
+        </p:pic>
+        <p:pic>
+          <p:nvPicPr>
+            <p:cNvPr id="66" name="Object 65"/>
+            <p:cNvPicPr>
+              <a:picLocks noChangeAspect="1"/>
+            </p:cNvPicPr>
+            <p:nvPr/>
+          </p:nvPicPr>
+          <p:blipFill>
+            <a:blip r:embed="rId30" cstate="print"/>
+            <a:stretch>
+              <a:fillRect/>
+            </a:stretch>
+          </p:blipFill>
+          <p:spPr>
+            <a:xfrm>
+              <a:off x="594055" y="3738149"/>
+              <a:ext cx="1843497" cy="310355"/>
+            </a:xfrm>
+            <a:prstGeom prst="rect">
+              <a:avLst/>
+            </a:prstGeom>
+          </p:spPr>
+        </p:pic>
+        <p:pic>
+          <p:nvPicPr>
+            <p:cNvPr id="67" name="Object 66"/>
+            <p:cNvPicPr>
+              <a:picLocks noChangeAspect="1"/>
+            </p:cNvPicPr>
+            <p:nvPr/>
+          </p:nvPicPr>
+          <p:blipFill>
+            <a:blip r:embed="rId31" cstate="print"/>
+            <a:stretch>
+              <a:fillRect/>
+            </a:stretch>
+          </p:blipFill>
+          <p:spPr>
+            <a:xfrm>
+              <a:off x="3142493" y="3738149"/>
+              <a:ext cx="1843497" cy="310355"/>
+            </a:xfrm>
+            <a:prstGeom prst="rect">
+              <a:avLst/>
+            </a:prstGeom>
+          </p:spPr>
+        </p:pic>
+        <p:pic>
+          <p:nvPicPr>
+            <p:cNvPr id="68" name="Object 67"/>
+            <p:cNvPicPr>
+              <a:picLocks noChangeAspect="1"/>
+            </p:cNvPicPr>
+            <p:nvPr/>
+          </p:nvPicPr>
+          <p:blipFill>
+            <a:blip r:embed="rId32" cstate="print"/>
+            <a:stretch>
+              <a:fillRect/>
+            </a:stretch>
+          </p:blipFill>
+          <p:spPr>
+            <a:xfrm>
+              <a:off x="614699" y="6180824"/>
+              <a:ext cx="1843497" cy="310355"/>
+            </a:xfrm>
+            <a:prstGeom prst="rect">
+              <a:avLst/>
+            </a:prstGeom>
+          </p:spPr>
+        </p:pic>
+        <p:pic>
+          <p:nvPicPr>
+            <p:cNvPr id="69" name="Object 68"/>
+            <p:cNvPicPr>
+              <a:picLocks noChangeAspect="1"/>
+            </p:cNvPicPr>
+            <p:nvPr/>
+          </p:nvPicPr>
+          <p:blipFill>
+            <a:blip r:embed="rId33" cstate="print"/>
+            <a:stretch>
+              <a:fillRect/>
+            </a:stretch>
+          </p:blipFill>
+          <p:spPr>
+            <a:xfrm>
+              <a:off x="3862139" y="4888789"/>
+              <a:ext cx="1057816" cy="338852"/>
+            </a:xfrm>
+            <a:prstGeom prst="rect">
+              <a:avLst/>
+            </a:prstGeom>
+          </p:spPr>
+        </p:pic>
+        <p:grpSp>
+          <p:nvGrpSpPr>
+            <p:cNvPr id="1016" name="그룹 1016"/>
+            <p:cNvGrpSpPr/>
+            <p:nvPr/>
+          </p:nvGrpSpPr>
+          <p:grpSpPr>
+            <a:xfrm>
+              <a:off x="3664316" y="5184913"/>
+              <a:ext cx="1649114" cy="91071"/>
+              <a:chOff x="4583562" y="8245452"/>
+              <a:chExt cx="2622550" cy="144828"/>
+            </a:xfrm>
+          </p:grpSpPr>
+          <p:pic>
+            <p:nvPicPr>
+              <p:cNvPr id="71" name="Object 70"/>
+              <p:cNvPicPr>
+                <a:picLocks noChangeAspect="1"/>
+              </p:cNvPicPr>
+              <p:nvPr/>
+            </p:nvPicPr>
+            <p:blipFill>
+              <a:blip r:embed="rId16" cstate="print"/>
+              <a:stretch>
+                <a:fillRect/>
+              </a:stretch>
+            </p:blipFill>
+            <p:spPr>
+              <a:xfrm rot="-10800000">
+                <a:off x="4583562" y="8245452"/>
+                <a:ext cx="2622550" cy="144828"/>
+              </a:xfrm>
+              <a:prstGeom prst="rect">
+                <a:avLst/>
+              </a:prstGeom>
+            </p:spPr>
+          </p:pic>
+        </p:grpSp>
+        <p:pic>
+          <p:nvPicPr>
+            <p:cNvPr id="73" name="Object 72"/>
+            <p:cNvPicPr>
+              <a:picLocks noChangeAspect="1"/>
+            </p:cNvPicPr>
+            <p:nvPr/>
+          </p:nvPicPr>
+          <p:blipFill>
+            <a:blip r:embed="rId34" cstate="print"/>
+            <a:stretch>
+              <a:fillRect/>
+            </a:stretch>
+          </p:blipFill>
+          <p:spPr>
+            <a:xfrm>
+              <a:off x="3648938" y="5271673"/>
+              <a:ext cx="1456463" cy="437510"/>
+            </a:xfrm>
+            <a:prstGeom prst="rect">
+              <a:avLst/>
+            </a:prstGeom>
+          </p:spPr>
+        </p:pic>
+        <p:pic>
+          <p:nvPicPr>
+            <p:cNvPr id="74" name="Object 73"/>
+            <p:cNvPicPr>
+              <a:picLocks noChangeAspect="1"/>
+            </p:cNvPicPr>
+            <p:nvPr/>
+          </p:nvPicPr>
+          <p:blipFill>
+            <a:blip r:embed="rId35" cstate="print"/>
+            <a:stretch>
+              <a:fillRect/>
+            </a:stretch>
+          </p:blipFill>
+          <p:spPr>
+            <a:xfrm>
+              <a:off x="2469755" y="5706621"/>
+              <a:ext cx="2750757" cy="437510"/>
+            </a:xfrm>
+            <a:prstGeom prst="rect">
+              <a:avLst/>
+            </a:prstGeom>
+          </p:spPr>
+        </p:pic>
+        <p:pic>
+          <p:nvPicPr>
+            <p:cNvPr id="75" name="Object 74"/>
+            <p:cNvPicPr>
+              <a:picLocks noChangeAspect="1"/>
+            </p:cNvPicPr>
+            <p:nvPr/>
+          </p:nvPicPr>
+          <p:blipFill>
+            <a:blip r:embed="rId36" cstate="print"/>
+            <a:stretch>
+              <a:fillRect/>
+            </a:stretch>
+          </p:blipFill>
+          <p:spPr>
+            <a:xfrm>
+              <a:off x="3142493" y="6157437"/>
+              <a:ext cx="1843497" cy="310355"/>
+            </a:xfrm>
+            <a:prstGeom prst="rect">
+              <a:avLst/>
+            </a:prstGeom>
+          </p:spPr>
+        </p:pic>
+        <p:pic>
+          <p:nvPicPr>
+            <p:cNvPr id="76" name="Object 75"/>
+            <p:cNvPicPr>
+              <a:picLocks noChangeAspect="1"/>
+            </p:cNvPicPr>
+            <p:nvPr/>
+          </p:nvPicPr>
+          <p:blipFill>
+            <a:blip r:embed="rId37" cstate="print"/>
+            <a:stretch>
+              <a:fillRect/>
+            </a:stretch>
+          </p:blipFill>
+          <p:spPr>
+            <a:xfrm>
+              <a:off x="1123382" y="5376817"/>
+              <a:ext cx="1549798" cy="246953"/>
+            </a:xfrm>
+            <a:prstGeom prst="rect">
+              <a:avLst/>
+            </a:prstGeom>
+          </p:spPr>
+        </p:pic>
+      </p:grpSp>
+      <p:grpSp>
+        <p:nvGrpSpPr>
+          <p:cNvPr id="70" name="그룹 1001">
+            <a:extLst>
+              <a:ext uri="{FF2B5EF4-FFF2-40B4-BE49-F238E27FC236}">
+                <a16:creationId xmlns:a16="http://schemas.microsoft.com/office/drawing/2014/main" id="{DA6C771C-BD2C-ACC5-373B-42440A2D7DE6}"/>
+              </a:ext>
+            </a:extLst>
+          </p:cNvPr>
+          <p:cNvGrpSpPr/>
+          <p:nvPr/>
+        </p:nvGrpSpPr>
+        <p:grpSpPr>
+          <a:xfrm>
+            <a:off x="6362393" y="2317588"/>
+            <a:ext cx="2043236" cy="1856240"/>
+            <a:chOff x="2173997" y="3568831"/>
+            <a:chExt cx="3397411" cy="3086481"/>
+          </a:xfrm>
+        </p:grpSpPr>
+        <p:pic>
+          <p:nvPicPr>
+            <p:cNvPr id="72" name="Object 2">
+              <a:extLst>
+                <a:ext uri="{FF2B5EF4-FFF2-40B4-BE49-F238E27FC236}">
+                  <a16:creationId xmlns:a16="http://schemas.microsoft.com/office/drawing/2014/main" id="{366B2426-8E30-2C4D-393B-FA3C64A798BC}"/>
+                </a:ext>
+              </a:extLst>
+            </p:cNvPr>
+            <p:cNvPicPr>
+              <a:picLocks noChangeAspect="1"/>
+            </p:cNvPicPr>
+            <p:nvPr/>
+          </p:nvPicPr>
+          <p:blipFill>
+            <a:blip r:embed="rId38" cstate="print"/>
+            <a:stretch>
+              <a:fillRect/>
+            </a:stretch>
+          </p:blipFill>
+          <p:spPr>
+            <a:xfrm>
+              <a:off x="475291" y="2049333"/>
+              <a:ext cx="6794823" cy="6172963"/>
+            </a:xfrm>
+            <a:prstGeom prst="rect">
+              <a:avLst/>
+            </a:prstGeom>
+          </p:spPr>
+        </p:pic>
+        <p:pic>
+          <p:nvPicPr>
+            <p:cNvPr id="77" name="Object 3">
+              <a:extLst>
+                <a:ext uri="{FF2B5EF4-FFF2-40B4-BE49-F238E27FC236}">
+                  <a16:creationId xmlns:a16="http://schemas.microsoft.com/office/drawing/2014/main" id="{8340BF2A-EB84-F525-29CF-281A9823F5B8}"/>
+                </a:ext>
+              </a:extLst>
+            </p:cNvPr>
+            <p:cNvPicPr>
+              <a:picLocks noChangeAspect="1"/>
+            </p:cNvPicPr>
+            <p:nvPr/>
+          </p:nvPicPr>
+          <p:blipFill>
+            <a:blip r:embed="rId39" cstate="print"/>
+            <a:stretch>
+              <a:fillRect/>
+            </a:stretch>
+          </p:blipFill>
+          <p:spPr>
+            <a:xfrm>
+              <a:off x="2173997" y="3568831"/>
+              <a:ext cx="3397411" cy="3086481"/>
+            </a:xfrm>
+            <a:prstGeom prst="rect">
+              <a:avLst/>
+            </a:prstGeom>
+          </p:spPr>
+        </p:pic>
+      </p:grpSp>
+      <p:grpSp>
+        <p:nvGrpSpPr>
+          <p:cNvPr id="78" name="그룹 1002">
+            <a:extLst>
+              <a:ext uri="{FF2B5EF4-FFF2-40B4-BE49-F238E27FC236}">
+                <a16:creationId xmlns:a16="http://schemas.microsoft.com/office/drawing/2014/main" id="{8F286802-F77A-54E0-9A1D-6B12405B8B1E}"/>
+              </a:ext>
+            </a:extLst>
+          </p:cNvPr>
+          <p:cNvGrpSpPr/>
+          <p:nvPr/>
+        </p:nvGrpSpPr>
+        <p:grpSpPr>
+          <a:xfrm>
+            <a:off x="6940958" y="2191665"/>
+            <a:ext cx="808352" cy="239924"/>
+            <a:chOff x="3136012" y="3359450"/>
+            <a:chExt cx="1344095" cy="398935"/>
+          </a:xfrm>
+        </p:grpSpPr>
+        <p:pic>
+          <p:nvPicPr>
+            <p:cNvPr id="79" name="Object 6">
+              <a:extLst>
+                <a:ext uri="{FF2B5EF4-FFF2-40B4-BE49-F238E27FC236}">
+                  <a16:creationId xmlns:a16="http://schemas.microsoft.com/office/drawing/2014/main" id="{2D66A50F-EA33-B0D2-D5C8-A6471CB22F52}"/>
+                </a:ext>
+              </a:extLst>
+            </p:cNvPr>
+            <p:cNvPicPr>
+              <a:picLocks noChangeAspect="1"/>
+            </p:cNvPicPr>
+            <p:nvPr/>
+          </p:nvPicPr>
+          <p:blipFill>
+            <a:blip r:embed="rId4" cstate="print"/>
+            <a:stretch>
+              <a:fillRect/>
+            </a:stretch>
+          </p:blipFill>
+          <p:spPr>
+            <a:xfrm>
+              <a:off x="3136012" y="3359450"/>
+              <a:ext cx="1344095" cy="398935"/>
+            </a:xfrm>
+            <a:prstGeom prst="rect">
+              <a:avLst/>
+            </a:prstGeom>
+          </p:spPr>
+        </p:pic>
+      </p:grpSp>
+      <p:grpSp>
+        <p:nvGrpSpPr>
+          <p:cNvPr id="80" name="그룹 1003">
+            <a:extLst>
+              <a:ext uri="{FF2B5EF4-FFF2-40B4-BE49-F238E27FC236}">
+                <a16:creationId xmlns:a16="http://schemas.microsoft.com/office/drawing/2014/main" id="{BFE1C6B6-0E48-ED2F-1C8B-45A7DA3F832D}"/>
+              </a:ext>
+            </a:extLst>
+          </p:cNvPr>
+          <p:cNvGrpSpPr/>
+          <p:nvPr/>
+        </p:nvGrpSpPr>
+        <p:grpSpPr>
+          <a:xfrm>
+            <a:off x="7294625" y="5302286"/>
+            <a:ext cx="194423" cy="250042"/>
+            <a:chOff x="3724075" y="8362730"/>
+            <a:chExt cx="323278" cy="415760"/>
+          </a:xfrm>
+        </p:grpSpPr>
+        <p:pic>
+          <p:nvPicPr>
+            <p:cNvPr id="81" name="Object 9">
+              <a:extLst>
+                <a:ext uri="{FF2B5EF4-FFF2-40B4-BE49-F238E27FC236}">
+                  <a16:creationId xmlns:a16="http://schemas.microsoft.com/office/drawing/2014/main" id="{AAE1571F-97CA-91B7-935A-2DBC9832877B}"/>
+                </a:ext>
+              </a:extLst>
+            </p:cNvPr>
+            <p:cNvPicPr>
+              <a:picLocks noChangeAspect="1"/>
+            </p:cNvPicPr>
+            <p:nvPr/>
+          </p:nvPicPr>
+          <p:blipFill>
+            <a:blip r:embed="rId40" cstate="print"/>
+            <a:stretch>
+              <a:fillRect/>
+            </a:stretch>
+          </p:blipFill>
+          <p:spPr>
+            <a:xfrm rot="-3300000">
+              <a:off x="3724075" y="8362730"/>
+              <a:ext cx="323278" cy="415760"/>
+            </a:xfrm>
+            <a:prstGeom prst="rect">
+              <a:avLst/>
+            </a:prstGeom>
+          </p:spPr>
+        </p:pic>
+      </p:grpSp>
+      <p:grpSp>
+        <p:nvGrpSpPr>
+          <p:cNvPr id="82" name="그룹 1004">
+            <a:extLst>
+              <a:ext uri="{FF2B5EF4-FFF2-40B4-BE49-F238E27FC236}">
+                <a16:creationId xmlns:a16="http://schemas.microsoft.com/office/drawing/2014/main" id="{9CA0B1CC-68CD-4E78-4C78-8DEA3B6558C8}"/>
+              </a:ext>
+            </a:extLst>
+          </p:cNvPr>
+          <p:cNvGrpSpPr/>
+          <p:nvPr/>
+        </p:nvGrpSpPr>
+        <p:grpSpPr>
+          <a:xfrm>
+            <a:off x="5960995" y="3797916"/>
+            <a:ext cx="194423" cy="250042"/>
+            <a:chOff x="1506568" y="6030260"/>
+            <a:chExt cx="323278" cy="415760"/>
+          </a:xfrm>
+        </p:grpSpPr>
+        <p:pic>
+          <p:nvPicPr>
+            <p:cNvPr id="83" name="Object 12">
+              <a:extLst>
+                <a:ext uri="{FF2B5EF4-FFF2-40B4-BE49-F238E27FC236}">
+                  <a16:creationId xmlns:a16="http://schemas.microsoft.com/office/drawing/2014/main" id="{81F765ED-B9D6-03C1-70EF-56D92707D5AE}"/>
+                </a:ext>
+              </a:extLst>
+            </p:cNvPr>
+            <p:cNvPicPr>
+              <a:picLocks noChangeAspect="1"/>
+            </p:cNvPicPr>
+            <p:nvPr/>
+          </p:nvPicPr>
+          <p:blipFill>
+            <a:blip r:embed="rId41" cstate="print"/>
+            <a:stretch>
+              <a:fillRect/>
+            </a:stretch>
+          </p:blipFill>
+          <p:spPr>
+            <a:xfrm rot="3780000">
+              <a:off x="1506568" y="6030260"/>
+              <a:ext cx="323278" cy="415760"/>
+            </a:xfrm>
+            <a:prstGeom prst="rect">
+              <a:avLst/>
+            </a:prstGeom>
+          </p:spPr>
+        </p:pic>
+      </p:grpSp>
       <p:pic>
         <p:nvPicPr>
-          <p:cNvPr id="8" name="그림 7">
+          <p:cNvPr id="84" name="Object 14">
             <a:extLst>
               <a:ext uri="{FF2B5EF4-FFF2-40B4-BE49-F238E27FC236}">
-                <a16:creationId xmlns:a16="http://schemas.microsoft.com/office/drawing/2014/main" id="{4C76E1DE-78EE-553F-AA80-20C669B32E94}"/>
+                <a16:creationId xmlns:a16="http://schemas.microsoft.com/office/drawing/2014/main" id="{F9C4A657-6D05-8189-E56D-187EA9E169E2}"/>
               </a:ext>
             </a:extLst>
           </p:cNvPr>
@@ -3304,15 +6862,96 @@
           <p:nvPr/>
         </p:nvPicPr>
         <p:blipFill>
-          <a:blip r:embed="rId2"/>
+          <a:blip r:embed="rId42" cstate="print"/>
           <a:stretch>
             <a:fillRect/>
           </a:stretch>
         </p:blipFill>
         <p:spPr>
           <a:xfrm>
-            <a:off x="4953000" y="6002075"/>
-            <a:ext cx="4955215" cy="862471"/>
+            <a:off x="6756267" y="2513931"/>
+            <a:ext cx="1011704" cy="324081"/>
+          </a:xfrm>
+          <a:prstGeom prst="rect">
+            <a:avLst/>
+          </a:prstGeom>
+        </p:spPr>
+      </p:pic>
+      <p:grpSp>
+        <p:nvGrpSpPr>
+          <p:cNvPr id="85" name="그룹 1005">
+            <a:extLst>
+              <a:ext uri="{FF2B5EF4-FFF2-40B4-BE49-F238E27FC236}">
+                <a16:creationId xmlns:a16="http://schemas.microsoft.com/office/drawing/2014/main" id="{7C3AF99B-0B3F-3886-0ED9-CBE54AFC3C68}"/>
+              </a:ext>
+            </a:extLst>
+          </p:cNvPr>
+          <p:cNvGrpSpPr/>
+          <p:nvPr/>
+        </p:nvGrpSpPr>
+        <p:grpSpPr>
+          <a:xfrm>
+            <a:off x="6555143" y="2797148"/>
+            <a:ext cx="1655727" cy="87101"/>
+            <a:chOff x="2494494" y="4366224"/>
+            <a:chExt cx="2753076" cy="144828"/>
+          </a:xfrm>
+        </p:grpSpPr>
+        <p:pic>
+          <p:nvPicPr>
+            <p:cNvPr id="86" name="Object 16">
+              <a:extLst>
+                <a:ext uri="{FF2B5EF4-FFF2-40B4-BE49-F238E27FC236}">
+                  <a16:creationId xmlns:a16="http://schemas.microsoft.com/office/drawing/2014/main" id="{8D62DABC-BF83-D563-D6EB-75ABFE5400AD}"/>
+                </a:ext>
+              </a:extLst>
+            </p:cNvPr>
+            <p:cNvPicPr>
+              <a:picLocks noChangeAspect="1"/>
+            </p:cNvPicPr>
+            <p:nvPr/>
+          </p:nvPicPr>
+          <p:blipFill>
+            <a:blip r:embed="rId43" cstate="print"/>
+            <a:stretch>
+              <a:fillRect/>
+            </a:stretch>
+          </p:blipFill>
+          <p:spPr>
+            <a:xfrm rot="-10800000">
+              <a:off x="2494494" y="4366224"/>
+              <a:ext cx="2753076" cy="144828"/>
+            </a:xfrm>
+            <a:prstGeom prst="rect">
+              <a:avLst/>
+            </a:prstGeom>
+          </p:spPr>
+        </p:pic>
+      </p:grpSp>
+      <p:pic>
+        <p:nvPicPr>
+          <p:cNvPr id="87" name="Object 18">
+            <a:extLst>
+              <a:ext uri="{FF2B5EF4-FFF2-40B4-BE49-F238E27FC236}">
+                <a16:creationId xmlns:a16="http://schemas.microsoft.com/office/drawing/2014/main" id="{026D6081-AED2-5D8A-7C08-3B1276A3CEE1}"/>
+              </a:ext>
+            </a:extLst>
+          </p:cNvPr>
+          <p:cNvPicPr>
+            <a:picLocks noChangeAspect="1"/>
+          </p:cNvPicPr>
+          <p:nvPr/>
+        </p:nvPicPr>
+        <p:blipFill>
+          <a:blip r:embed="rId44" cstate="print"/>
+          <a:stretch>
+            <a:fillRect/>
+          </a:stretch>
+        </p:blipFill>
+        <p:spPr>
+          <a:xfrm>
+            <a:off x="6552360" y="2922820"/>
+            <a:ext cx="1676009" cy="462587"/>
           </a:xfrm>
           <a:prstGeom prst="rect">
             <a:avLst/>
@@ -3321,10 +6960,10 @@
       </p:pic>
       <p:pic>
         <p:nvPicPr>
-          <p:cNvPr id="7" name="그림 6">
+          <p:cNvPr id="88" name="Object 19">
             <a:extLst>
               <a:ext uri="{FF2B5EF4-FFF2-40B4-BE49-F238E27FC236}">
-                <a16:creationId xmlns:a16="http://schemas.microsoft.com/office/drawing/2014/main" id="{07584E79-C445-1AFB-122C-1E865AF74B99}"/>
+                <a16:creationId xmlns:a16="http://schemas.microsoft.com/office/drawing/2014/main" id="{7FC89D95-E657-CA36-5255-7777EA4EDBBD}"/>
               </a:ext>
             </a:extLst>
           </p:cNvPr>
@@ -3334,15 +6973,96 @@
           <p:nvPr/>
         </p:nvPicPr>
         <p:blipFill>
-          <a:blip r:embed="rId2"/>
+          <a:blip r:embed="rId45" cstate="print"/>
           <a:stretch>
             <a:fillRect/>
           </a:stretch>
         </p:blipFill>
         <p:spPr>
           <a:xfrm>
-            <a:off x="-2215" y="5995529"/>
-            <a:ext cx="4955215" cy="862471"/>
+            <a:off x="6449191" y="3328374"/>
+            <a:ext cx="1918715" cy="452587"/>
+          </a:xfrm>
+          <a:prstGeom prst="rect">
+            <a:avLst/>
+          </a:prstGeom>
+        </p:spPr>
+      </p:pic>
+      <p:grpSp>
+        <p:nvGrpSpPr>
+          <p:cNvPr id="89" name="그룹 1006">
+            <a:extLst>
+              <a:ext uri="{FF2B5EF4-FFF2-40B4-BE49-F238E27FC236}">
+                <a16:creationId xmlns:a16="http://schemas.microsoft.com/office/drawing/2014/main" id="{5037D01A-32CF-B0A2-DB40-E317332C0AF5}"/>
+              </a:ext>
+            </a:extLst>
+          </p:cNvPr>
+          <p:cNvGrpSpPr/>
+          <p:nvPr/>
+        </p:nvGrpSpPr>
+        <p:grpSpPr>
+          <a:xfrm>
+            <a:off x="4607569" y="1"/>
+            <a:ext cx="5467180" cy="2001902"/>
+            <a:chOff x="-743853" y="-198268"/>
+            <a:chExt cx="9090606" cy="3305539"/>
+          </a:xfrm>
+        </p:grpSpPr>
+        <p:pic>
+          <p:nvPicPr>
+            <p:cNvPr id="90" name="Object 21">
+              <a:extLst>
+                <a:ext uri="{FF2B5EF4-FFF2-40B4-BE49-F238E27FC236}">
+                  <a16:creationId xmlns:a16="http://schemas.microsoft.com/office/drawing/2014/main" id="{FBD4C8FE-E940-4CE4-87A5-CF8C34198896}"/>
+                </a:ext>
+              </a:extLst>
+            </p:cNvPr>
+            <p:cNvPicPr>
+              <a:picLocks noChangeAspect="1"/>
+            </p:cNvPicPr>
+            <p:nvPr/>
+          </p:nvPicPr>
+          <p:blipFill>
+            <a:blip r:embed="rId23" cstate="print"/>
+            <a:stretch>
+              <a:fillRect/>
+            </a:stretch>
+          </p:blipFill>
+          <p:spPr>
+            <a:xfrm>
+              <a:off x="-743853" y="-198268"/>
+              <a:ext cx="9090606" cy="3305539"/>
+            </a:xfrm>
+            <a:prstGeom prst="rect">
+              <a:avLst/>
+            </a:prstGeom>
+          </p:spPr>
+        </p:pic>
+      </p:grpSp>
+      <p:pic>
+        <p:nvPicPr>
+          <p:cNvPr id="91" name="Object 23">
+            <a:extLst>
+              <a:ext uri="{FF2B5EF4-FFF2-40B4-BE49-F238E27FC236}">
+                <a16:creationId xmlns:a16="http://schemas.microsoft.com/office/drawing/2014/main" id="{DD88B613-7632-52E2-AF65-1AC52E3BE7F0}"/>
+              </a:ext>
+            </a:extLst>
+          </p:cNvPr>
+          <p:cNvPicPr>
+            <a:picLocks noChangeAspect="1"/>
+          </p:cNvPicPr>
+          <p:nvPr/>
+        </p:nvPicPr>
+        <p:blipFill>
+          <a:blip r:embed="rId24" cstate="print"/>
+          <a:stretch>
+            <a:fillRect/>
+          </a:stretch>
+        </p:blipFill>
+        <p:spPr>
+          <a:xfrm>
+            <a:off x="6134944" y="193072"/>
+            <a:ext cx="2512478" cy="960914"/>
           </a:xfrm>
           <a:prstGeom prst="rect">
             <a:avLst/>
@@ -3351,10 +7071,10 @@
       </p:pic>
       <p:pic>
         <p:nvPicPr>
-          <p:cNvPr id="4" name="그림 3">
+          <p:cNvPr id="92" name="Object 24">
             <a:extLst>
               <a:ext uri="{FF2B5EF4-FFF2-40B4-BE49-F238E27FC236}">
-                <a16:creationId xmlns:a16="http://schemas.microsoft.com/office/drawing/2014/main" id="{F192C81A-31CB-B52F-2A44-57C61865FD75}"/>
+                <a16:creationId xmlns:a16="http://schemas.microsoft.com/office/drawing/2014/main" id="{F73AF540-CDDB-C1EA-8DBE-36C43572B970}"/>
               </a:ext>
             </a:extLst>
           </p:cNvPr>
@@ -3364,15 +7084,15 @@
           <p:nvPr/>
         </p:nvPicPr>
         <p:blipFill>
-          <a:blip r:embed="rId3"/>
+          <a:blip r:embed="rId46" cstate="print"/>
           <a:stretch>
             <a:fillRect/>
           </a:stretch>
         </p:blipFill>
         <p:spPr>
           <a:xfrm>
-            <a:off x="0" y="276601"/>
-            <a:ext cx="4953000" cy="6333945"/>
+            <a:off x="5191941" y="814729"/>
+            <a:ext cx="3875391" cy="894070"/>
           </a:xfrm>
           <a:prstGeom prst="rect">
             <a:avLst/>
@@ -3381,10 +7101,10 @@
       </p:pic>
       <p:pic>
         <p:nvPicPr>
-          <p:cNvPr id="5" name="그림 4">
+          <p:cNvPr id="93" name="Object 25">
             <a:extLst>
               <a:ext uri="{FF2B5EF4-FFF2-40B4-BE49-F238E27FC236}">
-                <a16:creationId xmlns:a16="http://schemas.microsoft.com/office/drawing/2014/main" id="{5447B84B-E7B1-2E04-9999-A1C9E64194A5}"/>
+                <a16:creationId xmlns:a16="http://schemas.microsoft.com/office/drawing/2014/main" id="{1DB5958C-78BF-8A09-9EFF-1180A6E8BAFF}"/>
               </a:ext>
             </a:extLst>
           </p:cNvPr>
@@ -3394,15 +7114,15 @@
           <p:nvPr/>
         </p:nvPicPr>
         <p:blipFill>
-          <a:blip r:embed="rId4"/>
+          <a:blip r:embed="rId47" cstate="print"/>
           <a:stretch>
             <a:fillRect/>
           </a:stretch>
         </p:blipFill>
         <p:spPr>
           <a:xfrm>
-            <a:off x="4930208" y="262027"/>
-            <a:ext cx="4975792" cy="6363092"/>
+            <a:off x="6101762" y="1497970"/>
+            <a:ext cx="1818297" cy="324229"/>
           </a:xfrm>
           <a:prstGeom prst="rect">
             <a:avLst/>
@@ -3411,10 +7131,10 @@
       </p:pic>
       <p:pic>
         <p:nvPicPr>
-          <p:cNvPr id="9" name="Object 46">
+          <p:cNvPr id="94" name="Object 26">
             <a:extLst>
               <a:ext uri="{FF2B5EF4-FFF2-40B4-BE49-F238E27FC236}">
-                <a16:creationId xmlns:a16="http://schemas.microsoft.com/office/drawing/2014/main" id="{1B4A5629-614B-9279-302F-11B999E42D2A}"/>
+                <a16:creationId xmlns:a16="http://schemas.microsoft.com/office/drawing/2014/main" id="{D0095420-527F-5120-A03C-46397A5D2DB7}"/>
               </a:ext>
             </a:extLst>
           </p:cNvPr>
@@ -3424,15 +7144,207 @@
           <p:nvPr/>
         </p:nvPicPr>
         <p:blipFill>
-          <a:blip r:embed="rId5" cstate="print"/>
+          <a:blip r:embed="rId48" cstate="print"/>
           <a:stretch>
             <a:fillRect/>
           </a:stretch>
         </p:blipFill>
         <p:spPr>
           <a:xfrm>
-            <a:off x="8604305" y="6454152"/>
-            <a:ext cx="924307" cy="309909"/>
+            <a:off x="6973130" y="2181708"/>
+            <a:ext cx="743103" cy="298306"/>
+          </a:xfrm>
+          <a:prstGeom prst="rect">
+            <a:avLst/>
+          </a:prstGeom>
+        </p:spPr>
+      </p:pic>
+      <p:grpSp>
+        <p:nvGrpSpPr>
+          <p:cNvPr id="95" name="그룹 1007">
+            <a:extLst>
+              <a:ext uri="{FF2B5EF4-FFF2-40B4-BE49-F238E27FC236}">
+                <a16:creationId xmlns:a16="http://schemas.microsoft.com/office/drawing/2014/main" id="{736E1B46-C223-0205-4C73-FFDC5949589C}"/>
+              </a:ext>
+            </a:extLst>
+          </p:cNvPr>
+          <p:cNvGrpSpPr/>
+          <p:nvPr/>
+        </p:nvGrpSpPr>
+        <p:grpSpPr>
+          <a:xfrm>
+            <a:off x="7677416" y="4579993"/>
+            <a:ext cx="1918034" cy="1828910"/>
+            <a:chOff x="4360563" y="7161729"/>
+            <a:chExt cx="3189229" cy="3041039"/>
+          </a:xfrm>
+        </p:grpSpPr>
+        <p:pic>
+          <p:nvPicPr>
+            <p:cNvPr id="96" name="Object 28">
+              <a:extLst>
+                <a:ext uri="{FF2B5EF4-FFF2-40B4-BE49-F238E27FC236}">
+                  <a16:creationId xmlns:a16="http://schemas.microsoft.com/office/drawing/2014/main" id="{AEA8F83C-03C8-5AC0-F4C7-94841A14C010}"/>
+                </a:ext>
+              </a:extLst>
+            </p:cNvPr>
+            <p:cNvPicPr>
+              <a:picLocks noChangeAspect="1"/>
+            </p:cNvPicPr>
+            <p:nvPr/>
+          </p:nvPicPr>
+          <p:blipFill>
+            <a:blip r:embed="rId49" cstate="print"/>
+            <a:stretch>
+              <a:fillRect/>
+            </a:stretch>
+          </p:blipFill>
+          <p:spPr>
+            <a:xfrm>
+              <a:off x="2765948" y="5664602"/>
+              <a:ext cx="6378459" cy="6082078"/>
+            </a:xfrm>
+            <a:prstGeom prst="rect">
+              <a:avLst/>
+            </a:prstGeom>
+          </p:spPr>
+        </p:pic>
+        <p:pic>
+          <p:nvPicPr>
+            <p:cNvPr id="97" name="Object 29">
+              <a:extLst>
+                <a:ext uri="{FF2B5EF4-FFF2-40B4-BE49-F238E27FC236}">
+                  <a16:creationId xmlns:a16="http://schemas.microsoft.com/office/drawing/2014/main" id="{B4A5F61D-7098-A89A-7C14-4E8284525087}"/>
+                </a:ext>
+              </a:extLst>
+            </p:cNvPr>
+            <p:cNvPicPr>
+              <a:picLocks noChangeAspect="1"/>
+            </p:cNvPicPr>
+            <p:nvPr/>
+          </p:nvPicPr>
+          <p:blipFill>
+            <a:blip r:embed="rId50" cstate="print"/>
+            <a:stretch>
+              <a:fillRect/>
+            </a:stretch>
+          </p:blipFill>
+          <p:spPr>
+            <a:xfrm>
+              <a:off x="4360563" y="7161729"/>
+              <a:ext cx="3189229" cy="3041039"/>
+            </a:xfrm>
+            <a:prstGeom prst="rect">
+              <a:avLst/>
+            </a:prstGeom>
+          </p:spPr>
+        </p:pic>
+      </p:grpSp>
+      <p:pic>
+        <p:nvPicPr>
+          <p:cNvPr id="98" name="Object 31">
+            <a:extLst>
+              <a:ext uri="{FF2B5EF4-FFF2-40B4-BE49-F238E27FC236}">
+                <a16:creationId xmlns:a16="http://schemas.microsoft.com/office/drawing/2014/main" id="{11B5B171-E662-AE69-8E0E-A09FDCC84F53}"/>
+              </a:ext>
+            </a:extLst>
+          </p:cNvPr>
+          <p:cNvPicPr>
+            <a:picLocks noChangeAspect="1"/>
+          </p:cNvPicPr>
+          <p:nvPr/>
+        </p:nvPicPr>
+        <p:blipFill>
+          <a:blip r:embed="rId51" cstate="print"/>
+          <a:stretch>
+            <a:fillRect/>
+          </a:stretch>
+        </p:blipFill>
+        <p:spPr>
+          <a:xfrm>
+            <a:off x="8020992" y="4809415"/>
+            <a:ext cx="1011704" cy="324081"/>
+          </a:xfrm>
+          <a:prstGeom prst="rect">
+            <a:avLst/>
+          </a:prstGeom>
+        </p:spPr>
+      </p:pic>
+      <p:grpSp>
+        <p:nvGrpSpPr>
+          <p:cNvPr id="99" name="그룹 1008">
+            <a:extLst>
+              <a:ext uri="{FF2B5EF4-FFF2-40B4-BE49-F238E27FC236}">
+                <a16:creationId xmlns:a16="http://schemas.microsoft.com/office/drawing/2014/main" id="{B6848F01-318B-4A96-6707-05C4C371EC22}"/>
+              </a:ext>
+            </a:extLst>
+          </p:cNvPr>
+          <p:cNvGrpSpPr/>
+          <p:nvPr/>
+        </p:nvGrpSpPr>
+        <p:grpSpPr>
+          <a:xfrm>
+            <a:off x="7831796" y="5092629"/>
+            <a:ext cx="1577227" cy="87101"/>
+            <a:chOff x="4617260" y="8014120"/>
+            <a:chExt cx="2622550" cy="144828"/>
+          </a:xfrm>
+        </p:grpSpPr>
+        <p:pic>
+          <p:nvPicPr>
+            <p:cNvPr id="100" name="Object 33">
+              <a:extLst>
+                <a:ext uri="{FF2B5EF4-FFF2-40B4-BE49-F238E27FC236}">
+                  <a16:creationId xmlns:a16="http://schemas.microsoft.com/office/drawing/2014/main" id="{ACF7CA11-3E11-C8CD-116E-BB4BA2F4DEDE}"/>
+                </a:ext>
+              </a:extLst>
+            </p:cNvPr>
+            <p:cNvPicPr>
+              <a:picLocks noChangeAspect="1"/>
+            </p:cNvPicPr>
+            <p:nvPr/>
+          </p:nvPicPr>
+          <p:blipFill>
+            <a:blip r:embed="rId16" cstate="print"/>
+            <a:stretch>
+              <a:fillRect/>
+            </a:stretch>
+          </p:blipFill>
+          <p:spPr>
+            <a:xfrm rot="-10800000">
+              <a:off x="4617260" y="8014120"/>
+              <a:ext cx="2622550" cy="144828"/>
+            </a:xfrm>
+            <a:prstGeom prst="rect">
+              <a:avLst/>
+            </a:prstGeom>
+          </p:spPr>
+        </p:pic>
+      </p:grpSp>
+      <p:pic>
+        <p:nvPicPr>
+          <p:cNvPr id="101" name="Object 35">
+            <a:extLst>
+              <a:ext uri="{FF2B5EF4-FFF2-40B4-BE49-F238E27FC236}">
+                <a16:creationId xmlns:a16="http://schemas.microsoft.com/office/drawing/2014/main" id="{A08E5F30-598F-8B5D-DE20-4A525D49F238}"/>
+              </a:ext>
+            </a:extLst>
+          </p:cNvPr>
+          <p:cNvPicPr>
+            <a:picLocks noChangeAspect="1"/>
+          </p:cNvPicPr>
+          <p:nvPr/>
+        </p:nvPicPr>
+        <p:blipFill>
+          <a:blip r:embed="rId52" cstate="print"/>
+          <a:stretch>
+            <a:fillRect/>
+          </a:stretch>
+        </p:blipFill>
+        <p:spPr>
+          <a:xfrm>
+            <a:off x="7682447" y="5203506"/>
+            <a:ext cx="1939484" cy="236188"/>
           </a:xfrm>
           <a:prstGeom prst="rect">
             <a:avLst/>
@@ -3441,10 +7353,10 @@
       </p:pic>
       <p:pic>
         <p:nvPicPr>
-          <p:cNvPr id="10" name="Object 46">
+          <p:cNvPr id="102" name="Object 36">
             <a:extLst>
               <a:ext uri="{FF2B5EF4-FFF2-40B4-BE49-F238E27FC236}">
-                <a16:creationId xmlns:a16="http://schemas.microsoft.com/office/drawing/2014/main" id="{DB496A16-3694-23F2-C27F-F9A9B86A23B4}"/>
+                <a16:creationId xmlns:a16="http://schemas.microsoft.com/office/drawing/2014/main" id="{10D91A7B-A1AF-CAD9-9631-C13A917FE108}"/>
               </a:ext>
             </a:extLst>
           </p:cNvPr>
@@ -3454,15 +7366,549 @@
           <p:nvPr/>
         </p:nvPicPr>
         <p:blipFill>
-          <a:blip r:embed="rId5" cstate="print"/>
+          <a:blip r:embed="rId53" cstate="print"/>
           <a:stretch>
             <a:fillRect/>
           </a:stretch>
         </p:blipFill>
         <p:spPr>
           <a:xfrm>
-            <a:off x="3649090" y="6454153"/>
-            <a:ext cx="924307" cy="309909"/>
+            <a:off x="7789933" y="5444830"/>
+            <a:ext cx="1658402" cy="600688"/>
+          </a:xfrm>
+          <a:prstGeom prst="rect">
+            <a:avLst/>
+          </a:prstGeom>
+        </p:spPr>
+      </p:pic>
+      <p:pic>
+        <p:nvPicPr>
+          <p:cNvPr id="103" name="Object 37">
+            <a:extLst>
+              <a:ext uri="{FF2B5EF4-FFF2-40B4-BE49-F238E27FC236}">
+                <a16:creationId xmlns:a16="http://schemas.microsoft.com/office/drawing/2014/main" id="{D92F6356-4587-1545-A884-2B4A70306858}"/>
+              </a:ext>
+            </a:extLst>
+          </p:cNvPr>
+          <p:cNvPicPr>
+            <a:picLocks noChangeAspect="1"/>
+          </p:cNvPicPr>
+          <p:nvPr/>
+        </p:nvPicPr>
+        <p:blipFill>
+          <a:blip r:embed="rId54" cstate="print"/>
+          <a:stretch>
+            <a:fillRect/>
+          </a:stretch>
+        </p:blipFill>
+        <p:spPr>
+          <a:xfrm>
+            <a:off x="7370374" y="6104917"/>
+            <a:ext cx="1763136" cy="296826"/>
+          </a:xfrm>
+          <a:prstGeom prst="rect">
+            <a:avLst/>
+          </a:prstGeom>
+        </p:spPr>
+      </p:pic>
+      <p:pic>
+        <p:nvPicPr>
+          <p:cNvPr id="104" name="Object 38">
+            <a:extLst>
+              <a:ext uri="{FF2B5EF4-FFF2-40B4-BE49-F238E27FC236}">
+                <a16:creationId xmlns:a16="http://schemas.microsoft.com/office/drawing/2014/main" id="{D8381825-A29F-D98B-2900-07F0727313B5}"/>
+              </a:ext>
+            </a:extLst>
+          </p:cNvPr>
+          <p:cNvPicPr>
+            <a:picLocks noChangeAspect="1"/>
+          </p:cNvPicPr>
+          <p:nvPr/>
+        </p:nvPicPr>
+        <p:blipFill>
+          <a:blip r:embed="rId32" cstate="print"/>
+          <a:stretch>
+            <a:fillRect/>
+          </a:stretch>
+        </p:blipFill>
+        <p:spPr>
+          <a:xfrm>
+            <a:off x="6057446" y="3835517"/>
+            <a:ext cx="1763136" cy="296826"/>
+          </a:xfrm>
+          <a:prstGeom prst="rect">
+            <a:avLst/>
+          </a:prstGeom>
+        </p:spPr>
+      </p:pic>
+      <p:grpSp>
+        <p:nvGrpSpPr>
+          <p:cNvPr id="105" name="그룹 1009">
+            <a:extLst>
+              <a:ext uri="{FF2B5EF4-FFF2-40B4-BE49-F238E27FC236}">
+                <a16:creationId xmlns:a16="http://schemas.microsoft.com/office/drawing/2014/main" id="{912D8497-5CE9-7DC2-C944-996C667C7E6C}"/>
+              </a:ext>
+            </a:extLst>
+          </p:cNvPr>
+          <p:cNvGrpSpPr/>
+          <p:nvPr/>
+        </p:nvGrpSpPr>
+        <p:grpSpPr>
+          <a:xfrm>
+            <a:off x="5229322" y="4579993"/>
+            <a:ext cx="1846242" cy="1827443"/>
+            <a:chOff x="289972" y="7161729"/>
+            <a:chExt cx="3069856" cy="3038599"/>
+          </a:xfrm>
+        </p:grpSpPr>
+        <p:pic>
+          <p:nvPicPr>
+            <p:cNvPr id="106" name="Object 40">
+              <a:extLst>
+                <a:ext uri="{FF2B5EF4-FFF2-40B4-BE49-F238E27FC236}">
+                  <a16:creationId xmlns:a16="http://schemas.microsoft.com/office/drawing/2014/main" id="{6D1963CB-6998-2974-2CFE-4A91905A603E}"/>
+                </a:ext>
+              </a:extLst>
+            </p:cNvPr>
+            <p:cNvPicPr>
+              <a:picLocks noChangeAspect="1"/>
+            </p:cNvPicPr>
+            <p:nvPr/>
+          </p:nvPicPr>
+          <p:blipFill>
+            <a:blip r:embed="rId55" cstate="print"/>
+            <a:stretch>
+              <a:fillRect/>
+            </a:stretch>
+          </p:blipFill>
+          <p:spPr>
+            <a:xfrm>
+              <a:off x="-1244956" y="5665803"/>
+              <a:ext cx="6139711" cy="6077197"/>
+            </a:xfrm>
+            <a:prstGeom prst="rect">
+              <a:avLst/>
+            </a:prstGeom>
+          </p:spPr>
+        </p:pic>
+        <p:pic>
+          <p:nvPicPr>
+            <p:cNvPr id="107" name="Object 41">
+              <a:extLst>
+                <a:ext uri="{FF2B5EF4-FFF2-40B4-BE49-F238E27FC236}">
+                  <a16:creationId xmlns:a16="http://schemas.microsoft.com/office/drawing/2014/main" id="{6E8E0084-FFCC-125E-279A-DE1049956542}"/>
+                </a:ext>
+              </a:extLst>
+            </p:cNvPr>
+            <p:cNvPicPr>
+              <a:picLocks noChangeAspect="1"/>
+            </p:cNvPicPr>
+            <p:nvPr/>
+          </p:nvPicPr>
+          <p:blipFill>
+            <a:blip r:embed="rId56" cstate="print"/>
+            <a:stretch>
+              <a:fillRect/>
+            </a:stretch>
+          </p:blipFill>
+          <p:spPr>
+            <a:xfrm>
+              <a:off x="289972" y="7161729"/>
+              <a:ext cx="3069856" cy="3038599"/>
+            </a:xfrm>
+            <a:prstGeom prst="rect">
+              <a:avLst/>
+            </a:prstGeom>
+          </p:spPr>
+        </p:pic>
+      </p:grpSp>
+      <p:pic>
+        <p:nvPicPr>
+          <p:cNvPr id="108" name="Object 43">
+            <a:extLst>
+              <a:ext uri="{FF2B5EF4-FFF2-40B4-BE49-F238E27FC236}">
+                <a16:creationId xmlns:a16="http://schemas.microsoft.com/office/drawing/2014/main" id="{A9743554-A6F3-22E9-7145-2333125D4D19}"/>
+              </a:ext>
+            </a:extLst>
+          </p:cNvPr>
+          <p:cNvPicPr>
+            <a:picLocks noChangeAspect="1"/>
+          </p:cNvPicPr>
+          <p:nvPr/>
+        </p:nvPicPr>
+        <p:blipFill>
+          <a:blip r:embed="rId57" cstate="print"/>
+          <a:stretch>
+            <a:fillRect/>
+          </a:stretch>
+        </p:blipFill>
+        <p:spPr>
+          <a:xfrm>
+            <a:off x="5549053" y="4782299"/>
+            <a:ext cx="1011704" cy="324081"/>
+          </a:xfrm>
+          <a:prstGeom prst="rect">
+            <a:avLst/>
+          </a:prstGeom>
+        </p:spPr>
+      </p:pic>
+      <p:grpSp>
+        <p:nvGrpSpPr>
+          <p:cNvPr id="109" name="그룹 1010">
+            <a:extLst>
+              <a:ext uri="{FF2B5EF4-FFF2-40B4-BE49-F238E27FC236}">
+                <a16:creationId xmlns:a16="http://schemas.microsoft.com/office/drawing/2014/main" id="{4AEC1B6D-DC57-90C2-9814-2604A8C8DE73}"/>
+              </a:ext>
+            </a:extLst>
+          </p:cNvPr>
+          <p:cNvGrpSpPr/>
+          <p:nvPr/>
+        </p:nvGrpSpPr>
+        <p:grpSpPr>
+          <a:xfrm>
+            <a:off x="5359854" y="5065514"/>
+            <a:ext cx="1577227" cy="87101"/>
+            <a:chOff x="507016" y="7969035"/>
+            <a:chExt cx="2622550" cy="144828"/>
+          </a:xfrm>
+        </p:grpSpPr>
+        <p:pic>
+          <p:nvPicPr>
+            <p:cNvPr id="110" name="Object 45">
+              <a:extLst>
+                <a:ext uri="{FF2B5EF4-FFF2-40B4-BE49-F238E27FC236}">
+                  <a16:creationId xmlns:a16="http://schemas.microsoft.com/office/drawing/2014/main" id="{609B6642-3AD6-771F-F120-9151470FDF13}"/>
+                </a:ext>
+              </a:extLst>
+            </p:cNvPr>
+            <p:cNvPicPr>
+              <a:picLocks noChangeAspect="1"/>
+            </p:cNvPicPr>
+            <p:nvPr/>
+          </p:nvPicPr>
+          <p:blipFill>
+            <a:blip r:embed="rId16" cstate="print"/>
+            <a:stretch>
+              <a:fillRect/>
+            </a:stretch>
+          </p:blipFill>
+          <p:spPr>
+            <a:xfrm rot="-10800000">
+              <a:off x="507016" y="7969035"/>
+              <a:ext cx="2622550" cy="144828"/>
+            </a:xfrm>
+            <a:prstGeom prst="rect">
+              <a:avLst/>
+            </a:prstGeom>
+          </p:spPr>
+        </p:pic>
+      </p:grpSp>
+      <p:pic>
+        <p:nvPicPr>
+          <p:cNvPr id="111" name="Object 47">
+            <a:extLst>
+              <a:ext uri="{FF2B5EF4-FFF2-40B4-BE49-F238E27FC236}">
+                <a16:creationId xmlns:a16="http://schemas.microsoft.com/office/drawing/2014/main" id="{0BC14567-D81E-4823-91E6-84C31CB9BFBA}"/>
+              </a:ext>
+            </a:extLst>
+          </p:cNvPr>
+          <p:cNvPicPr>
+            <a:picLocks noChangeAspect="1"/>
+          </p:cNvPicPr>
+          <p:nvPr/>
+        </p:nvPicPr>
+        <p:blipFill>
+          <a:blip r:embed="rId58" cstate="print"/>
+          <a:stretch>
+            <a:fillRect/>
+          </a:stretch>
+        </p:blipFill>
+        <p:spPr>
+          <a:xfrm>
+            <a:off x="5345146" y="5196188"/>
+            <a:ext cx="1477606" cy="236188"/>
+          </a:xfrm>
+          <a:prstGeom prst="rect">
+            <a:avLst/>
+          </a:prstGeom>
+        </p:spPr>
+      </p:pic>
+      <p:pic>
+        <p:nvPicPr>
+          <p:cNvPr id="112" name="Object 48">
+            <a:extLst>
+              <a:ext uri="{FF2B5EF4-FFF2-40B4-BE49-F238E27FC236}">
+                <a16:creationId xmlns:a16="http://schemas.microsoft.com/office/drawing/2014/main" id="{26FA367C-DB57-A2AE-F157-9773AE5574DE}"/>
+              </a:ext>
+            </a:extLst>
+          </p:cNvPr>
+          <p:cNvPicPr>
+            <a:picLocks noChangeAspect="1"/>
+          </p:cNvPicPr>
+          <p:nvPr/>
+        </p:nvPicPr>
+        <p:blipFill>
+          <a:blip r:embed="rId59" cstate="print"/>
+          <a:stretch>
+            <a:fillRect/>
+          </a:stretch>
+        </p:blipFill>
+        <p:spPr>
+          <a:xfrm>
+            <a:off x="5298630" y="5467210"/>
+            <a:ext cx="1767607" cy="600688"/>
+          </a:xfrm>
+          <a:prstGeom prst="rect">
+            <a:avLst/>
+          </a:prstGeom>
+        </p:spPr>
+      </p:pic>
+      <p:pic>
+        <p:nvPicPr>
+          <p:cNvPr id="113" name="Object 49">
+            <a:extLst>
+              <a:ext uri="{FF2B5EF4-FFF2-40B4-BE49-F238E27FC236}">
+                <a16:creationId xmlns:a16="http://schemas.microsoft.com/office/drawing/2014/main" id="{93013844-3575-E02F-42EF-E5402ED9389F}"/>
+              </a:ext>
+            </a:extLst>
+          </p:cNvPr>
+          <p:cNvPicPr>
+            <a:picLocks noChangeAspect="1"/>
+          </p:cNvPicPr>
+          <p:nvPr/>
+        </p:nvPicPr>
+        <p:blipFill>
+          <a:blip r:embed="rId60" cstate="print"/>
+          <a:stretch>
+            <a:fillRect/>
+          </a:stretch>
+        </p:blipFill>
+        <p:spPr>
+          <a:xfrm>
+            <a:off x="4926044" y="6103449"/>
+            <a:ext cx="1763136" cy="296826"/>
+          </a:xfrm>
+          <a:prstGeom prst="rect">
+            <a:avLst/>
+          </a:prstGeom>
+        </p:spPr>
+      </p:pic>
+      <p:grpSp>
+        <p:nvGrpSpPr>
+          <p:cNvPr id="114" name="그룹 1011">
+            <a:extLst>
+              <a:ext uri="{FF2B5EF4-FFF2-40B4-BE49-F238E27FC236}">
+                <a16:creationId xmlns:a16="http://schemas.microsoft.com/office/drawing/2014/main" id="{BF9FC071-411C-6412-10D1-B4A5172C3FFC}"/>
+              </a:ext>
+            </a:extLst>
+          </p:cNvPr>
+          <p:cNvGrpSpPr/>
+          <p:nvPr/>
+        </p:nvGrpSpPr>
+        <p:grpSpPr>
+          <a:xfrm>
+            <a:off x="5738617" y="4458562"/>
+            <a:ext cx="808352" cy="239924"/>
+            <a:chOff x="1136806" y="6959820"/>
+            <a:chExt cx="1344095" cy="398935"/>
+          </a:xfrm>
+        </p:grpSpPr>
+        <p:pic>
+          <p:nvPicPr>
+            <p:cNvPr id="115" name="Object 51">
+              <a:extLst>
+                <a:ext uri="{FF2B5EF4-FFF2-40B4-BE49-F238E27FC236}">
+                  <a16:creationId xmlns:a16="http://schemas.microsoft.com/office/drawing/2014/main" id="{E3F96647-5052-849E-006B-5AF367EC0768}"/>
+                </a:ext>
+              </a:extLst>
+            </p:cNvPr>
+            <p:cNvPicPr>
+              <a:picLocks noChangeAspect="1"/>
+            </p:cNvPicPr>
+            <p:nvPr/>
+          </p:nvPicPr>
+          <p:blipFill>
+            <a:blip r:embed="rId4" cstate="print"/>
+            <a:stretch>
+              <a:fillRect/>
+            </a:stretch>
+          </p:blipFill>
+          <p:spPr>
+            <a:xfrm>
+              <a:off x="1136806" y="6959820"/>
+              <a:ext cx="1344095" cy="398935"/>
+            </a:xfrm>
+            <a:prstGeom prst="rect">
+              <a:avLst/>
+            </a:prstGeom>
+          </p:spPr>
+        </p:pic>
+      </p:grpSp>
+      <p:pic>
+        <p:nvPicPr>
+          <p:cNvPr id="116" name="Object 53">
+            <a:extLst>
+              <a:ext uri="{FF2B5EF4-FFF2-40B4-BE49-F238E27FC236}">
+                <a16:creationId xmlns:a16="http://schemas.microsoft.com/office/drawing/2014/main" id="{17F4CFA8-0366-6793-40A1-60E4A57FDB8D}"/>
+              </a:ext>
+            </a:extLst>
+          </p:cNvPr>
+          <p:cNvPicPr>
+            <a:picLocks noChangeAspect="1"/>
+          </p:cNvPicPr>
+          <p:nvPr/>
+        </p:nvPicPr>
+        <p:blipFill>
+          <a:blip r:embed="rId27" cstate="print"/>
+          <a:stretch>
+            <a:fillRect/>
+          </a:stretch>
+        </p:blipFill>
+        <p:spPr>
+          <a:xfrm>
+            <a:off x="5782834" y="4452046"/>
+            <a:ext cx="760876" cy="298305"/>
+          </a:xfrm>
+          <a:prstGeom prst="rect">
+            <a:avLst/>
+          </a:prstGeom>
+        </p:spPr>
+      </p:pic>
+      <p:grpSp>
+        <p:nvGrpSpPr>
+          <p:cNvPr id="117" name="그룹 1012">
+            <a:extLst>
+              <a:ext uri="{FF2B5EF4-FFF2-40B4-BE49-F238E27FC236}">
+                <a16:creationId xmlns:a16="http://schemas.microsoft.com/office/drawing/2014/main" id="{3139DCE4-7937-889F-75A2-777FD4ECB923}"/>
+              </a:ext>
+            </a:extLst>
+          </p:cNvPr>
+          <p:cNvGrpSpPr/>
+          <p:nvPr/>
+        </p:nvGrpSpPr>
+        <p:grpSpPr>
+          <a:xfrm>
+            <a:off x="8253888" y="4460030"/>
+            <a:ext cx="808352" cy="239924"/>
+            <a:chOff x="5319098" y="6962261"/>
+            <a:chExt cx="1344095" cy="398935"/>
+          </a:xfrm>
+        </p:grpSpPr>
+        <p:pic>
+          <p:nvPicPr>
+            <p:cNvPr id="118" name="Object 55">
+              <a:extLst>
+                <a:ext uri="{FF2B5EF4-FFF2-40B4-BE49-F238E27FC236}">
+                  <a16:creationId xmlns:a16="http://schemas.microsoft.com/office/drawing/2014/main" id="{F9BC56AD-6DA1-E5EC-486B-C61ACCAA373F}"/>
+                </a:ext>
+              </a:extLst>
+            </p:cNvPr>
+            <p:cNvPicPr>
+              <a:picLocks noChangeAspect="1"/>
+            </p:cNvPicPr>
+            <p:nvPr/>
+          </p:nvPicPr>
+          <p:blipFill>
+            <a:blip r:embed="rId8" cstate="print"/>
+            <a:stretch>
+              <a:fillRect/>
+            </a:stretch>
+          </p:blipFill>
+          <p:spPr>
+            <a:xfrm>
+              <a:off x="5319098" y="6962261"/>
+              <a:ext cx="1344095" cy="398935"/>
+            </a:xfrm>
+            <a:prstGeom prst="rect">
+              <a:avLst/>
+            </a:prstGeom>
+          </p:spPr>
+        </p:pic>
+      </p:grpSp>
+      <p:pic>
+        <p:nvPicPr>
+          <p:cNvPr id="119" name="Object 57">
+            <a:extLst>
+              <a:ext uri="{FF2B5EF4-FFF2-40B4-BE49-F238E27FC236}">
+                <a16:creationId xmlns:a16="http://schemas.microsoft.com/office/drawing/2014/main" id="{10C4A091-4C9C-4A03-C670-58445CE72DB2}"/>
+              </a:ext>
+            </a:extLst>
+          </p:cNvPr>
+          <p:cNvPicPr>
+            <a:picLocks noChangeAspect="1"/>
+          </p:cNvPicPr>
+          <p:nvPr/>
+        </p:nvPicPr>
+        <p:blipFill>
+          <a:blip r:embed="rId61" cstate="print"/>
+          <a:stretch>
+            <a:fillRect/>
+          </a:stretch>
+        </p:blipFill>
+        <p:spPr>
+          <a:xfrm>
+            <a:off x="8324920" y="4444114"/>
+            <a:ext cx="718605" cy="298305"/>
+          </a:xfrm>
+          <a:prstGeom prst="rect">
+            <a:avLst/>
+          </a:prstGeom>
+        </p:spPr>
+      </p:pic>
+      <p:pic>
+        <p:nvPicPr>
+          <p:cNvPr id="120" name="Object 46">
+            <a:extLst>
+              <a:ext uri="{FF2B5EF4-FFF2-40B4-BE49-F238E27FC236}">
+                <a16:creationId xmlns:a16="http://schemas.microsoft.com/office/drawing/2014/main" id="{8962BFD6-391E-53D8-1D04-500DE95AEA4A}"/>
+              </a:ext>
+            </a:extLst>
+          </p:cNvPr>
+          <p:cNvPicPr>
+            <a:picLocks noChangeAspect="1"/>
+          </p:cNvPicPr>
+          <p:nvPr/>
+        </p:nvPicPr>
+        <p:blipFill>
+          <a:blip r:embed="rId62" cstate="print"/>
+          <a:stretch>
+            <a:fillRect/>
+          </a:stretch>
+        </p:blipFill>
+        <p:spPr>
+          <a:xfrm>
+            <a:off x="3870613" y="6505529"/>
+            <a:ext cx="889495" cy="296087"/>
+          </a:xfrm>
+          <a:prstGeom prst="rect">
+            <a:avLst/>
+          </a:prstGeom>
+        </p:spPr>
+      </p:pic>
+      <p:pic>
+        <p:nvPicPr>
+          <p:cNvPr id="121" name="Object 38">
+            <a:extLst>
+              <a:ext uri="{FF2B5EF4-FFF2-40B4-BE49-F238E27FC236}">
+                <a16:creationId xmlns:a16="http://schemas.microsoft.com/office/drawing/2014/main" id="{F12342F3-351E-CD78-7782-DC25056550F7}"/>
+              </a:ext>
+            </a:extLst>
+          </p:cNvPr>
+          <p:cNvPicPr>
+            <a:picLocks noChangeAspect="1"/>
+          </p:cNvPicPr>
+          <p:nvPr/>
+        </p:nvPicPr>
+        <p:blipFill>
+          <a:blip r:embed="rId62" cstate="print"/>
+          <a:stretch>
+            <a:fillRect/>
+          </a:stretch>
+        </p:blipFill>
+        <p:spPr>
+          <a:xfrm>
+            <a:off x="8829206" y="6507841"/>
+            <a:ext cx="935578" cy="297900"/>
           </a:xfrm>
           <a:prstGeom prst="rect">
             <a:avLst/>
@@ -3470,11 +7916,6 @@
         </p:spPr>
       </p:pic>
     </p:spTree>
-    <p:extLst>
-      <p:ext uri="{BB962C8B-B14F-4D97-AF65-F5344CB8AC3E}">
-        <p14:creationId xmlns:p14="http://schemas.microsoft.com/office/powerpoint/2010/main" val="3613848790"/>
-      </p:ext>
-    </p:extLst>
   </p:cSld>
   <p:clrMapOvr>
     <a:masterClrMapping/>
@@ -3483,9 +7924,9 @@
 </file>
 
 <file path=ppt/theme/theme1.xml><?xml version="1.0" encoding="utf-8"?>
-<a:theme xmlns:a="http://schemas.openxmlformats.org/drawingml/2006/main" name="Office 테마">
+<a:theme xmlns:a="http://schemas.openxmlformats.org/drawingml/2006/main" name="Office Theme">
   <a:themeElements>
-    <a:clrScheme name="Office 테마">
+    <a:clrScheme name="Office">
       <a:dk1>
         <a:sysClr val="windowText" lastClr="000000"/>
       </a:dk1>
@@ -3493,45 +7934,45 @@
         <a:sysClr val="window" lastClr="FFFFFF"/>
       </a:lt1>
       <a:dk2>
-        <a:srgbClr val="44546A"/>
+        <a:srgbClr val="1F497D"/>
       </a:dk2>
       <a:lt2>
-        <a:srgbClr val="E7E6E6"/>
+        <a:srgbClr val="EEECE1"/>
       </a:lt2>
       <a:accent1>
-        <a:srgbClr val="4472C4"/>
+        <a:srgbClr val="4F81BD"/>
       </a:accent1>
       <a:accent2>
-        <a:srgbClr val="ED7D31"/>
+        <a:srgbClr val="C0504D"/>
       </a:accent2>
       <a:accent3>
-        <a:srgbClr val="A5A5A5"/>
+        <a:srgbClr val="9BBB59"/>
       </a:accent3>
       <a:accent4>
-        <a:srgbClr val="FFC000"/>
+        <a:srgbClr val="8064A2"/>
       </a:accent4>
       <a:accent5>
-        <a:srgbClr val="5B9BD5"/>
+        <a:srgbClr val="4BACC6"/>
       </a:accent5>
       <a:accent6>
-        <a:srgbClr val="70AD47"/>
+        <a:srgbClr val="F79646"/>
       </a:accent6>
       <a:hlink>
-        <a:srgbClr val="0563C1"/>
+        <a:srgbClr val="0000FF"/>
       </a:hlink>
       <a:folHlink>
-        <a:srgbClr val="954F72"/>
+        <a:srgbClr val="800080"/>
       </a:folHlink>
     </a:clrScheme>
-    <a:fontScheme name="Office 테마">
+    <a:fontScheme name="Office">
       <a:majorFont>
-        <a:latin typeface="Calibri Light" panose="020F0302020204030204"/>
+        <a:latin typeface="Calibri"/>
         <a:ea typeface=""/>
         <a:cs typeface=""/>
-        <a:font script="Jpan" typeface="游ゴシック Light"/>
-        <a:font script="Hang" typeface="맑은 고딕"/>
-        <a:font script="Hans" typeface="等线 Light"/>
-        <a:font script="Hant" typeface="新細明體"/>
+        <a:font script="Jpan" typeface="MS P????"/>
+        <a:font script="Hang" typeface="?? ??"/>
+        <a:font script="Hans" typeface="??"/>
+        <a:font script="Hant" typeface="????"/>
         <a:font script="Arab" typeface="Times New Roman"/>
         <a:font script="Hebr" typeface="Times New Roman"/>
         <a:font script="Thai" typeface="Angsana New"/>
@@ -3557,16 +7998,15 @@
         <a:font script="Mong" typeface="Mongolian Baiti"/>
         <a:font script="Viet" typeface="Times New Roman"/>
         <a:font script="Uigh" typeface="Microsoft Uighur"/>
-        <a:font script="Geor" typeface="Sylfaen"/>
       </a:majorFont>
       <a:minorFont>
-        <a:latin typeface="Calibri" panose="020F0502020204030204"/>
+        <a:latin typeface="Calibri"/>
         <a:ea typeface=""/>
         <a:cs typeface=""/>
-        <a:font script="Jpan" typeface="游ゴシック"/>
-        <a:font script="Hang" typeface="맑은 고딕"/>
-        <a:font script="Hans" typeface="等线"/>
-        <a:font script="Hant" typeface="新細明體"/>
+        <a:font script="Jpan" typeface="MS P????"/>
+        <a:font script="Hang" typeface="?? ??"/>
+        <a:font script="Hans" typeface="??"/>
+        <a:font script="Hant" typeface="????"/>
         <a:font script="Arab" typeface="Arial"/>
         <a:font script="Hebr" typeface="Arial"/>
         <a:font script="Thai" typeface="Cordia New"/>
@@ -3592,10 +8032,9 @@
         <a:font script="Mong" typeface="Mongolian Baiti"/>
         <a:font script="Viet" typeface="Arial"/>
         <a:font script="Uigh" typeface="Microsoft Uighur"/>
-        <a:font script="Geor" typeface="Sylfaen"/>
       </a:minorFont>
     </a:fontScheme>
-    <a:fmtScheme name="Office 테마">
+    <a:fmtScheme name="Office">
       <a:fillStyleLst>
         <a:solidFill>
           <a:schemeClr val="phClr"/>
@@ -3604,141 +8043,165 @@
           <a:gsLst>
             <a:gs pos="0">
               <a:schemeClr val="phClr">
-                <a:lumMod val="110000"/>
-                <a:satMod val="105000"/>
-                <a:tint val="67000"/>
+                <a:tint val="50000"/>
+                <a:satMod val="300000"/>
               </a:schemeClr>
             </a:gs>
-            <a:gs pos="50000">
+            <a:gs pos="35000">
               <a:schemeClr val="phClr">
-                <a:lumMod val="105000"/>
-                <a:satMod val="103000"/>
-                <a:tint val="73000"/>
+                <a:tint val="37000"/>
+                <a:satMod val="300000"/>
               </a:schemeClr>
             </a:gs>
             <a:gs pos="100000">
               <a:schemeClr val="phClr">
-                <a:lumMod val="105000"/>
-                <a:satMod val="109000"/>
-                <a:tint val="81000"/>
+                <a:tint val="15000"/>
+                <a:satMod val="350000"/>
               </a:schemeClr>
             </a:gs>
           </a:gsLst>
-          <a:lin ang="5400000" scaled="0"/>
+          <a:lin ang="16200000" scaled="1"/>
         </a:gradFill>
         <a:gradFill rotWithShape="1">
           <a:gsLst>
             <a:gs pos="0">
               <a:schemeClr val="phClr">
-                <a:satMod val="103000"/>
-                <a:lumMod val="102000"/>
-                <a:tint val="94000"/>
+                <a:shade val="51000"/>
+                <a:satMod val="130000"/>
               </a:schemeClr>
             </a:gs>
-            <a:gs pos="50000">
+            <a:gs pos="80000">
               <a:schemeClr val="phClr">
-                <a:satMod val="110000"/>
-                <a:lumMod val="100000"/>
-                <a:shade val="100000"/>
+                <a:shade val="93000"/>
+                <a:satMod val="130000"/>
               </a:schemeClr>
             </a:gs>
             <a:gs pos="100000">
               <a:schemeClr val="phClr">
-                <a:lumMod val="99000"/>
-                <a:satMod val="120000"/>
-                <a:shade val="78000"/>
+                <a:shade val="94000"/>
+                <a:satMod val="135000"/>
               </a:schemeClr>
             </a:gs>
           </a:gsLst>
-          <a:lin ang="5400000" scaled="0"/>
+          <a:lin ang="16200000" scaled="0"/>
         </a:gradFill>
       </a:fillStyleLst>
       <a:lnStyleLst>
-        <a:ln w="6350" cap="flat" cmpd="sng" algn="ctr">
+        <a:ln w="9525" cap="flat" cmpd="sng" algn="ctr">
+          <a:solidFill>
+            <a:schemeClr val="phClr">
+              <a:shade val="95000"/>
+              <a:satMod val="105000"/>
+            </a:schemeClr>
+          </a:solidFill>
+          <a:prstDash val="solid"/>
+        </a:ln>
+        <a:ln w="25400" cap="flat" cmpd="sng" algn="ctr">
           <a:solidFill>
             <a:schemeClr val="phClr"/>
           </a:solidFill>
           <a:prstDash val="solid"/>
-          <a:miter lim="800000"/>
         </a:ln>
-        <a:ln w="12700" cap="flat" cmpd="sng" algn="ctr">
+        <a:ln w="38100" cap="flat" cmpd="sng" algn="ctr">
           <a:solidFill>
             <a:schemeClr val="phClr"/>
           </a:solidFill>
           <a:prstDash val="solid"/>
-          <a:miter lim="800000"/>
-        </a:ln>
-        <a:ln w="19050" cap="flat" cmpd="sng" algn="ctr">
-          <a:solidFill>
-            <a:schemeClr val="phClr"/>
-          </a:solidFill>
-          <a:prstDash val="solid"/>
-          <a:miter lim="800000"/>
         </a:ln>
       </a:lnStyleLst>
       <a:effectStyleLst>
         <a:effectStyle>
-          <a:effectLst/>
-        </a:effectStyle>
-        <a:effectStyle>
-          <a:effectLst/>
+          <a:effectLst>
+            <a:outerShdw blurRad="40000" dist="20000" dir="5400000" rotWithShape="0">
+              <a:srgbClr val="000000">
+                <a:alpha val="38000"/>
+              </a:srgbClr>
+            </a:outerShdw>
+          </a:effectLst>
         </a:effectStyle>
         <a:effectStyle>
           <a:effectLst>
-            <a:outerShdw blurRad="57150" dist="19050" dir="5400000" algn="ctr" rotWithShape="0">
+            <a:outerShdw blurRad="40000" dist="23000" dir="5400000" rotWithShape="0">
               <a:srgbClr val="000000">
-                <a:alpha val="63000"/>
+                <a:alpha val="35000"/>
               </a:srgbClr>
             </a:outerShdw>
           </a:effectLst>
+        </a:effectStyle>
+        <a:effectStyle>
+          <a:effectLst>
+            <a:outerShdw blurRad="40000" dist="23000" dir="5400000" rotWithShape="0">
+              <a:srgbClr val="000000">
+                <a:alpha val="35000"/>
+              </a:srgbClr>
+            </a:outerShdw>
+          </a:effectLst>
+          <a:scene3d>
+            <a:camera prst="orthographicFront">
+              <a:rot lat="0" lon="0" rev="0"/>
+            </a:camera>
+            <a:lightRig rig="threePt" dir="t">
+              <a:rot lat="0" lon="0" rev="1200000"/>
+            </a:lightRig>
+          </a:scene3d>
+          <a:sp3d>
+            <a:bevelT w="63500" h="25400"/>
+          </a:sp3d>
         </a:effectStyle>
       </a:effectStyleLst>
       <a:bgFillStyleLst>
         <a:solidFill>
           <a:schemeClr val="phClr"/>
         </a:solidFill>
-        <a:solidFill>
-          <a:schemeClr val="phClr">
-            <a:tint val="95000"/>
-            <a:satMod val="170000"/>
-          </a:schemeClr>
-        </a:solidFill>
         <a:gradFill rotWithShape="1">
           <a:gsLst>
             <a:gs pos="0">
               <a:schemeClr val="phClr">
-                <a:tint val="93000"/>
-                <a:satMod val="150000"/>
-                <a:shade val="98000"/>
-                <a:lumMod val="102000"/>
+                <a:tint val="40000"/>
+                <a:satMod val="350000"/>
               </a:schemeClr>
             </a:gs>
-            <a:gs pos="50000">
+            <a:gs pos="40000">
               <a:schemeClr val="phClr">
-                <a:tint val="98000"/>
-                <a:satMod val="130000"/>
-                <a:shade val="90000"/>
-                <a:lumMod val="103000"/>
+                <a:tint val="45000"/>
+                <a:shade val="99000"/>
+                <a:satMod val="350000"/>
               </a:schemeClr>
             </a:gs>
             <a:gs pos="100000">
               <a:schemeClr val="phClr">
-                <a:shade val="63000"/>
-                <a:satMod val="120000"/>
+                <a:shade val="20000"/>
+                <a:satMod val="255000"/>
               </a:schemeClr>
             </a:gs>
           </a:gsLst>
-          <a:lin ang="5400000" scaled="0"/>
+          <a:path path="circle">
+            <a:fillToRect l="50000" t="-80000" r="50000" b="180000"/>
+          </a:path>
+        </a:gradFill>
+        <a:gradFill rotWithShape="1">
+          <a:gsLst>
+            <a:gs pos="0">
+              <a:schemeClr val="phClr">
+                <a:tint val="80000"/>
+                <a:satMod val="300000"/>
+              </a:schemeClr>
+            </a:gs>
+            <a:gs pos="100000">
+              <a:schemeClr val="phClr">
+                <a:shade val="30000"/>
+                <a:satMod val="200000"/>
+              </a:schemeClr>
+            </a:gs>
+          </a:gsLst>
+          <a:path path="circle">
+            <a:fillToRect l="50000" t="50000" r="50000" b="50000"/>
+          </a:path>
         </a:gradFill>
       </a:bgFillStyleLst>
     </a:fmtScheme>
   </a:themeElements>
   <a:objectDefaults/>
   <a:extraClrSchemeLst/>
-  <a:extLst>
-    <a:ext uri="{05A4C25C-085E-4340-85A3-A5531E510DB2}">
-      <thm15:themeFamily xmlns:thm15="http://schemas.microsoft.com/office/thememl/2012/main" name="Office Theme" id="{62F939B6-93AF-4DB8-9C6B-D6C7DFDC589F}" vid="{4A3C46E8-61CC-4603-A589-7422A47A8E4A}"/>
-    </a:ext>
-  </a:extLst>
 </a:theme>
 </file>